--- a/img/subnetwork-source.pptx
+++ b/img/subnetwork-source.pptx
@@ -6,6 +6,7 @@
   </p:sldMasterIdLst>
   <p:sldIdLst>
     <p:sldId id="256" r:id="rId2"/>
+    <p:sldId id="257" r:id="rId3"/>
   </p:sldIdLst>
   <p:sldSz cx="12192000" cy="6858000"/>
   <p:notesSz cx="6858000" cy="9144000"/>
@@ -104,6 +105,11 @@
       </a:defRPr>
     </a:lvl9pPr>
   </p:defaultTextStyle>
+  <p:extLst>
+    <p:ext uri="{EFAFB233-063F-42B5-8137-9DF3F51BA10A}">
+      <p15:sldGuideLst xmlns:p15="http://schemas.microsoft.com/office/powerpoint/2012/main"/>
+    </p:ext>
+  </p:extLst>
 </p:presentation>
 </file>
 
@@ -254,7 +260,7 @@
           <a:p>
             <a:fld id="{06D6A9A0-8F7D-904F-8BB3-D7558471D569}" type="datetimeFigureOut">
               <a:rPr lang="en-GB" smtClean="0"/>
-              <a:t>28/04/2022</a:t>
+              <a:t>16/05/2022</a:t>
             </a:fld>
             <a:endParaRPr lang="en-GB"/>
           </a:p>
@@ -452,7 +458,7 @@
           <a:p>
             <a:fld id="{06D6A9A0-8F7D-904F-8BB3-D7558471D569}" type="datetimeFigureOut">
               <a:rPr lang="en-GB" smtClean="0"/>
-              <a:t>28/04/2022</a:t>
+              <a:t>16/05/2022</a:t>
             </a:fld>
             <a:endParaRPr lang="en-GB"/>
           </a:p>
@@ -660,7 +666,7 @@
           <a:p>
             <a:fld id="{06D6A9A0-8F7D-904F-8BB3-D7558471D569}" type="datetimeFigureOut">
               <a:rPr lang="en-GB" smtClean="0"/>
-              <a:t>28/04/2022</a:t>
+              <a:t>16/05/2022</a:t>
             </a:fld>
             <a:endParaRPr lang="en-GB"/>
           </a:p>
@@ -858,7 +864,7 @@
           <a:p>
             <a:fld id="{06D6A9A0-8F7D-904F-8BB3-D7558471D569}" type="datetimeFigureOut">
               <a:rPr lang="en-GB" smtClean="0"/>
-              <a:t>28/04/2022</a:t>
+              <a:t>16/05/2022</a:t>
             </a:fld>
             <a:endParaRPr lang="en-GB"/>
           </a:p>
@@ -1133,7 +1139,7 @@
           <a:p>
             <a:fld id="{06D6A9A0-8F7D-904F-8BB3-D7558471D569}" type="datetimeFigureOut">
               <a:rPr lang="en-GB" smtClean="0"/>
-              <a:t>28/04/2022</a:t>
+              <a:t>16/05/2022</a:t>
             </a:fld>
             <a:endParaRPr lang="en-GB"/>
           </a:p>
@@ -1398,7 +1404,7 @@
           <a:p>
             <a:fld id="{06D6A9A0-8F7D-904F-8BB3-D7558471D569}" type="datetimeFigureOut">
               <a:rPr lang="en-GB" smtClean="0"/>
-              <a:t>28/04/2022</a:t>
+              <a:t>16/05/2022</a:t>
             </a:fld>
             <a:endParaRPr lang="en-GB"/>
           </a:p>
@@ -1810,7 +1816,7 @@
           <a:p>
             <a:fld id="{06D6A9A0-8F7D-904F-8BB3-D7558471D569}" type="datetimeFigureOut">
               <a:rPr lang="en-GB" smtClean="0"/>
-              <a:t>28/04/2022</a:t>
+              <a:t>16/05/2022</a:t>
             </a:fld>
             <a:endParaRPr lang="en-GB"/>
           </a:p>
@@ -1951,7 +1957,7 @@
           <a:p>
             <a:fld id="{06D6A9A0-8F7D-904F-8BB3-D7558471D569}" type="datetimeFigureOut">
               <a:rPr lang="en-GB" smtClean="0"/>
-              <a:t>28/04/2022</a:t>
+              <a:t>16/05/2022</a:t>
             </a:fld>
             <a:endParaRPr lang="en-GB"/>
           </a:p>
@@ -2064,7 +2070,7 @@
           <a:p>
             <a:fld id="{06D6A9A0-8F7D-904F-8BB3-D7558471D569}" type="datetimeFigureOut">
               <a:rPr lang="en-GB" smtClean="0"/>
-              <a:t>28/04/2022</a:t>
+              <a:t>16/05/2022</a:t>
             </a:fld>
             <a:endParaRPr lang="en-GB"/>
           </a:p>
@@ -2375,7 +2381,7 @@
           <a:p>
             <a:fld id="{06D6A9A0-8F7D-904F-8BB3-D7558471D569}" type="datetimeFigureOut">
               <a:rPr lang="en-GB" smtClean="0"/>
-              <a:t>28/04/2022</a:t>
+              <a:t>16/05/2022</a:t>
             </a:fld>
             <a:endParaRPr lang="en-GB"/>
           </a:p>
@@ -2663,7 +2669,7 @@
           <a:p>
             <a:fld id="{06D6A9A0-8F7D-904F-8BB3-D7558471D569}" type="datetimeFigureOut">
               <a:rPr lang="en-GB" smtClean="0"/>
-              <a:t>28/04/2022</a:t>
+              <a:t>16/05/2022</a:t>
             </a:fld>
             <a:endParaRPr lang="en-GB"/>
           </a:p>
@@ -2904,7 +2910,7 @@
           <a:p>
             <a:fld id="{06D6A9A0-8F7D-904F-8BB3-D7558471D569}" type="datetimeFigureOut">
               <a:rPr lang="en-GB" smtClean="0"/>
-              <a:t>28/04/2022</a:t>
+              <a:t>16/05/2022</a:t>
             </a:fld>
             <a:endParaRPr lang="en-GB"/>
           </a:p>
@@ -6387,6 +6393,6895 @@
 </p:sld>
 </file>
 
+<file path=ppt/slides/slide2.xml><?xml version="1.0" encoding="utf-8"?>
+<p:sld xmlns:a="http://schemas.openxmlformats.org/drawingml/2006/main" xmlns:r="http://schemas.openxmlformats.org/officeDocument/2006/relationships" xmlns:p="http://schemas.openxmlformats.org/presentationml/2006/main">
+  <p:cSld>
+    <p:spTree>
+      <p:nvGrpSpPr>
+        <p:cNvPr id="1" name=""/>
+        <p:cNvGrpSpPr/>
+        <p:nvPr/>
+      </p:nvGrpSpPr>
+      <p:grpSpPr>
+        <a:xfrm>
+          <a:off x="0" y="0"/>
+          <a:ext cx="0" cy="0"/>
+          <a:chOff x="0" y="0"/>
+          <a:chExt cx="0" cy="0"/>
+        </a:xfrm>
+      </p:grpSpPr>
+      <p:sp>
+        <p:nvSpPr>
+          <p:cNvPr id="22" name="TextBox 21">
+            <a:extLst>
+              <a:ext uri="{FF2B5EF4-FFF2-40B4-BE49-F238E27FC236}">
+                <a16:creationId xmlns:a16="http://schemas.microsoft.com/office/drawing/2014/main" id="{4E4A736E-63F2-385B-1E1C-953D369AD926}"/>
+              </a:ext>
+            </a:extLst>
+          </p:cNvPr>
+          <p:cNvSpPr txBox="1"/>
+          <p:nvPr/>
+        </p:nvSpPr>
+        <p:spPr>
+          <a:xfrm>
+            <a:off x="-66671" y="2151182"/>
+            <a:ext cx="1012393" cy="830997"/>
+          </a:xfrm>
+          <a:prstGeom prst="rect">
+            <a:avLst/>
+          </a:prstGeom>
+          <a:noFill/>
+        </p:spPr>
+        <p:txBody>
+          <a:bodyPr wrap="none" rtlCol="0">
+            <a:spAutoFit/>
+          </a:bodyPr>
+          <a:lstStyle/>
+          <a:p>
+            <a:pPr algn="ctr"/>
+            <a:r>
+              <a:rPr lang="en-GB" sz="1600" b="1" dirty="0"/>
+              <a:t> Service  </a:t>
+            </a:r>
+          </a:p>
+          <a:p>
+            <a:pPr algn="ctr"/>
+            <a:r>
+              <a:rPr lang="en-GB" sz="1600" b="1" dirty="0"/>
+              <a:t>Discovery</a:t>
+            </a:r>
+          </a:p>
+          <a:p>
+            <a:pPr algn="ctr"/>
+            <a:r>
+              <a:rPr lang="en-GB" sz="1600" b="1" dirty="0"/>
+              <a:t> Network</a:t>
+            </a:r>
+          </a:p>
+        </p:txBody>
+      </p:sp>
+      <p:grpSp>
+        <p:nvGrpSpPr>
+          <p:cNvPr id="167" name="Group 166">
+            <a:extLst>
+              <a:ext uri="{FF2B5EF4-FFF2-40B4-BE49-F238E27FC236}">
+                <a16:creationId xmlns:a16="http://schemas.microsoft.com/office/drawing/2014/main" id="{2AD56E6A-0B0D-52F8-BB65-7ED6442A6359}"/>
+              </a:ext>
+            </a:extLst>
+          </p:cNvPr>
+          <p:cNvGrpSpPr/>
+          <p:nvPr/>
+        </p:nvGrpSpPr>
+        <p:grpSpPr>
+          <a:xfrm>
+            <a:off x="5632264" y="2212163"/>
+            <a:ext cx="4676079" cy="1654717"/>
+            <a:chOff x="3209250" y="2225547"/>
+            <a:chExt cx="4676079" cy="1654717"/>
+          </a:xfrm>
+        </p:grpSpPr>
+        <p:sp>
+          <p:nvSpPr>
+            <p:cNvPr id="23" name="Oval 22">
+              <a:extLst>
+                <a:ext uri="{FF2B5EF4-FFF2-40B4-BE49-F238E27FC236}">
+                  <a16:creationId xmlns:a16="http://schemas.microsoft.com/office/drawing/2014/main" id="{59A3D88D-0D1D-4237-CDA4-1C8548ACDEFF}"/>
+                </a:ext>
+              </a:extLst>
+            </p:cNvPr>
+            <p:cNvSpPr/>
+            <p:nvPr/>
+          </p:nvSpPr>
+          <p:spPr>
+            <a:xfrm>
+              <a:off x="4249065" y="2587040"/>
+              <a:ext cx="167425" cy="167425"/>
+            </a:xfrm>
+            <a:prstGeom prst="ellipse">
+              <a:avLst/>
+            </a:prstGeom>
+            <a:solidFill>
+              <a:schemeClr val="tx1"/>
+            </a:solidFill>
+          </p:spPr>
+          <p:style>
+            <a:lnRef idx="2">
+              <a:schemeClr val="accent1">
+                <a:shade val="50000"/>
+              </a:schemeClr>
+            </a:lnRef>
+            <a:fillRef idx="1">
+              <a:schemeClr val="accent1"/>
+            </a:fillRef>
+            <a:effectRef idx="0">
+              <a:schemeClr val="accent1"/>
+            </a:effectRef>
+            <a:fontRef idx="minor">
+              <a:schemeClr val="lt1"/>
+            </a:fontRef>
+          </p:style>
+          <p:txBody>
+            <a:bodyPr rtlCol="0" anchor="ctr"/>
+            <a:lstStyle/>
+            <a:p>
+              <a:pPr algn="ctr"/>
+              <a:endParaRPr lang="en-GB"/>
+            </a:p>
+          </p:txBody>
+        </p:sp>
+        <p:sp>
+          <p:nvSpPr>
+            <p:cNvPr id="24" name="Oval 23">
+              <a:extLst>
+                <a:ext uri="{FF2B5EF4-FFF2-40B4-BE49-F238E27FC236}">
+                  <a16:creationId xmlns:a16="http://schemas.microsoft.com/office/drawing/2014/main" id="{18E16A3B-DEED-3CAD-AFAF-CE99257461D8}"/>
+                </a:ext>
+              </a:extLst>
+            </p:cNvPr>
+            <p:cNvSpPr/>
+            <p:nvPr/>
+          </p:nvSpPr>
+          <p:spPr>
+            <a:xfrm>
+              <a:off x="4593122" y="2997549"/>
+              <a:ext cx="167425" cy="167425"/>
+            </a:xfrm>
+            <a:prstGeom prst="ellipse">
+              <a:avLst/>
+            </a:prstGeom>
+            <a:solidFill>
+              <a:schemeClr val="tx1"/>
+            </a:solidFill>
+          </p:spPr>
+          <p:style>
+            <a:lnRef idx="2">
+              <a:schemeClr val="accent1">
+                <a:shade val="50000"/>
+              </a:schemeClr>
+            </a:lnRef>
+            <a:fillRef idx="1">
+              <a:schemeClr val="accent1"/>
+            </a:fillRef>
+            <a:effectRef idx="0">
+              <a:schemeClr val="accent1"/>
+            </a:effectRef>
+            <a:fontRef idx="minor">
+              <a:schemeClr val="lt1"/>
+            </a:fontRef>
+          </p:style>
+          <p:txBody>
+            <a:bodyPr rtlCol="0" anchor="ctr"/>
+            <a:lstStyle/>
+            <a:p>
+              <a:pPr algn="ctr"/>
+              <a:endParaRPr lang="en-GB"/>
+            </a:p>
+          </p:txBody>
+        </p:sp>
+        <p:sp>
+          <p:nvSpPr>
+            <p:cNvPr id="25" name="Oval 24">
+              <a:extLst>
+                <a:ext uri="{FF2B5EF4-FFF2-40B4-BE49-F238E27FC236}">
+                  <a16:creationId xmlns:a16="http://schemas.microsoft.com/office/drawing/2014/main" id="{06803BDE-6EA7-AC85-A6F6-A62D8D313386}"/>
+                </a:ext>
+              </a:extLst>
+            </p:cNvPr>
+            <p:cNvSpPr/>
+            <p:nvPr/>
+          </p:nvSpPr>
+          <p:spPr>
+            <a:xfrm>
+              <a:off x="3880493" y="3331675"/>
+              <a:ext cx="167425" cy="167425"/>
+            </a:xfrm>
+            <a:prstGeom prst="ellipse">
+              <a:avLst/>
+            </a:prstGeom>
+            <a:solidFill>
+              <a:schemeClr val="tx1"/>
+            </a:solidFill>
+          </p:spPr>
+          <p:style>
+            <a:lnRef idx="2">
+              <a:schemeClr val="accent1">
+                <a:shade val="50000"/>
+              </a:schemeClr>
+            </a:lnRef>
+            <a:fillRef idx="1">
+              <a:schemeClr val="accent1"/>
+            </a:fillRef>
+            <a:effectRef idx="0">
+              <a:schemeClr val="accent1"/>
+            </a:effectRef>
+            <a:fontRef idx="minor">
+              <a:schemeClr val="lt1"/>
+            </a:fontRef>
+          </p:style>
+          <p:txBody>
+            <a:bodyPr rtlCol="0" anchor="ctr"/>
+            <a:lstStyle/>
+            <a:p>
+              <a:pPr algn="ctr"/>
+              <a:endParaRPr lang="en-GB"/>
+            </a:p>
+          </p:txBody>
+        </p:sp>
+        <p:sp>
+          <p:nvSpPr>
+            <p:cNvPr id="26" name="Oval 25">
+              <a:extLst>
+                <a:ext uri="{FF2B5EF4-FFF2-40B4-BE49-F238E27FC236}">
+                  <a16:creationId xmlns:a16="http://schemas.microsoft.com/office/drawing/2014/main" id="{B3760D86-B7C8-BE31-2695-E4B8251C52D9}"/>
+                </a:ext>
+              </a:extLst>
+            </p:cNvPr>
+            <p:cNvSpPr/>
+            <p:nvPr/>
+          </p:nvSpPr>
+          <p:spPr>
+            <a:xfrm>
+              <a:off x="4249066" y="3712839"/>
+              <a:ext cx="167425" cy="167425"/>
+            </a:xfrm>
+            <a:prstGeom prst="ellipse">
+              <a:avLst/>
+            </a:prstGeom>
+            <a:solidFill>
+              <a:schemeClr val="tx1"/>
+            </a:solidFill>
+          </p:spPr>
+          <p:style>
+            <a:lnRef idx="2">
+              <a:schemeClr val="accent1">
+                <a:shade val="50000"/>
+              </a:schemeClr>
+            </a:lnRef>
+            <a:fillRef idx="1">
+              <a:schemeClr val="accent1"/>
+            </a:fillRef>
+            <a:effectRef idx="0">
+              <a:schemeClr val="accent1"/>
+            </a:effectRef>
+            <a:fontRef idx="minor">
+              <a:schemeClr val="lt1"/>
+            </a:fontRef>
+          </p:style>
+          <p:txBody>
+            <a:bodyPr rtlCol="0" anchor="ctr"/>
+            <a:lstStyle/>
+            <a:p>
+              <a:pPr algn="ctr"/>
+              <a:endParaRPr lang="en-GB"/>
+            </a:p>
+          </p:txBody>
+        </p:sp>
+        <p:sp>
+          <p:nvSpPr>
+            <p:cNvPr id="27" name="Oval 26">
+              <a:extLst>
+                <a:ext uri="{FF2B5EF4-FFF2-40B4-BE49-F238E27FC236}">
+                  <a16:creationId xmlns:a16="http://schemas.microsoft.com/office/drawing/2014/main" id="{4C857D8E-CF1D-4F89-C2C7-36F2A2C5D70F}"/>
+                </a:ext>
+              </a:extLst>
+            </p:cNvPr>
+            <p:cNvSpPr/>
+            <p:nvPr/>
+          </p:nvSpPr>
+          <p:spPr>
+            <a:xfrm>
+              <a:off x="3481705" y="2913836"/>
+              <a:ext cx="167425" cy="167425"/>
+            </a:xfrm>
+            <a:prstGeom prst="ellipse">
+              <a:avLst/>
+            </a:prstGeom>
+            <a:solidFill>
+              <a:schemeClr val="tx1"/>
+            </a:solidFill>
+          </p:spPr>
+          <p:style>
+            <a:lnRef idx="2">
+              <a:schemeClr val="accent1">
+                <a:shade val="50000"/>
+              </a:schemeClr>
+            </a:lnRef>
+            <a:fillRef idx="1">
+              <a:schemeClr val="accent1"/>
+            </a:fillRef>
+            <a:effectRef idx="0">
+              <a:schemeClr val="accent1"/>
+            </a:effectRef>
+            <a:fontRef idx="minor">
+              <a:schemeClr val="lt1"/>
+            </a:fontRef>
+          </p:style>
+          <p:txBody>
+            <a:bodyPr rtlCol="0" anchor="ctr"/>
+            <a:lstStyle/>
+            <a:p>
+              <a:pPr algn="ctr"/>
+              <a:endParaRPr lang="en-GB"/>
+            </a:p>
+          </p:txBody>
+        </p:sp>
+        <p:cxnSp>
+          <p:nvCxnSpPr>
+            <p:cNvPr id="29" name="Straight Connector 28">
+              <a:extLst>
+                <a:ext uri="{FF2B5EF4-FFF2-40B4-BE49-F238E27FC236}">
+                  <a16:creationId xmlns:a16="http://schemas.microsoft.com/office/drawing/2014/main" id="{3E414B73-A764-AE94-EB7F-43E50A1896A0}"/>
+                </a:ext>
+              </a:extLst>
+            </p:cNvPr>
+            <p:cNvCxnSpPr>
+              <a:cxnSpLocks/>
+              <a:stCxn id="27" idx="5"/>
+              <a:endCxn id="25" idx="1"/>
+            </p:cNvCxnSpPr>
+            <p:nvPr/>
+          </p:nvCxnSpPr>
+          <p:spPr>
+            <a:xfrm>
+              <a:off x="3624611" y="3056742"/>
+              <a:ext cx="280401" cy="299452"/>
+            </a:xfrm>
+            <a:prstGeom prst="line">
+              <a:avLst/>
+            </a:prstGeom>
+            <a:ln w="12700"/>
+          </p:spPr>
+          <p:style>
+            <a:lnRef idx="1">
+              <a:schemeClr val="accent1"/>
+            </a:lnRef>
+            <a:fillRef idx="0">
+              <a:schemeClr val="accent1"/>
+            </a:fillRef>
+            <a:effectRef idx="0">
+              <a:schemeClr val="accent1"/>
+            </a:effectRef>
+            <a:fontRef idx="minor">
+              <a:schemeClr val="tx1"/>
+            </a:fontRef>
+          </p:style>
+        </p:cxnSp>
+        <p:cxnSp>
+          <p:nvCxnSpPr>
+            <p:cNvPr id="33" name="Straight Connector 32">
+              <a:extLst>
+                <a:ext uri="{FF2B5EF4-FFF2-40B4-BE49-F238E27FC236}">
+                  <a16:creationId xmlns:a16="http://schemas.microsoft.com/office/drawing/2014/main" id="{F414F055-3E79-C09D-22D9-F94BFA76AD2C}"/>
+                </a:ext>
+              </a:extLst>
+            </p:cNvPr>
+            <p:cNvCxnSpPr>
+              <a:cxnSpLocks/>
+              <a:stCxn id="24" idx="1"/>
+              <a:endCxn id="23" idx="5"/>
+            </p:cNvCxnSpPr>
+            <p:nvPr/>
+          </p:nvCxnSpPr>
+          <p:spPr>
+            <a:xfrm flipH="1" flipV="1">
+              <a:off x="4391971" y="2729946"/>
+              <a:ext cx="225670" cy="292122"/>
+            </a:xfrm>
+            <a:prstGeom prst="line">
+              <a:avLst/>
+            </a:prstGeom>
+            <a:ln w="12700"/>
+          </p:spPr>
+          <p:style>
+            <a:lnRef idx="1">
+              <a:schemeClr val="accent1"/>
+            </a:lnRef>
+            <a:fillRef idx="0">
+              <a:schemeClr val="accent1"/>
+            </a:fillRef>
+            <a:effectRef idx="0">
+              <a:schemeClr val="accent1"/>
+            </a:effectRef>
+            <a:fontRef idx="minor">
+              <a:schemeClr val="tx1"/>
+            </a:fontRef>
+          </p:style>
+        </p:cxnSp>
+        <p:cxnSp>
+          <p:nvCxnSpPr>
+            <p:cNvPr id="37" name="Straight Connector 36">
+              <a:extLst>
+                <a:ext uri="{FF2B5EF4-FFF2-40B4-BE49-F238E27FC236}">
+                  <a16:creationId xmlns:a16="http://schemas.microsoft.com/office/drawing/2014/main" id="{AECD52E1-F626-7286-051F-36DA72F14A48}"/>
+                </a:ext>
+              </a:extLst>
+            </p:cNvPr>
+            <p:cNvCxnSpPr>
+              <a:cxnSpLocks/>
+              <a:stCxn id="26" idx="1"/>
+              <a:endCxn id="25" idx="5"/>
+            </p:cNvCxnSpPr>
+            <p:nvPr/>
+          </p:nvCxnSpPr>
+          <p:spPr>
+            <a:xfrm flipH="1" flipV="1">
+              <a:off x="4023399" y="3474581"/>
+              <a:ext cx="250186" cy="262777"/>
+            </a:xfrm>
+            <a:prstGeom prst="line">
+              <a:avLst/>
+            </a:prstGeom>
+            <a:ln w="12700"/>
+          </p:spPr>
+          <p:style>
+            <a:lnRef idx="1">
+              <a:schemeClr val="accent1"/>
+            </a:lnRef>
+            <a:fillRef idx="0">
+              <a:schemeClr val="accent1"/>
+            </a:fillRef>
+            <a:effectRef idx="0">
+              <a:schemeClr val="accent1"/>
+            </a:effectRef>
+            <a:fontRef idx="minor">
+              <a:schemeClr val="tx1"/>
+            </a:fontRef>
+          </p:style>
+        </p:cxnSp>
+        <p:cxnSp>
+          <p:nvCxnSpPr>
+            <p:cNvPr id="39" name="Straight Connector 38">
+              <a:extLst>
+                <a:ext uri="{FF2B5EF4-FFF2-40B4-BE49-F238E27FC236}">
+                  <a16:creationId xmlns:a16="http://schemas.microsoft.com/office/drawing/2014/main" id="{F6A9B73D-87CD-DC7A-1006-C081A7862114}"/>
+                </a:ext>
+              </a:extLst>
+            </p:cNvPr>
+            <p:cNvCxnSpPr>
+              <a:cxnSpLocks/>
+              <a:stCxn id="25" idx="6"/>
+              <a:endCxn id="24" idx="3"/>
+            </p:cNvCxnSpPr>
+            <p:nvPr/>
+          </p:nvCxnSpPr>
+          <p:spPr>
+            <a:xfrm flipV="1">
+              <a:off x="4047918" y="3140455"/>
+              <a:ext cx="569723" cy="274933"/>
+            </a:xfrm>
+            <a:prstGeom prst="line">
+              <a:avLst/>
+            </a:prstGeom>
+            <a:ln w="12700"/>
+          </p:spPr>
+          <p:style>
+            <a:lnRef idx="1">
+              <a:schemeClr val="accent1"/>
+            </a:lnRef>
+            <a:fillRef idx="0">
+              <a:schemeClr val="accent1"/>
+            </a:fillRef>
+            <a:effectRef idx="0">
+              <a:schemeClr val="accent1"/>
+            </a:effectRef>
+            <a:fontRef idx="minor">
+              <a:schemeClr val="tx1"/>
+            </a:fontRef>
+          </p:style>
+        </p:cxnSp>
+        <p:cxnSp>
+          <p:nvCxnSpPr>
+            <p:cNvPr id="63" name="Straight Connector 62">
+              <a:extLst>
+                <a:ext uri="{FF2B5EF4-FFF2-40B4-BE49-F238E27FC236}">
+                  <a16:creationId xmlns:a16="http://schemas.microsoft.com/office/drawing/2014/main" id="{C73326AE-2E5E-E2DD-E7EB-E8A419BEE957}"/>
+                </a:ext>
+              </a:extLst>
+            </p:cNvPr>
+            <p:cNvCxnSpPr>
+              <a:cxnSpLocks/>
+              <a:stCxn id="26" idx="7"/>
+              <a:endCxn id="23" idx="4"/>
+            </p:cNvCxnSpPr>
+            <p:nvPr/>
+          </p:nvCxnSpPr>
+          <p:spPr>
+            <a:xfrm flipH="1" flipV="1">
+              <a:off x="4332778" y="2754465"/>
+              <a:ext cx="59194" cy="982893"/>
+            </a:xfrm>
+            <a:prstGeom prst="line">
+              <a:avLst/>
+            </a:prstGeom>
+            <a:ln w="12700"/>
+          </p:spPr>
+          <p:style>
+            <a:lnRef idx="1">
+              <a:schemeClr val="accent1"/>
+            </a:lnRef>
+            <a:fillRef idx="0">
+              <a:schemeClr val="accent1"/>
+            </a:fillRef>
+            <a:effectRef idx="0">
+              <a:schemeClr val="accent1"/>
+            </a:effectRef>
+            <a:fontRef idx="minor">
+              <a:schemeClr val="tx1"/>
+            </a:fontRef>
+          </p:style>
+        </p:cxnSp>
+        <p:cxnSp>
+          <p:nvCxnSpPr>
+            <p:cNvPr id="66" name="Straight Connector 65">
+              <a:extLst>
+                <a:ext uri="{FF2B5EF4-FFF2-40B4-BE49-F238E27FC236}">
+                  <a16:creationId xmlns:a16="http://schemas.microsoft.com/office/drawing/2014/main" id="{681FEC13-CF79-BA67-E2C2-179737F0D63C}"/>
+                </a:ext>
+              </a:extLst>
+            </p:cNvPr>
+            <p:cNvCxnSpPr>
+              <a:cxnSpLocks/>
+              <a:stCxn id="27" idx="7"/>
+              <a:endCxn id="24" idx="2"/>
+            </p:cNvCxnSpPr>
+            <p:nvPr/>
+          </p:nvCxnSpPr>
+          <p:spPr>
+            <a:xfrm>
+              <a:off x="3624611" y="2938355"/>
+              <a:ext cx="968511" cy="142907"/>
+            </a:xfrm>
+            <a:prstGeom prst="line">
+              <a:avLst/>
+            </a:prstGeom>
+            <a:ln w="12700"/>
+          </p:spPr>
+          <p:style>
+            <a:lnRef idx="1">
+              <a:schemeClr val="accent1"/>
+            </a:lnRef>
+            <a:fillRef idx="0">
+              <a:schemeClr val="accent1"/>
+            </a:fillRef>
+            <a:effectRef idx="0">
+              <a:schemeClr val="accent1"/>
+            </a:effectRef>
+            <a:fontRef idx="minor">
+              <a:schemeClr val="tx1"/>
+            </a:fontRef>
+          </p:style>
+        </p:cxnSp>
+        <p:sp>
+          <p:nvSpPr>
+            <p:cNvPr id="69" name="TextBox 68">
+              <a:extLst>
+                <a:ext uri="{FF2B5EF4-FFF2-40B4-BE49-F238E27FC236}">
+                  <a16:creationId xmlns:a16="http://schemas.microsoft.com/office/drawing/2014/main" id="{D96C88DB-C047-C4CD-D1A3-D9630F51EBD5}"/>
+                </a:ext>
+              </a:extLst>
+            </p:cNvPr>
+            <p:cNvSpPr txBox="1"/>
+            <p:nvPr/>
+          </p:nvSpPr>
+          <p:spPr>
+            <a:xfrm>
+              <a:off x="3209250" y="2225547"/>
+              <a:ext cx="1587871" cy="307777"/>
+            </a:xfrm>
+            <a:prstGeom prst="rect">
+              <a:avLst/>
+            </a:prstGeom>
+            <a:noFill/>
+          </p:spPr>
+          <p:txBody>
+            <a:bodyPr wrap="none" rtlCol="0">
+              <a:spAutoFit/>
+            </a:bodyPr>
+            <a:lstStyle/>
+            <a:p>
+              <a:r>
+                <a:rPr lang="en-GB" sz="1400" i="1" dirty="0"/>
+                <a:t>App-1 sub-network</a:t>
+              </a:r>
+            </a:p>
+          </p:txBody>
+        </p:sp>
+        <p:sp>
+          <p:nvSpPr>
+            <p:cNvPr id="70" name="Oval 69">
+              <a:extLst>
+                <a:ext uri="{FF2B5EF4-FFF2-40B4-BE49-F238E27FC236}">
+                  <a16:creationId xmlns:a16="http://schemas.microsoft.com/office/drawing/2014/main" id="{4019D79F-7E38-6FDE-949D-C4103EF0A13C}"/>
+                </a:ext>
+              </a:extLst>
+            </p:cNvPr>
+            <p:cNvSpPr/>
+            <p:nvPr/>
+          </p:nvSpPr>
+          <p:spPr>
+            <a:xfrm>
+              <a:off x="5497398" y="2629916"/>
+              <a:ext cx="167425" cy="167425"/>
+            </a:xfrm>
+            <a:prstGeom prst="ellipse">
+              <a:avLst/>
+            </a:prstGeom>
+            <a:pattFill prst="wdUpDiag">
+              <a:fgClr>
+                <a:srgbClr val="00B050"/>
+              </a:fgClr>
+              <a:bgClr>
+                <a:schemeClr val="bg1"/>
+              </a:bgClr>
+            </a:pattFill>
+          </p:spPr>
+          <p:style>
+            <a:lnRef idx="2">
+              <a:schemeClr val="accent1">
+                <a:shade val="50000"/>
+              </a:schemeClr>
+            </a:lnRef>
+            <a:fillRef idx="1">
+              <a:schemeClr val="accent1"/>
+            </a:fillRef>
+            <a:effectRef idx="0">
+              <a:schemeClr val="accent1"/>
+            </a:effectRef>
+            <a:fontRef idx="minor">
+              <a:schemeClr val="lt1"/>
+            </a:fontRef>
+          </p:style>
+          <p:txBody>
+            <a:bodyPr rtlCol="0" anchor="ctr"/>
+            <a:lstStyle/>
+            <a:p>
+              <a:pPr algn="ctr"/>
+              <a:endParaRPr lang="en-GB"/>
+            </a:p>
+          </p:txBody>
+        </p:sp>
+        <p:sp>
+          <p:nvSpPr>
+            <p:cNvPr id="71" name="Oval 70">
+              <a:extLst>
+                <a:ext uri="{FF2B5EF4-FFF2-40B4-BE49-F238E27FC236}">
+                  <a16:creationId xmlns:a16="http://schemas.microsoft.com/office/drawing/2014/main" id="{49CECF9E-916C-7687-55A3-3C447364DE7E}"/>
+                </a:ext>
+              </a:extLst>
+            </p:cNvPr>
+            <p:cNvSpPr/>
+            <p:nvPr/>
+          </p:nvSpPr>
+          <p:spPr>
+            <a:xfrm>
+              <a:off x="5968728" y="3032968"/>
+              <a:ext cx="167425" cy="167425"/>
+            </a:xfrm>
+            <a:prstGeom prst="ellipse">
+              <a:avLst/>
+            </a:prstGeom>
+            <a:pattFill prst="wdUpDiag">
+              <a:fgClr>
+                <a:srgbClr val="00B050"/>
+              </a:fgClr>
+              <a:bgClr>
+                <a:schemeClr val="bg1"/>
+              </a:bgClr>
+            </a:pattFill>
+          </p:spPr>
+          <p:style>
+            <a:lnRef idx="2">
+              <a:schemeClr val="accent1">
+                <a:shade val="50000"/>
+              </a:schemeClr>
+            </a:lnRef>
+            <a:fillRef idx="1">
+              <a:schemeClr val="accent1"/>
+            </a:fillRef>
+            <a:effectRef idx="0">
+              <a:schemeClr val="accent1"/>
+            </a:effectRef>
+            <a:fontRef idx="minor">
+              <a:schemeClr val="lt1"/>
+            </a:fontRef>
+          </p:style>
+          <p:txBody>
+            <a:bodyPr rtlCol="0" anchor="ctr"/>
+            <a:lstStyle/>
+            <a:p>
+              <a:pPr algn="ctr"/>
+              <a:endParaRPr lang="en-GB"/>
+            </a:p>
+          </p:txBody>
+        </p:sp>
+        <p:sp>
+          <p:nvSpPr>
+            <p:cNvPr id="72" name="Oval 71">
+              <a:extLst>
+                <a:ext uri="{FF2B5EF4-FFF2-40B4-BE49-F238E27FC236}">
+                  <a16:creationId xmlns:a16="http://schemas.microsoft.com/office/drawing/2014/main" id="{2A85C9B8-FA8B-1776-5DB2-4A810B805AE8}"/>
+                </a:ext>
+              </a:extLst>
+            </p:cNvPr>
+            <p:cNvSpPr/>
+            <p:nvPr/>
+          </p:nvSpPr>
+          <p:spPr>
+            <a:xfrm>
+              <a:off x="5007778" y="3049044"/>
+              <a:ext cx="167425" cy="167425"/>
+            </a:xfrm>
+            <a:prstGeom prst="ellipse">
+              <a:avLst/>
+            </a:prstGeom>
+            <a:pattFill prst="wdUpDiag">
+              <a:fgClr>
+                <a:srgbClr val="00B050"/>
+              </a:fgClr>
+              <a:bgClr>
+                <a:schemeClr val="bg1"/>
+              </a:bgClr>
+            </a:pattFill>
+          </p:spPr>
+          <p:style>
+            <a:lnRef idx="2">
+              <a:schemeClr val="accent1">
+                <a:shade val="50000"/>
+              </a:schemeClr>
+            </a:lnRef>
+            <a:fillRef idx="1">
+              <a:schemeClr val="accent1"/>
+            </a:fillRef>
+            <a:effectRef idx="0">
+              <a:schemeClr val="accent1"/>
+            </a:effectRef>
+            <a:fontRef idx="minor">
+              <a:schemeClr val="lt1"/>
+            </a:fontRef>
+          </p:style>
+          <p:txBody>
+            <a:bodyPr rtlCol="0" anchor="ctr"/>
+            <a:lstStyle/>
+            <a:p>
+              <a:pPr algn="ctr"/>
+              <a:endParaRPr lang="en-GB"/>
+            </a:p>
+          </p:txBody>
+        </p:sp>
+        <p:sp>
+          <p:nvSpPr>
+            <p:cNvPr id="73" name="Oval 72">
+              <a:extLst>
+                <a:ext uri="{FF2B5EF4-FFF2-40B4-BE49-F238E27FC236}">
+                  <a16:creationId xmlns:a16="http://schemas.microsoft.com/office/drawing/2014/main" id="{722A0B82-5E22-6816-6476-8BE83CCD6EB5}"/>
+                </a:ext>
+              </a:extLst>
+            </p:cNvPr>
+            <p:cNvSpPr/>
+            <p:nvPr/>
+          </p:nvSpPr>
+          <p:spPr>
+            <a:xfrm>
+              <a:off x="4983874" y="3653645"/>
+              <a:ext cx="167425" cy="167425"/>
+            </a:xfrm>
+            <a:prstGeom prst="ellipse">
+              <a:avLst/>
+            </a:prstGeom>
+            <a:pattFill prst="wdUpDiag">
+              <a:fgClr>
+                <a:srgbClr val="00B050"/>
+              </a:fgClr>
+              <a:bgClr>
+                <a:schemeClr val="bg1"/>
+              </a:bgClr>
+            </a:pattFill>
+          </p:spPr>
+          <p:style>
+            <a:lnRef idx="2">
+              <a:schemeClr val="accent1">
+                <a:shade val="50000"/>
+              </a:schemeClr>
+            </a:lnRef>
+            <a:fillRef idx="1">
+              <a:schemeClr val="accent1"/>
+            </a:fillRef>
+            <a:effectRef idx="0">
+              <a:schemeClr val="accent1"/>
+            </a:effectRef>
+            <a:fontRef idx="minor">
+              <a:schemeClr val="lt1"/>
+            </a:fontRef>
+          </p:style>
+          <p:txBody>
+            <a:bodyPr rtlCol="0" anchor="ctr"/>
+            <a:lstStyle/>
+            <a:p>
+              <a:pPr algn="ctr"/>
+              <a:endParaRPr lang="en-GB"/>
+            </a:p>
+          </p:txBody>
+        </p:sp>
+        <p:sp>
+          <p:nvSpPr>
+            <p:cNvPr id="74" name="Oval 73">
+              <a:extLst>
+                <a:ext uri="{FF2B5EF4-FFF2-40B4-BE49-F238E27FC236}">
+                  <a16:creationId xmlns:a16="http://schemas.microsoft.com/office/drawing/2014/main" id="{A050D133-A625-12EF-5D45-90B32726439A}"/>
+                </a:ext>
+              </a:extLst>
+            </p:cNvPr>
+            <p:cNvSpPr/>
+            <p:nvPr/>
+          </p:nvSpPr>
+          <p:spPr>
+            <a:xfrm>
+              <a:off x="5659012" y="3629056"/>
+              <a:ext cx="167425" cy="167425"/>
+            </a:xfrm>
+            <a:prstGeom prst="ellipse">
+              <a:avLst/>
+            </a:prstGeom>
+            <a:pattFill prst="wdUpDiag">
+              <a:fgClr>
+                <a:srgbClr val="00B050"/>
+              </a:fgClr>
+              <a:bgClr>
+                <a:schemeClr val="bg1"/>
+              </a:bgClr>
+            </a:pattFill>
+          </p:spPr>
+          <p:style>
+            <a:lnRef idx="2">
+              <a:schemeClr val="accent1">
+                <a:shade val="50000"/>
+              </a:schemeClr>
+            </a:lnRef>
+            <a:fillRef idx="1">
+              <a:schemeClr val="accent1"/>
+            </a:fillRef>
+            <a:effectRef idx="0">
+              <a:schemeClr val="accent1"/>
+            </a:effectRef>
+            <a:fontRef idx="minor">
+              <a:schemeClr val="lt1"/>
+            </a:fontRef>
+          </p:style>
+          <p:txBody>
+            <a:bodyPr rtlCol="0" anchor="ctr"/>
+            <a:lstStyle/>
+            <a:p>
+              <a:pPr algn="ctr"/>
+              <a:endParaRPr lang="en-GB"/>
+            </a:p>
+          </p:txBody>
+        </p:sp>
+        <p:sp>
+          <p:nvSpPr>
+            <p:cNvPr id="75" name="Oval 74">
+              <a:extLst>
+                <a:ext uri="{FF2B5EF4-FFF2-40B4-BE49-F238E27FC236}">
+                  <a16:creationId xmlns:a16="http://schemas.microsoft.com/office/drawing/2014/main" id="{68DD80F4-62BD-8880-0224-A475FE78822A}"/>
+                </a:ext>
+              </a:extLst>
+            </p:cNvPr>
+            <p:cNvSpPr/>
+            <p:nvPr/>
+          </p:nvSpPr>
+          <p:spPr>
+            <a:xfrm>
+              <a:off x="5553994" y="3103795"/>
+              <a:ext cx="167425" cy="167425"/>
+            </a:xfrm>
+            <a:prstGeom prst="ellipse">
+              <a:avLst/>
+            </a:prstGeom>
+            <a:pattFill prst="wdUpDiag">
+              <a:fgClr>
+                <a:srgbClr val="00B050"/>
+              </a:fgClr>
+              <a:bgClr>
+                <a:schemeClr val="bg1"/>
+              </a:bgClr>
+            </a:pattFill>
+          </p:spPr>
+          <p:style>
+            <a:lnRef idx="2">
+              <a:schemeClr val="accent1">
+                <a:shade val="50000"/>
+              </a:schemeClr>
+            </a:lnRef>
+            <a:fillRef idx="1">
+              <a:schemeClr val="accent1"/>
+            </a:fillRef>
+            <a:effectRef idx="0">
+              <a:schemeClr val="accent1"/>
+            </a:effectRef>
+            <a:fontRef idx="minor">
+              <a:schemeClr val="lt1"/>
+            </a:fontRef>
+          </p:style>
+          <p:txBody>
+            <a:bodyPr rtlCol="0" anchor="ctr"/>
+            <a:lstStyle/>
+            <a:p>
+              <a:pPr algn="ctr"/>
+              <a:endParaRPr lang="en-GB"/>
+            </a:p>
+          </p:txBody>
+        </p:sp>
+        <p:cxnSp>
+          <p:nvCxnSpPr>
+            <p:cNvPr id="76" name="Straight Connector 75">
+              <a:extLst>
+                <a:ext uri="{FF2B5EF4-FFF2-40B4-BE49-F238E27FC236}">
+                  <a16:creationId xmlns:a16="http://schemas.microsoft.com/office/drawing/2014/main" id="{963906A9-A029-5451-5930-E54D99E4A29F}"/>
+                </a:ext>
+              </a:extLst>
+            </p:cNvPr>
+            <p:cNvCxnSpPr>
+              <a:cxnSpLocks/>
+              <a:stCxn id="74" idx="1"/>
+              <a:endCxn id="72" idx="5"/>
+            </p:cNvCxnSpPr>
+            <p:nvPr/>
+          </p:nvCxnSpPr>
+          <p:spPr>
+            <a:xfrm flipH="1" flipV="1">
+              <a:off x="5150684" y="3191950"/>
+              <a:ext cx="532847" cy="461625"/>
+            </a:xfrm>
+            <a:prstGeom prst="line">
+              <a:avLst/>
+            </a:prstGeom>
+            <a:ln w="12700"/>
+          </p:spPr>
+          <p:style>
+            <a:lnRef idx="1">
+              <a:schemeClr val="accent1"/>
+            </a:lnRef>
+            <a:fillRef idx="0">
+              <a:schemeClr val="accent1"/>
+            </a:fillRef>
+            <a:effectRef idx="0">
+              <a:schemeClr val="accent1"/>
+            </a:effectRef>
+            <a:fontRef idx="minor">
+              <a:schemeClr val="tx1"/>
+            </a:fontRef>
+          </p:style>
+        </p:cxnSp>
+        <p:cxnSp>
+          <p:nvCxnSpPr>
+            <p:cNvPr id="80" name="Straight Connector 79">
+              <a:extLst>
+                <a:ext uri="{FF2B5EF4-FFF2-40B4-BE49-F238E27FC236}">
+                  <a16:creationId xmlns:a16="http://schemas.microsoft.com/office/drawing/2014/main" id="{DB0AE73B-D3B9-2E70-E734-69E7ADC29678}"/>
+                </a:ext>
+              </a:extLst>
+            </p:cNvPr>
+            <p:cNvCxnSpPr>
+              <a:cxnSpLocks/>
+              <a:stCxn id="74" idx="7"/>
+              <a:endCxn id="71" idx="3"/>
+            </p:cNvCxnSpPr>
+            <p:nvPr/>
+          </p:nvCxnSpPr>
+          <p:spPr>
+            <a:xfrm flipV="1">
+              <a:off x="5801918" y="3175874"/>
+              <a:ext cx="191329" cy="477701"/>
+            </a:xfrm>
+            <a:prstGeom prst="line">
+              <a:avLst/>
+            </a:prstGeom>
+            <a:ln w="12700"/>
+          </p:spPr>
+          <p:style>
+            <a:lnRef idx="1">
+              <a:schemeClr val="accent1"/>
+            </a:lnRef>
+            <a:fillRef idx="0">
+              <a:schemeClr val="accent1"/>
+            </a:fillRef>
+            <a:effectRef idx="0">
+              <a:schemeClr val="accent1"/>
+            </a:effectRef>
+            <a:fontRef idx="minor">
+              <a:schemeClr val="tx1"/>
+            </a:fontRef>
+          </p:style>
+        </p:cxnSp>
+        <p:cxnSp>
+          <p:nvCxnSpPr>
+            <p:cNvPr id="84" name="Straight Connector 83">
+              <a:extLst>
+                <a:ext uri="{FF2B5EF4-FFF2-40B4-BE49-F238E27FC236}">
+                  <a16:creationId xmlns:a16="http://schemas.microsoft.com/office/drawing/2014/main" id="{532ED73C-C468-0DA8-F9D9-5740D6387DAB}"/>
+                </a:ext>
+              </a:extLst>
+            </p:cNvPr>
+            <p:cNvCxnSpPr>
+              <a:cxnSpLocks/>
+              <a:stCxn id="73" idx="7"/>
+              <a:endCxn id="75" idx="3"/>
+            </p:cNvCxnSpPr>
+            <p:nvPr/>
+          </p:nvCxnSpPr>
+          <p:spPr>
+            <a:xfrm flipV="1">
+              <a:off x="5126780" y="3246701"/>
+              <a:ext cx="451733" cy="431463"/>
+            </a:xfrm>
+            <a:prstGeom prst="line">
+              <a:avLst/>
+            </a:prstGeom>
+            <a:ln w="12700"/>
+          </p:spPr>
+          <p:style>
+            <a:lnRef idx="1">
+              <a:schemeClr val="accent1"/>
+            </a:lnRef>
+            <a:fillRef idx="0">
+              <a:schemeClr val="accent1"/>
+            </a:fillRef>
+            <a:effectRef idx="0">
+              <a:schemeClr val="accent1"/>
+            </a:effectRef>
+            <a:fontRef idx="minor">
+              <a:schemeClr val="tx1"/>
+            </a:fontRef>
+          </p:style>
+        </p:cxnSp>
+        <p:cxnSp>
+          <p:nvCxnSpPr>
+            <p:cNvPr id="89" name="Straight Connector 88">
+              <a:extLst>
+                <a:ext uri="{FF2B5EF4-FFF2-40B4-BE49-F238E27FC236}">
+                  <a16:creationId xmlns:a16="http://schemas.microsoft.com/office/drawing/2014/main" id="{5C8E3A9D-D693-68BA-8156-A7622C87A629}"/>
+                </a:ext>
+              </a:extLst>
+            </p:cNvPr>
+            <p:cNvCxnSpPr>
+              <a:cxnSpLocks/>
+              <a:stCxn id="71" idx="1"/>
+              <a:endCxn id="70" idx="5"/>
+            </p:cNvCxnSpPr>
+            <p:nvPr/>
+          </p:nvCxnSpPr>
+          <p:spPr>
+            <a:xfrm flipH="1" flipV="1">
+              <a:off x="5640304" y="2772822"/>
+              <a:ext cx="352943" cy="284665"/>
+            </a:xfrm>
+            <a:prstGeom prst="line">
+              <a:avLst/>
+            </a:prstGeom>
+            <a:ln w="12700"/>
+          </p:spPr>
+          <p:style>
+            <a:lnRef idx="1">
+              <a:schemeClr val="accent1"/>
+            </a:lnRef>
+            <a:fillRef idx="0">
+              <a:schemeClr val="accent1"/>
+            </a:fillRef>
+            <a:effectRef idx="0">
+              <a:schemeClr val="accent1"/>
+            </a:effectRef>
+            <a:fontRef idx="minor">
+              <a:schemeClr val="tx1"/>
+            </a:fontRef>
+          </p:style>
+        </p:cxnSp>
+        <p:cxnSp>
+          <p:nvCxnSpPr>
+            <p:cNvPr id="92" name="Straight Connector 91">
+              <a:extLst>
+                <a:ext uri="{FF2B5EF4-FFF2-40B4-BE49-F238E27FC236}">
+                  <a16:creationId xmlns:a16="http://schemas.microsoft.com/office/drawing/2014/main" id="{8740CBF6-777F-11C6-3BF5-BB2543D00D0E}"/>
+                </a:ext>
+              </a:extLst>
+            </p:cNvPr>
+            <p:cNvCxnSpPr>
+              <a:cxnSpLocks/>
+              <a:stCxn id="74" idx="0"/>
+              <a:endCxn id="75" idx="4"/>
+            </p:cNvCxnSpPr>
+            <p:nvPr/>
+          </p:nvCxnSpPr>
+          <p:spPr>
+            <a:xfrm flipH="1" flipV="1">
+              <a:off x="5637707" y="3271220"/>
+              <a:ext cx="105018" cy="357836"/>
+            </a:xfrm>
+            <a:prstGeom prst="line">
+              <a:avLst/>
+            </a:prstGeom>
+            <a:ln w="12700"/>
+          </p:spPr>
+          <p:style>
+            <a:lnRef idx="1">
+              <a:schemeClr val="accent1"/>
+            </a:lnRef>
+            <a:fillRef idx="0">
+              <a:schemeClr val="accent1"/>
+            </a:fillRef>
+            <a:effectRef idx="0">
+              <a:schemeClr val="accent1"/>
+            </a:effectRef>
+            <a:fontRef idx="minor">
+              <a:schemeClr val="tx1"/>
+            </a:fontRef>
+          </p:style>
+        </p:cxnSp>
+        <p:cxnSp>
+          <p:nvCxnSpPr>
+            <p:cNvPr id="100" name="Straight Connector 99">
+              <a:extLst>
+                <a:ext uri="{FF2B5EF4-FFF2-40B4-BE49-F238E27FC236}">
+                  <a16:creationId xmlns:a16="http://schemas.microsoft.com/office/drawing/2014/main" id="{66C3C10A-15DD-CA08-3BEB-A2791B7AC850}"/>
+                </a:ext>
+              </a:extLst>
+            </p:cNvPr>
+            <p:cNvCxnSpPr>
+              <a:cxnSpLocks/>
+              <a:stCxn id="70" idx="3"/>
+              <a:endCxn id="72" idx="7"/>
+            </p:cNvCxnSpPr>
+            <p:nvPr/>
+          </p:nvCxnSpPr>
+          <p:spPr>
+            <a:xfrm flipH="1">
+              <a:off x="5150684" y="2772822"/>
+              <a:ext cx="371233" cy="300741"/>
+            </a:xfrm>
+            <a:prstGeom prst="line">
+              <a:avLst/>
+            </a:prstGeom>
+            <a:ln w="12700"/>
+          </p:spPr>
+          <p:style>
+            <a:lnRef idx="1">
+              <a:schemeClr val="accent1"/>
+            </a:lnRef>
+            <a:fillRef idx="0">
+              <a:schemeClr val="accent1"/>
+            </a:fillRef>
+            <a:effectRef idx="0">
+              <a:schemeClr val="accent1"/>
+            </a:effectRef>
+            <a:fontRef idx="minor">
+              <a:schemeClr val="tx1"/>
+            </a:fontRef>
+          </p:style>
+        </p:cxnSp>
+        <p:cxnSp>
+          <p:nvCxnSpPr>
+            <p:cNvPr id="106" name="Straight Connector 105">
+              <a:extLst>
+                <a:ext uri="{FF2B5EF4-FFF2-40B4-BE49-F238E27FC236}">
+                  <a16:creationId xmlns:a16="http://schemas.microsoft.com/office/drawing/2014/main" id="{DAA3388B-A8D4-7950-D39D-FEE661C7AA26}"/>
+                </a:ext>
+              </a:extLst>
+            </p:cNvPr>
+            <p:cNvCxnSpPr>
+              <a:cxnSpLocks/>
+              <a:stCxn id="73" idx="0"/>
+              <a:endCxn id="72" idx="4"/>
+            </p:cNvCxnSpPr>
+            <p:nvPr/>
+          </p:nvCxnSpPr>
+          <p:spPr>
+            <a:xfrm flipV="1">
+              <a:off x="5067587" y="3216469"/>
+              <a:ext cx="23904" cy="437176"/>
+            </a:xfrm>
+            <a:prstGeom prst="line">
+              <a:avLst/>
+            </a:prstGeom>
+            <a:ln w="12700"/>
+          </p:spPr>
+          <p:style>
+            <a:lnRef idx="1">
+              <a:schemeClr val="accent1"/>
+            </a:lnRef>
+            <a:fillRef idx="0">
+              <a:schemeClr val="accent1"/>
+            </a:fillRef>
+            <a:effectRef idx="0">
+              <a:schemeClr val="accent1"/>
+            </a:effectRef>
+            <a:fontRef idx="minor">
+              <a:schemeClr val="tx1"/>
+            </a:fontRef>
+          </p:style>
+        </p:cxnSp>
+        <p:sp>
+          <p:nvSpPr>
+            <p:cNvPr id="109" name="TextBox 108">
+              <a:extLst>
+                <a:ext uri="{FF2B5EF4-FFF2-40B4-BE49-F238E27FC236}">
+                  <a16:creationId xmlns:a16="http://schemas.microsoft.com/office/drawing/2014/main" id="{95E4F4F7-3191-2BB9-3E6F-65412CDD921D}"/>
+                </a:ext>
+              </a:extLst>
+            </p:cNvPr>
+            <p:cNvSpPr txBox="1"/>
+            <p:nvPr/>
+          </p:nvSpPr>
+          <p:spPr>
+            <a:xfrm>
+              <a:off x="4784577" y="2236578"/>
+              <a:ext cx="1587871" cy="307777"/>
+            </a:xfrm>
+            <a:prstGeom prst="rect">
+              <a:avLst/>
+            </a:prstGeom>
+            <a:noFill/>
+          </p:spPr>
+          <p:txBody>
+            <a:bodyPr wrap="none" rtlCol="0">
+              <a:spAutoFit/>
+            </a:bodyPr>
+            <a:lstStyle/>
+            <a:p>
+              <a:r>
+                <a:rPr lang="en-GB" sz="1400" i="1" dirty="0"/>
+                <a:t>App-2 sub-network</a:t>
+              </a:r>
+            </a:p>
+          </p:txBody>
+        </p:sp>
+        <p:sp>
+          <p:nvSpPr>
+            <p:cNvPr id="115" name="Oval 114">
+              <a:extLst>
+                <a:ext uri="{FF2B5EF4-FFF2-40B4-BE49-F238E27FC236}">
+                  <a16:creationId xmlns:a16="http://schemas.microsoft.com/office/drawing/2014/main" id="{C3A5310C-33B7-DB57-89B2-48979FF5F7F9}"/>
+                </a:ext>
+              </a:extLst>
+            </p:cNvPr>
+            <p:cNvSpPr/>
+            <p:nvPr/>
+          </p:nvSpPr>
+          <p:spPr>
+            <a:xfrm>
+              <a:off x="6440080" y="2893259"/>
+              <a:ext cx="167425" cy="167425"/>
+            </a:xfrm>
+            <a:prstGeom prst="ellipse">
+              <a:avLst/>
+            </a:prstGeom>
+            <a:pattFill prst="smGrid">
+              <a:fgClr>
+                <a:srgbClr val="FF0000"/>
+              </a:fgClr>
+              <a:bgClr>
+                <a:schemeClr val="bg1"/>
+              </a:bgClr>
+            </a:pattFill>
+          </p:spPr>
+          <p:style>
+            <a:lnRef idx="2">
+              <a:schemeClr val="accent1">
+                <a:shade val="50000"/>
+              </a:schemeClr>
+            </a:lnRef>
+            <a:fillRef idx="1">
+              <a:schemeClr val="accent1"/>
+            </a:fillRef>
+            <a:effectRef idx="0">
+              <a:schemeClr val="accent1"/>
+            </a:effectRef>
+            <a:fontRef idx="minor">
+              <a:schemeClr val="lt1"/>
+            </a:fontRef>
+          </p:style>
+          <p:txBody>
+            <a:bodyPr rtlCol="0" anchor="ctr"/>
+            <a:lstStyle/>
+            <a:p>
+              <a:pPr algn="ctr"/>
+              <a:endParaRPr lang="en-GB" dirty="0"/>
+            </a:p>
+          </p:txBody>
+        </p:sp>
+        <p:sp>
+          <p:nvSpPr>
+            <p:cNvPr id="116" name="Oval 115">
+              <a:extLst>
+                <a:ext uri="{FF2B5EF4-FFF2-40B4-BE49-F238E27FC236}">
+                  <a16:creationId xmlns:a16="http://schemas.microsoft.com/office/drawing/2014/main" id="{6DDAF3DE-763C-751C-92CA-38D1B443779B}"/>
+                </a:ext>
+              </a:extLst>
+            </p:cNvPr>
+            <p:cNvSpPr/>
+            <p:nvPr/>
+          </p:nvSpPr>
+          <p:spPr>
+            <a:xfrm>
+              <a:off x="7043872" y="2851347"/>
+              <a:ext cx="167425" cy="167425"/>
+            </a:xfrm>
+            <a:prstGeom prst="ellipse">
+              <a:avLst/>
+            </a:prstGeom>
+            <a:pattFill prst="smGrid">
+              <a:fgClr>
+                <a:srgbClr val="FF0000"/>
+              </a:fgClr>
+              <a:bgClr>
+                <a:schemeClr val="bg1"/>
+              </a:bgClr>
+            </a:pattFill>
+          </p:spPr>
+          <p:style>
+            <a:lnRef idx="2">
+              <a:schemeClr val="accent1">
+                <a:shade val="50000"/>
+              </a:schemeClr>
+            </a:lnRef>
+            <a:fillRef idx="1">
+              <a:schemeClr val="accent1"/>
+            </a:fillRef>
+            <a:effectRef idx="0">
+              <a:schemeClr val="accent1"/>
+            </a:effectRef>
+            <a:fontRef idx="minor">
+              <a:schemeClr val="lt1"/>
+            </a:fontRef>
+          </p:style>
+          <p:txBody>
+            <a:bodyPr rtlCol="0" anchor="ctr"/>
+            <a:lstStyle/>
+            <a:p>
+              <a:pPr algn="ctr"/>
+              <a:endParaRPr lang="en-GB"/>
+            </a:p>
+          </p:txBody>
+        </p:sp>
+        <p:sp>
+          <p:nvSpPr>
+            <p:cNvPr id="117" name="Oval 116">
+              <a:extLst>
+                <a:ext uri="{FF2B5EF4-FFF2-40B4-BE49-F238E27FC236}">
+                  <a16:creationId xmlns:a16="http://schemas.microsoft.com/office/drawing/2014/main" id="{AC507E41-FE47-8961-7956-C6C727E8CDFA}"/>
+                </a:ext>
+              </a:extLst>
+            </p:cNvPr>
+            <p:cNvSpPr/>
+            <p:nvPr/>
+          </p:nvSpPr>
+          <p:spPr>
+            <a:xfrm>
+              <a:off x="7616363" y="2719374"/>
+              <a:ext cx="167425" cy="167425"/>
+            </a:xfrm>
+            <a:prstGeom prst="ellipse">
+              <a:avLst/>
+            </a:prstGeom>
+            <a:pattFill prst="smGrid">
+              <a:fgClr>
+                <a:srgbClr val="FF0000"/>
+              </a:fgClr>
+              <a:bgClr>
+                <a:schemeClr val="bg1"/>
+              </a:bgClr>
+            </a:pattFill>
+          </p:spPr>
+          <p:style>
+            <a:lnRef idx="2">
+              <a:schemeClr val="accent1">
+                <a:shade val="50000"/>
+              </a:schemeClr>
+            </a:lnRef>
+            <a:fillRef idx="1">
+              <a:schemeClr val="accent1"/>
+            </a:fillRef>
+            <a:effectRef idx="0">
+              <a:schemeClr val="accent1"/>
+            </a:effectRef>
+            <a:fontRef idx="minor">
+              <a:schemeClr val="lt1"/>
+            </a:fontRef>
+          </p:style>
+          <p:txBody>
+            <a:bodyPr rtlCol="0" anchor="ctr"/>
+            <a:lstStyle/>
+            <a:p>
+              <a:pPr algn="ctr"/>
+              <a:endParaRPr lang="en-GB"/>
+            </a:p>
+          </p:txBody>
+        </p:sp>
+        <p:sp>
+          <p:nvSpPr>
+            <p:cNvPr id="118" name="Oval 117">
+              <a:extLst>
+                <a:ext uri="{FF2B5EF4-FFF2-40B4-BE49-F238E27FC236}">
+                  <a16:creationId xmlns:a16="http://schemas.microsoft.com/office/drawing/2014/main" id="{C2CC41F3-B264-0B8A-5E1A-24E320E88CB9}"/>
+                </a:ext>
+              </a:extLst>
+            </p:cNvPr>
+            <p:cNvSpPr/>
+            <p:nvPr/>
+          </p:nvSpPr>
+          <p:spPr>
+            <a:xfrm>
+              <a:off x="7056131" y="3703178"/>
+              <a:ext cx="167425" cy="167425"/>
+            </a:xfrm>
+            <a:prstGeom prst="ellipse">
+              <a:avLst/>
+            </a:prstGeom>
+            <a:pattFill prst="smGrid">
+              <a:fgClr>
+                <a:srgbClr val="FF0000"/>
+              </a:fgClr>
+              <a:bgClr>
+                <a:schemeClr val="bg1"/>
+              </a:bgClr>
+            </a:pattFill>
+          </p:spPr>
+          <p:style>
+            <a:lnRef idx="2">
+              <a:schemeClr val="accent1">
+                <a:shade val="50000"/>
+              </a:schemeClr>
+            </a:lnRef>
+            <a:fillRef idx="1">
+              <a:schemeClr val="accent1"/>
+            </a:fillRef>
+            <a:effectRef idx="0">
+              <a:schemeClr val="accent1"/>
+            </a:effectRef>
+            <a:fontRef idx="minor">
+              <a:schemeClr val="lt1"/>
+            </a:fontRef>
+          </p:style>
+          <p:txBody>
+            <a:bodyPr rtlCol="0" anchor="ctr"/>
+            <a:lstStyle/>
+            <a:p>
+              <a:pPr algn="ctr"/>
+              <a:endParaRPr lang="en-GB"/>
+            </a:p>
+          </p:txBody>
+        </p:sp>
+        <p:sp>
+          <p:nvSpPr>
+            <p:cNvPr id="119" name="Oval 118">
+              <a:extLst>
+                <a:ext uri="{FF2B5EF4-FFF2-40B4-BE49-F238E27FC236}">
+                  <a16:creationId xmlns:a16="http://schemas.microsoft.com/office/drawing/2014/main" id="{D42694E2-0EA0-3EB7-6C84-F4E12144A5ED}"/>
+                </a:ext>
+              </a:extLst>
+            </p:cNvPr>
+            <p:cNvSpPr/>
+            <p:nvPr/>
+          </p:nvSpPr>
+          <p:spPr>
+            <a:xfrm>
+              <a:off x="7717904" y="3343315"/>
+              <a:ext cx="167425" cy="167425"/>
+            </a:xfrm>
+            <a:prstGeom prst="ellipse">
+              <a:avLst/>
+            </a:prstGeom>
+            <a:pattFill prst="smGrid">
+              <a:fgClr>
+                <a:srgbClr val="FF0000"/>
+              </a:fgClr>
+              <a:bgClr>
+                <a:schemeClr val="bg1"/>
+              </a:bgClr>
+            </a:pattFill>
+          </p:spPr>
+          <p:style>
+            <a:lnRef idx="2">
+              <a:schemeClr val="accent1">
+                <a:shade val="50000"/>
+              </a:schemeClr>
+            </a:lnRef>
+            <a:fillRef idx="1">
+              <a:schemeClr val="accent1"/>
+            </a:fillRef>
+            <a:effectRef idx="0">
+              <a:schemeClr val="accent1"/>
+            </a:effectRef>
+            <a:fontRef idx="minor">
+              <a:schemeClr val="lt1"/>
+            </a:fontRef>
+          </p:style>
+          <p:txBody>
+            <a:bodyPr rtlCol="0" anchor="ctr"/>
+            <a:lstStyle/>
+            <a:p>
+              <a:pPr algn="ctr"/>
+              <a:endParaRPr lang="en-GB"/>
+            </a:p>
+          </p:txBody>
+        </p:sp>
+        <p:cxnSp>
+          <p:nvCxnSpPr>
+            <p:cNvPr id="122" name="Straight Connector 121">
+              <a:extLst>
+                <a:ext uri="{FF2B5EF4-FFF2-40B4-BE49-F238E27FC236}">
+                  <a16:creationId xmlns:a16="http://schemas.microsoft.com/office/drawing/2014/main" id="{6723B20E-FD99-272B-2D68-5B51DC0F9D4C}"/>
+                </a:ext>
+              </a:extLst>
+            </p:cNvPr>
+            <p:cNvCxnSpPr>
+              <a:cxnSpLocks/>
+              <a:stCxn id="118" idx="7"/>
+              <a:endCxn id="117" idx="4"/>
+            </p:cNvCxnSpPr>
+            <p:nvPr/>
+          </p:nvCxnSpPr>
+          <p:spPr>
+            <a:xfrm flipV="1">
+              <a:off x="7199037" y="2886799"/>
+              <a:ext cx="501039" cy="840898"/>
+            </a:xfrm>
+            <a:prstGeom prst="line">
+              <a:avLst/>
+            </a:prstGeom>
+            <a:ln w="12700"/>
+          </p:spPr>
+          <p:style>
+            <a:lnRef idx="1">
+              <a:schemeClr val="accent1"/>
+            </a:lnRef>
+            <a:fillRef idx="0">
+              <a:schemeClr val="accent1"/>
+            </a:fillRef>
+            <a:effectRef idx="0">
+              <a:schemeClr val="accent1"/>
+            </a:effectRef>
+            <a:fontRef idx="minor">
+              <a:schemeClr val="tx1"/>
+            </a:fontRef>
+          </p:style>
+        </p:cxnSp>
+        <p:cxnSp>
+          <p:nvCxnSpPr>
+            <p:cNvPr id="126" name="Straight Connector 125">
+              <a:extLst>
+                <a:ext uri="{FF2B5EF4-FFF2-40B4-BE49-F238E27FC236}">
+                  <a16:creationId xmlns:a16="http://schemas.microsoft.com/office/drawing/2014/main" id="{5768E719-F435-9156-D08C-A93F14A27C65}"/>
+                </a:ext>
+              </a:extLst>
+            </p:cNvPr>
+            <p:cNvCxnSpPr>
+              <a:cxnSpLocks/>
+              <a:stCxn id="115" idx="6"/>
+              <a:endCxn id="116" idx="2"/>
+            </p:cNvCxnSpPr>
+            <p:nvPr/>
+          </p:nvCxnSpPr>
+          <p:spPr>
+            <a:xfrm flipV="1">
+              <a:off x="6607505" y="2935060"/>
+              <a:ext cx="436367" cy="41912"/>
+            </a:xfrm>
+            <a:prstGeom prst="line">
+              <a:avLst/>
+            </a:prstGeom>
+            <a:ln w="12700"/>
+          </p:spPr>
+          <p:style>
+            <a:lnRef idx="1">
+              <a:schemeClr val="accent1"/>
+            </a:lnRef>
+            <a:fillRef idx="0">
+              <a:schemeClr val="accent1"/>
+            </a:fillRef>
+            <a:effectRef idx="0">
+              <a:schemeClr val="accent1"/>
+            </a:effectRef>
+            <a:fontRef idx="minor">
+              <a:schemeClr val="tx1"/>
+            </a:fontRef>
+          </p:style>
+        </p:cxnSp>
+        <p:cxnSp>
+          <p:nvCxnSpPr>
+            <p:cNvPr id="129" name="Straight Connector 128">
+              <a:extLst>
+                <a:ext uri="{FF2B5EF4-FFF2-40B4-BE49-F238E27FC236}">
+                  <a16:creationId xmlns:a16="http://schemas.microsoft.com/office/drawing/2014/main" id="{4284079C-C30D-223F-76AF-0D1E4246DAD8}"/>
+                </a:ext>
+              </a:extLst>
+            </p:cNvPr>
+            <p:cNvCxnSpPr>
+              <a:cxnSpLocks/>
+              <a:stCxn id="119" idx="3"/>
+            </p:cNvCxnSpPr>
+            <p:nvPr/>
+          </p:nvCxnSpPr>
+          <p:spPr>
+            <a:xfrm flipH="1">
+              <a:off x="7199037" y="3486221"/>
+              <a:ext cx="543386" cy="342581"/>
+            </a:xfrm>
+            <a:prstGeom prst="line">
+              <a:avLst/>
+            </a:prstGeom>
+            <a:ln w="12700"/>
+          </p:spPr>
+          <p:style>
+            <a:lnRef idx="1">
+              <a:schemeClr val="accent1"/>
+            </a:lnRef>
+            <a:fillRef idx="0">
+              <a:schemeClr val="accent1"/>
+            </a:fillRef>
+            <a:effectRef idx="0">
+              <a:schemeClr val="accent1"/>
+            </a:effectRef>
+            <a:fontRef idx="minor">
+              <a:schemeClr val="tx1"/>
+            </a:fontRef>
+          </p:style>
+        </p:cxnSp>
+        <p:cxnSp>
+          <p:nvCxnSpPr>
+            <p:cNvPr id="132" name="Straight Connector 131">
+              <a:extLst>
+                <a:ext uri="{FF2B5EF4-FFF2-40B4-BE49-F238E27FC236}">
+                  <a16:creationId xmlns:a16="http://schemas.microsoft.com/office/drawing/2014/main" id="{42426DA9-DDBC-C099-C203-3AFC3BEDC16A}"/>
+                </a:ext>
+              </a:extLst>
+            </p:cNvPr>
+            <p:cNvCxnSpPr>
+              <a:cxnSpLocks/>
+              <a:stCxn id="115" idx="5"/>
+              <a:endCxn id="118" idx="2"/>
+            </p:cNvCxnSpPr>
+            <p:nvPr/>
+          </p:nvCxnSpPr>
+          <p:spPr>
+            <a:xfrm>
+              <a:off x="6582986" y="3036165"/>
+              <a:ext cx="473145" cy="750726"/>
+            </a:xfrm>
+            <a:prstGeom prst="line">
+              <a:avLst/>
+            </a:prstGeom>
+            <a:ln w="12700"/>
+          </p:spPr>
+          <p:style>
+            <a:lnRef idx="1">
+              <a:schemeClr val="accent1"/>
+            </a:lnRef>
+            <a:fillRef idx="0">
+              <a:schemeClr val="accent1"/>
+            </a:fillRef>
+            <a:effectRef idx="0">
+              <a:schemeClr val="accent1"/>
+            </a:effectRef>
+            <a:fontRef idx="minor">
+              <a:schemeClr val="tx1"/>
+            </a:fontRef>
+          </p:style>
+        </p:cxnSp>
+        <p:cxnSp>
+          <p:nvCxnSpPr>
+            <p:cNvPr id="136" name="Straight Connector 135">
+              <a:extLst>
+                <a:ext uri="{FF2B5EF4-FFF2-40B4-BE49-F238E27FC236}">
+                  <a16:creationId xmlns:a16="http://schemas.microsoft.com/office/drawing/2014/main" id="{E7EBC8D6-474F-5869-1ABB-A7DA435A4B05}"/>
+                </a:ext>
+              </a:extLst>
+            </p:cNvPr>
+            <p:cNvCxnSpPr>
+              <a:cxnSpLocks/>
+              <a:stCxn id="119" idx="0"/>
+              <a:endCxn id="117" idx="5"/>
+            </p:cNvCxnSpPr>
+            <p:nvPr/>
+          </p:nvCxnSpPr>
+          <p:spPr>
+            <a:xfrm flipH="1" flipV="1">
+              <a:off x="7759269" y="2862280"/>
+              <a:ext cx="42348" cy="481035"/>
+            </a:xfrm>
+            <a:prstGeom prst="line">
+              <a:avLst/>
+            </a:prstGeom>
+            <a:ln w="12700"/>
+          </p:spPr>
+          <p:style>
+            <a:lnRef idx="1">
+              <a:schemeClr val="accent1"/>
+            </a:lnRef>
+            <a:fillRef idx="0">
+              <a:schemeClr val="accent1"/>
+            </a:fillRef>
+            <a:effectRef idx="0">
+              <a:schemeClr val="accent1"/>
+            </a:effectRef>
+            <a:fontRef idx="minor">
+              <a:schemeClr val="tx1"/>
+            </a:fontRef>
+          </p:style>
+        </p:cxnSp>
+        <p:cxnSp>
+          <p:nvCxnSpPr>
+            <p:cNvPr id="148" name="Straight Connector 147">
+              <a:extLst>
+                <a:ext uri="{FF2B5EF4-FFF2-40B4-BE49-F238E27FC236}">
+                  <a16:creationId xmlns:a16="http://schemas.microsoft.com/office/drawing/2014/main" id="{3314D38B-17CE-6E10-499B-6E189EB48A61}"/>
+                </a:ext>
+              </a:extLst>
+            </p:cNvPr>
+            <p:cNvCxnSpPr>
+              <a:cxnSpLocks/>
+              <a:stCxn id="119" idx="1"/>
+              <a:endCxn id="116" idx="6"/>
+            </p:cNvCxnSpPr>
+            <p:nvPr/>
+          </p:nvCxnSpPr>
+          <p:spPr>
+            <a:xfrm flipH="1" flipV="1">
+              <a:off x="7211297" y="2935060"/>
+              <a:ext cx="531126" cy="432774"/>
+            </a:xfrm>
+            <a:prstGeom prst="line">
+              <a:avLst/>
+            </a:prstGeom>
+            <a:ln w="12700"/>
+          </p:spPr>
+          <p:style>
+            <a:lnRef idx="1">
+              <a:schemeClr val="accent1"/>
+            </a:lnRef>
+            <a:fillRef idx="0">
+              <a:schemeClr val="accent1"/>
+            </a:fillRef>
+            <a:effectRef idx="0">
+              <a:schemeClr val="accent1"/>
+            </a:effectRef>
+            <a:fontRef idx="minor">
+              <a:schemeClr val="tx1"/>
+            </a:fontRef>
+          </p:style>
+        </p:cxnSp>
+        <p:cxnSp>
+          <p:nvCxnSpPr>
+            <p:cNvPr id="153" name="Straight Connector 152">
+              <a:extLst>
+                <a:ext uri="{FF2B5EF4-FFF2-40B4-BE49-F238E27FC236}">
+                  <a16:creationId xmlns:a16="http://schemas.microsoft.com/office/drawing/2014/main" id="{E5AFFFB1-0A28-38A7-BC7A-A1DDA3B73480}"/>
+                </a:ext>
+              </a:extLst>
+            </p:cNvPr>
+            <p:cNvCxnSpPr>
+              <a:cxnSpLocks/>
+              <a:stCxn id="115" idx="5"/>
+              <a:endCxn id="119" idx="2"/>
+            </p:cNvCxnSpPr>
+            <p:nvPr/>
+          </p:nvCxnSpPr>
+          <p:spPr>
+            <a:xfrm>
+              <a:off x="6582986" y="3036165"/>
+              <a:ext cx="1134918" cy="390863"/>
+            </a:xfrm>
+            <a:prstGeom prst="line">
+              <a:avLst/>
+            </a:prstGeom>
+            <a:ln w="12700"/>
+          </p:spPr>
+          <p:style>
+            <a:lnRef idx="1">
+              <a:schemeClr val="accent1"/>
+            </a:lnRef>
+            <a:fillRef idx="0">
+              <a:schemeClr val="accent1"/>
+            </a:fillRef>
+            <a:effectRef idx="0">
+              <a:schemeClr val="accent1"/>
+            </a:effectRef>
+            <a:fontRef idx="minor">
+              <a:schemeClr val="tx1"/>
+            </a:fontRef>
+          </p:style>
+        </p:cxnSp>
+        <p:sp>
+          <p:nvSpPr>
+            <p:cNvPr id="157" name="TextBox 156">
+              <a:extLst>
+                <a:ext uri="{FF2B5EF4-FFF2-40B4-BE49-F238E27FC236}">
+                  <a16:creationId xmlns:a16="http://schemas.microsoft.com/office/drawing/2014/main" id="{75523CDC-70B2-29A0-0AA6-CA05E2B156A9}"/>
+                </a:ext>
+              </a:extLst>
+            </p:cNvPr>
+            <p:cNvSpPr txBox="1"/>
+            <p:nvPr/>
+          </p:nvSpPr>
+          <p:spPr>
+            <a:xfrm>
+              <a:off x="6297458" y="2233003"/>
+              <a:ext cx="1587871" cy="307777"/>
+            </a:xfrm>
+            <a:prstGeom prst="rect">
+              <a:avLst/>
+            </a:prstGeom>
+            <a:noFill/>
+          </p:spPr>
+          <p:txBody>
+            <a:bodyPr wrap="none" rtlCol="0">
+              <a:spAutoFit/>
+            </a:bodyPr>
+            <a:lstStyle/>
+            <a:p>
+              <a:r>
+                <a:rPr lang="en-GB" sz="1400" i="1" dirty="0"/>
+                <a:t>App-3 sub-network</a:t>
+              </a:r>
+            </a:p>
+          </p:txBody>
+        </p:sp>
+      </p:grpSp>
+      <p:grpSp>
+        <p:nvGrpSpPr>
+          <p:cNvPr id="166" name="Group 165">
+            <a:extLst>
+              <a:ext uri="{FF2B5EF4-FFF2-40B4-BE49-F238E27FC236}">
+                <a16:creationId xmlns:a16="http://schemas.microsoft.com/office/drawing/2014/main" id="{3D05D18F-3B60-3B0E-D5FD-C288D40486F3}"/>
+              </a:ext>
+            </a:extLst>
+          </p:cNvPr>
+          <p:cNvGrpSpPr/>
+          <p:nvPr/>
+        </p:nvGrpSpPr>
+        <p:grpSpPr>
+          <a:xfrm>
+            <a:off x="4437999" y="2056299"/>
+            <a:ext cx="1218050" cy="865376"/>
+            <a:chOff x="8188854" y="2225547"/>
+            <a:chExt cx="1218050" cy="865376"/>
+          </a:xfrm>
+        </p:grpSpPr>
+        <p:sp>
+          <p:nvSpPr>
+            <p:cNvPr id="158" name="Oval 157">
+              <a:extLst>
+                <a:ext uri="{FF2B5EF4-FFF2-40B4-BE49-F238E27FC236}">
+                  <a16:creationId xmlns:a16="http://schemas.microsoft.com/office/drawing/2014/main" id="{7178F742-8CD8-E18F-D3CF-6728D6A8ACA4}"/>
+                </a:ext>
+              </a:extLst>
+            </p:cNvPr>
+            <p:cNvSpPr/>
+            <p:nvPr/>
+          </p:nvSpPr>
+          <p:spPr>
+            <a:xfrm>
+              <a:off x="8285036" y="2312190"/>
+              <a:ext cx="167425" cy="167425"/>
+            </a:xfrm>
+            <a:prstGeom prst="ellipse">
+              <a:avLst/>
+            </a:prstGeom>
+            <a:solidFill>
+              <a:schemeClr val="tx1"/>
+            </a:solidFill>
+          </p:spPr>
+          <p:style>
+            <a:lnRef idx="2">
+              <a:schemeClr val="accent1">
+                <a:shade val="50000"/>
+              </a:schemeClr>
+            </a:lnRef>
+            <a:fillRef idx="1">
+              <a:schemeClr val="accent1"/>
+            </a:fillRef>
+            <a:effectRef idx="0">
+              <a:schemeClr val="accent1"/>
+            </a:effectRef>
+            <a:fontRef idx="minor">
+              <a:schemeClr val="lt1"/>
+            </a:fontRef>
+          </p:style>
+          <p:txBody>
+            <a:bodyPr rtlCol="0" anchor="ctr"/>
+            <a:lstStyle/>
+            <a:p>
+              <a:pPr algn="ctr"/>
+              <a:endParaRPr lang="en-GB"/>
+            </a:p>
+          </p:txBody>
+        </p:sp>
+        <p:sp>
+          <p:nvSpPr>
+            <p:cNvPr id="159" name="TextBox 158">
+              <a:extLst>
+                <a:ext uri="{FF2B5EF4-FFF2-40B4-BE49-F238E27FC236}">
+                  <a16:creationId xmlns:a16="http://schemas.microsoft.com/office/drawing/2014/main" id="{3185B08B-D863-D258-1A46-4B2772DFEF20}"/>
+                </a:ext>
+              </a:extLst>
+            </p:cNvPr>
+            <p:cNvSpPr txBox="1"/>
+            <p:nvPr/>
+          </p:nvSpPr>
+          <p:spPr>
+            <a:xfrm>
+              <a:off x="8457953" y="2261283"/>
+              <a:ext cx="940257" cy="276999"/>
+            </a:xfrm>
+            <a:prstGeom prst="rect">
+              <a:avLst/>
+            </a:prstGeom>
+            <a:noFill/>
+          </p:spPr>
+          <p:txBody>
+            <a:bodyPr wrap="none" rtlCol="0">
+              <a:spAutoFit/>
+            </a:bodyPr>
+            <a:lstStyle/>
+            <a:p>
+              <a:r>
+                <a:rPr lang="en-GB" sz="1200" dirty="0"/>
+                <a:t>App-1 peers</a:t>
+              </a:r>
+            </a:p>
+          </p:txBody>
+        </p:sp>
+        <p:sp>
+          <p:nvSpPr>
+            <p:cNvPr id="161" name="TextBox 160">
+              <a:extLst>
+                <a:ext uri="{FF2B5EF4-FFF2-40B4-BE49-F238E27FC236}">
+                  <a16:creationId xmlns:a16="http://schemas.microsoft.com/office/drawing/2014/main" id="{F6772C8D-A62A-5973-D459-CC0C25D1801F}"/>
+                </a:ext>
+              </a:extLst>
+            </p:cNvPr>
+            <p:cNvSpPr txBox="1"/>
+            <p:nvPr/>
+          </p:nvSpPr>
+          <p:spPr>
+            <a:xfrm>
+              <a:off x="8455483" y="2517443"/>
+              <a:ext cx="940257" cy="276999"/>
+            </a:xfrm>
+            <a:prstGeom prst="rect">
+              <a:avLst/>
+            </a:prstGeom>
+            <a:noFill/>
+          </p:spPr>
+          <p:txBody>
+            <a:bodyPr wrap="none" rtlCol="0">
+              <a:spAutoFit/>
+            </a:bodyPr>
+            <a:lstStyle/>
+            <a:p>
+              <a:r>
+                <a:rPr lang="en-GB" sz="1200" dirty="0"/>
+                <a:t>App-2 peers</a:t>
+              </a:r>
+            </a:p>
+          </p:txBody>
+        </p:sp>
+        <p:sp>
+          <p:nvSpPr>
+            <p:cNvPr id="162" name="Oval 161">
+              <a:extLst>
+                <a:ext uri="{FF2B5EF4-FFF2-40B4-BE49-F238E27FC236}">
+                  <a16:creationId xmlns:a16="http://schemas.microsoft.com/office/drawing/2014/main" id="{B9A41E6A-3FD1-3474-BC32-33453A3E60E6}"/>
+                </a:ext>
+              </a:extLst>
+            </p:cNvPr>
+            <p:cNvSpPr/>
+            <p:nvPr/>
+          </p:nvSpPr>
+          <p:spPr>
+            <a:xfrm>
+              <a:off x="8291608" y="2846860"/>
+              <a:ext cx="167425" cy="167425"/>
+            </a:xfrm>
+            <a:prstGeom prst="ellipse">
+              <a:avLst/>
+            </a:prstGeom>
+            <a:pattFill prst="smGrid">
+              <a:fgClr>
+                <a:srgbClr val="FF0000"/>
+              </a:fgClr>
+              <a:bgClr>
+                <a:schemeClr val="bg1"/>
+              </a:bgClr>
+            </a:pattFill>
+          </p:spPr>
+          <p:style>
+            <a:lnRef idx="2">
+              <a:schemeClr val="accent1">
+                <a:shade val="50000"/>
+              </a:schemeClr>
+            </a:lnRef>
+            <a:fillRef idx="1">
+              <a:schemeClr val="accent1"/>
+            </a:fillRef>
+            <a:effectRef idx="0">
+              <a:schemeClr val="accent1"/>
+            </a:effectRef>
+            <a:fontRef idx="minor">
+              <a:schemeClr val="lt1"/>
+            </a:fontRef>
+          </p:style>
+          <p:txBody>
+            <a:bodyPr rtlCol="0" anchor="ctr"/>
+            <a:lstStyle/>
+            <a:p>
+              <a:pPr algn="ctr"/>
+              <a:endParaRPr lang="en-GB"/>
+            </a:p>
+          </p:txBody>
+        </p:sp>
+        <p:sp>
+          <p:nvSpPr>
+            <p:cNvPr id="163" name="Oval 162">
+              <a:extLst>
+                <a:ext uri="{FF2B5EF4-FFF2-40B4-BE49-F238E27FC236}">
+                  <a16:creationId xmlns:a16="http://schemas.microsoft.com/office/drawing/2014/main" id="{8B018A8A-E44D-6B45-26B8-C9F7151EA6C2}"/>
+                </a:ext>
+              </a:extLst>
+            </p:cNvPr>
+            <p:cNvSpPr/>
+            <p:nvPr/>
+          </p:nvSpPr>
+          <p:spPr>
+            <a:xfrm>
+              <a:off x="8285035" y="2565560"/>
+              <a:ext cx="167425" cy="167425"/>
+            </a:xfrm>
+            <a:prstGeom prst="ellipse">
+              <a:avLst/>
+            </a:prstGeom>
+            <a:pattFill prst="wdUpDiag">
+              <a:fgClr>
+                <a:srgbClr val="00B050"/>
+              </a:fgClr>
+              <a:bgClr>
+                <a:schemeClr val="bg1"/>
+              </a:bgClr>
+            </a:pattFill>
+          </p:spPr>
+          <p:style>
+            <a:lnRef idx="2">
+              <a:schemeClr val="accent1">
+                <a:shade val="50000"/>
+              </a:schemeClr>
+            </a:lnRef>
+            <a:fillRef idx="1">
+              <a:schemeClr val="accent1"/>
+            </a:fillRef>
+            <a:effectRef idx="0">
+              <a:schemeClr val="accent1"/>
+            </a:effectRef>
+            <a:fontRef idx="minor">
+              <a:schemeClr val="lt1"/>
+            </a:fontRef>
+          </p:style>
+          <p:txBody>
+            <a:bodyPr rtlCol="0" anchor="ctr"/>
+            <a:lstStyle/>
+            <a:p>
+              <a:pPr algn="ctr"/>
+              <a:endParaRPr lang="en-GB"/>
+            </a:p>
+          </p:txBody>
+        </p:sp>
+        <p:sp>
+          <p:nvSpPr>
+            <p:cNvPr id="164" name="TextBox 163">
+              <a:extLst>
+                <a:ext uri="{FF2B5EF4-FFF2-40B4-BE49-F238E27FC236}">
+                  <a16:creationId xmlns:a16="http://schemas.microsoft.com/office/drawing/2014/main" id="{8AC067FC-4F17-3DA6-7B3F-26D1E7714AAC}"/>
+                </a:ext>
+              </a:extLst>
+            </p:cNvPr>
+            <p:cNvSpPr txBox="1"/>
+            <p:nvPr/>
+          </p:nvSpPr>
+          <p:spPr>
+            <a:xfrm>
+              <a:off x="8466647" y="2785267"/>
+              <a:ext cx="940257" cy="276999"/>
+            </a:xfrm>
+            <a:prstGeom prst="rect">
+              <a:avLst/>
+            </a:prstGeom>
+            <a:noFill/>
+          </p:spPr>
+          <p:txBody>
+            <a:bodyPr wrap="none" rtlCol="0">
+              <a:spAutoFit/>
+            </a:bodyPr>
+            <a:lstStyle/>
+            <a:p>
+              <a:r>
+                <a:rPr lang="en-GB" sz="1200" dirty="0"/>
+                <a:t>App-3 peers</a:t>
+              </a:r>
+            </a:p>
+          </p:txBody>
+        </p:sp>
+        <p:sp>
+          <p:nvSpPr>
+            <p:cNvPr id="165" name="Rectangle 164">
+              <a:extLst>
+                <a:ext uri="{FF2B5EF4-FFF2-40B4-BE49-F238E27FC236}">
+                  <a16:creationId xmlns:a16="http://schemas.microsoft.com/office/drawing/2014/main" id="{E381E640-23ED-E6FA-0216-7D2D86E99FF1}"/>
+                </a:ext>
+              </a:extLst>
+            </p:cNvPr>
+            <p:cNvSpPr/>
+            <p:nvPr/>
+          </p:nvSpPr>
+          <p:spPr>
+            <a:xfrm>
+              <a:off x="8188854" y="2225547"/>
+              <a:ext cx="1196812" cy="865376"/>
+            </a:xfrm>
+            <a:prstGeom prst="rect">
+              <a:avLst/>
+            </a:prstGeom>
+            <a:noFill/>
+            <a:ln>
+              <a:solidFill>
+                <a:schemeClr val="tx1"/>
+              </a:solidFill>
+              <a:prstDash val="sysDot"/>
+            </a:ln>
+          </p:spPr>
+          <p:style>
+            <a:lnRef idx="2">
+              <a:schemeClr val="accent1">
+                <a:shade val="50000"/>
+              </a:schemeClr>
+            </a:lnRef>
+            <a:fillRef idx="1">
+              <a:schemeClr val="accent1"/>
+            </a:fillRef>
+            <a:effectRef idx="0">
+              <a:schemeClr val="accent1"/>
+            </a:effectRef>
+            <a:fontRef idx="minor">
+              <a:schemeClr val="lt1"/>
+            </a:fontRef>
+          </p:style>
+          <p:txBody>
+            <a:bodyPr rtlCol="0" anchor="ctr"/>
+            <a:lstStyle/>
+            <a:p>
+              <a:pPr algn="ctr"/>
+              <a:endParaRPr lang="en-GB"/>
+            </a:p>
+          </p:txBody>
+        </p:sp>
+      </p:grpSp>
+      <p:cxnSp>
+        <p:nvCxnSpPr>
+          <p:cNvPr id="68" name="Straight Connector 67">
+            <a:extLst>
+              <a:ext uri="{FF2B5EF4-FFF2-40B4-BE49-F238E27FC236}">
+                <a16:creationId xmlns:a16="http://schemas.microsoft.com/office/drawing/2014/main" id="{99E033CD-0DC4-3A54-1274-5A462EEE6847}"/>
+              </a:ext>
+            </a:extLst>
+          </p:cNvPr>
+          <p:cNvCxnSpPr>
+            <a:cxnSpLocks/>
+            <a:stCxn id="75" idx="2"/>
+            <a:endCxn id="72" idx="6"/>
+          </p:cNvCxnSpPr>
+          <p:nvPr/>
+        </p:nvCxnSpPr>
+        <p:spPr>
+          <a:xfrm flipH="1" flipV="1">
+            <a:off x="7598217" y="3119373"/>
+            <a:ext cx="378791" cy="54751"/>
+          </a:xfrm>
+          <a:prstGeom prst="line">
+            <a:avLst/>
+          </a:prstGeom>
+          <a:ln w="12700"/>
+        </p:spPr>
+        <p:style>
+          <a:lnRef idx="1">
+            <a:schemeClr val="accent1"/>
+          </a:lnRef>
+          <a:fillRef idx="0">
+            <a:schemeClr val="accent1"/>
+          </a:fillRef>
+          <a:effectRef idx="0">
+            <a:schemeClr val="accent1"/>
+          </a:effectRef>
+          <a:fontRef idx="minor">
+            <a:schemeClr val="tx1"/>
+          </a:fontRef>
+        </p:style>
+      </p:cxnSp>
+      <p:cxnSp>
+        <p:nvCxnSpPr>
+          <p:cNvPr id="77" name="Straight Connector 76">
+            <a:extLst>
+              <a:ext uri="{FF2B5EF4-FFF2-40B4-BE49-F238E27FC236}">
+                <a16:creationId xmlns:a16="http://schemas.microsoft.com/office/drawing/2014/main" id="{3A44AD7D-DFDC-4E89-AA92-3CD77FF8352E}"/>
+              </a:ext>
+            </a:extLst>
+          </p:cNvPr>
+          <p:cNvCxnSpPr>
+            <a:cxnSpLocks/>
+            <a:stCxn id="25" idx="0"/>
+            <a:endCxn id="23" idx="3"/>
+          </p:cNvCxnSpPr>
+          <p:nvPr/>
+        </p:nvCxnSpPr>
+        <p:spPr>
+          <a:xfrm flipV="1">
+            <a:off x="6387220" y="2716562"/>
+            <a:ext cx="309378" cy="601729"/>
+          </a:xfrm>
+          <a:prstGeom prst="line">
+            <a:avLst/>
+          </a:prstGeom>
+          <a:ln w="12700"/>
+        </p:spPr>
+        <p:style>
+          <a:lnRef idx="1">
+            <a:schemeClr val="accent1"/>
+          </a:lnRef>
+          <a:fillRef idx="0">
+            <a:schemeClr val="accent1"/>
+          </a:fillRef>
+          <a:effectRef idx="0">
+            <a:schemeClr val="accent1"/>
+          </a:effectRef>
+          <a:fontRef idx="minor">
+            <a:schemeClr val="tx1"/>
+          </a:fontRef>
+        </p:style>
+      </p:cxnSp>
+      <p:grpSp>
+        <p:nvGrpSpPr>
+          <p:cNvPr id="212" name="Group 211">
+            <a:extLst>
+              <a:ext uri="{FF2B5EF4-FFF2-40B4-BE49-F238E27FC236}">
+                <a16:creationId xmlns:a16="http://schemas.microsoft.com/office/drawing/2014/main" id="{2B151779-DD22-1C2B-AAF5-F6C435D9B932}"/>
+              </a:ext>
+            </a:extLst>
+          </p:cNvPr>
+          <p:cNvGrpSpPr/>
+          <p:nvPr/>
+        </p:nvGrpSpPr>
+        <p:grpSpPr>
+          <a:xfrm>
+            <a:off x="0" y="2340285"/>
+            <a:ext cx="5036098" cy="1162779"/>
+            <a:chOff x="39720" y="3241794"/>
+            <a:chExt cx="5036098" cy="1162779"/>
+          </a:xfrm>
+        </p:grpSpPr>
+        <p:sp>
+          <p:nvSpPr>
+            <p:cNvPr id="5" name="Oval 4">
+              <a:extLst>
+                <a:ext uri="{FF2B5EF4-FFF2-40B4-BE49-F238E27FC236}">
+                  <a16:creationId xmlns:a16="http://schemas.microsoft.com/office/drawing/2014/main" id="{A15DE7B2-9F4B-F0D8-DDF3-86881DAE5C05}"/>
+                </a:ext>
+              </a:extLst>
+            </p:cNvPr>
+            <p:cNvSpPr/>
+            <p:nvPr/>
+          </p:nvSpPr>
+          <p:spPr>
+            <a:xfrm>
+              <a:off x="4752940" y="4205214"/>
+              <a:ext cx="167425" cy="167425"/>
+            </a:xfrm>
+            <a:prstGeom prst="ellipse">
+              <a:avLst/>
+            </a:prstGeom>
+            <a:pattFill prst="smGrid">
+              <a:fgClr>
+                <a:srgbClr val="FF0000"/>
+              </a:fgClr>
+              <a:bgClr>
+                <a:schemeClr val="bg1"/>
+              </a:bgClr>
+            </a:pattFill>
+          </p:spPr>
+          <p:style>
+            <a:lnRef idx="2">
+              <a:schemeClr val="accent1">
+                <a:shade val="50000"/>
+              </a:schemeClr>
+            </a:lnRef>
+            <a:fillRef idx="1">
+              <a:schemeClr val="accent1"/>
+            </a:fillRef>
+            <a:effectRef idx="0">
+              <a:schemeClr val="accent1"/>
+            </a:effectRef>
+            <a:fontRef idx="minor">
+              <a:schemeClr val="lt1"/>
+            </a:fontRef>
+          </p:style>
+          <p:txBody>
+            <a:bodyPr rtlCol="0" anchor="ctr"/>
+            <a:lstStyle/>
+            <a:p>
+              <a:pPr algn="ctr"/>
+              <a:endParaRPr lang="en-GB" dirty="0"/>
+            </a:p>
+          </p:txBody>
+        </p:sp>
+        <p:sp>
+          <p:nvSpPr>
+            <p:cNvPr id="6" name="Oval 5">
+              <a:extLst>
+                <a:ext uri="{FF2B5EF4-FFF2-40B4-BE49-F238E27FC236}">
+                  <a16:creationId xmlns:a16="http://schemas.microsoft.com/office/drawing/2014/main" id="{26A7CCEF-D3D6-B393-78D6-FE0F9596602B}"/>
+                </a:ext>
+              </a:extLst>
+            </p:cNvPr>
+            <p:cNvSpPr/>
+            <p:nvPr/>
+          </p:nvSpPr>
+          <p:spPr>
+            <a:xfrm>
+              <a:off x="4460087" y="4205215"/>
+              <a:ext cx="167425" cy="167425"/>
+            </a:xfrm>
+            <a:prstGeom prst="ellipse">
+              <a:avLst/>
+            </a:prstGeom>
+            <a:solidFill>
+              <a:schemeClr val="tx1"/>
+            </a:solidFill>
+          </p:spPr>
+          <p:style>
+            <a:lnRef idx="2">
+              <a:schemeClr val="accent1">
+                <a:shade val="50000"/>
+              </a:schemeClr>
+            </a:lnRef>
+            <a:fillRef idx="1">
+              <a:schemeClr val="accent1"/>
+            </a:fillRef>
+            <a:effectRef idx="0">
+              <a:schemeClr val="accent1"/>
+            </a:effectRef>
+            <a:fontRef idx="minor">
+              <a:schemeClr val="lt1"/>
+            </a:fontRef>
+          </p:style>
+          <p:txBody>
+            <a:bodyPr rtlCol="0" anchor="ctr"/>
+            <a:lstStyle/>
+            <a:p>
+              <a:pPr algn="ctr"/>
+              <a:endParaRPr lang="en-GB"/>
+            </a:p>
+          </p:txBody>
+        </p:sp>
+        <p:sp>
+          <p:nvSpPr>
+            <p:cNvPr id="7" name="Oval 6">
+              <a:extLst>
+                <a:ext uri="{FF2B5EF4-FFF2-40B4-BE49-F238E27FC236}">
+                  <a16:creationId xmlns:a16="http://schemas.microsoft.com/office/drawing/2014/main" id="{4BD45DC6-1511-1EE4-F909-293594426992}"/>
+                </a:ext>
+              </a:extLst>
+            </p:cNvPr>
+            <p:cNvSpPr/>
+            <p:nvPr/>
+          </p:nvSpPr>
+          <p:spPr>
+            <a:xfrm>
+              <a:off x="4141476" y="4205216"/>
+              <a:ext cx="167425" cy="167425"/>
+            </a:xfrm>
+            <a:prstGeom prst="ellipse">
+              <a:avLst/>
+            </a:prstGeom>
+            <a:pattFill prst="wdUpDiag">
+              <a:fgClr>
+                <a:srgbClr val="00B050"/>
+              </a:fgClr>
+              <a:bgClr>
+                <a:schemeClr val="bg1"/>
+              </a:bgClr>
+            </a:pattFill>
+          </p:spPr>
+          <p:style>
+            <a:lnRef idx="2">
+              <a:schemeClr val="accent1">
+                <a:shade val="50000"/>
+              </a:schemeClr>
+            </a:lnRef>
+            <a:fillRef idx="1">
+              <a:schemeClr val="accent1"/>
+            </a:fillRef>
+            <a:effectRef idx="0">
+              <a:schemeClr val="accent1"/>
+            </a:effectRef>
+            <a:fontRef idx="minor">
+              <a:schemeClr val="lt1"/>
+            </a:fontRef>
+          </p:style>
+          <p:txBody>
+            <a:bodyPr rtlCol="0" anchor="ctr"/>
+            <a:lstStyle/>
+            <a:p>
+              <a:pPr algn="ctr"/>
+              <a:endParaRPr lang="en-GB"/>
+            </a:p>
+          </p:txBody>
+        </p:sp>
+        <p:sp>
+          <p:nvSpPr>
+            <p:cNvPr id="8" name="Oval 7">
+              <a:extLst>
+                <a:ext uri="{FF2B5EF4-FFF2-40B4-BE49-F238E27FC236}">
+                  <a16:creationId xmlns:a16="http://schemas.microsoft.com/office/drawing/2014/main" id="{1A354CAF-8AD2-9B1C-C4B3-57D65CC42E73}"/>
+                </a:ext>
+              </a:extLst>
+            </p:cNvPr>
+            <p:cNvSpPr/>
+            <p:nvPr/>
+          </p:nvSpPr>
+          <p:spPr>
+            <a:xfrm>
+              <a:off x="3830895" y="4205217"/>
+              <a:ext cx="167425" cy="167425"/>
+            </a:xfrm>
+            <a:prstGeom prst="ellipse">
+              <a:avLst/>
+            </a:prstGeom>
+            <a:pattFill prst="smGrid">
+              <a:fgClr>
+                <a:srgbClr val="FF0000"/>
+              </a:fgClr>
+              <a:bgClr>
+                <a:schemeClr val="bg1"/>
+              </a:bgClr>
+            </a:pattFill>
+          </p:spPr>
+          <p:style>
+            <a:lnRef idx="2">
+              <a:schemeClr val="accent1">
+                <a:shade val="50000"/>
+              </a:schemeClr>
+            </a:lnRef>
+            <a:fillRef idx="1">
+              <a:schemeClr val="accent1"/>
+            </a:fillRef>
+            <a:effectRef idx="0">
+              <a:schemeClr val="accent1"/>
+            </a:effectRef>
+            <a:fontRef idx="minor">
+              <a:schemeClr val="lt1"/>
+            </a:fontRef>
+          </p:style>
+          <p:txBody>
+            <a:bodyPr rtlCol="0" anchor="ctr"/>
+            <a:lstStyle/>
+            <a:p>
+              <a:pPr algn="ctr"/>
+              <a:endParaRPr lang="en-GB"/>
+            </a:p>
+          </p:txBody>
+        </p:sp>
+        <p:sp>
+          <p:nvSpPr>
+            <p:cNvPr id="9" name="Oval 8">
+              <a:extLst>
+                <a:ext uri="{FF2B5EF4-FFF2-40B4-BE49-F238E27FC236}">
+                  <a16:creationId xmlns:a16="http://schemas.microsoft.com/office/drawing/2014/main" id="{0DA7613E-2816-EF3D-0262-18C00CDB2CF9}"/>
+                </a:ext>
+              </a:extLst>
+            </p:cNvPr>
+            <p:cNvSpPr/>
+            <p:nvPr/>
+          </p:nvSpPr>
+          <p:spPr>
+            <a:xfrm>
+              <a:off x="3533193" y="4205218"/>
+              <a:ext cx="167425" cy="167425"/>
+            </a:xfrm>
+            <a:prstGeom prst="ellipse">
+              <a:avLst/>
+            </a:prstGeom>
+            <a:solidFill>
+              <a:schemeClr val="tx1"/>
+            </a:solidFill>
+          </p:spPr>
+          <p:style>
+            <a:lnRef idx="2">
+              <a:schemeClr val="accent1">
+                <a:shade val="50000"/>
+              </a:schemeClr>
+            </a:lnRef>
+            <a:fillRef idx="1">
+              <a:schemeClr val="accent1"/>
+            </a:fillRef>
+            <a:effectRef idx="0">
+              <a:schemeClr val="accent1"/>
+            </a:effectRef>
+            <a:fontRef idx="minor">
+              <a:schemeClr val="lt1"/>
+            </a:fontRef>
+          </p:style>
+          <p:txBody>
+            <a:bodyPr rtlCol="0" anchor="ctr"/>
+            <a:lstStyle/>
+            <a:p>
+              <a:pPr algn="ctr"/>
+              <a:endParaRPr lang="en-GB"/>
+            </a:p>
+          </p:txBody>
+        </p:sp>
+        <p:sp>
+          <p:nvSpPr>
+            <p:cNvPr id="10" name="Oval 9">
+              <a:extLst>
+                <a:ext uri="{FF2B5EF4-FFF2-40B4-BE49-F238E27FC236}">
+                  <a16:creationId xmlns:a16="http://schemas.microsoft.com/office/drawing/2014/main" id="{3804AE04-5424-7CD9-FFBB-B2718E708D50}"/>
+                </a:ext>
+              </a:extLst>
+            </p:cNvPr>
+            <p:cNvSpPr/>
+            <p:nvPr/>
+          </p:nvSpPr>
+          <p:spPr>
+            <a:xfrm>
+              <a:off x="3221161" y="4210807"/>
+              <a:ext cx="167425" cy="167425"/>
+            </a:xfrm>
+            <a:prstGeom prst="ellipse">
+              <a:avLst/>
+            </a:prstGeom>
+            <a:pattFill prst="wdUpDiag">
+              <a:fgClr>
+                <a:srgbClr val="00B050"/>
+              </a:fgClr>
+              <a:bgClr>
+                <a:schemeClr val="bg1"/>
+              </a:bgClr>
+            </a:pattFill>
+          </p:spPr>
+          <p:style>
+            <a:lnRef idx="2">
+              <a:schemeClr val="accent1">
+                <a:shade val="50000"/>
+              </a:schemeClr>
+            </a:lnRef>
+            <a:fillRef idx="1">
+              <a:schemeClr val="accent1"/>
+            </a:fillRef>
+            <a:effectRef idx="0">
+              <a:schemeClr val="accent1"/>
+            </a:effectRef>
+            <a:fontRef idx="minor">
+              <a:schemeClr val="lt1"/>
+            </a:fontRef>
+          </p:style>
+          <p:txBody>
+            <a:bodyPr rtlCol="0" anchor="ctr"/>
+            <a:lstStyle/>
+            <a:p>
+              <a:pPr algn="ctr"/>
+              <a:endParaRPr lang="en-GB"/>
+            </a:p>
+          </p:txBody>
+        </p:sp>
+        <p:sp>
+          <p:nvSpPr>
+            <p:cNvPr id="11" name="Oval 10">
+              <a:extLst>
+                <a:ext uri="{FF2B5EF4-FFF2-40B4-BE49-F238E27FC236}">
+                  <a16:creationId xmlns:a16="http://schemas.microsoft.com/office/drawing/2014/main" id="{B9049ED1-F7A7-DA2F-DD58-4BC6F0A0A8EC}"/>
+                </a:ext>
+              </a:extLst>
+            </p:cNvPr>
+            <p:cNvSpPr/>
+            <p:nvPr/>
+          </p:nvSpPr>
+          <p:spPr>
+            <a:xfrm>
+              <a:off x="2910580" y="4210808"/>
+              <a:ext cx="167425" cy="167425"/>
+            </a:xfrm>
+            <a:prstGeom prst="ellipse">
+              <a:avLst/>
+            </a:prstGeom>
+            <a:pattFill prst="smGrid">
+              <a:fgClr>
+                <a:srgbClr val="FF0000"/>
+              </a:fgClr>
+              <a:bgClr>
+                <a:schemeClr val="bg1"/>
+              </a:bgClr>
+            </a:pattFill>
+          </p:spPr>
+          <p:style>
+            <a:lnRef idx="2">
+              <a:schemeClr val="accent1">
+                <a:shade val="50000"/>
+              </a:schemeClr>
+            </a:lnRef>
+            <a:fillRef idx="1">
+              <a:schemeClr val="accent1"/>
+            </a:fillRef>
+            <a:effectRef idx="0">
+              <a:schemeClr val="accent1"/>
+            </a:effectRef>
+            <a:fontRef idx="minor">
+              <a:schemeClr val="lt1"/>
+            </a:fontRef>
+          </p:style>
+          <p:txBody>
+            <a:bodyPr rtlCol="0" anchor="ctr"/>
+            <a:lstStyle/>
+            <a:p>
+              <a:pPr algn="ctr"/>
+              <a:endParaRPr lang="en-GB"/>
+            </a:p>
+          </p:txBody>
+        </p:sp>
+        <p:sp>
+          <p:nvSpPr>
+            <p:cNvPr id="12" name="Oval 11">
+              <a:extLst>
+                <a:ext uri="{FF2B5EF4-FFF2-40B4-BE49-F238E27FC236}">
+                  <a16:creationId xmlns:a16="http://schemas.microsoft.com/office/drawing/2014/main" id="{EA4100F6-DD2A-257A-224B-71C9F9352AF5}"/>
+                </a:ext>
+              </a:extLst>
+            </p:cNvPr>
+            <p:cNvSpPr/>
+            <p:nvPr/>
+          </p:nvSpPr>
+          <p:spPr>
+            <a:xfrm>
+              <a:off x="2617627" y="4217807"/>
+              <a:ext cx="167425" cy="167425"/>
+            </a:xfrm>
+            <a:prstGeom prst="ellipse">
+              <a:avLst/>
+            </a:prstGeom>
+            <a:pattFill prst="wdUpDiag">
+              <a:fgClr>
+                <a:srgbClr val="00B050"/>
+              </a:fgClr>
+              <a:bgClr>
+                <a:schemeClr val="bg1"/>
+              </a:bgClr>
+            </a:pattFill>
+          </p:spPr>
+          <p:style>
+            <a:lnRef idx="2">
+              <a:schemeClr val="accent1">
+                <a:shade val="50000"/>
+              </a:schemeClr>
+            </a:lnRef>
+            <a:fillRef idx="1">
+              <a:schemeClr val="accent1"/>
+            </a:fillRef>
+            <a:effectRef idx="0">
+              <a:schemeClr val="accent1"/>
+            </a:effectRef>
+            <a:fontRef idx="minor">
+              <a:schemeClr val="lt1"/>
+            </a:fontRef>
+          </p:style>
+          <p:txBody>
+            <a:bodyPr rtlCol="0" anchor="ctr"/>
+            <a:lstStyle/>
+            <a:p>
+              <a:pPr algn="ctr"/>
+              <a:endParaRPr lang="en-GB"/>
+            </a:p>
+          </p:txBody>
+        </p:sp>
+        <p:sp>
+          <p:nvSpPr>
+            <p:cNvPr id="13" name="Oval 12">
+              <a:extLst>
+                <a:ext uri="{FF2B5EF4-FFF2-40B4-BE49-F238E27FC236}">
+                  <a16:creationId xmlns:a16="http://schemas.microsoft.com/office/drawing/2014/main" id="{BE4D0E79-B2ED-1573-5382-B8D43A228310}"/>
+                </a:ext>
+              </a:extLst>
+            </p:cNvPr>
+            <p:cNvSpPr/>
+            <p:nvPr/>
+          </p:nvSpPr>
+          <p:spPr>
+            <a:xfrm>
+              <a:off x="2321451" y="4230707"/>
+              <a:ext cx="167425" cy="167425"/>
+            </a:xfrm>
+            <a:prstGeom prst="ellipse">
+              <a:avLst/>
+            </a:prstGeom>
+            <a:solidFill>
+              <a:schemeClr val="tx1"/>
+            </a:solidFill>
+          </p:spPr>
+          <p:style>
+            <a:lnRef idx="2">
+              <a:schemeClr val="accent1">
+                <a:shade val="50000"/>
+              </a:schemeClr>
+            </a:lnRef>
+            <a:fillRef idx="1">
+              <a:schemeClr val="accent1"/>
+            </a:fillRef>
+            <a:effectRef idx="0">
+              <a:schemeClr val="accent1"/>
+            </a:effectRef>
+            <a:fontRef idx="minor">
+              <a:schemeClr val="lt1"/>
+            </a:fontRef>
+          </p:style>
+          <p:txBody>
+            <a:bodyPr rtlCol="0" anchor="ctr"/>
+            <a:lstStyle/>
+            <a:p>
+              <a:pPr algn="ctr"/>
+              <a:endParaRPr lang="en-GB"/>
+            </a:p>
+          </p:txBody>
+        </p:sp>
+        <p:sp>
+          <p:nvSpPr>
+            <p:cNvPr id="14" name="Oval 13">
+              <a:extLst>
+                <a:ext uri="{FF2B5EF4-FFF2-40B4-BE49-F238E27FC236}">
+                  <a16:creationId xmlns:a16="http://schemas.microsoft.com/office/drawing/2014/main" id="{E72B4CAE-DC9A-FDC6-38E3-DD906CC5B75F}"/>
+                </a:ext>
+              </a:extLst>
+            </p:cNvPr>
+            <p:cNvSpPr/>
+            <p:nvPr/>
+          </p:nvSpPr>
+          <p:spPr>
+            <a:xfrm>
+              <a:off x="2034083" y="4230707"/>
+              <a:ext cx="167425" cy="167425"/>
+            </a:xfrm>
+            <a:prstGeom prst="ellipse">
+              <a:avLst/>
+            </a:prstGeom>
+            <a:pattFill prst="smGrid">
+              <a:fgClr>
+                <a:srgbClr val="FF0000"/>
+              </a:fgClr>
+              <a:bgClr>
+                <a:schemeClr val="bg1"/>
+              </a:bgClr>
+            </a:pattFill>
+          </p:spPr>
+          <p:style>
+            <a:lnRef idx="2">
+              <a:schemeClr val="accent1">
+                <a:shade val="50000"/>
+              </a:schemeClr>
+            </a:lnRef>
+            <a:fillRef idx="1">
+              <a:schemeClr val="accent1"/>
+            </a:fillRef>
+            <a:effectRef idx="0">
+              <a:schemeClr val="accent1"/>
+            </a:effectRef>
+            <a:fontRef idx="minor">
+              <a:schemeClr val="lt1"/>
+            </a:fontRef>
+          </p:style>
+          <p:txBody>
+            <a:bodyPr rtlCol="0" anchor="ctr"/>
+            <a:lstStyle/>
+            <a:p>
+              <a:pPr algn="ctr"/>
+              <a:endParaRPr lang="en-GB"/>
+            </a:p>
+          </p:txBody>
+        </p:sp>
+        <p:sp>
+          <p:nvSpPr>
+            <p:cNvPr id="15" name="Oval 14">
+              <a:extLst>
+                <a:ext uri="{FF2B5EF4-FFF2-40B4-BE49-F238E27FC236}">
+                  <a16:creationId xmlns:a16="http://schemas.microsoft.com/office/drawing/2014/main" id="{530C6E30-C50F-157A-7D8A-6FE3DDB5E676}"/>
+                </a:ext>
+              </a:extLst>
+            </p:cNvPr>
+            <p:cNvSpPr/>
+            <p:nvPr/>
+          </p:nvSpPr>
+          <p:spPr>
+            <a:xfrm>
+              <a:off x="1733836" y="4224247"/>
+              <a:ext cx="167425" cy="167425"/>
+            </a:xfrm>
+            <a:prstGeom prst="ellipse">
+              <a:avLst/>
+            </a:prstGeom>
+            <a:pattFill prst="wdUpDiag">
+              <a:fgClr>
+                <a:srgbClr val="00B050"/>
+              </a:fgClr>
+              <a:bgClr>
+                <a:schemeClr val="bg1"/>
+              </a:bgClr>
+            </a:pattFill>
+          </p:spPr>
+          <p:style>
+            <a:lnRef idx="2">
+              <a:schemeClr val="accent1">
+                <a:shade val="50000"/>
+              </a:schemeClr>
+            </a:lnRef>
+            <a:fillRef idx="1">
+              <a:schemeClr val="accent1"/>
+            </a:fillRef>
+            <a:effectRef idx="0">
+              <a:schemeClr val="accent1"/>
+            </a:effectRef>
+            <a:fontRef idx="minor">
+              <a:schemeClr val="lt1"/>
+            </a:fontRef>
+          </p:style>
+          <p:txBody>
+            <a:bodyPr rtlCol="0" anchor="ctr"/>
+            <a:lstStyle/>
+            <a:p>
+              <a:pPr algn="ctr"/>
+              <a:endParaRPr lang="en-GB"/>
+            </a:p>
+          </p:txBody>
+        </p:sp>
+        <p:sp>
+          <p:nvSpPr>
+            <p:cNvPr id="16" name="Oval 15">
+              <a:extLst>
+                <a:ext uri="{FF2B5EF4-FFF2-40B4-BE49-F238E27FC236}">
+                  <a16:creationId xmlns:a16="http://schemas.microsoft.com/office/drawing/2014/main" id="{CF6CFB7B-4F4B-B0B5-4C2E-1BEC80A04666}"/>
+                </a:ext>
+              </a:extLst>
+            </p:cNvPr>
+            <p:cNvSpPr/>
+            <p:nvPr/>
+          </p:nvSpPr>
+          <p:spPr>
+            <a:xfrm>
+              <a:off x="1433589" y="4237148"/>
+              <a:ext cx="167425" cy="167425"/>
+            </a:xfrm>
+            <a:prstGeom prst="ellipse">
+              <a:avLst/>
+            </a:prstGeom>
+            <a:solidFill>
+              <a:schemeClr val="tx1"/>
+            </a:solidFill>
+          </p:spPr>
+          <p:style>
+            <a:lnRef idx="2">
+              <a:schemeClr val="accent1">
+                <a:shade val="50000"/>
+              </a:schemeClr>
+            </a:lnRef>
+            <a:fillRef idx="1">
+              <a:schemeClr val="accent1"/>
+            </a:fillRef>
+            <a:effectRef idx="0">
+              <a:schemeClr val="accent1"/>
+            </a:effectRef>
+            <a:fontRef idx="minor">
+              <a:schemeClr val="lt1"/>
+            </a:fontRef>
+          </p:style>
+          <p:txBody>
+            <a:bodyPr rtlCol="0" anchor="ctr"/>
+            <a:lstStyle/>
+            <a:p>
+              <a:pPr algn="ctr"/>
+              <a:endParaRPr lang="en-GB"/>
+            </a:p>
+          </p:txBody>
+        </p:sp>
+        <p:sp>
+          <p:nvSpPr>
+            <p:cNvPr id="17" name="Oval 16">
+              <a:extLst>
+                <a:ext uri="{FF2B5EF4-FFF2-40B4-BE49-F238E27FC236}">
+                  <a16:creationId xmlns:a16="http://schemas.microsoft.com/office/drawing/2014/main" id="{9690587E-CF0B-654C-D21D-DE7B7920C3D4}"/>
+                </a:ext>
+              </a:extLst>
+            </p:cNvPr>
+            <p:cNvSpPr/>
+            <p:nvPr/>
+          </p:nvSpPr>
+          <p:spPr>
+            <a:xfrm>
+              <a:off x="1120463" y="4237148"/>
+              <a:ext cx="167425" cy="167425"/>
+            </a:xfrm>
+            <a:prstGeom prst="ellipse">
+              <a:avLst/>
+            </a:prstGeom>
+            <a:pattFill prst="smGrid">
+              <a:fgClr>
+                <a:srgbClr val="FF0000"/>
+              </a:fgClr>
+              <a:bgClr>
+                <a:schemeClr val="bg1"/>
+              </a:bgClr>
+            </a:pattFill>
+          </p:spPr>
+          <p:style>
+            <a:lnRef idx="2">
+              <a:schemeClr val="accent1">
+                <a:shade val="50000"/>
+              </a:schemeClr>
+            </a:lnRef>
+            <a:fillRef idx="1">
+              <a:schemeClr val="accent1"/>
+            </a:fillRef>
+            <a:effectRef idx="0">
+              <a:schemeClr val="accent1"/>
+            </a:effectRef>
+            <a:fontRef idx="minor">
+              <a:schemeClr val="lt1"/>
+            </a:fontRef>
+          </p:style>
+          <p:txBody>
+            <a:bodyPr rtlCol="0" anchor="ctr"/>
+            <a:lstStyle/>
+            <a:p>
+              <a:pPr algn="ctr"/>
+              <a:endParaRPr lang="en-GB"/>
+            </a:p>
+          </p:txBody>
+        </p:sp>
+        <p:sp>
+          <p:nvSpPr>
+            <p:cNvPr id="18" name="Oval 17">
+              <a:extLst>
+                <a:ext uri="{FF2B5EF4-FFF2-40B4-BE49-F238E27FC236}">
+                  <a16:creationId xmlns:a16="http://schemas.microsoft.com/office/drawing/2014/main" id="{AD9F5D3E-C987-70DB-E2AA-05A8A5C48446}"/>
+                </a:ext>
+              </a:extLst>
+            </p:cNvPr>
+            <p:cNvSpPr/>
+            <p:nvPr/>
+          </p:nvSpPr>
+          <p:spPr>
+            <a:xfrm>
+              <a:off x="801711" y="4237148"/>
+              <a:ext cx="167425" cy="167425"/>
+            </a:xfrm>
+            <a:prstGeom prst="ellipse">
+              <a:avLst/>
+            </a:prstGeom>
+            <a:pattFill prst="wdUpDiag">
+              <a:fgClr>
+                <a:srgbClr val="00B050"/>
+              </a:fgClr>
+              <a:bgClr>
+                <a:schemeClr val="bg1"/>
+              </a:bgClr>
+            </a:pattFill>
+          </p:spPr>
+          <p:style>
+            <a:lnRef idx="2">
+              <a:schemeClr val="accent1">
+                <a:shade val="50000"/>
+              </a:schemeClr>
+            </a:lnRef>
+            <a:fillRef idx="1">
+              <a:schemeClr val="accent1"/>
+            </a:fillRef>
+            <a:effectRef idx="0">
+              <a:schemeClr val="accent1"/>
+            </a:effectRef>
+            <a:fontRef idx="minor">
+              <a:schemeClr val="lt1"/>
+            </a:fontRef>
+          </p:style>
+          <p:txBody>
+            <a:bodyPr rtlCol="0" anchor="ctr"/>
+            <a:lstStyle/>
+            <a:p>
+              <a:pPr algn="ctr"/>
+              <a:endParaRPr lang="en-GB"/>
+            </a:p>
+          </p:txBody>
+        </p:sp>
+        <p:sp>
+          <p:nvSpPr>
+            <p:cNvPr id="19" name="Oval 18">
+              <a:extLst>
+                <a:ext uri="{FF2B5EF4-FFF2-40B4-BE49-F238E27FC236}">
+                  <a16:creationId xmlns:a16="http://schemas.microsoft.com/office/drawing/2014/main" id="{39B13EDF-707C-6618-C9B9-B59870148012}"/>
+                </a:ext>
+              </a:extLst>
+            </p:cNvPr>
+            <p:cNvSpPr/>
+            <p:nvPr/>
+          </p:nvSpPr>
+          <p:spPr>
+            <a:xfrm>
+              <a:off x="482959" y="4237148"/>
+              <a:ext cx="167425" cy="167425"/>
+            </a:xfrm>
+            <a:prstGeom prst="ellipse">
+              <a:avLst/>
+            </a:prstGeom>
+            <a:solidFill>
+              <a:schemeClr val="tx1"/>
+            </a:solidFill>
+          </p:spPr>
+          <p:style>
+            <a:lnRef idx="2">
+              <a:schemeClr val="accent1">
+                <a:shade val="50000"/>
+              </a:schemeClr>
+            </a:lnRef>
+            <a:fillRef idx="1">
+              <a:schemeClr val="accent1"/>
+            </a:fillRef>
+            <a:effectRef idx="0">
+              <a:schemeClr val="accent1"/>
+            </a:effectRef>
+            <a:fontRef idx="minor">
+              <a:schemeClr val="lt1"/>
+            </a:fontRef>
+          </p:style>
+          <p:txBody>
+            <a:bodyPr rtlCol="0" anchor="ctr"/>
+            <a:lstStyle/>
+            <a:p>
+              <a:pPr algn="ctr"/>
+              <a:endParaRPr lang="en-GB"/>
+            </a:p>
+          </p:txBody>
+        </p:sp>
+        <p:sp>
+          <p:nvSpPr>
+            <p:cNvPr id="20" name="Oval 19">
+              <a:extLst>
+                <a:ext uri="{FF2B5EF4-FFF2-40B4-BE49-F238E27FC236}">
+                  <a16:creationId xmlns:a16="http://schemas.microsoft.com/office/drawing/2014/main" id="{E98BC405-227F-6584-B0E2-007BE92BC42E}"/>
+                </a:ext>
+              </a:extLst>
+            </p:cNvPr>
+            <p:cNvSpPr/>
+            <p:nvPr/>
+          </p:nvSpPr>
+          <p:spPr>
+            <a:xfrm>
+              <a:off x="175516" y="4230520"/>
+              <a:ext cx="167425" cy="167425"/>
+            </a:xfrm>
+            <a:prstGeom prst="ellipse">
+              <a:avLst/>
+            </a:prstGeom>
+            <a:pattFill prst="wdUpDiag">
+              <a:fgClr>
+                <a:srgbClr val="00B050"/>
+              </a:fgClr>
+              <a:bgClr>
+                <a:schemeClr val="bg1"/>
+              </a:bgClr>
+            </a:pattFill>
+          </p:spPr>
+          <p:style>
+            <a:lnRef idx="2">
+              <a:schemeClr val="accent1">
+                <a:shade val="50000"/>
+              </a:schemeClr>
+            </a:lnRef>
+            <a:fillRef idx="1">
+              <a:schemeClr val="accent1"/>
+            </a:fillRef>
+            <a:effectRef idx="0">
+              <a:schemeClr val="accent1"/>
+            </a:effectRef>
+            <a:fontRef idx="minor">
+              <a:schemeClr val="lt1"/>
+            </a:fontRef>
+          </p:style>
+          <p:txBody>
+            <a:bodyPr rtlCol="0" anchor="ctr"/>
+            <a:lstStyle/>
+            <a:p>
+              <a:pPr algn="ctr"/>
+              <a:endParaRPr lang="en-GB"/>
+            </a:p>
+          </p:txBody>
+        </p:sp>
+        <p:grpSp>
+          <p:nvGrpSpPr>
+            <p:cNvPr id="180" name="Group 179">
+              <a:extLst>
+                <a:ext uri="{FF2B5EF4-FFF2-40B4-BE49-F238E27FC236}">
+                  <a16:creationId xmlns:a16="http://schemas.microsoft.com/office/drawing/2014/main" id="{A2CAF2A0-0293-C513-41F3-7579D2CDB6E5}"/>
+                </a:ext>
+              </a:extLst>
+            </p:cNvPr>
+            <p:cNvGrpSpPr/>
+            <p:nvPr/>
+          </p:nvGrpSpPr>
+          <p:grpSpPr>
+            <a:xfrm>
+              <a:off x="259229" y="3296191"/>
+              <a:ext cx="4580681" cy="966689"/>
+              <a:chOff x="259229" y="2295515"/>
+              <a:chExt cx="4580681" cy="1967366"/>
+            </a:xfrm>
+          </p:grpSpPr>
+          <p:grpSp>
+            <p:nvGrpSpPr>
+              <p:cNvPr id="139" name="Group 138">
+                <a:extLst>
+                  <a:ext uri="{FF2B5EF4-FFF2-40B4-BE49-F238E27FC236}">
+                    <a16:creationId xmlns:a16="http://schemas.microsoft.com/office/drawing/2014/main" id="{6391F374-7C09-CBAB-50C1-96A55BA9D204}"/>
+                  </a:ext>
+                </a:extLst>
+              </p:cNvPr>
+              <p:cNvGrpSpPr/>
+              <p:nvPr/>
+            </p:nvGrpSpPr>
+            <p:grpSpPr>
+              <a:xfrm>
+                <a:off x="2854625" y="3481042"/>
+                <a:ext cx="627989" cy="373946"/>
+                <a:chOff x="423544" y="3496539"/>
+                <a:chExt cx="627989" cy="373946"/>
+              </a:xfrm>
+            </p:grpSpPr>
+            <p:cxnSp>
+              <p:nvCxnSpPr>
+                <p:cNvPr id="140" name="Straight Connector 139">
+                  <a:extLst>
+                    <a:ext uri="{FF2B5EF4-FFF2-40B4-BE49-F238E27FC236}">
+                      <a16:creationId xmlns:a16="http://schemas.microsoft.com/office/drawing/2014/main" id="{93849C45-3F25-F113-1B78-992904A8A5B1}"/>
+                    </a:ext>
+                  </a:extLst>
+                </p:cNvPr>
+                <p:cNvCxnSpPr>
+                  <a:cxnSpLocks/>
+                </p:cNvCxnSpPr>
+                <p:nvPr/>
+              </p:nvCxnSpPr>
+              <p:spPr>
+                <a:xfrm flipV="1">
+                  <a:off x="423544" y="3496539"/>
+                  <a:ext cx="377594" cy="373946"/>
+                </a:xfrm>
+                <a:prstGeom prst="line">
+                  <a:avLst/>
+                </a:prstGeom>
+                <a:ln w="12700">
+                  <a:prstDash val="sysDot"/>
+                </a:ln>
+              </p:spPr>
+              <p:style>
+                <a:lnRef idx="1">
+                  <a:schemeClr val="accent1"/>
+                </a:lnRef>
+                <a:fillRef idx="0">
+                  <a:schemeClr val="accent1"/>
+                </a:fillRef>
+                <a:effectRef idx="0">
+                  <a:schemeClr val="accent1"/>
+                </a:effectRef>
+                <a:fontRef idx="minor">
+                  <a:schemeClr val="tx1"/>
+                </a:fontRef>
+              </p:style>
+            </p:cxnSp>
+            <p:cxnSp>
+              <p:nvCxnSpPr>
+                <p:cNvPr id="141" name="Straight Connector 140">
+                  <a:extLst>
+                    <a:ext uri="{FF2B5EF4-FFF2-40B4-BE49-F238E27FC236}">
+                      <a16:creationId xmlns:a16="http://schemas.microsoft.com/office/drawing/2014/main" id="{4AAE263C-37E7-995A-AE5C-28F9325F6618}"/>
+                    </a:ext>
+                  </a:extLst>
+                </p:cNvPr>
+                <p:cNvCxnSpPr>
+                  <a:cxnSpLocks/>
+                </p:cNvCxnSpPr>
+                <p:nvPr/>
+              </p:nvCxnSpPr>
+              <p:spPr>
+                <a:xfrm flipH="1" flipV="1">
+                  <a:off x="798482" y="3497356"/>
+                  <a:ext cx="253051" cy="359863"/>
+                </a:xfrm>
+                <a:prstGeom prst="line">
+                  <a:avLst/>
+                </a:prstGeom>
+                <a:ln w="12700">
+                  <a:prstDash val="sysDot"/>
+                </a:ln>
+              </p:spPr>
+              <p:style>
+                <a:lnRef idx="1">
+                  <a:schemeClr val="accent1"/>
+                </a:lnRef>
+                <a:fillRef idx="0">
+                  <a:schemeClr val="accent1"/>
+                </a:fillRef>
+                <a:effectRef idx="0">
+                  <a:schemeClr val="accent1"/>
+                </a:effectRef>
+                <a:fontRef idx="minor">
+                  <a:schemeClr val="tx1"/>
+                </a:fontRef>
+              </p:style>
+            </p:cxnSp>
+          </p:grpSp>
+          <p:grpSp>
+            <p:nvGrpSpPr>
+              <p:cNvPr id="142" name="Group 141">
+                <a:extLst>
+                  <a:ext uri="{FF2B5EF4-FFF2-40B4-BE49-F238E27FC236}">
+                    <a16:creationId xmlns:a16="http://schemas.microsoft.com/office/drawing/2014/main" id="{B3095849-1AB3-099B-E570-ADAE0D254FEC}"/>
+                  </a:ext>
+                </a:extLst>
+              </p:cNvPr>
+              <p:cNvGrpSpPr/>
+              <p:nvPr/>
+            </p:nvGrpSpPr>
+            <p:grpSpPr>
+              <a:xfrm>
+                <a:off x="4064628" y="3481042"/>
+                <a:ext cx="627989" cy="373946"/>
+                <a:chOff x="423544" y="3496539"/>
+                <a:chExt cx="627989" cy="373946"/>
+              </a:xfrm>
+            </p:grpSpPr>
+            <p:cxnSp>
+              <p:nvCxnSpPr>
+                <p:cNvPr id="143" name="Straight Connector 142">
+                  <a:extLst>
+                    <a:ext uri="{FF2B5EF4-FFF2-40B4-BE49-F238E27FC236}">
+                      <a16:creationId xmlns:a16="http://schemas.microsoft.com/office/drawing/2014/main" id="{35760683-5FA7-C8E2-582F-6D5EE574A71B}"/>
+                    </a:ext>
+                  </a:extLst>
+                </p:cNvPr>
+                <p:cNvCxnSpPr>
+                  <a:cxnSpLocks/>
+                </p:cNvCxnSpPr>
+                <p:nvPr/>
+              </p:nvCxnSpPr>
+              <p:spPr>
+                <a:xfrm flipV="1">
+                  <a:off x="423544" y="3496539"/>
+                  <a:ext cx="377594" cy="373946"/>
+                </a:xfrm>
+                <a:prstGeom prst="line">
+                  <a:avLst/>
+                </a:prstGeom>
+                <a:ln w="12700">
+                  <a:prstDash val="sysDot"/>
+                </a:ln>
+              </p:spPr>
+              <p:style>
+                <a:lnRef idx="1">
+                  <a:schemeClr val="accent1"/>
+                </a:lnRef>
+                <a:fillRef idx="0">
+                  <a:schemeClr val="accent1"/>
+                </a:fillRef>
+                <a:effectRef idx="0">
+                  <a:schemeClr val="accent1"/>
+                </a:effectRef>
+                <a:fontRef idx="minor">
+                  <a:schemeClr val="tx1"/>
+                </a:fontRef>
+              </p:style>
+            </p:cxnSp>
+            <p:cxnSp>
+              <p:nvCxnSpPr>
+                <p:cNvPr id="144" name="Straight Connector 143">
+                  <a:extLst>
+                    <a:ext uri="{FF2B5EF4-FFF2-40B4-BE49-F238E27FC236}">
+                      <a16:creationId xmlns:a16="http://schemas.microsoft.com/office/drawing/2014/main" id="{E14EF586-E63D-4EF3-7BED-FA7D941BEB0B}"/>
+                    </a:ext>
+                  </a:extLst>
+                </p:cNvPr>
+                <p:cNvCxnSpPr>
+                  <a:cxnSpLocks/>
+                </p:cNvCxnSpPr>
+                <p:nvPr/>
+              </p:nvCxnSpPr>
+              <p:spPr>
+                <a:xfrm flipH="1" flipV="1">
+                  <a:off x="798482" y="3497356"/>
+                  <a:ext cx="253051" cy="359863"/>
+                </a:xfrm>
+                <a:prstGeom prst="line">
+                  <a:avLst/>
+                </a:prstGeom>
+                <a:ln w="12700">
+                  <a:prstDash val="sysDot"/>
+                </a:ln>
+              </p:spPr>
+              <p:style>
+                <a:lnRef idx="1">
+                  <a:schemeClr val="accent1"/>
+                </a:lnRef>
+                <a:fillRef idx="0">
+                  <a:schemeClr val="accent1"/>
+                </a:fillRef>
+                <a:effectRef idx="0">
+                  <a:schemeClr val="accent1"/>
+                </a:effectRef>
+                <a:fontRef idx="minor">
+                  <a:schemeClr val="tx1"/>
+                </a:fontRef>
+              </p:style>
+            </p:cxnSp>
+          </p:grpSp>
+          <p:cxnSp>
+            <p:nvCxnSpPr>
+              <p:cNvPr id="44" name="Straight Connector 43">
+                <a:extLst>
+                  <a:ext uri="{FF2B5EF4-FFF2-40B4-BE49-F238E27FC236}">
+                    <a16:creationId xmlns:a16="http://schemas.microsoft.com/office/drawing/2014/main" id="{0113EF9F-11F4-9432-BE76-CE5E6F082D3E}"/>
+                  </a:ext>
+                </a:extLst>
+              </p:cNvPr>
+              <p:cNvCxnSpPr>
+                <a:cxnSpLocks/>
+                <a:stCxn id="20" idx="0"/>
+              </p:cNvCxnSpPr>
+              <p:nvPr/>
+            </p:nvCxnSpPr>
+            <p:spPr>
+              <a:xfrm flipV="1">
+                <a:off x="259229" y="3866880"/>
+                <a:ext cx="164211" cy="363640"/>
+              </a:xfrm>
+              <a:prstGeom prst="line">
+                <a:avLst/>
+              </a:prstGeom>
+              <a:ln w="12700">
+                <a:prstDash val="sysDot"/>
+              </a:ln>
+            </p:spPr>
+            <p:style>
+              <a:lnRef idx="1">
+                <a:schemeClr val="accent1"/>
+              </a:lnRef>
+              <a:fillRef idx="0">
+                <a:schemeClr val="accent1"/>
+              </a:fillRef>
+              <a:effectRef idx="0">
+                <a:schemeClr val="accent1"/>
+              </a:effectRef>
+              <a:fontRef idx="minor">
+                <a:schemeClr val="tx1"/>
+              </a:fontRef>
+            </p:style>
+          </p:cxnSp>
+          <p:cxnSp>
+            <p:nvCxnSpPr>
+              <p:cNvPr id="95" name="Straight Connector 94">
+                <a:extLst>
+                  <a:ext uri="{FF2B5EF4-FFF2-40B4-BE49-F238E27FC236}">
+                    <a16:creationId xmlns:a16="http://schemas.microsoft.com/office/drawing/2014/main" id="{52F0E583-4D18-BD6D-2899-1FC85CF14340}"/>
+                  </a:ext>
+                </a:extLst>
+              </p:cNvPr>
+              <p:cNvCxnSpPr>
+                <a:cxnSpLocks/>
+              </p:cNvCxnSpPr>
+              <p:nvPr/>
+            </p:nvCxnSpPr>
+            <p:spPr>
+              <a:xfrm flipH="1" flipV="1">
+                <a:off x="423440" y="3866880"/>
+                <a:ext cx="142519" cy="388229"/>
+              </a:xfrm>
+              <a:prstGeom prst="line">
+                <a:avLst/>
+              </a:prstGeom>
+              <a:ln w="12700">
+                <a:prstDash val="sysDot"/>
+              </a:ln>
+            </p:spPr>
+            <p:style>
+              <a:lnRef idx="1">
+                <a:schemeClr val="accent1"/>
+              </a:lnRef>
+              <a:fillRef idx="0">
+                <a:schemeClr val="accent1"/>
+              </a:fillRef>
+              <a:effectRef idx="0">
+                <a:schemeClr val="accent1"/>
+              </a:effectRef>
+              <a:fontRef idx="minor">
+                <a:schemeClr val="tx1"/>
+              </a:fontRef>
+            </p:style>
+          </p:cxnSp>
+          <p:grpSp>
+            <p:nvGrpSpPr>
+              <p:cNvPr id="53" name="Group 52">
+                <a:extLst>
+                  <a:ext uri="{FF2B5EF4-FFF2-40B4-BE49-F238E27FC236}">
+                    <a16:creationId xmlns:a16="http://schemas.microsoft.com/office/drawing/2014/main" id="{7192E162-D3F9-6277-C14E-E58E16133BB8}"/>
+                  </a:ext>
+                </a:extLst>
+              </p:cNvPr>
+              <p:cNvGrpSpPr/>
+              <p:nvPr/>
+            </p:nvGrpSpPr>
+            <p:grpSpPr>
+              <a:xfrm>
+                <a:off x="423544" y="3496539"/>
+                <a:ext cx="627989" cy="373946"/>
+                <a:chOff x="423544" y="3496539"/>
+                <a:chExt cx="627989" cy="373946"/>
+              </a:xfrm>
+            </p:grpSpPr>
+            <p:cxnSp>
+              <p:nvCxnSpPr>
+                <p:cNvPr id="99" name="Straight Connector 98">
+                  <a:extLst>
+                    <a:ext uri="{FF2B5EF4-FFF2-40B4-BE49-F238E27FC236}">
+                      <a16:creationId xmlns:a16="http://schemas.microsoft.com/office/drawing/2014/main" id="{855FB72D-EF16-D4BD-A08B-77B4BEADC603}"/>
+                    </a:ext>
+                  </a:extLst>
+                </p:cNvPr>
+                <p:cNvCxnSpPr>
+                  <a:cxnSpLocks/>
+                </p:cNvCxnSpPr>
+                <p:nvPr/>
+              </p:nvCxnSpPr>
+              <p:spPr>
+                <a:xfrm flipV="1">
+                  <a:off x="423544" y="3496539"/>
+                  <a:ext cx="377594" cy="373946"/>
+                </a:xfrm>
+                <a:prstGeom prst="line">
+                  <a:avLst/>
+                </a:prstGeom>
+                <a:ln w="12700">
+                  <a:prstDash val="sysDot"/>
+                </a:ln>
+              </p:spPr>
+              <p:style>
+                <a:lnRef idx="1">
+                  <a:schemeClr val="accent1"/>
+                </a:lnRef>
+                <a:fillRef idx="0">
+                  <a:schemeClr val="accent1"/>
+                </a:fillRef>
+                <a:effectRef idx="0">
+                  <a:schemeClr val="accent1"/>
+                </a:effectRef>
+                <a:fontRef idx="minor">
+                  <a:schemeClr val="tx1"/>
+                </a:fontRef>
+              </p:style>
+            </p:cxnSp>
+            <p:cxnSp>
+              <p:nvCxnSpPr>
+                <p:cNvPr id="101" name="Straight Connector 100">
+                  <a:extLst>
+                    <a:ext uri="{FF2B5EF4-FFF2-40B4-BE49-F238E27FC236}">
+                      <a16:creationId xmlns:a16="http://schemas.microsoft.com/office/drawing/2014/main" id="{89F9C54D-5C93-46D6-609A-E8062701D080}"/>
+                    </a:ext>
+                  </a:extLst>
+                </p:cNvPr>
+                <p:cNvCxnSpPr>
+                  <a:cxnSpLocks/>
+                </p:cNvCxnSpPr>
+                <p:nvPr/>
+              </p:nvCxnSpPr>
+              <p:spPr>
+                <a:xfrm flipH="1" flipV="1">
+                  <a:off x="798482" y="3497356"/>
+                  <a:ext cx="253051" cy="359863"/>
+                </a:xfrm>
+                <a:prstGeom prst="line">
+                  <a:avLst/>
+                </a:prstGeom>
+                <a:ln w="12700">
+                  <a:prstDash val="sysDot"/>
+                </a:ln>
+              </p:spPr>
+              <p:style>
+                <a:lnRef idx="1">
+                  <a:schemeClr val="accent1"/>
+                </a:lnRef>
+                <a:fillRef idx="0">
+                  <a:schemeClr val="accent1"/>
+                </a:fillRef>
+                <a:effectRef idx="0">
+                  <a:schemeClr val="accent1"/>
+                </a:effectRef>
+                <a:fontRef idx="minor">
+                  <a:schemeClr val="tx1"/>
+                </a:fontRef>
+              </p:style>
+            </p:cxnSp>
+          </p:grpSp>
+          <p:grpSp>
+            <p:nvGrpSpPr>
+              <p:cNvPr id="50" name="Group 49">
+                <a:extLst>
+                  <a:ext uri="{FF2B5EF4-FFF2-40B4-BE49-F238E27FC236}">
+                    <a16:creationId xmlns:a16="http://schemas.microsoft.com/office/drawing/2014/main" id="{A037C58D-ECA4-D8C0-36ED-07E6BF7C2906}"/>
+                  </a:ext>
+                </a:extLst>
+              </p:cNvPr>
+              <p:cNvGrpSpPr/>
+              <p:nvPr/>
+            </p:nvGrpSpPr>
+            <p:grpSpPr>
+              <a:xfrm>
+                <a:off x="889820" y="3851041"/>
+                <a:ext cx="306730" cy="388229"/>
+                <a:chOff x="889820" y="3851041"/>
+                <a:chExt cx="306730" cy="388229"/>
+              </a:xfrm>
+            </p:grpSpPr>
+            <p:cxnSp>
+              <p:nvCxnSpPr>
+                <p:cNvPr id="103" name="Straight Connector 102">
+                  <a:extLst>
+                    <a:ext uri="{FF2B5EF4-FFF2-40B4-BE49-F238E27FC236}">
+                      <a16:creationId xmlns:a16="http://schemas.microsoft.com/office/drawing/2014/main" id="{3B130DEE-DF6A-EDA5-50AE-FEC624ED87F9}"/>
+                    </a:ext>
+                  </a:extLst>
+                </p:cNvPr>
+                <p:cNvCxnSpPr>
+                  <a:cxnSpLocks/>
+                </p:cNvCxnSpPr>
+                <p:nvPr/>
+              </p:nvCxnSpPr>
+              <p:spPr>
+                <a:xfrm flipV="1">
+                  <a:off x="889820" y="3851041"/>
+                  <a:ext cx="164211" cy="363640"/>
+                </a:xfrm>
+                <a:prstGeom prst="line">
+                  <a:avLst/>
+                </a:prstGeom>
+                <a:ln w="12700">
+                  <a:prstDash val="sysDot"/>
+                </a:ln>
+              </p:spPr>
+              <p:style>
+                <a:lnRef idx="1">
+                  <a:schemeClr val="accent1"/>
+                </a:lnRef>
+                <a:fillRef idx="0">
+                  <a:schemeClr val="accent1"/>
+                </a:fillRef>
+                <a:effectRef idx="0">
+                  <a:schemeClr val="accent1"/>
+                </a:effectRef>
+                <a:fontRef idx="minor">
+                  <a:schemeClr val="tx1"/>
+                </a:fontRef>
+              </p:style>
+            </p:cxnSp>
+            <p:cxnSp>
+              <p:nvCxnSpPr>
+                <p:cNvPr id="104" name="Straight Connector 103">
+                  <a:extLst>
+                    <a:ext uri="{FF2B5EF4-FFF2-40B4-BE49-F238E27FC236}">
+                      <a16:creationId xmlns:a16="http://schemas.microsoft.com/office/drawing/2014/main" id="{49BB426E-C9DA-D106-6742-219A71E53D61}"/>
+                    </a:ext>
+                  </a:extLst>
+                </p:cNvPr>
+                <p:cNvCxnSpPr>
+                  <a:cxnSpLocks/>
+                </p:cNvCxnSpPr>
+                <p:nvPr/>
+              </p:nvCxnSpPr>
+              <p:spPr>
+                <a:xfrm flipH="1" flipV="1">
+                  <a:off x="1054031" y="3851041"/>
+                  <a:ext cx="142519" cy="388229"/>
+                </a:xfrm>
+                <a:prstGeom prst="line">
+                  <a:avLst/>
+                </a:prstGeom>
+                <a:ln w="12700">
+                  <a:prstDash val="sysDot"/>
+                </a:ln>
+              </p:spPr>
+              <p:style>
+                <a:lnRef idx="1">
+                  <a:schemeClr val="accent1"/>
+                </a:lnRef>
+                <a:fillRef idx="0">
+                  <a:schemeClr val="accent1"/>
+                </a:fillRef>
+                <a:effectRef idx="0">
+                  <a:schemeClr val="accent1"/>
+                </a:effectRef>
+                <a:fontRef idx="minor">
+                  <a:schemeClr val="tx1"/>
+                </a:fontRef>
+              </p:style>
+            </p:cxnSp>
+          </p:grpSp>
+          <p:grpSp>
+            <p:nvGrpSpPr>
+              <p:cNvPr id="107" name="Group 106">
+                <a:extLst>
+                  <a:ext uri="{FF2B5EF4-FFF2-40B4-BE49-F238E27FC236}">
+                    <a16:creationId xmlns:a16="http://schemas.microsoft.com/office/drawing/2014/main" id="{1FDA4488-30E9-DA48-A594-A423275E3CE4}"/>
+                  </a:ext>
+                </a:extLst>
+              </p:cNvPr>
+              <p:cNvGrpSpPr/>
+              <p:nvPr/>
+            </p:nvGrpSpPr>
+            <p:grpSpPr>
+              <a:xfrm>
+                <a:off x="1516330" y="3874652"/>
+                <a:ext cx="306730" cy="388229"/>
+                <a:chOff x="889820" y="3851041"/>
+                <a:chExt cx="306730" cy="388229"/>
+              </a:xfrm>
+            </p:grpSpPr>
+            <p:cxnSp>
+              <p:nvCxnSpPr>
+                <p:cNvPr id="108" name="Straight Connector 107">
+                  <a:extLst>
+                    <a:ext uri="{FF2B5EF4-FFF2-40B4-BE49-F238E27FC236}">
+                      <a16:creationId xmlns:a16="http://schemas.microsoft.com/office/drawing/2014/main" id="{6B73F0D5-A29E-125D-0351-033DAB260AB0}"/>
+                    </a:ext>
+                  </a:extLst>
+                </p:cNvPr>
+                <p:cNvCxnSpPr>
+                  <a:cxnSpLocks/>
+                </p:cNvCxnSpPr>
+                <p:nvPr/>
+              </p:nvCxnSpPr>
+              <p:spPr>
+                <a:xfrm flipV="1">
+                  <a:off x="889820" y="3851041"/>
+                  <a:ext cx="164211" cy="363640"/>
+                </a:xfrm>
+                <a:prstGeom prst="line">
+                  <a:avLst/>
+                </a:prstGeom>
+                <a:ln w="12700">
+                  <a:prstDash val="sysDot"/>
+                </a:ln>
+              </p:spPr>
+              <p:style>
+                <a:lnRef idx="1">
+                  <a:schemeClr val="accent1"/>
+                </a:lnRef>
+                <a:fillRef idx="0">
+                  <a:schemeClr val="accent1"/>
+                </a:fillRef>
+                <a:effectRef idx="0">
+                  <a:schemeClr val="accent1"/>
+                </a:effectRef>
+                <a:fontRef idx="minor">
+                  <a:schemeClr val="tx1"/>
+                </a:fontRef>
+              </p:style>
+            </p:cxnSp>
+            <p:cxnSp>
+              <p:nvCxnSpPr>
+                <p:cNvPr id="110" name="Straight Connector 109">
+                  <a:extLst>
+                    <a:ext uri="{FF2B5EF4-FFF2-40B4-BE49-F238E27FC236}">
+                      <a16:creationId xmlns:a16="http://schemas.microsoft.com/office/drawing/2014/main" id="{B147983A-A9A2-EB6F-F89C-DBA489E84A1D}"/>
+                    </a:ext>
+                  </a:extLst>
+                </p:cNvPr>
+                <p:cNvCxnSpPr>
+                  <a:cxnSpLocks/>
+                </p:cNvCxnSpPr>
+                <p:nvPr/>
+              </p:nvCxnSpPr>
+              <p:spPr>
+                <a:xfrm flipH="1" flipV="1">
+                  <a:off x="1054031" y="3851041"/>
+                  <a:ext cx="142519" cy="388229"/>
+                </a:xfrm>
+                <a:prstGeom prst="line">
+                  <a:avLst/>
+                </a:prstGeom>
+                <a:ln w="12700">
+                  <a:prstDash val="sysDot"/>
+                </a:ln>
+              </p:spPr>
+              <p:style>
+                <a:lnRef idx="1">
+                  <a:schemeClr val="accent1"/>
+                </a:lnRef>
+                <a:fillRef idx="0">
+                  <a:schemeClr val="accent1"/>
+                </a:fillRef>
+                <a:effectRef idx="0">
+                  <a:schemeClr val="accent1"/>
+                </a:effectRef>
+                <a:fontRef idx="minor">
+                  <a:schemeClr val="tx1"/>
+                </a:fontRef>
+              </p:style>
+            </p:cxnSp>
+          </p:grpSp>
+          <p:grpSp>
+            <p:nvGrpSpPr>
+              <p:cNvPr id="111" name="Group 110">
+                <a:extLst>
+                  <a:ext uri="{FF2B5EF4-FFF2-40B4-BE49-F238E27FC236}">
+                    <a16:creationId xmlns:a16="http://schemas.microsoft.com/office/drawing/2014/main" id="{6345DE29-6266-7C90-E2E4-CC002B25EE3E}"/>
+                  </a:ext>
+                </a:extLst>
+              </p:cNvPr>
+              <p:cNvGrpSpPr/>
+              <p:nvPr/>
+            </p:nvGrpSpPr>
+            <p:grpSpPr>
+              <a:xfrm>
+                <a:off x="2111655" y="3861776"/>
+                <a:ext cx="306730" cy="388229"/>
+                <a:chOff x="889820" y="3851041"/>
+                <a:chExt cx="306730" cy="388229"/>
+              </a:xfrm>
+            </p:grpSpPr>
+            <p:cxnSp>
+              <p:nvCxnSpPr>
+                <p:cNvPr id="112" name="Straight Connector 111">
+                  <a:extLst>
+                    <a:ext uri="{FF2B5EF4-FFF2-40B4-BE49-F238E27FC236}">
+                      <a16:creationId xmlns:a16="http://schemas.microsoft.com/office/drawing/2014/main" id="{39B9986C-1E8B-289C-E818-1D900FD1D16C}"/>
+                    </a:ext>
+                  </a:extLst>
+                </p:cNvPr>
+                <p:cNvCxnSpPr>
+                  <a:cxnSpLocks/>
+                </p:cNvCxnSpPr>
+                <p:nvPr/>
+              </p:nvCxnSpPr>
+              <p:spPr>
+                <a:xfrm flipV="1">
+                  <a:off x="889820" y="3851041"/>
+                  <a:ext cx="164211" cy="363640"/>
+                </a:xfrm>
+                <a:prstGeom prst="line">
+                  <a:avLst/>
+                </a:prstGeom>
+                <a:ln w="12700">
+                  <a:prstDash val="sysDot"/>
+                </a:ln>
+              </p:spPr>
+              <p:style>
+                <a:lnRef idx="1">
+                  <a:schemeClr val="accent1"/>
+                </a:lnRef>
+                <a:fillRef idx="0">
+                  <a:schemeClr val="accent1"/>
+                </a:fillRef>
+                <a:effectRef idx="0">
+                  <a:schemeClr val="accent1"/>
+                </a:effectRef>
+                <a:fontRef idx="minor">
+                  <a:schemeClr val="tx1"/>
+                </a:fontRef>
+              </p:style>
+            </p:cxnSp>
+            <p:cxnSp>
+              <p:nvCxnSpPr>
+                <p:cNvPr id="113" name="Straight Connector 112">
+                  <a:extLst>
+                    <a:ext uri="{FF2B5EF4-FFF2-40B4-BE49-F238E27FC236}">
+                      <a16:creationId xmlns:a16="http://schemas.microsoft.com/office/drawing/2014/main" id="{0A490A18-3FA0-D330-FC5A-04C2B7432F1D}"/>
+                    </a:ext>
+                  </a:extLst>
+                </p:cNvPr>
+                <p:cNvCxnSpPr>
+                  <a:cxnSpLocks/>
+                </p:cNvCxnSpPr>
+                <p:nvPr/>
+              </p:nvCxnSpPr>
+              <p:spPr>
+                <a:xfrm flipH="1" flipV="1">
+                  <a:off x="1054031" y="3851041"/>
+                  <a:ext cx="142519" cy="388229"/>
+                </a:xfrm>
+                <a:prstGeom prst="line">
+                  <a:avLst/>
+                </a:prstGeom>
+                <a:ln w="12700">
+                  <a:prstDash val="sysDot"/>
+                </a:ln>
+              </p:spPr>
+              <p:style>
+                <a:lnRef idx="1">
+                  <a:schemeClr val="accent1"/>
+                </a:lnRef>
+                <a:fillRef idx="0">
+                  <a:schemeClr val="accent1"/>
+                </a:fillRef>
+                <a:effectRef idx="0">
+                  <a:schemeClr val="accent1"/>
+                </a:effectRef>
+                <a:fontRef idx="minor">
+                  <a:schemeClr val="tx1"/>
+                </a:fontRef>
+              </p:style>
+            </p:cxnSp>
+          </p:grpSp>
+          <p:grpSp>
+            <p:nvGrpSpPr>
+              <p:cNvPr id="114" name="Group 113">
+                <a:extLst>
+                  <a:ext uri="{FF2B5EF4-FFF2-40B4-BE49-F238E27FC236}">
+                    <a16:creationId xmlns:a16="http://schemas.microsoft.com/office/drawing/2014/main" id="{1A989418-0E6E-901C-5B0E-996D45AAADC4}"/>
+                  </a:ext>
+                </a:extLst>
+              </p:cNvPr>
+              <p:cNvGrpSpPr/>
+              <p:nvPr/>
+            </p:nvGrpSpPr>
+            <p:grpSpPr>
+              <a:xfrm>
+                <a:off x="2703557" y="3848336"/>
+                <a:ext cx="306730" cy="388229"/>
+                <a:chOff x="889820" y="3851041"/>
+                <a:chExt cx="306730" cy="388229"/>
+              </a:xfrm>
+            </p:grpSpPr>
+            <p:cxnSp>
+              <p:nvCxnSpPr>
+                <p:cNvPr id="120" name="Straight Connector 119">
+                  <a:extLst>
+                    <a:ext uri="{FF2B5EF4-FFF2-40B4-BE49-F238E27FC236}">
+                      <a16:creationId xmlns:a16="http://schemas.microsoft.com/office/drawing/2014/main" id="{DE17BDDC-78E2-D77C-FB8B-82ECEA368AAA}"/>
+                    </a:ext>
+                  </a:extLst>
+                </p:cNvPr>
+                <p:cNvCxnSpPr>
+                  <a:cxnSpLocks/>
+                </p:cNvCxnSpPr>
+                <p:nvPr/>
+              </p:nvCxnSpPr>
+              <p:spPr>
+                <a:xfrm flipV="1">
+                  <a:off x="889820" y="3851041"/>
+                  <a:ext cx="164211" cy="363640"/>
+                </a:xfrm>
+                <a:prstGeom prst="line">
+                  <a:avLst/>
+                </a:prstGeom>
+                <a:ln w="12700">
+                  <a:prstDash val="sysDot"/>
+                </a:ln>
+              </p:spPr>
+              <p:style>
+                <a:lnRef idx="1">
+                  <a:schemeClr val="accent1"/>
+                </a:lnRef>
+                <a:fillRef idx="0">
+                  <a:schemeClr val="accent1"/>
+                </a:fillRef>
+                <a:effectRef idx="0">
+                  <a:schemeClr val="accent1"/>
+                </a:effectRef>
+                <a:fontRef idx="minor">
+                  <a:schemeClr val="tx1"/>
+                </a:fontRef>
+              </p:style>
+            </p:cxnSp>
+            <p:cxnSp>
+              <p:nvCxnSpPr>
+                <p:cNvPr id="121" name="Straight Connector 120">
+                  <a:extLst>
+                    <a:ext uri="{FF2B5EF4-FFF2-40B4-BE49-F238E27FC236}">
+                      <a16:creationId xmlns:a16="http://schemas.microsoft.com/office/drawing/2014/main" id="{1CE4A55B-A0C3-BE17-26FA-EA5446DB6976}"/>
+                    </a:ext>
+                  </a:extLst>
+                </p:cNvPr>
+                <p:cNvCxnSpPr>
+                  <a:cxnSpLocks/>
+                </p:cNvCxnSpPr>
+                <p:nvPr/>
+              </p:nvCxnSpPr>
+              <p:spPr>
+                <a:xfrm flipH="1" flipV="1">
+                  <a:off x="1054031" y="3851041"/>
+                  <a:ext cx="142519" cy="388229"/>
+                </a:xfrm>
+                <a:prstGeom prst="line">
+                  <a:avLst/>
+                </a:prstGeom>
+                <a:ln w="12700">
+                  <a:prstDash val="sysDot"/>
+                </a:ln>
+              </p:spPr>
+              <p:style>
+                <a:lnRef idx="1">
+                  <a:schemeClr val="accent1"/>
+                </a:lnRef>
+                <a:fillRef idx="0">
+                  <a:schemeClr val="accent1"/>
+                </a:fillRef>
+                <a:effectRef idx="0">
+                  <a:schemeClr val="accent1"/>
+                </a:effectRef>
+                <a:fontRef idx="minor">
+                  <a:schemeClr val="tx1"/>
+                </a:fontRef>
+              </p:style>
+            </p:cxnSp>
+          </p:grpSp>
+          <p:grpSp>
+            <p:nvGrpSpPr>
+              <p:cNvPr id="123" name="Group 122">
+                <a:extLst>
+                  <a:ext uri="{FF2B5EF4-FFF2-40B4-BE49-F238E27FC236}">
+                    <a16:creationId xmlns:a16="http://schemas.microsoft.com/office/drawing/2014/main" id="{2832126C-AD86-1B33-58A1-1E96DAB9F361}"/>
+                  </a:ext>
+                </a:extLst>
+              </p:cNvPr>
+              <p:cNvGrpSpPr/>
+              <p:nvPr/>
+            </p:nvGrpSpPr>
+            <p:grpSpPr>
+              <a:xfrm>
+                <a:off x="3308583" y="3836626"/>
+                <a:ext cx="306730" cy="388229"/>
+                <a:chOff x="889820" y="3851041"/>
+                <a:chExt cx="306730" cy="388229"/>
+              </a:xfrm>
+            </p:grpSpPr>
+            <p:cxnSp>
+              <p:nvCxnSpPr>
+                <p:cNvPr id="124" name="Straight Connector 123">
+                  <a:extLst>
+                    <a:ext uri="{FF2B5EF4-FFF2-40B4-BE49-F238E27FC236}">
+                      <a16:creationId xmlns:a16="http://schemas.microsoft.com/office/drawing/2014/main" id="{7F88C132-AB17-4BAF-B458-DD1B091A3CF6}"/>
+                    </a:ext>
+                  </a:extLst>
+                </p:cNvPr>
+                <p:cNvCxnSpPr>
+                  <a:cxnSpLocks/>
+                </p:cNvCxnSpPr>
+                <p:nvPr/>
+              </p:nvCxnSpPr>
+              <p:spPr>
+                <a:xfrm flipV="1">
+                  <a:off x="889820" y="3851041"/>
+                  <a:ext cx="164211" cy="363640"/>
+                </a:xfrm>
+                <a:prstGeom prst="line">
+                  <a:avLst/>
+                </a:prstGeom>
+                <a:ln w="12700">
+                  <a:prstDash val="sysDot"/>
+                </a:ln>
+              </p:spPr>
+              <p:style>
+                <a:lnRef idx="1">
+                  <a:schemeClr val="accent1"/>
+                </a:lnRef>
+                <a:fillRef idx="0">
+                  <a:schemeClr val="accent1"/>
+                </a:fillRef>
+                <a:effectRef idx="0">
+                  <a:schemeClr val="accent1"/>
+                </a:effectRef>
+                <a:fontRef idx="minor">
+                  <a:schemeClr val="tx1"/>
+                </a:fontRef>
+              </p:style>
+            </p:cxnSp>
+            <p:cxnSp>
+              <p:nvCxnSpPr>
+                <p:cNvPr id="125" name="Straight Connector 124">
+                  <a:extLst>
+                    <a:ext uri="{FF2B5EF4-FFF2-40B4-BE49-F238E27FC236}">
+                      <a16:creationId xmlns:a16="http://schemas.microsoft.com/office/drawing/2014/main" id="{4348BACD-3C94-E40E-78A1-A7DFDA867138}"/>
+                    </a:ext>
+                  </a:extLst>
+                </p:cNvPr>
+                <p:cNvCxnSpPr>
+                  <a:cxnSpLocks/>
+                </p:cNvCxnSpPr>
+                <p:nvPr/>
+              </p:nvCxnSpPr>
+              <p:spPr>
+                <a:xfrm flipH="1" flipV="1">
+                  <a:off x="1054031" y="3851041"/>
+                  <a:ext cx="142519" cy="388229"/>
+                </a:xfrm>
+                <a:prstGeom prst="line">
+                  <a:avLst/>
+                </a:prstGeom>
+                <a:ln w="12700">
+                  <a:prstDash val="sysDot"/>
+                </a:ln>
+              </p:spPr>
+              <p:style>
+                <a:lnRef idx="1">
+                  <a:schemeClr val="accent1"/>
+                </a:lnRef>
+                <a:fillRef idx="0">
+                  <a:schemeClr val="accent1"/>
+                </a:fillRef>
+                <a:effectRef idx="0">
+                  <a:schemeClr val="accent1"/>
+                </a:effectRef>
+                <a:fontRef idx="minor">
+                  <a:schemeClr val="tx1"/>
+                </a:fontRef>
+              </p:style>
+            </p:cxnSp>
+          </p:grpSp>
+          <p:grpSp>
+            <p:nvGrpSpPr>
+              <p:cNvPr id="127" name="Group 126">
+                <a:extLst>
+                  <a:ext uri="{FF2B5EF4-FFF2-40B4-BE49-F238E27FC236}">
+                    <a16:creationId xmlns:a16="http://schemas.microsoft.com/office/drawing/2014/main" id="{B09389B1-AF02-F63A-BB2B-92EA7F9414FC}"/>
+                  </a:ext>
+                </a:extLst>
+              </p:cNvPr>
+              <p:cNvGrpSpPr/>
+              <p:nvPr/>
+            </p:nvGrpSpPr>
+            <p:grpSpPr>
+              <a:xfrm>
+                <a:off x="3925392" y="3824916"/>
+                <a:ext cx="306730" cy="388229"/>
+                <a:chOff x="889820" y="3851041"/>
+                <a:chExt cx="306730" cy="388229"/>
+              </a:xfrm>
+            </p:grpSpPr>
+            <p:cxnSp>
+              <p:nvCxnSpPr>
+                <p:cNvPr id="128" name="Straight Connector 127">
+                  <a:extLst>
+                    <a:ext uri="{FF2B5EF4-FFF2-40B4-BE49-F238E27FC236}">
+                      <a16:creationId xmlns:a16="http://schemas.microsoft.com/office/drawing/2014/main" id="{65F9315D-583F-D33F-5F8C-955B15FDC8B0}"/>
+                    </a:ext>
+                  </a:extLst>
+                </p:cNvPr>
+                <p:cNvCxnSpPr>
+                  <a:cxnSpLocks/>
+                </p:cNvCxnSpPr>
+                <p:nvPr/>
+              </p:nvCxnSpPr>
+              <p:spPr>
+                <a:xfrm flipV="1">
+                  <a:off x="889820" y="3851041"/>
+                  <a:ext cx="164211" cy="363640"/>
+                </a:xfrm>
+                <a:prstGeom prst="line">
+                  <a:avLst/>
+                </a:prstGeom>
+                <a:ln w="12700">
+                  <a:prstDash val="sysDot"/>
+                </a:ln>
+              </p:spPr>
+              <p:style>
+                <a:lnRef idx="1">
+                  <a:schemeClr val="accent1"/>
+                </a:lnRef>
+                <a:fillRef idx="0">
+                  <a:schemeClr val="accent1"/>
+                </a:fillRef>
+                <a:effectRef idx="0">
+                  <a:schemeClr val="accent1"/>
+                </a:effectRef>
+                <a:fontRef idx="minor">
+                  <a:schemeClr val="tx1"/>
+                </a:fontRef>
+              </p:style>
+            </p:cxnSp>
+            <p:cxnSp>
+              <p:nvCxnSpPr>
+                <p:cNvPr id="130" name="Straight Connector 129">
+                  <a:extLst>
+                    <a:ext uri="{FF2B5EF4-FFF2-40B4-BE49-F238E27FC236}">
+                      <a16:creationId xmlns:a16="http://schemas.microsoft.com/office/drawing/2014/main" id="{4023CB15-DDAC-901C-3638-986E47DDCBEA}"/>
+                    </a:ext>
+                  </a:extLst>
+                </p:cNvPr>
+                <p:cNvCxnSpPr>
+                  <a:cxnSpLocks/>
+                </p:cNvCxnSpPr>
+                <p:nvPr/>
+              </p:nvCxnSpPr>
+              <p:spPr>
+                <a:xfrm flipH="1" flipV="1">
+                  <a:off x="1054031" y="3851041"/>
+                  <a:ext cx="142519" cy="388229"/>
+                </a:xfrm>
+                <a:prstGeom prst="line">
+                  <a:avLst/>
+                </a:prstGeom>
+                <a:ln w="12700">
+                  <a:prstDash val="sysDot"/>
+                </a:ln>
+              </p:spPr>
+              <p:style>
+                <a:lnRef idx="1">
+                  <a:schemeClr val="accent1"/>
+                </a:lnRef>
+                <a:fillRef idx="0">
+                  <a:schemeClr val="accent1"/>
+                </a:fillRef>
+                <a:effectRef idx="0">
+                  <a:schemeClr val="accent1"/>
+                </a:effectRef>
+                <a:fontRef idx="minor">
+                  <a:schemeClr val="tx1"/>
+                </a:fontRef>
+              </p:style>
+            </p:cxnSp>
+          </p:grpSp>
+          <p:grpSp>
+            <p:nvGrpSpPr>
+              <p:cNvPr id="131" name="Group 130">
+                <a:extLst>
+                  <a:ext uri="{FF2B5EF4-FFF2-40B4-BE49-F238E27FC236}">
+                    <a16:creationId xmlns:a16="http://schemas.microsoft.com/office/drawing/2014/main" id="{2B55AF16-0F7F-60A1-DA00-3F20B56DE9E3}"/>
+                  </a:ext>
+                </a:extLst>
+              </p:cNvPr>
+              <p:cNvGrpSpPr/>
+              <p:nvPr/>
+            </p:nvGrpSpPr>
+            <p:grpSpPr>
+              <a:xfrm>
+                <a:off x="4533180" y="3835457"/>
+                <a:ext cx="306730" cy="388229"/>
+                <a:chOff x="889820" y="3851041"/>
+                <a:chExt cx="306730" cy="388229"/>
+              </a:xfrm>
+            </p:grpSpPr>
+            <p:cxnSp>
+              <p:nvCxnSpPr>
+                <p:cNvPr id="133" name="Straight Connector 132">
+                  <a:extLst>
+                    <a:ext uri="{FF2B5EF4-FFF2-40B4-BE49-F238E27FC236}">
+                      <a16:creationId xmlns:a16="http://schemas.microsoft.com/office/drawing/2014/main" id="{02678860-8231-3C36-C3DE-C794B76DD2E5}"/>
+                    </a:ext>
+                  </a:extLst>
+                </p:cNvPr>
+                <p:cNvCxnSpPr>
+                  <a:cxnSpLocks/>
+                </p:cNvCxnSpPr>
+                <p:nvPr/>
+              </p:nvCxnSpPr>
+              <p:spPr>
+                <a:xfrm flipV="1">
+                  <a:off x="889820" y="3851041"/>
+                  <a:ext cx="164211" cy="363640"/>
+                </a:xfrm>
+                <a:prstGeom prst="line">
+                  <a:avLst/>
+                </a:prstGeom>
+                <a:ln w="12700">
+                  <a:prstDash val="sysDot"/>
+                </a:ln>
+              </p:spPr>
+              <p:style>
+                <a:lnRef idx="1">
+                  <a:schemeClr val="accent1"/>
+                </a:lnRef>
+                <a:fillRef idx="0">
+                  <a:schemeClr val="accent1"/>
+                </a:fillRef>
+                <a:effectRef idx="0">
+                  <a:schemeClr val="accent1"/>
+                </a:effectRef>
+                <a:fontRef idx="minor">
+                  <a:schemeClr val="tx1"/>
+                </a:fontRef>
+              </p:style>
+            </p:cxnSp>
+            <p:cxnSp>
+              <p:nvCxnSpPr>
+                <p:cNvPr id="134" name="Straight Connector 133">
+                  <a:extLst>
+                    <a:ext uri="{FF2B5EF4-FFF2-40B4-BE49-F238E27FC236}">
+                      <a16:creationId xmlns:a16="http://schemas.microsoft.com/office/drawing/2014/main" id="{4C8F51BE-E945-DF52-CD56-DE022A423941}"/>
+                    </a:ext>
+                  </a:extLst>
+                </p:cNvPr>
+                <p:cNvCxnSpPr>
+                  <a:cxnSpLocks/>
+                </p:cNvCxnSpPr>
+                <p:nvPr/>
+              </p:nvCxnSpPr>
+              <p:spPr>
+                <a:xfrm flipH="1" flipV="1">
+                  <a:off x="1054031" y="3851041"/>
+                  <a:ext cx="142519" cy="388229"/>
+                </a:xfrm>
+                <a:prstGeom prst="line">
+                  <a:avLst/>
+                </a:prstGeom>
+                <a:ln w="12700">
+                  <a:prstDash val="sysDot"/>
+                </a:ln>
+              </p:spPr>
+              <p:style>
+                <a:lnRef idx="1">
+                  <a:schemeClr val="accent1"/>
+                </a:lnRef>
+                <a:fillRef idx="0">
+                  <a:schemeClr val="accent1"/>
+                </a:fillRef>
+                <a:effectRef idx="0">
+                  <a:schemeClr val="accent1"/>
+                </a:effectRef>
+                <a:fontRef idx="minor">
+                  <a:schemeClr val="tx1"/>
+                </a:fontRef>
+              </p:style>
+            </p:cxnSp>
+          </p:grpSp>
+          <p:grpSp>
+            <p:nvGrpSpPr>
+              <p:cNvPr id="135" name="Group 134">
+                <a:extLst>
+                  <a:ext uri="{FF2B5EF4-FFF2-40B4-BE49-F238E27FC236}">
+                    <a16:creationId xmlns:a16="http://schemas.microsoft.com/office/drawing/2014/main" id="{7DEA8235-E583-1F83-3606-650C24B83F99}"/>
+                  </a:ext>
+                </a:extLst>
+              </p:cNvPr>
+              <p:cNvGrpSpPr/>
+              <p:nvPr/>
+            </p:nvGrpSpPr>
+            <p:grpSpPr>
+              <a:xfrm>
+                <a:off x="1656121" y="3537000"/>
+                <a:ext cx="627989" cy="373946"/>
+                <a:chOff x="423544" y="3496539"/>
+                <a:chExt cx="627989" cy="373946"/>
+              </a:xfrm>
+            </p:grpSpPr>
+            <p:cxnSp>
+              <p:nvCxnSpPr>
+                <p:cNvPr id="137" name="Straight Connector 136">
+                  <a:extLst>
+                    <a:ext uri="{FF2B5EF4-FFF2-40B4-BE49-F238E27FC236}">
+                      <a16:creationId xmlns:a16="http://schemas.microsoft.com/office/drawing/2014/main" id="{546F0775-556C-6C55-70E9-3603B2921B18}"/>
+                    </a:ext>
+                  </a:extLst>
+                </p:cNvPr>
+                <p:cNvCxnSpPr>
+                  <a:cxnSpLocks/>
+                </p:cNvCxnSpPr>
+                <p:nvPr/>
+              </p:nvCxnSpPr>
+              <p:spPr>
+                <a:xfrm flipV="1">
+                  <a:off x="423544" y="3496539"/>
+                  <a:ext cx="377594" cy="373946"/>
+                </a:xfrm>
+                <a:prstGeom prst="line">
+                  <a:avLst/>
+                </a:prstGeom>
+                <a:ln w="12700">
+                  <a:prstDash val="sysDot"/>
+                </a:ln>
+              </p:spPr>
+              <p:style>
+                <a:lnRef idx="1">
+                  <a:schemeClr val="accent1"/>
+                </a:lnRef>
+                <a:fillRef idx="0">
+                  <a:schemeClr val="accent1"/>
+                </a:fillRef>
+                <a:effectRef idx="0">
+                  <a:schemeClr val="accent1"/>
+                </a:effectRef>
+                <a:fontRef idx="minor">
+                  <a:schemeClr val="tx1"/>
+                </a:fontRef>
+              </p:style>
+            </p:cxnSp>
+            <p:cxnSp>
+              <p:nvCxnSpPr>
+                <p:cNvPr id="138" name="Straight Connector 137">
+                  <a:extLst>
+                    <a:ext uri="{FF2B5EF4-FFF2-40B4-BE49-F238E27FC236}">
+                      <a16:creationId xmlns:a16="http://schemas.microsoft.com/office/drawing/2014/main" id="{4F331159-8AAC-67E0-4613-F769CE91486B}"/>
+                    </a:ext>
+                  </a:extLst>
+                </p:cNvPr>
+                <p:cNvCxnSpPr>
+                  <a:cxnSpLocks/>
+                </p:cNvCxnSpPr>
+                <p:nvPr/>
+              </p:nvCxnSpPr>
+              <p:spPr>
+                <a:xfrm flipH="1" flipV="1">
+                  <a:off x="798482" y="3497356"/>
+                  <a:ext cx="253051" cy="359863"/>
+                </a:xfrm>
+                <a:prstGeom prst="line">
+                  <a:avLst/>
+                </a:prstGeom>
+                <a:ln w="12700">
+                  <a:prstDash val="sysDot"/>
+                </a:ln>
+              </p:spPr>
+              <p:style>
+                <a:lnRef idx="1">
+                  <a:schemeClr val="accent1"/>
+                </a:lnRef>
+                <a:fillRef idx="0">
+                  <a:schemeClr val="accent1"/>
+                </a:fillRef>
+                <a:effectRef idx="0">
+                  <a:schemeClr val="accent1"/>
+                </a:effectRef>
+                <a:fontRef idx="minor">
+                  <a:schemeClr val="tx1"/>
+                </a:fontRef>
+              </p:style>
+            </p:cxnSp>
+          </p:grpSp>
+          <p:grpSp>
+            <p:nvGrpSpPr>
+              <p:cNvPr id="160" name="Group 159">
+                <a:extLst>
+                  <a:ext uri="{FF2B5EF4-FFF2-40B4-BE49-F238E27FC236}">
+                    <a16:creationId xmlns:a16="http://schemas.microsoft.com/office/drawing/2014/main" id="{DCCC8CE4-F0AD-1146-7DA5-1F6E64256462}"/>
+                  </a:ext>
+                </a:extLst>
+              </p:cNvPr>
+              <p:cNvGrpSpPr/>
+              <p:nvPr/>
+            </p:nvGrpSpPr>
+            <p:grpSpPr>
+              <a:xfrm>
+                <a:off x="800708" y="2942632"/>
+                <a:ext cx="1243230" cy="611225"/>
+                <a:chOff x="787829" y="2942632"/>
+                <a:chExt cx="1243230" cy="611225"/>
+              </a:xfrm>
+            </p:grpSpPr>
+            <p:cxnSp>
+              <p:nvCxnSpPr>
+                <p:cNvPr id="146" name="Straight Connector 145">
+                  <a:extLst>
+                    <a:ext uri="{FF2B5EF4-FFF2-40B4-BE49-F238E27FC236}">
+                      <a16:creationId xmlns:a16="http://schemas.microsoft.com/office/drawing/2014/main" id="{6EF65ADF-FA2A-0AC6-BC7E-96B7EFC0D1E4}"/>
+                    </a:ext>
+                  </a:extLst>
+                </p:cNvPr>
+                <p:cNvCxnSpPr>
+                  <a:cxnSpLocks/>
+                </p:cNvCxnSpPr>
+                <p:nvPr/>
+              </p:nvCxnSpPr>
+              <p:spPr>
+                <a:xfrm flipV="1">
+                  <a:off x="787829" y="2942632"/>
+                  <a:ext cx="623025" cy="563568"/>
+                </a:xfrm>
+                <a:prstGeom prst="line">
+                  <a:avLst/>
+                </a:prstGeom>
+                <a:ln w="12700">
+                  <a:prstDash val="sysDot"/>
+                </a:ln>
+              </p:spPr>
+              <p:style>
+                <a:lnRef idx="1">
+                  <a:schemeClr val="accent1"/>
+                </a:lnRef>
+                <a:fillRef idx="0">
+                  <a:schemeClr val="accent1"/>
+                </a:fillRef>
+                <a:effectRef idx="0">
+                  <a:schemeClr val="accent1"/>
+                </a:effectRef>
+                <a:fontRef idx="minor">
+                  <a:schemeClr val="tx1"/>
+                </a:fontRef>
+              </p:style>
+            </p:cxnSp>
+            <p:cxnSp>
+              <p:nvCxnSpPr>
+                <p:cNvPr id="147" name="Straight Connector 146">
+                  <a:extLst>
+                    <a:ext uri="{FF2B5EF4-FFF2-40B4-BE49-F238E27FC236}">
+                      <a16:creationId xmlns:a16="http://schemas.microsoft.com/office/drawing/2014/main" id="{6FFF5947-DA37-01B4-84BE-424B3DD8B1D0}"/>
+                    </a:ext>
+                  </a:extLst>
+                </p:cNvPr>
+                <p:cNvCxnSpPr>
+                  <a:cxnSpLocks/>
+                </p:cNvCxnSpPr>
+                <p:nvPr/>
+              </p:nvCxnSpPr>
+              <p:spPr>
+                <a:xfrm flipH="1" flipV="1">
+                  <a:off x="1400239" y="2942632"/>
+                  <a:ext cx="630820" cy="611225"/>
+                </a:xfrm>
+                <a:prstGeom prst="line">
+                  <a:avLst/>
+                </a:prstGeom>
+                <a:ln w="12700">
+                  <a:prstDash val="sysDot"/>
+                </a:ln>
+              </p:spPr>
+              <p:style>
+                <a:lnRef idx="1">
+                  <a:schemeClr val="accent1"/>
+                </a:lnRef>
+                <a:fillRef idx="0">
+                  <a:schemeClr val="accent1"/>
+                </a:fillRef>
+                <a:effectRef idx="0">
+                  <a:schemeClr val="accent1"/>
+                </a:effectRef>
+                <a:fontRef idx="minor">
+                  <a:schemeClr val="tx1"/>
+                </a:fontRef>
+              </p:style>
+            </p:cxnSp>
+          </p:grpSp>
+          <p:grpSp>
+            <p:nvGrpSpPr>
+              <p:cNvPr id="168" name="Group 167">
+                <a:extLst>
+                  <a:ext uri="{FF2B5EF4-FFF2-40B4-BE49-F238E27FC236}">
+                    <a16:creationId xmlns:a16="http://schemas.microsoft.com/office/drawing/2014/main" id="{0F41A039-4F60-EA3F-51AC-DEC56DEFA2B5}"/>
+                  </a:ext>
+                </a:extLst>
+              </p:cNvPr>
+              <p:cNvGrpSpPr/>
+              <p:nvPr/>
+            </p:nvGrpSpPr>
+            <p:grpSpPr>
+              <a:xfrm>
+                <a:off x="3232828" y="2914518"/>
+                <a:ext cx="1243230" cy="611225"/>
+                <a:chOff x="787829" y="2942632"/>
+                <a:chExt cx="1243230" cy="611225"/>
+              </a:xfrm>
+            </p:grpSpPr>
+            <p:cxnSp>
+              <p:nvCxnSpPr>
+                <p:cNvPr id="169" name="Straight Connector 168">
+                  <a:extLst>
+                    <a:ext uri="{FF2B5EF4-FFF2-40B4-BE49-F238E27FC236}">
+                      <a16:creationId xmlns:a16="http://schemas.microsoft.com/office/drawing/2014/main" id="{D9442647-C99D-6943-3C5D-EE318EDC0B9D}"/>
+                    </a:ext>
+                  </a:extLst>
+                </p:cNvPr>
+                <p:cNvCxnSpPr>
+                  <a:cxnSpLocks/>
+                </p:cNvCxnSpPr>
+                <p:nvPr/>
+              </p:nvCxnSpPr>
+              <p:spPr>
+                <a:xfrm flipV="1">
+                  <a:off x="787829" y="2942632"/>
+                  <a:ext cx="623025" cy="563568"/>
+                </a:xfrm>
+                <a:prstGeom prst="line">
+                  <a:avLst/>
+                </a:prstGeom>
+                <a:ln w="12700">
+                  <a:prstDash val="sysDot"/>
+                </a:ln>
+              </p:spPr>
+              <p:style>
+                <a:lnRef idx="1">
+                  <a:schemeClr val="accent1"/>
+                </a:lnRef>
+                <a:fillRef idx="0">
+                  <a:schemeClr val="accent1"/>
+                </a:fillRef>
+                <a:effectRef idx="0">
+                  <a:schemeClr val="accent1"/>
+                </a:effectRef>
+                <a:fontRef idx="minor">
+                  <a:schemeClr val="tx1"/>
+                </a:fontRef>
+              </p:style>
+            </p:cxnSp>
+            <p:cxnSp>
+              <p:nvCxnSpPr>
+                <p:cNvPr id="170" name="Straight Connector 169">
+                  <a:extLst>
+                    <a:ext uri="{FF2B5EF4-FFF2-40B4-BE49-F238E27FC236}">
+                      <a16:creationId xmlns:a16="http://schemas.microsoft.com/office/drawing/2014/main" id="{3545F858-76D0-135A-558D-744A26C6D15C}"/>
+                    </a:ext>
+                  </a:extLst>
+                </p:cNvPr>
+                <p:cNvCxnSpPr>
+                  <a:cxnSpLocks/>
+                </p:cNvCxnSpPr>
+                <p:nvPr/>
+              </p:nvCxnSpPr>
+              <p:spPr>
+                <a:xfrm flipH="1" flipV="1">
+                  <a:off x="1400239" y="2942632"/>
+                  <a:ext cx="630820" cy="611225"/>
+                </a:xfrm>
+                <a:prstGeom prst="line">
+                  <a:avLst/>
+                </a:prstGeom>
+                <a:ln w="12700">
+                  <a:prstDash val="sysDot"/>
+                </a:ln>
+              </p:spPr>
+              <p:style>
+                <a:lnRef idx="1">
+                  <a:schemeClr val="accent1"/>
+                </a:lnRef>
+                <a:fillRef idx="0">
+                  <a:schemeClr val="accent1"/>
+                </a:fillRef>
+                <a:effectRef idx="0">
+                  <a:schemeClr val="accent1"/>
+                </a:effectRef>
+                <a:fontRef idx="minor">
+                  <a:schemeClr val="tx1"/>
+                </a:fontRef>
+              </p:style>
+            </p:cxnSp>
+          </p:grpSp>
+          <p:grpSp>
+            <p:nvGrpSpPr>
+              <p:cNvPr id="179" name="Group 178">
+                <a:extLst>
+                  <a:ext uri="{FF2B5EF4-FFF2-40B4-BE49-F238E27FC236}">
+                    <a16:creationId xmlns:a16="http://schemas.microsoft.com/office/drawing/2014/main" id="{75FE70E6-B940-7F5C-DDAF-A55935B1B9AF}"/>
+                  </a:ext>
+                </a:extLst>
+              </p:cNvPr>
+              <p:cNvGrpSpPr/>
+              <p:nvPr/>
+            </p:nvGrpSpPr>
+            <p:grpSpPr>
+              <a:xfrm>
+                <a:off x="1400239" y="2295515"/>
+                <a:ext cx="2455614" cy="668072"/>
+                <a:chOff x="1400239" y="2295515"/>
+                <a:chExt cx="2455614" cy="668072"/>
+              </a:xfrm>
+            </p:grpSpPr>
+            <p:cxnSp>
+              <p:nvCxnSpPr>
+                <p:cNvPr id="172" name="Straight Connector 171">
+                  <a:extLst>
+                    <a:ext uri="{FF2B5EF4-FFF2-40B4-BE49-F238E27FC236}">
+                      <a16:creationId xmlns:a16="http://schemas.microsoft.com/office/drawing/2014/main" id="{53AB35D3-0BE9-B47D-6A9C-D82EBDB6E01B}"/>
+                    </a:ext>
+                  </a:extLst>
+                </p:cNvPr>
+                <p:cNvCxnSpPr>
+                  <a:cxnSpLocks/>
+                </p:cNvCxnSpPr>
+                <p:nvPr/>
+              </p:nvCxnSpPr>
+              <p:spPr>
+                <a:xfrm flipV="1">
+                  <a:off x="1400239" y="2295515"/>
+                  <a:ext cx="1242097" cy="668072"/>
+                </a:xfrm>
+                <a:prstGeom prst="line">
+                  <a:avLst/>
+                </a:prstGeom>
+                <a:ln w="12700">
+                  <a:prstDash val="sysDot"/>
+                </a:ln>
+              </p:spPr>
+              <p:style>
+                <a:lnRef idx="1">
+                  <a:schemeClr val="accent1"/>
+                </a:lnRef>
+                <a:fillRef idx="0">
+                  <a:schemeClr val="accent1"/>
+                </a:fillRef>
+                <a:effectRef idx="0">
+                  <a:schemeClr val="accent1"/>
+                </a:effectRef>
+                <a:fontRef idx="minor">
+                  <a:schemeClr val="tx1"/>
+                </a:fontRef>
+              </p:style>
+            </p:cxnSp>
+            <p:cxnSp>
+              <p:nvCxnSpPr>
+                <p:cNvPr id="173" name="Straight Connector 172">
+                  <a:extLst>
+                    <a:ext uri="{FF2B5EF4-FFF2-40B4-BE49-F238E27FC236}">
+                      <a16:creationId xmlns:a16="http://schemas.microsoft.com/office/drawing/2014/main" id="{6BEEF644-23C1-8B95-9C2F-684F5C641C8E}"/>
+                    </a:ext>
+                  </a:extLst>
+                </p:cNvPr>
+                <p:cNvCxnSpPr>
+                  <a:cxnSpLocks/>
+                </p:cNvCxnSpPr>
+                <p:nvPr/>
+              </p:nvCxnSpPr>
+              <p:spPr>
+                <a:xfrm flipH="1" flipV="1">
+                  <a:off x="2631721" y="2295515"/>
+                  <a:ext cx="1224132" cy="637172"/>
+                </a:xfrm>
+                <a:prstGeom prst="line">
+                  <a:avLst/>
+                </a:prstGeom>
+                <a:ln w="12700">
+                  <a:prstDash val="sysDot"/>
+                </a:ln>
+              </p:spPr>
+              <p:style>
+                <a:lnRef idx="1">
+                  <a:schemeClr val="accent1"/>
+                </a:lnRef>
+                <a:fillRef idx="0">
+                  <a:schemeClr val="accent1"/>
+                </a:fillRef>
+                <a:effectRef idx="0">
+                  <a:schemeClr val="accent1"/>
+                </a:effectRef>
+                <a:fontRef idx="minor">
+                  <a:schemeClr val="tx1"/>
+                </a:fontRef>
+              </p:style>
+            </p:cxnSp>
+          </p:grpSp>
+        </p:grpSp>
+        <p:sp>
+          <p:nvSpPr>
+            <p:cNvPr id="181" name="TextBox 180">
+              <a:extLst>
+                <a:ext uri="{FF2B5EF4-FFF2-40B4-BE49-F238E27FC236}">
+                  <a16:creationId xmlns:a16="http://schemas.microsoft.com/office/drawing/2014/main" id="{39460655-6A68-2757-6629-A74D5121EC15}"/>
+                </a:ext>
+              </a:extLst>
+            </p:cNvPr>
+            <p:cNvSpPr txBox="1"/>
+            <p:nvPr/>
+          </p:nvSpPr>
+          <p:spPr>
+            <a:xfrm>
+              <a:off x="1861265" y="3243913"/>
+              <a:ext cx="250390" cy="246221"/>
+            </a:xfrm>
+            <a:prstGeom prst="rect">
+              <a:avLst/>
+            </a:prstGeom>
+            <a:noFill/>
+          </p:spPr>
+          <p:txBody>
+            <a:bodyPr wrap="none" rtlCol="0">
+              <a:spAutoFit/>
+            </a:bodyPr>
+            <a:lstStyle/>
+            <a:p>
+              <a:r>
+                <a:rPr lang="en-GB" sz="1000" dirty="0"/>
+                <a:t>0</a:t>
+              </a:r>
+            </a:p>
+          </p:txBody>
+        </p:sp>
+        <p:sp>
+          <p:nvSpPr>
+            <p:cNvPr id="182" name="TextBox 181">
+              <a:extLst>
+                <a:ext uri="{FF2B5EF4-FFF2-40B4-BE49-F238E27FC236}">
+                  <a16:creationId xmlns:a16="http://schemas.microsoft.com/office/drawing/2014/main" id="{9DC22987-D17D-9867-34D8-1BF24E2D40C0}"/>
+                </a:ext>
+              </a:extLst>
+            </p:cNvPr>
+            <p:cNvSpPr txBox="1"/>
+            <p:nvPr/>
+          </p:nvSpPr>
+          <p:spPr>
+            <a:xfrm>
+              <a:off x="3107796" y="3241794"/>
+              <a:ext cx="250390" cy="246221"/>
+            </a:xfrm>
+            <a:prstGeom prst="rect">
+              <a:avLst/>
+            </a:prstGeom>
+            <a:noFill/>
+          </p:spPr>
+          <p:txBody>
+            <a:bodyPr wrap="none" rtlCol="0">
+              <a:spAutoFit/>
+            </a:bodyPr>
+            <a:lstStyle/>
+            <a:p>
+              <a:r>
+                <a:rPr lang="en-GB" sz="1000" dirty="0"/>
+                <a:t>1</a:t>
+              </a:r>
+            </a:p>
+          </p:txBody>
+        </p:sp>
+        <p:sp>
+          <p:nvSpPr>
+            <p:cNvPr id="183" name="TextBox 182">
+              <a:extLst>
+                <a:ext uri="{FF2B5EF4-FFF2-40B4-BE49-F238E27FC236}">
+                  <a16:creationId xmlns:a16="http://schemas.microsoft.com/office/drawing/2014/main" id="{0DAAF634-CAF6-42F0-DE17-B18DD14F6018}"/>
+                </a:ext>
+              </a:extLst>
+            </p:cNvPr>
+            <p:cNvSpPr txBox="1"/>
+            <p:nvPr/>
+          </p:nvSpPr>
+          <p:spPr>
+            <a:xfrm>
+              <a:off x="877750" y="3600968"/>
+              <a:ext cx="250390" cy="246221"/>
+            </a:xfrm>
+            <a:prstGeom prst="rect">
+              <a:avLst/>
+            </a:prstGeom>
+            <a:noFill/>
+          </p:spPr>
+          <p:txBody>
+            <a:bodyPr wrap="none" rtlCol="0">
+              <a:spAutoFit/>
+            </a:bodyPr>
+            <a:lstStyle/>
+            <a:p>
+              <a:r>
+                <a:rPr lang="en-GB" sz="1000" dirty="0"/>
+                <a:t>0</a:t>
+              </a:r>
+            </a:p>
+          </p:txBody>
+        </p:sp>
+        <p:sp>
+          <p:nvSpPr>
+            <p:cNvPr id="184" name="TextBox 183">
+              <a:extLst>
+                <a:ext uri="{FF2B5EF4-FFF2-40B4-BE49-F238E27FC236}">
+                  <a16:creationId xmlns:a16="http://schemas.microsoft.com/office/drawing/2014/main" id="{F7DFD4CE-DF6C-9B4F-01E2-6B16115EDD78}"/>
+                </a:ext>
+              </a:extLst>
+            </p:cNvPr>
+            <p:cNvSpPr txBox="1"/>
+            <p:nvPr/>
+          </p:nvSpPr>
+          <p:spPr>
+            <a:xfrm>
+              <a:off x="1649176" y="3598866"/>
+              <a:ext cx="250390" cy="246221"/>
+            </a:xfrm>
+            <a:prstGeom prst="rect">
+              <a:avLst/>
+            </a:prstGeom>
+            <a:noFill/>
+          </p:spPr>
+          <p:txBody>
+            <a:bodyPr wrap="none" rtlCol="0">
+              <a:spAutoFit/>
+            </a:bodyPr>
+            <a:lstStyle/>
+            <a:p>
+              <a:r>
+                <a:rPr lang="en-GB" sz="1000" dirty="0"/>
+                <a:t>1</a:t>
+              </a:r>
+            </a:p>
+          </p:txBody>
+        </p:sp>
+        <p:sp>
+          <p:nvSpPr>
+            <p:cNvPr id="185" name="TextBox 184">
+              <a:extLst>
+                <a:ext uri="{FF2B5EF4-FFF2-40B4-BE49-F238E27FC236}">
+                  <a16:creationId xmlns:a16="http://schemas.microsoft.com/office/drawing/2014/main" id="{8A478596-C6A5-B771-EEFE-1E387CF14EEC}"/>
+                </a:ext>
+              </a:extLst>
+            </p:cNvPr>
+            <p:cNvSpPr txBox="1"/>
+            <p:nvPr/>
+          </p:nvSpPr>
+          <p:spPr>
+            <a:xfrm>
+              <a:off x="3269924" y="3597087"/>
+              <a:ext cx="250390" cy="246221"/>
+            </a:xfrm>
+            <a:prstGeom prst="rect">
+              <a:avLst/>
+            </a:prstGeom>
+            <a:noFill/>
+          </p:spPr>
+          <p:txBody>
+            <a:bodyPr wrap="none" rtlCol="0">
+              <a:spAutoFit/>
+            </a:bodyPr>
+            <a:lstStyle/>
+            <a:p>
+              <a:r>
+                <a:rPr lang="en-GB" sz="1000" dirty="0"/>
+                <a:t>0</a:t>
+              </a:r>
+            </a:p>
+          </p:txBody>
+        </p:sp>
+        <p:sp>
+          <p:nvSpPr>
+            <p:cNvPr id="186" name="TextBox 185">
+              <a:extLst>
+                <a:ext uri="{FF2B5EF4-FFF2-40B4-BE49-F238E27FC236}">
+                  <a16:creationId xmlns:a16="http://schemas.microsoft.com/office/drawing/2014/main" id="{DD35C884-F460-5C7A-A540-87398A9BAB84}"/>
+                </a:ext>
+              </a:extLst>
+            </p:cNvPr>
+            <p:cNvSpPr txBox="1"/>
+            <p:nvPr/>
+          </p:nvSpPr>
+          <p:spPr>
+            <a:xfrm>
+              <a:off x="4127844" y="3595130"/>
+              <a:ext cx="250390" cy="246221"/>
+            </a:xfrm>
+            <a:prstGeom prst="rect">
+              <a:avLst/>
+            </a:prstGeom>
+            <a:noFill/>
+          </p:spPr>
+          <p:txBody>
+            <a:bodyPr wrap="none" rtlCol="0">
+              <a:spAutoFit/>
+            </a:bodyPr>
+            <a:lstStyle/>
+            <a:p>
+              <a:r>
+                <a:rPr lang="en-GB" sz="1000" dirty="0"/>
+                <a:t>1</a:t>
+              </a:r>
+            </a:p>
+          </p:txBody>
+        </p:sp>
+        <p:sp>
+          <p:nvSpPr>
+            <p:cNvPr id="187" name="TextBox 186">
+              <a:extLst>
+                <a:ext uri="{FF2B5EF4-FFF2-40B4-BE49-F238E27FC236}">
+                  <a16:creationId xmlns:a16="http://schemas.microsoft.com/office/drawing/2014/main" id="{4F1526E3-E722-22F6-1DE2-0C9EE4A71242}"/>
+                </a:ext>
+              </a:extLst>
+            </p:cNvPr>
+            <p:cNvSpPr txBox="1"/>
+            <p:nvPr/>
+          </p:nvSpPr>
+          <p:spPr>
+            <a:xfrm>
+              <a:off x="379191" y="3834895"/>
+              <a:ext cx="250390" cy="246221"/>
+            </a:xfrm>
+            <a:prstGeom prst="rect">
+              <a:avLst/>
+            </a:prstGeom>
+            <a:noFill/>
+          </p:spPr>
+          <p:txBody>
+            <a:bodyPr wrap="none" rtlCol="0">
+              <a:spAutoFit/>
+            </a:bodyPr>
+            <a:lstStyle/>
+            <a:p>
+              <a:r>
+                <a:rPr lang="en-GB" sz="1000" dirty="0"/>
+                <a:t>0</a:t>
+              </a:r>
+            </a:p>
+          </p:txBody>
+        </p:sp>
+        <p:sp>
+          <p:nvSpPr>
+            <p:cNvPr id="188" name="TextBox 187">
+              <a:extLst>
+                <a:ext uri="{FF2B5EF4-FFF2-40B4-BE49-F238E27FC236}">
+                  <a16:creationId xmlns:a16="http://schemas.microsoft.com/office/drawing/2014/main" id="{D21E037E-5D12-93BD-3B7E-9B3727E18259}"/>
+                </a:ext>
+              </a:extLst>
+            </p:cNvPr>
+            <p:cNvSpPr txBox="1"/>
+            <p:nvPr/>
+          </p:nvSpPr>
+          <p:spPr>
+            <a:xfrm>
+              <a:off x="892526" y="3833092"/>
+              <a:ext cx="250390" cy="246221"/>
+            </a:xfrm>
+            <a:prstGeom prst="rect">
+              <a:avLst/>
+            </a:prstGeom>
+            <a:noFill/>
+          </p:spPr>
+          <p:txBody>
+            <a:bodyPr wrap="none" rtlCol="0">
+              <a:spAutoFit/>
+            </a:bodyPr>
+            <a:lstStyle/>
+            <a:p>
+              <a:r>
+                <a:rPr lang="en-GB" sz="1000" dirty="0"/>
+                <a:t>1</a:t>
+              </a:r>
+            </a:p>
+          </p:txBody>
+        </p:sp>
+        <p:sp>
+          <p:nvSpPr>
+            <p:cNvPr id="189" name="TextBox 188">
+              <a:extLst>
+                <a:ext uri="{FF2B5EF4-FFF2-40B4-BE49-F238E27FC236}">
+                  <a16:creationId xmlns:a16="http://schemas.microsoft.com/office/drawing/2014/main" id="{2B5BC4B6-EF09-5C73-7B50-E6B54C554072}"/>
+                </a:ext>
+              </a:extLst>
+            </p:cNvPr>
+            <p:cNvSpPr txBox="1"/>
+            <p:nvPr/>
+          </p:nvSpPr>
+          <p:spPr>
+            <a:xfrm>
+              <a:off x="1649901" y="3830390"/>
+              <a:ext cx="250390" cy="246221"/>
+            </a:xfrm>
+            <a:prstGeom prst="rect">
+              <a:avLst/>
+            </a:prstGeom>
+            <a:noFill/>
+          </p:spPr>
+          <p:txBody>
+            <a:bodyPr wrap="none" rtlCol="0">
+              <a:spAutoFit/>
+            </a:bodyPr>
+            <a:lstStyle/>
+            <a:p>
+              <a:r>
+                <a:rPr lang="en-GB" sz="1000" dirty="0"/>
+                <a:t>0</a:t>
+              </a:r>
+            </a:p>
+          </p:txBody>
+        </p:sp>
+        <p:sp>
+          <p:nvSpPr>
+            <p:cNvPr id="190" name="TextBox 189">
+              <a:extLst>
+                <a:ext uri="{FF2B5EF4-FFF2-40B4-BE49-F238E27FC236}">
+                  <a16:creationId xmlns:a16="http://schemas.microsoft.com/office/drawing/2014/main" id="{63D9C788-7E69-BA4C-4000-5F23D91C5497}"/>
+                </a:ext>
+              </a:extLst>
+            </p:cNvPr>
+            <p:cNvSpPr txBox="1"/>
+            <p:nvPr/>
+          </p:nvSpPr>
+          <p:spPr>
+            <a:xfrm>
+              <a:off x="2098776" y="3850564"/>
+              <a:ext cx="250390" cy="246221"/>
+            </a:xfrm>
+            <a:prstGeom prst="rect">
+              <a:avLst/>
+            </a:prstGeom>
+            <a:noFill/>
+          </p:spPr>
+          <p:txBody>
+            <a:bodyPr wrap="none" rtlCol="0">
+              <a:spAutoFit/>
+            </a:bodyPr>
+            <a:lstStyle/>
+            <a:p>
+              <a:r>
+                <a:rPr lang="en-GB" sz="1000" dirty="0"/>
+                <a:t>1</a:t>
+              </a:r>
+            </a:p>
+          </p:txBody>
+        </p:sp>
+        <p:sp>
+          <p:nvSpPr>
+            <p:cNvPr id="191" name="TextBox 190">
+              <a:extLst>
+                <a:ext uri="{FF2B5EF4-FFF2-40B4-BE49-F238E27FC236}">
+                  <a16:creationId xmlns:a16="http://schemas.microsoft.com/office/drawing/2014/main" id="{33BBF80E-3E35-DD95-7515-3F79D9DA84CE}"/>
+                </a:ext>
+              </a:extLst>
+            </p:cNvPr>
+            <p:cNvSpPr txBox="1"/>
+            <p:nvPr/>
+          </p:nvSpPr>
+          <p:spPr>
+            <a:xfrm>
+              <a:off x="2792243" y="3833662"/>
+              <a:ext cx="250390" cy="246221"/>
+            </a:xfrm>
+            <a:prstGeom prst="rect">
+              <a:avLst/>
+            </a:prstGeom>
+            <a:noFill/>
+          </p:spPr>
+          <p:txBody>
+            <a:bodyPr wrap="none" rtlCol="0">
+              <a:spAutoFit/>
+            </a:bodyPr>
+            <a:lstStyle/>
+            <a:p>
+              <a:r>
+                <a:rPr lang="en-GB" sz="1000" dirty="0"/>
+                <a:t>0</a:t>
+              </a:r>
+            </a:p>
+          </p:txBody>
+        </p:sp>
+        <p:sp>
+          <p:nvSpPr>
+            <p:cNvPr id="192" name="TextBox 191">
+              <a:extLst>
+                <a:ext uri="{FF2B5EF4-FFF2-40B4-BE49-F238E27FC236}">
+                  <a16:creationId xmlns:a16="http://schemas.microsoft.com/office/drawing/2014/main" id="{500EFEBF-46A0-241E-DF45-98B8081142A8}"/>
+                </a:ext>
+              </a:extLst>
+            </p:cNvPr>
+            <p:cNvSpPr txBox="1"/>
+            <p:nvPr/>
+          </p:nvSpPr>
+          <p:spPr>
+            <a:xfrm>
+              <a:off x="3319920" y="3830390"/>
+              <a:ext cx="250390" cy="246221"/>
+            </a:xfrm>
+            <a:prstGeom prst="rect">
+              <a:avLst/>
+            </a:prstGeom>
+            <a:noFill/>
+          </p:spPr>
+          <p:txBody>
+            <a:bodyPr wrap="none" rtlCol="0">
+              <a:spAutoFit/>
+            </a:bodyPr>
+            <a:lstStyle/>
+            <a:p>
+              <a:r>
+                <a:rPr lang="en-GB" sz="1000" dirty="0"/>
+                <a:t>1</a:t>
+              </a:r>
+            </a:p>
+          </p:txBody>
+        </p:sp>
+        <p:sp>
+          <p:nvSpPr>
+            <p:cNvPr id="193" name="TextBox 192">
+              <a:extLst>
+                <a:ext uri="{FF2B5EF4-FFF2-40B4-BE49-F238E27FC236}">
+                  <a16:creationId xmlns:a16="http://schemas.microsoft.com/office/drawing/2014/main" id="{165627C0-F0B6-BDDD-9736-B6F851EED47D}"/>
+                </a:ext>
+              </a:extLst>
+            </p:cNvPr>
+            <p:cNvSpPr txBox="1"/>
+            <p:nvPr/>
+          </p:nvSpPr>
+          <p:spPr>
+            <a:xfrm>
+              <a:off x="3999550" y="3837885"/>
+              <a:ext cx="250390" cy="246221"/>
+            </a:xfrm>
+            <a:prstGeom prst="rect">
+              <a:avLst/>
+            </a:prstGeom>
+            <a:noFill/>
+          </p:spPr>
+          <p:txBody>
+            <a:bodyPr wrap="none" rtlCol="0">
+              <a:spAutoFit/>
+            </a:bodyPr>
+            <a:lstStyle/>
+            <a:p>
+              <a:r>
+                <a:rPr lang="en-GB" sz="1000" dirty="0"/>
+                <a:t>0</a:t>
+              </a:r>
+            </a:p>
+          </p:txBody>
+        </p:sp>
+        <p:sp>
+          <p:nvSpPr>
+            <p:cNvPr id="194" name="TextBox 193">
+              <a:extLst>
+                <a:ext uri="{FF2B5EF4-FFF2-40B4-BE49-F238E27FC236}">
+                  <a16:creationId xmlns:a16="http://schemas.microsoft.com/office/drawing/2014/main" id="{FB45A551-BE2F-616F-7DB7-53894F0E464B}"/>
+                </a:ext>
+              </a:extLst>
+            </p:cNvPr>
+            <p:cNvSpPr txBox="1"/>
+            <p:nvPr/>
+          </p:nvSpPr>
+          <p:spPr>
+            <a:xfrm>
+              <a:off x="4523538" y="3837885"/>
+              <a:ext cx="250390" cy="246221"/>
+            </a:xfrm>
+            <a:prstGeom prst="rect">
+              <a:avLst/>
+            </a:prstGeom>
+            <a:noFill/>
+          </p:spPr>
+          <p:txBody>
+            <a:bodyPr wrap="none" rtlCol="0">
+              <a:spAutoFit/>
+            </a:bodyPr>
+            <a:lstStyle/>
+            <a:p>
+              <a:r>
+                <a:rPr lang="en-GB" sz="1000" dirty="0"/>
+                <a:t>1</a:t>
+              </a:r>
+            </a:p>
+          </p:txBody>
+        </p:sp>
+        <p:sp>
+          <p:nvSpPr>
+            <p:cNvPr id="195" name="TextBox 194">
+              <a:extLst>
+                <a:ext uri="{FF2B5EF4-FFF2-40B4-BE49-F238E27FC236}">
+                  <a16:creationId xmlns:a16="http://schemas.microsoft.com/office/drawing/2014/main" id="{2EFBCAD9-ED12-69C8-6B36-4B3C786D02B8}"/>
+                </a:ext>
+              </a:extLst>
+            </p:cNvPr>
+            <p:cNvSpPr txBox="1"/>
+            <p:nvPr/>
+          </p:nvSpPr>
+          <p:spPr>
+            <a:xfrm>
+              <a:off x="39720" y="4053254"/>
+              <a:ext cx="447558" cy="246221"/>
+            </a:xfrm>
+            <a:prstGeom prst="rect">
+              <a:avLst/>
+            </a:prstGeom>
+            <a:noFill/>
+          </p:spPr>
+          <p:txBody>
+            <a:bodyPr wrap="none" rtlCol="0">
+              <a:spAutoFit/>
+            </a:bodyPr>
+            <a:lstStyle/>
+            <a:p>
+              <a:r>
+                <a:rPr lang="en-GB" sz="1000" b="1" dirty="0"/>
+                <a:t>0000</a:t>
+              </a:r>
+            </a:p>
+          </p:txBody>
+        </p:sp>
+        <p:sp>
+          <p:nvSpPr>
+            <p:cNvPr id="196" name="TextBox 195">
+              <a:extLst>
+                <a:ext uri="{FF2B5EF4-FFF2-40B4-BE49-F238E27FC236}">
+                  <a16:creationId xmlns:a16="http://schemas.microsoft.com/office/drawing/2014/main" id="{DE8FC650-33BF-0184-9BD4-E4B3B7E226FB}"/>
+                </a:ext>
+              </a:extLst>
+            </p:cNvPr>
+            <p:cNvSpPr txBox="1"/>
+            <p:nvPr/>
+          </p:nvSpPr>
+          <p:spPr>
+            <a:xfrm>
+              <a:off x="361700" y="4064539"/>
+              <a:ext cx="447558" cy="246221"/>
+            </a:xfrm>
+            <a:prstGeom prst="rect">
+              <a:avLst/>
+            </a:prstGeom>
+            <a:noFill/>
+          </p:spPr>
+          <p:txBody>
+            <a:bodyPr wrap="none" rtlCol="0">
+              <a:spAutoFit/>
+            </a:bodyPr>
+            <a:lstStyle/>
+            <a:p>
+              <a:r>
+                <a:rPr lang="en-GB" sz="1000" b="1" dirty="0"/>
+                <a:t>0001</a:t>
+              </a:r>
+            </a:p>
+          </p:txBody>
+        </p:sp>
+        <p:sp>
+          <p:nvSpPr>
+            <p:cNvPr id="198" name="TextBox 197">
+              <a:extLst>
+                <a:ext uri="{FF2B5EF4-FFF2-40B4-BE49-F238E27FC236}">
+                  <a16:creationId xmlns:a16="http://schemas.microsoft.com/office/drawing/2014/main" id="{521E59B3-6D42-6126-30F0-F9A3E57E9F98}"/>
+                </a:ext>
+              </a:extLst>
+            </p:cNvPr>
+            <p:cNvSpPr txBox="1"/>
+            <p:nvPr/>
+          </p:nvSpPr>
+          <p:spPr>
+            <a:xfrm>
+              <a:off x="682176" y="4061633"/>
+              <a:ext cx="447558" cy="246221"/>
+            </a:xfrm>
+            <a:prstGeom prst="rect">
+              <a:avLst/>
+            </a:prstGeom>
+            <a:noFill/>
+          </p:spPr>
+          <p:txBody>
+            <a:bodyPr wrap="none" rtlCol="0">
+              <a:spAutoFit/>
+            </a:bodyPr>
+            <a:lstStyle/>
+            <a:p>
+              <a:r>
+                <a:rPr lang="en-GB" sz="1000" b="1" dirty="0"/>
+                <a:t>0010</a:t>
+              </a:r>
+            </a:p>
+          </p:txBody>
+        </p:sp>
+        <p:sp>
+          <p:nvSpPr>
+            <p:cNvPr id="199" name="TextBox 198">
+              <a:extLst>
+                <a:ext uri="{FF2B5EF4-FFF2-40B4-BE49-F238E27FC236}">
+                  <a16:creationId xmlns:a16="http://schemas.microsoft.com/office/drawing/2014/main" id="{7D0BD415-040B-87BA-E253-001C200EB313}"/>
+                </a:ext>
+              </a:extLst>
+            </p:cNvPr>
+            <p:cNvSpPr txBox="1"/>
+            <p:nvPr/>
+          </p:nvSpPr>
+          <p:spPr>
+            <a:xfrm>
+              <a:off x="999142" y="4048129"/>
+              <a:ext cx="447558" cy="246221"/>
+            </a:xfrm>
+            <a:prstGeom prst="rect">
+              <a:avLst/>
+            </a:prstGeom>
+            <a:noFill/>
+          </p:spPr>
+          <p:txBody>
+            <a:bodyPr wrap="none" rtlCol="0">
+              <a:spAutoFit/>
+            </a:bodyPr>
+            <a:lstStyle/>
+            <a:p>
+              <a:r>
+                <a:rPr lang="en-GB" sz="1000" b="1" dirty="0"/>
+                <a:t>0011</a:t>
+              </a:r>
+            </a:p>
+          </p:txBody>
+        </p:sp>
+        <p:sp>
+          <p:nvSpPr>
+            <p:cNvPr id="200" name="TextBox 199">
+              <a:extLst>
+                <a:ext uri="{FF2B5EF4-FFF2-40B4-BE49-F238E27FC236}">
+                  <a16:creationId xmlns:a16="http://schemas.microsoft.com/office/drawing/2014/main" id="{C9CEF052-2349-A009-CA4D-1E669FD9EA33}"/>
+                </a:ext>
+              </a:extLst>
+            </p:cNvPr>
+            <p:cNvSpPr txBox="1"/>
+            <p:nvPr/>
+          </p:nvSpPr>
+          <p:spPr>
+            <a:xfrm>
+              <a:off x="1294790" y="4048128"/>
+              <a:ext cx="447558" cy="246221"/>
+            </a:xfrm>
+            <a:prstGeom prst="rect">
+              <a:avLst/>
+            </a:prstGeom>
+            <a:noFill/>
+          </p:spPr>
+          <p:txBody>
+            <a:bodyPr wrap="none" rtlCol="0">
+              <a:spAutoFit/>
+            </a:bodyPr>
+            <a:lstStyle/>
+            <a:p>
+              <a:r>
+                <a:rPr lang="en-GB" sz="1000" b="1" dirty="0"/>
+                <a:t>0100</a:t>
+              </a:r>
+            </a:p>
+          </p:txBody>
+        </p:sp>
+        <p:sp>
+          <p:nvSpPr>
+            <p:cNvPr id="201" name="TextBox 200">
+              <a:extLst>
+                <a:ext uri="{FF2B5EF4-FFF2-40B4-BE49-F238E27FC236}">
+                  <a16:creationId xmlns:a16="http://schemas.microsoft.com/office/drawing/2014/main" id="{B61136F8-815A-0CE8-69DD-24CBA55819F0}"/>
+                </a:ext>
+              </a:extLst>
+            </p:cNvPr>
+            <p:cNvSpPr txBox="1"/>
+            <p:nvPr/>
+          </p:nvSpPr>
+          <p:spPr>
+            <a:xfrm>
+              <a:off x="1588583" y="4035245"/>
+              <a:ext cx="447558" cy="246221"/>
+            </a:xfrm>
+            <a:prstGeom prst="rect">
+              <a:avLst/>
+            </a:prstGeom>
+            <a:noFill/>
+          </p:spPr>
+          <p:txBody>
+            <a:bodyPr wrap="none" rtlCol="0">
+              <a:spAutoFit/>
+            </a:bodyPr>
+            <a:lstStyle/>
+            <a:p>
+              <a:r>
+                <a:rPr lang="en-GB" sz="1000" b="1" dirty="0"/>
+                <a:t>0101</a:t>
+              </a:r>
+            </a:p>
+          </p:txBody>
+        </p:sp>
+        <p:sp>
+          <p:nvSpPr>
+            <p:cNvPr id="202" name="TextBox 201">
+              <a:extLst>
+                <a:ext uri="{FF2B5EF4-FFF2-40B4-BE49-F238E27FC236}">
+                  <a16:creationId xmlns:a16="http://schemas.microsoft.com/office/drawing/2014/main" id="{6615151C-D2A3-8600-D78E-B4DE3A3A4A38}"/>
+                </a:ext>
+              </a:extLst>
+            </p:cNvPr>
+            <p:cNvSpPr txBox="1"/>
+            <p:nvPr/>
+          </p:nvSpPr>
+          <p:spPr>
+            <a:xfrm>
+              <a:off x="1895142" y="4035241"/>
+              <a:ext cx="447558" cy="246221"/>
+            </a:xfrm>
+            <a:prstGeom prst="rect">
+              <a:avLst/>
+            </a:prstGeom>
+            <a:noFill/>
+          </p:spPr>
+          <p:txBody>
+            <a:bodyPr wrap="none" rtlCol="0">
+              <a:spAutoFit/>
+            </a:bodyPr>
+            <a:lstStyle/>
+            <a:p>
+              <a:r>
+                <a:rPr lang="en-GB" sz="1000" b="1" dirty="0"/>
+                <a:t>0110</a:t>
+              </a:r>
+            </a:p>
+          </p:txBody>
+        </p:sp>
+        <p:sp>
+          <p:nvSpPr>
+            <p:cNvPr id="203" name="TextBox 202">
+              <a:extLst>
+                <a:ext uri="{FF2B5EF4-FFF2-40B4-BE49-F238E27FC236}">
+                  <a16:creationId xmlns:a16="http://schemas.microsoft.com/office/drawing/2014/main" id="{4E83C62F-E79F-20AD-6043-A07925D6FE64}"/>
+                </a:ext>
+              </a:extLst>
+            </p:cNvPr>
+            <p:cNvSpPr txBox="1"/>
+            <p:nvPr/>
+          </p:nvSpPr>
+          <p:spPr>
+            <a:xfrm>
+              <a:off x="2190487" y="4034041"/>
+              <a:ext cx="447558" cy="246221"/>
+            </a:xfrm>
+            <a:prstGeom prst="rect">
+              <a:avLst/>
+            </a:prstGeom>
+            <a:noFill/>
+          </p:spPr>
+          <p:txBody>
+            <a:bodyPr wrap="none" rtlCol="0">
+              <a:spAutoFit/>
+            </a:bodyPr>
+            <a:lstStyle/>
+            <a:p>
+              <a:r>
+                <a:rPr lang="en-GB" sz="1000" b="1" dirty="0"/>
+                <a:t>0111</a:t>
+              </a:r>
+            </a:p>
+          </p:txBody>
+        </p:sp>
+        <p:sp>
+          <p:nvSpPr>
+            <p:cNvPr id="204" name="TextBox 203">
+              <a:extLst>
+                <a:ext uri="{FF2B5EF4-FFF2-40B4-BE49-F238E27FC236}">
+                  <a16:creationId xmlns:a16="http://schemas.microsoft.com/office/drawing/2014/main" id="{BEE433C6-4C91-7C96-4A85-77F7C1207356}"/>
+                </a:ext>
+              </a:extLst>
+            </p:cNvPr>
+            <p:cNvSpPr txBox="1"/>
+            <p:nvPr/>
+          </p:nvSpPr>
+          <p:spPr>
+            <a:xfrm>
+              <a:off x="2485745" y="4034041"/>
+              <a:ext cx="447558" cy="246221"/>
+            </a:xfrm>
+            <a:prstGeom prst="rect">
+              <a:avLst/>
+            </a:prstGeom>
+            <a:noFill/>
+          </p:spPr>
+          <p:txBody>
+            <a:bodyPr wrap="none" rtlCol="0">
+              <a:spAutoFit/>
+            </a:bodyPr>
+            <a:lstStyle/>
+            <a:p>
+              <a:r>
+                <a:rPr lang="en-GB" sz="1000" b="1" dirty="0"/>
+                <a:t>1000</a:t>
+              </a:r>
+            </a:p>
+          </p:txBody>
+        </p:sp>
+        <p:sp>
+          <p:nvSpPr>
+            <p:cNvPr id="205" name="TextBox 204">
+              <a:extLst>
+                <a:ext uri="{FF2B5EF4-FFF2-40B4-BE49-F238E27FC236}">
+                  <a16:creationId xmlns:a16="http://schemas.microsoft.com/office/drawing/2014/main" id="{1F80527C-7974-60B0-3E71-C174522941BC}"/>
+                </a:ext>
+              </a:extLst>
+            </p:cNvPr>
+            <p:cNvSpPr txBox="1"/>
+            <p:nvPr/>
+          </p:nvSpPr>
+          <p:spPr>
+            <a:xfrm>
+              <a:off x="2780203" y="4034040"/>
+              <a:ext cx="447558" cy="246221"/>
+            </a:xfrm>
+            <a:prstGeom prst="rect">
+              <a:avLst/>
+            </a:prstGeom>
+            <a:noFill/>
+          </p:spPr>
+          <p:txBody>
+            <a:bodyPr wrap="none" rtlCol="0">
+              <a:spAutoFit/>
+            </a:bodyPr>
+            <a:lstStyle/>
+            <a:p>
+              <a:r>
+                <a:rPr lang="en-GB" sz="1000" b="1" dirty="0"/>
+                <a:t>1001</a:t>
+              </a:r>
+            </a:p>
+          </p:txBody>
+        </p:sp>
+        <p:sp>
+          <p:nvSpPr>
+            <p:cNvPr id="206" name="TextBox 205">
+              <a:extLst>
+                <a:ext uri="{FF2B5EF4-FFF2-40B4-BE49-F238E27FC236}">
+                  <a16:creationId xmlns:a16="http://schemas.microsoft.com/office/drawing/2014/main" id="{65C5AB9D-4333-5183-AC28-4CD7B10F3952}"/>
+                </a:ext>
+              </a:extLst>
+            </p:cNvPr>
+            <p:cNvSpPr txBox="1"/>
+            <p:nvPr/>
+          </p:nvSpPr>
+          <p:spPr>
+            <a:xfrm>
+              <a:off x="3086957" y="4030610"/>
+              <a:ext cx="447558" cy="246221"/>
+            </a:xfrm>
+            <a:prstGeom prst="rect">
+              <a:avLst/>
+            </a:prstGeom>
+            <a:noFill/>
+          </p:spPr>
+          <p:txBody>
+            <a:bodyPr wrap="none" rtlCol="0">
+              <a:spAutoFit/>
+            </a:bodyPr>
+            <a:lstStyle/>
+            <a:p>
+              <a:r>
+                <a:rPr lang="en-GB" sz="1000" b="1" dirty="0"/>
+                <a:t>1010</a:t>
+              </a:r>
+            </a:p>
+          </p:txBody>
+        </p:sp>
+        <p:sp>
+          <p:nvSpPr>
+            <p:cNvPr id="207" name="TextBox 206">
+              <a:extLst>
+                <a:ext uri="{FF2B5EF4-FFF2-40B4-BE49-F238E27FC236}">
+                  <a16:creationId xmlns:a16="http://schemas.microsoft.com/office/drawing/2014/main" id="{DDCD1B49-9A5C-1698-028A-1A64CF0F4DAE}"/>
+                </a:ext>
+              </a:extLst>
+            </p:cNvPr>
+            <p:cNvSpPr txBox="1"/>
+            <p:nvPr/>
+          </p:nvSpPr>
+          <p:spPr>
+            <a:xfrm>
+              <a:off x="3433618" y="4030794"/>
+              <a:ext cx="447558" cy="246221"/>
+            </a:xfrm>
+            <a:prstGeom prst="rect">
+              <a:avLst/>
+            </a:prstGeom>
+            <a:noFill/>
+          </p:spPr>
+          <p:txBody>
+            <a:bodyPr wrap="none" rtlCol="0">
+              <a:spAutoFit/>
+            </a:bodyPr>
+            <a:lstStyle/>
+            <a:p>
+              <a:r>
+                <a:rPr lang="en-GB" sz="1000" b="1" dirty="0"/>
+                <a:t>1011</a:t>
+              </a:r>
+            </a:p>
+          </p:txBody>
+        </p:sp>
+        <p:sp>
+          <p:nvSpPr>
+            <p:cNvPr id="208" name="TextBox 207">
+              <a:extLst>
+                <a:ext uri="{FF2B5EF4-FFF2-40B4-BE49-F238E27FC236}">
+                  <a16:creationId xmlns:a16="http://schemas.microsoft.com/office/drawing/2014/main" id="{A0AD390B-CBF7-A359-E203-B785D04DCD97}"/>
+                </a:ext>
+              </a:extLst>
+            </p:cNvPr>
+            <p:cNvSpPr txBox="1"/>
+            <p:nvPr/>
+          </p:nvSpPr>
+          <p:spPr>
+            <a:xfrm>
+              <a:off x="3718698" y="4033279"/>
+              <a:ext cx="447558" cy="246221"/>
+            </a:xfrm>
+            <a:prstGeom prst="rect">
+              <a:avLst/>
+            </a:prstGeom>
+            <a:noFill/>
+          </p:spPr>
+          <p:txBody>
+            <a:bodyPr wrap="none" rtlCol="0">
+              <a:spAutoFit/>
+            </a:bodyPr>
+            <a:lstStyle/>
+            <a:p>
+              <a:r>
+                <a:rPr lang="en-GB" sz="1000" b="1" dirty="0"/>
+                <a:t>1100</a:t>
+              </a:r>
+            </a:p>
+          </p:txBody>
+        </p:sp>
+        <p:sp>
+          <p:nvSpPr>
+            <p:cNvPr id="209" name="TextBox 208">
+              <a:extLst>
+                <a:ext uri="{FF2B5EF4-FFF2-40B4-BE49-F238E27FC236}">
+                  <a16:creationId xmlns:a16="http://schemas.microsoft.com/office/drawing/2014/main" id="{0D8282C6-F2A7-97A9-77AA-9117084B135B}"/>
+                </a:ext>
+              </a:extLst>
+            </p:cNvPr>
+            <p:cNvSpPr txBox="1"/>
+            <p:nvPr/>
+          </p:nvSpPr>
+          <p:spPr>
+            <a:xfrm>
+              <a:off x="4012366" y="4029063"/>
+              <a:ext cx="447558" cy="246221"/>
+            </a:xfrm>
+            <a:prstGeom prst="rect">
+              <a:avLst/>
+            </a:prstGeom>
+            <a:noFill/>
+          </p:spPr>
+          <p:txBody>
+            <a:bodyPr wrap="none" rtlCol="0">
+              <a:spAutoFit/>
+            </a:bodyPr>
+            <a:lstStyle/>
+            <a:p>
+              <a:r>
+                <a:rPr lang="en-GB" sz="1000" b="1" dirty="0"/>
+                <a:t>1101</a:t>
+              </a:r>
+            </a:p>
+          </p:txBody>
+        </p:sp>
+        <p:sp>
+          <p:nvSpPr>
+            <p:cNvPr id="210" name="TextBox 209">
+              <a:extLst>
+                <a:ext uri="{FF2B5EF4-FFF2-40B4-BE49-F238E27FC236}">
+                  <a16:creationId xmlns:a16="http://schemas.microsoft.com/office/drawing/2014/main" id="{8D730A04-6517-2388-EFB2-4EC087927D94}"/>
+                </a:ext>
+              </a:extLst>
+            </p:cNvPr>
+            <p:cNvSpPr txBox="1"/>
+            <p:nvPr/>
+          </p:nvSpPr>
+          <p:spPr>
+            <a:xfrm>
+              <a:off x="4322263" y="4029037"/>
+              <a:ext cx="447558" cy="246221"/>
+            </a:xfrm>
+            <a:prstGeom prst="rect">
+              <a:avLst/>
+            </a:prstGeom>
+            <a:noFill/>
+          </p:spPr>
+          <p:txBody>
+            <a:bodyPr wrap="none" rtlCol="0">
+              <a:spAutoFit/>
+            </a:bodyPr>
+            <a:lstStyle/>
+            <a:p>
+              <a:r>
+                <a:rPr lang="en-GB" sz="1000" b="1" dirty="0"/>
+                <a:t>1110</a:t>
+              </a:r>
+            </a:p>
+          </p:txBody>
+        </p:sp>
+        <p:sp>
+          <p:nvSpPr>
+            <p:cNvPr id="211" name="TextBox 210">
+              <a:extLst>
+                <a:ext uri="{FF2B5EF4-FFF2-40B4-BE49-F238E27FC236}">
+                  <a16:creationId xmlns:a16="http://schemas.microsoft.com/office/drawing/2014/main" id="{ACDB3694-7CB5-546A-5EDF-834323B4EF21}"/>
+                </a:ext>
+              </a:extLst>
+            </p:cNvPr>
+            <p:cNvSpPr txBox="1"/>
+            <p:nvPr/>
+          </p:nvSpPr>
+          <p:spPr>
+            <a:xfrm>
+              <a:off x="4628260" y="4028987"/>
+              <a:ext cx="447558" cy="246221"/>
+            </a:xfrm>
+            <a:prstGeom prst="rect">
+              <a:avLst/>
+            </a:prstGeom>
+            <a:noFill/>
+          </p:spPr>
+          <p:txBody>
+            <a:bodyPr wrap="none" rtlCol="0">
+              <a:spAutoFit/>
+            </a:bodyPr>
+            <a:lstStyle/>
+            <a:p>
+              <a:r>
+                <a:rPr lang="en-GB" sz="1000" b="1" dirty="0"/>
+                <a:t>1111</a:t>
+              </a:r>
+            </a:p>
+          </p:txBody>
+        </p:sp>
+      </p:grpSp>
+      <p:sp>
+        <p:nvSpPr>
+          <p:cNvPr id="217" name="Freeform 216">
+            <a:extLst>
+              <a:ext uri="{FF2B5EF4-FFF2-40B4-BE49-F238E27FC236}">
+                <a16:creationId xmlns:a16="http://schemas.microsoft.com/office/drawing/2014/main" id="{A759E9E0-D54A-D6FA-06CA-EFA247711898}"/>
+              </a:ext>
+            </a:extLst>
+          </p:cNvPr>
+          <p:cNvSpPr/>
+          <p:nvPr/>
+        </p:nvSpPr>
+        <p:spPr>
+          <a:xfrm>
+            <a:off x="1790163" y="3464417"/>
+            <a:ext cx="3000778" cy="528096"/>
+          </a:xfrm>
+          <a:custGeom>
+            <a:avLst/>
+            <a:gdLst>
+              <a:gd name="connsiteX0" fmla="*/ 3000778 w 3000778"/>
+              <a:gd name="connsiteY0" fmla="*/ 0 h 528096"/>
+              <a:gd name="connsiteX1" fmla="*/ 965916 w 3000778"/>
+              <a:gd name="connsiteY1" fmla="*/ 528034 h 528096"/>
+              <a:gd name="connsiteX2" fmla="*/ 0 w 3000778"/>
+              <a:gd name="connsiteY2" fmla="*/ 38637 h 528096"/>
+              <a:gd name="connsiteX3" fmla="*/ 0 w 3000778"/>
+              <a:gd name="connsiteY3" fmla="*/ 38637 h 528096"/>
+            </a:gdLst>
+            <a:ahLst/>
+            <a:cxnLst>
+              <a:cxn ang="0">
+                <a:pos x="connsiteX0" y="connsiteY0"/>
+              </a:cxn>
+              <a:cxn ang="0">
+                <a:pos x="connsiteX1" y="connsiteY1"/>
+              </a:cxn>
+              <a:cxn ang="0">
+                <a:pos x="connsiteX2" y="connsiteY2"/>
+              </a:cxn>
+              <a:cxn ang="0">
+                <a:pos x="connsiteX3" y="connsiteY3"/>
+              </a:cxn>
+            </a:cxnLst>
+            <a:rect l="l" t="t" r="r" b="b"/>
+            <a:pathLst>
+              <a:path w="3000778" h="528096">
+                <a:moveTo>
+                  <a:pt x="3000778" y="0"/>
+                </a:moveTo>
+                <a:cubicBezTo>
+                  <a:pt x="2233412" y="260797"/>
+                  <a:pt x="1466046" y="521595"/>
+                  <a:pt x="965916" y="528034"/>
+                </a:cubicBezTo>
+                <a:cubicBezTo>
+                  <a:pt x="465786" y="534474"/>
+                  <a:pt x="0" y="38637"/>
+                  <a:pt x="0" y="38637"/>
+                </a:cubicBezTo>
+                <a:lnTo>
+                  <a:pt x="0" y="38637"/>
+                </a:lnTo>
+              </a:path>
+            </a:pathLst>
+          </a:custGeom>
+          <a:noFill/>
+        </p:spPr>
+        <p:style>
+          <a:lnRef idx="2">
+            <a:schemeClr val="accent1">
+              <a:shade val="50000"/>
+            </a:schemeClr>
+          </a:lnRef>
+          <a:fillRef idx="1">
+            <a:schemeClr val="accent1"/>
+          </a:fillRef>
+          <a:effectRef idx="0">
+            <a:schemeClr val="accent1"/>
+          </a:effectRef>
+          <a:fontRef idx="minor">
+            <a:schemeClr val="lt1"/>
+          </a:fontRef>
+        </p:style>
+        <p:txBody>
+          <a:bodyPr rtlCol="0" anchor="ctr"/>
+          <a:lstStyle/>
+          <a:p>
+            <a:pPr algn="ctr"/>
+            <a:endParaRPr lang="en-GB" dirty="0"/>
+          </a:p>
+        </p:txBody>
+      </p:sp>
+      <p:sp>
+        <p:nvSpPr>
+          <p:cNvPr id="218" name="Freeform 217">
+            <a:extLst>
+              <a:ext uri="{FF2B5EF4-FFF2-40B4-BE49-F238E27FC236}">
+                <a16:creationId xmlns:a16="http://schemas.microsoft.com/office/drawing/2014/main" id="{D1B985E2-29A7-B0F4-91DC-26C360EFC4BF}"/>
+              </a:ext>
+            </a:extLst>
+          </p:cNvPr>
+          <p:cNvSpPr/>
+          <p:nvPr/>
+        </p:nvSpPr>
+        <p:spPr>
+          <a:xfrm>
+            <a:off x="2125014" y="3464417"/>
+            <a:ext cx="2369713" cy="540939"/>
+          </a:xfrm>
+          <a:custGeom>
+            <a:avLst/>
+            <a:gdLst>
+              <a:gd name="connsiteX0" fmla="*/ 2369713 w 2369713"/>
+              <a:gd name="connsiteY0" fmla="*/ 0 h 540939"/>
+              <a:gd name="connsiteX1" fmla="*/ 1236372 w 2369713"/>
+              <a:gd name="connsiteY1" fmla="*/ 540913 h 540939"/>
+              <a:gd name="connsiteX2" fmla="*/ 0 w 2369713"/>
+              <a:gd name="connsiteY2" fmla="*/ 25758 h 540939"/>
+              <a:gd name="connsiteX3" fmla="*/ 0 w 2369713"/>
+              <a:gd name="connsiteY3" fmla="*/ 25758 h 540939"/>
+            </a:gdLst>
+            <a:ahLst/>
+            <a:cxnLst>
+              <a:cxn ang="0">
+                <a:pos x="connsiteX0" y="connsiteY0"/>
+              </a:cxn>
+              <a:cxn ang="0">
+                <a:pos x="connsiteX1" y="connsiteY1"/>
+              </a:cxn>
+              <a:cxn ang="0">
+                <a:pos x="connsiteX2" y="connsiteY2"/>
+              </a:cxn>
+              <a:cxn ang="0">
+                <a:pos x="connsiteX3" y="connsiteY3"/>
+              </a:cxn>
+            </a:cxnLst>
+            <a:rect l="l" t="t" r="r" b="b"/>
+            <a:pathLst>
+              <a:path w="2369713" h="540939">
+                <a:moveTo>
+                  <a:pt x="2369713" y="0"/>
+                </a:moveTo>
+                <a:cubicBezTo>
+                  <a:pt x="2000518" y="268310"/>
+                  <a:pt x="1631324" y="536620"/>
+                  <a:pt x="1236372" y="540913"/>
+                </a:cubicBezTo>
+                <a:cubicBezTo>
+                  <a:pt x="841420" y="545206"/>
+                  <a:pt x="0" y="25758"/>
+                  <a:pt x="0" y="25758"/>
+                </a:cubicBezTo>
+                <a:lnTo>
+                  <a:pt x="0" y="25758"/>
+                </a:lnTo>
+              </a:path>
+            </a:pathLst>
+          </a:custGeom>
+          <a:noFill/>
+        </p:spPr>
+        <p:style>
+          <a:lnRef idx="2">
+            <a:schemeClr val="accent1">
+              <a:shade val="50000"/>
+            </a:schemeClr>
+          </a:lnRef>
+          <a:fillRef idx="1">
+            <a:schemeClr val="accent1"/>
+          </a:fillRef>
+          <a:effectRef idx="0">
+            <a:schemeClr val="accent1"/>
+          </a:effectRef>
+          <a:fontRef idx="minor">
+            <a:schemeClr val="lt1"/>
+          </a:fontRef>
+        </p:style>
+        <p:txBody>
+          <a:bodyPr rtlCol="0" anchor="ctr"/>
+          <a:lstStyle/>
+          <a:p>
+            <a:pPr algn="ctr"/>
+            <a:endParaRPr lang="en-GB"/>
+          </a:p>
+        </p:txBody>
+      </p:sp>
+      <p:sp>
+        <p:nvSpPr>
+          <p:cNvPr id="219" name="Freeform 218">
+            <a:extLst>
+              <a:ext uri="{FF2B5EF4-FFF2-40B4-BE49-F238E27FC236}">
+                <a16:creationId xmlns:a16="http://schemas.microsoft.com/office/drawing/2014/main" id="{7F427A8E-98E6-5539-186D-AB8CF3F9CE02}"/>
+              </a:ext>
+            </a:extLst>
+          </p:cNvPr>
+          <p:cNvSpPr/>
+          <p:nvPr/>
+        </p:nvSpPr>
+        <p:spPr>
+          <a:xfrm>
+            <a:off x="257577" y="3464417"/>
+            <a:ext cx="2653048" cy="540965"/>
+          </a:xfrm>
+          <a:custGeom>
+            <a:avLst/>
+            <a:gdLst>
+              <a:gd name="connsiteX0" fmla="*/ 0 w 2653048"/>
+              <a:gd name="connsiteY0" fmla="*/ 25758 h 540965"/>
+              <a:gd name="connsiteX1" fmla="*/ 1584102 w 2653048"/>
+              <a:gd name="connsiteY1" fmla="*/ 540913 h 540965"/>
+              <a:gd name="connsiteX2" fmla="*/ 2653048 w 2653048"/>
+              <a:gd name="connsiteY2" fmla="*/ 0 h 540965"/>
+            </a:gdLst>
+            <a:ahLst/>
+            <a:cxnLst>
+              <a:cxn ang="0">
+                <a:pos x="connsiteX0" y="connsiteY0"/>
+              </a:cxn>
+              <a:cxn ang="0">
+                <a:pos x="connsiteX1" y="connsiteY1"/>
+              </a:cxn>
+              <a:cxn ang="0">
+                <a:pos x="connsiteX2" y="connsiteY2"/>
+              </a:cxn>
+            </a:cxnLst>
+            <a:rect l="l" t="t" r="r" b="b"/>
+            <a:pathLst>
+              <a:path w="2653048" h="540965">
+                <a:moveTo>
+                  <a:pt x="0" y="25758"/>
+                </a:moveTo>
+                <a:cubicBezTo>
+                  <a:pt x="570963" y="285482"/>
+                  <a:pt x="1141927" y="545206"/>
+                  <a:pt x="1584102" y="540913"/>
+                </a:cubicBezTo>
+                <a:cubicBezTo>
+                  <a:pt x="2026277" y="536620"/>
+                  <a:pt x="2339662" y="268310"/>
+                  <a:pt x="2653048" y="0"/>
+                </a:cubicBezTo>
+              </a:path>
+            </a:pathLst>
+          </a:custGeom>
+          <a:noFill/>
+        </p:spPr>
+        <p:style>
+          <a:lnRef idx="2">
+            <a:schemeClr val="accent1">
+              <a:shade val="50000"/>
+            </a:schemeClr>
+          </a:lnRef>
+          <a:fillRef idx="1">
+            <a:schemeClr val="accent1"/>
+          </a:fillRef>
+          <a:effectRef idx="0">
+            <a:schemeClr val="accent1"/>
+          </a:effectRef>
+          <a:fontRef idx="minor">
+            <a:schemeClr val="lt1"/>
+          </a:fontRef>
+        </p:style>
+        <p:txBody>
+          <a:bodyPr rtlCol="0" anchor="ctr"/>
+          <a:lstStyle/>
+          <a:p>
+            <a:pPr algn="ctr"/>
+            <a:endParaRPr lang="en-GB"/>
+          </a:p>
+        </p:txBody>
+      </p:sp>
+      <p:sp>
+        <p:nvSpPr>
+          <p:cNvPr id="220" name="Freeform 219">
+            <a:extLst>
+              <a:ext uri="{FF2B5EF4-FFF2-40B4-BE49-F238E27FC236}">
+                <a16:creationId xmlns:a16="http://schemas.microsoft.com/office/drawing/2014/main" id="{70AAB80E-F627-9967-67DD-87D73735E4ED}"/>
+              </a:ext>
+            </a:extLst>
+          </p:cNvPr>
+          <p:cNvSpPr/>
+          <p:nvPr/>
+        </p:nvSpPr>
+        <p:spPr>
+          <a:xfrm>
+            <a:off x="579549" y="3464417"/>
+            <a:ext cx="3245476" cy="540925"/>
+          </a:xfrm>
+          <a:custGeom>
+            <a:avLst/>
+            <a:gdLst>
+              <a:gd name="connsiteX0" fmla="*/ 0 w 3245476"/>
+              <a:gd name="connsiteY0" fmla="*/ 12879 h 540925"/>
+              <a:gd name="connsiteX1" fmla="*/ 1725769 w 3245476"/>
+              <a:gd name="connsiteY1" fmla="*/ 540913 h 540925"/>
+              <a:gd name="connsiteX2" fmla="*/ 3245476 w 3245476"/>
+              <a:gd name="connsiteY2" fmla="*/ 0 h 540925"/>
+            </a:gdLst>
+            <a:ahLst/>
+            <a:cxnLst>
+              <a:cxn ang="0">
+                <a:pos x="connsiteX0" y="connsiteY0"/>
+              </a:cxn>
+              <a:cxn ang="0">
+                <a:pos x="connsiteX1" y="connsiteY1"/>
+              </a:cxn>
+              <a:cxn ang="0">
+                <a:pos x="connsiteX2" y="connsiteY2"/>
+              </a:cxn>
+            </a:cxnLst>
+            <a:rect l="l" t="t" r="r" b="b"/>
+            <a:pathLst>
+              <a:path w="3245476" h="540925">
+                <a:moveTo>
+                  <a:pt x="0" y="12879"/>
+                </a:moveTo>
+                <a:cubicBezTo>
+                  <a:pt x="592428" y="277969"/>
+                  <a:pt x="1184856" y="543059"/>
+                  <a:pt x="1725769" y="540913"/>
+                </a:cubicBezTo>
+                <a:cubicBezTo>
+                  <a:pt x="2266682" y="538767"/>
+                  <a:pt x="2756079" y="269383"/>
+                  <a:pt x="3245476" y="0"/>
+                </a:cubicBezTo>
+              </a:path>
+            </a:pathLst>
+          </a:custGeom>
+          <a:noFill/>
+        </p:spPr>
+        <p:style>
+          <a:lnRef idx="2">
+            <a:schemeClr val="accent1">
+              <a:shade val="50000"/>
+            </a:schemeClr>
+          </a:lnRef>
+          <a:fillRef idx="1">
+            <a:schemeClr val="accent1"/>
+          </a:fillRef>
+          <a:effectRef idx="0">
+            <a:schemeClr val="accent1"/>
+          </a:effectRef>
+          <a:fontRef idx="minor">
+            <a:schemeClr val="lt1"/>
+          </a:fontRef>
+        </p:style>
+        <p:txBody>
+          <a:bodyPr rtlCol="0" anchor="ctr"/>
+          <a:lstStyle/>
+          <a:p>
+            <a:pPr algn="ctr"/>
+            <a:endParaRPr lang="en-GB"/>
+          </a:p>
+        </p:txBody>
+      </p:sp>
+      <p:sp>
+        <p:nvSpPr>
+          <p:cNvPr id="222" name="Freeform 221">
+            <a:extLst>
+              <a:ext uri="{FF2B5EF4-FFF2-40B4-BE49-F238E27FC236}">
+                <a16:creationId xmlns:a16="http://schemas.microsoft.com/office/drawing/2014/main" id="{26F486CC-6A1E-078C-614F-134F2740B59A}"/>
+              </a:ext>
+            </a:extLst>
+          </p:cNvPr>
+          <p:cNvSpPr/>
+          <p:nvPr/>
+        </p:nvSpPr>
+        <p:spPr>
+          <a:xfrm>
+            <a:off x="888642" y="3477296"/>
+            <a:ext cx="2060620" cy="515168"/>
+          </a:xfrm>
+          <a:custGeom>
+            <a:avLst/>
+            <a:gdLst>
+              <a:gd name="connsiteX0" fmla="*/ 0 w 2060620"/>
+              <a:gd name="connsiteY0" fmla="*/ 12879 h 515168"/>
+              <a:gd name="connsiteX1" fmla="*/ 1584102 w 2060620"/>
+              <a:gd name="connsiteY1" fmla="*/ 515155 h 515168"/>
+              <a:gd name="connsiteX2" fmla="*/ 2060620 w 2060620"/>
+              <a:gd name="connsiteY2" fmla="*/ 0 h 515168"/>
+            </a:gdLst>
+            <a:ahLst/>
+            <a:cxnLst>
+              <a:cxn ang="0">
+                <a:pos x="connsiteX0" y="connsiteY0"/>
+              </a:cxn>
+              <a:cxn ang="0">
+                <a:pos x="connsiteX1" y="connsiteY1"/>
+              </a:cxn>
+              <a:cxn ang="0">
+                <a:pos x="connsiteX2" y="connsiteY2"/>
+              </a:cxn>
+            </a:cxnLst>
+            <a:rect l="l" t="t" r="r" b="b"/>
+            <a:pathLst>
+              <a:path w="2060620" h="515168">
+                <a:moveTo>
+                  <a:pt x="0" y="12879"/>
+                </a:moveTo>
+                <a:cubicBezTo>
+                  <a:pt x="620332" y="265090"/>
+                  <a:pt x="1240665" y="517302"/>
+                  <a:pt x="1584102" y="515155"/>
+                </a:cubicBezTo>
+                <a:cubicBezTo>
+                  <a:pt x="1927539" y="513009"/>
+                  <a:pt x="1994079" y="256504"/>
+                  <a:pt x="2060620" y="0"/>
+                </a:cubicBezTo>
+              </a:path>
+            </a:pathLst>
+          </a:custGeom>
+          <a:noFill/>
+        </p:spPr>
+        <p:style>
+          <a:lnRef idx="2">
+            <a:schemeClr val="accent1">
+              <a:shade val="50000"/>
+            </a:schemeClr>
+          </a:lnRef>
+          <a:fillRef idx="1">
+            <a:schemeClr val="accent1"/>
+          </a:fillRef>
+          <a:effectRef idx="0">
+            <a:schemeClr val="accent1"/>
+          </a:effectRef>
+          <a:fontRef idx="minor">
+            <a:schemeClr val="lt1"/>
+          </a:fontRef>
+        </p:style>
+        <p:txBody>
+          <a:bodyPr rtlCol="0" anchor="ctr"/>
+          <a:lstStyle/>
+          <a:p>
+            <a:pPr algn="ctr"/>
+            <a:endParaRPr lang="en-GB"/>
+          </a:p>
+        </p:txBody>
+      </p:sp>
+      <p:sp>
+        <p:nvSpPr>
+          <p:cNvPr id="223" name="Freeform 222">
+            <a:extLst>
+              <a:ext uri="{FF2B5EF4-FFF2-40B4-BE49-F238E27FC236}">
+                <a16:creationId xmlns:a16="http://schemas.microsoft.com/office/drawing/2014/main" id="{79A76091-9CAF-062A-EDA2-28FA9E296486}"/>
+              </a:ext>
+            </a:extLst>
+          </p:cNvPr>
+          <p:cNvSpPr/>
+          <p:nvPr/>
+        </p:nvSpPr>
+        <p:spPr>
+          <a:xfrm>
+            <a:off x="1545465" y="3477296"/>
+            <a:ext cx="1700011" cy="528034"/>
+          </a:xfrm>
+          <a:custGeom>
+            <a:avLst/>
+            <a:gdLst>
+              <a:gd name="connsiteX0" fmla="*/ 0 w 1700011"/>
+              <a:gd name="connsiteY0" fmla="*/ 0 h 528034"/>
+              <a:gd name="connsiteX1" fmla="*/ 1184856 w 1700011"/>
+              <a:gd name="connsiteY1" fmla="*/ 528034 h 528034"/>
+              <a:gd name="connsiteX2" fmla="*/ 1700011 w 1700011"/>
+              <a:gd name="connsiteY2" fmla="*/ 0 h 528034"/>
+            </a:gdLst>
+            <a:ahLst/>
+            <a:cxnLst>
+              <a:cxn ang="0">
+                <a:pos x="connsiteX0" y="connsiteY0"/>
+              </a:cxn>
+              <a:cxn ang="0">
+                <a:pos x="connsiteX1" y="connsiteY1"/>
+              </a:cxn>
+              <a:cxn ang="0">
+                <a:pos x="connsiteX2" y="connsiteY2"/>
+              </a:cxn>
+            </a:cxnLst>
+            <a:rect l="l" t="t" r="r" b="b"/>
+            <a:pathLst>
+              <a:path w="1700011" h="528034">
+                <a:moveTo>
+                  <a:pt x="0" y="0"/>
+                </a:moveTo>
+                <a:cubicBezTo>
+                  <a:pt x="450760" y="264017"/>
+                  <a:pt x="901521" y="528034"/>
+                  <a:pt x="1184856" y="528034"/>
+                </a:cubicBezTo>
+                <a:cubicBezTo>
+                  <a:pt x="1468191" y="528034"/>
+                  <a:pt x="1584101" y="264017"/>
+                  <a:pt x="1700011" y="0"/>
+                </a:cubicBezTo>
+              </a:path>
+            </a:pathLst>
+          </a:custGeom>
+          <a:noFill/>
+        </p:spPr>
+        <p:style>
+          <a:lnRef idx="2">
+            <a:schemeClr val="accent1">
+              <a:shade val="50000"/>
+            </a:schemeClr>
+          </a:lnRef>
+          <a:fillRef idx="1">
+            <a:schemeClr val="accent1"/>
+          </a:fillRef>
+          <a:effectRef idx="0">
+            <a:schemeClr val="accent1"/>
+          </a:effectRef>
+          <a:fontRef idx="minor">
+            <a:schemeClr val="lt1"/>
+          </a:fontRef>
+        </p:style>
+        <p:txBody>
+          <a:bodyPr rtlCol="0" anchor="ctr"/>
+          <a:lstStyle/>
+          <a:p>
+            <a:pPr algn="ctr"/>
+            <a:endParaRPr lang="en-GB"/>
+          </a:p>
+        </p:txBody>
+      </p:sp>
+      <p:sp>
+        <p:nvSpPr>
+          <p:cNvPr id="224" name="Freeform 223">
+            <a:extLst>
+              <a:ext uri="{FF2B5EF4-FFF2-40B4-BE49-F238E27FC236}">
+                <a16:creationId xmlns:a16="http://schemas.microsoft.com/office/drawing/2014/main" id="{F1F120A9-B94F-EB3F-1847-E576662D3B99}"/>
+              </a:ext>
+            </a:extLst>
+          </p:cNvPr>
+          <p:cNvSpPr/>
+          <p:nvPr/>
+        </p:nvSpPr>
+        <p:spPr>
+          <a:xfrm>
+            <a:off x="1210614" y="3477296"/>
+            <a:ext cx="2936383" cy="515155"/>
+          </a:xfrm>
+          <a:custGeom>
+            <a:avLst/>
+            <a:gdLst>
+              <a:gd name="connsiteX0" fmla="*/ 0 w 2936383"/>
+              <a:gd name="connsiteY0" fmla="*/ 0 h 515155"/>
+              <a:gd name="connsiteX1" fmla="*/ 1970468 w 2936383"/>
+              <a:gd name="connsiteY1" fmla="*/ 515155 h 515155"/>
+              <a:gd name="connsiteX2" fmla="*/ 2936383 w 2936383"/>
+              <a:gd name="connsiteY2" fmla="*/ 0 h 515155"/>
+            </a:gdLst>
+            <a:ahLst/>
+            <a:cxnLst>
+              <a:cxn ang="0">
+                <a:pos x="connsiteX0" y="connsiteY0"/>
+              </a:cxn>
+              <a:cxn ang="0">
+                <a:pos x="connsiteX1" y="connsiteY1"/>
+              </a:cxn>
+              <a:cxn ang="0">
+                <a:pos x="connsiteX2" y="connsiteY2"/>
+              </a:cxn>
+            </a:cxnLst>
+            <a:rect l="l" t="t" r="r" b="b"/>
+            <a:pathLst>
+              <a:path w="2936383" h="515155">
+                <a:moveTo>
+                  <a:pt x="0" y="0"/>
+                </a:moveTo>
+                <a:cubicBezTo>
+                  <a:pt x="740535" y="257577"/>
+                  <a:pt x="1481071" y="515155"/>
+                  <a:pt x="1970468" y="515155"/>
+                </a:cubicBezTo>
+                <a:cubicBezTo>
+                  <a:pt x="2459865" y="515155"/>
+                  <a:pt x="2698124" y="257577"/>
+                  <a:pt x="2936383" y="0"/>
+                </a:cubicBezTo>
+              </a:path>
+            </a:pathLst>
+          </a:custGeom>
+          <a:noFill/>
+        </p:spPr>
+        <p:style>
+          <a:lnRef idx="2">
+            <a:schemeClr val="accent1">
+              <a:shade val="50000"/>
+            </a:schemeClr>
+          </a:lnRef>
+          <a:fillRef idx="1">
+            <a:schemeClr val="accent1"/>
+          </a:fillRef>
+          <a:effectRef idx="0">
+            <a:schemeClr val="accent1"/>
+          </a:effectRef>
+          <a:fontRef idx="minor">
+            <a:schemeClr val="lt1"/>
+          </a:fontRef>
+        </p:style>
+        <p:txBody>
+          <a:bodyPr rtlCol="0" anchor="ctr"/>
+          <a:lstStyle/>
+          <a:p>
+            <a:pPr algn="ctr"/>
+            <a:endParaRPr lang="en-GB"/>
+          </a:p>
+        </p:txBody>
+      </p:sp>
+      <p:sp>
+        <p:nvSpPr>
+          <p:cNvPr id="225" name="Freeform 224">
+            <a:extLst>
+              <a:ext uri="{FF2B5EF4-FFF2-40B4-BE49-F238E27FC236}">
+                <a16:creationId xmlns:a16="http://schemas.microsoft.com/office/drawing/2014/main" id="{3D79542A-6028-65A7-5B85-8D8D5BAC04C5}"/>
+              </a:ext>
+            </a:extLst>
+          </p:cNvPr>
+          <p:cNvSpPr/>
+          <p:nvPr/>
+        </p:nvSpPr>
+        <p:spPr>
+          <a:xfrm>
+            <a:off x="579549" y="3464417"/>
+            <a:ext cx="4237150" cy="553803"/>
+          </a:xfrm>
+          <a:custGeom>
+            <a:avLst/>
+            <a:gdLst>
+              <a:gd name="connsiteX0" fmla="*/ 0 w 4237150"/>
+              <a:gd name="connsiteY0" fmla="*/ 12879 h 553803"/>
+              <a:gd name="connsiteX1" fmla="*/ 3348507 w 4237150"/>
+              <a:gd name="connsiteY1" fmla="*/ 553791 h 553803"/>
+              <a:gd name="connsiteX2" fmla="*/ 4237150 w 4237150"/>
+              <a:gd name="connsiteY2" fmla="*/ 0 h 553803"/>
+            </a:gdLst>
+            <a:ahLst/>
+            <a:cxnLst>
+              <a:cxn ang="0">
+                <a:pos x="connsiteX0" y="connsiteY0"/>
+              </a:cxn>
+              <a:cxn ang="0">
+                <a:pos x="connsiteX1" y="connsiteY1"/>
+              </a:cxn>
+              <a:cxn ang="0">
+                <a:pos x="connsiteX2" y="connsiteY2"/>
+              </a:cxn>
+            </a:cxnLst>
+            <a:rect l="l" t="t" r="r" b="b"/>
+            <a:pathLst>
+              <a:path w="4237150" h="553803">
+                <a:moveTo>
+                  <a:pt x="0" y="12879"/>
+                </a:moveTo>
+                <a:cubicBezTo>
+                  <a:pt x="1321157" y="284408"/>
+                  <a:pt x="2642315" y="555937"/>
+                  <a:pt x="3348507" y="553791"/>
+                </a:cubicBezTo>
+                <a:cubicBezTo>
+                  <a:pt x="4054699" y="551645"/>
+                  <a:pt x="4145924" y="275822"/>
+                  <a:pt x="4237150" y="0"/>
+                </a:cubicBezTo>
+              </a:path>
+            </a:pathLst>
+          </a:custGeom>
+          <a:noFill/>
+        </p:spPr>
+        <p:style>
+          <a:lnRef idx="2">
+            <a:schemeClr val="accent1">
+              <a:shade val="50000"/>
+            </a:schemeClr>
+          </a:lnRef>
+          <a:fillRef idx="1">
+            <a:schemeClr val="accent1"/>
+          </a:fillRef>
+          <a:effectRef idx="0">
+            <a:schemeClr val="accent1"/>
+          </a:effectRef>
+          <a:fontRef idx="minor">
+            <a:schemeClr val="lt1"/>
+          </a:fontRef>
+        </p:style>
+        <p:txBody>
+          <a:bodyPr rtlCol="0" anchor="ctr"/>
+          <a:lstStyle/>
+          <a:p>
+            <a:pPr algn="ctr"/>
+            <a:endParaRPr lang="en-GB"/>
+          </a:p>
+        </p:txBody>
+      </p:sp>
+      <p:sp>
+        <p:nvSpPr>
+          <p:cNvPr id="226" name="Freeform 225">
+            <a:extLst>
+              <a:ext uri="{FF2B5EF4-FFF2-40B4-BE49-F238E27FC236}">
+                <a16:creationId xmlns:a16="http://schemas.microsoft.com/office/drawing/2014/main" id="{A0AB48EB-BFAA-F1BB-80CC-DCD9A5F184E5}"/>
+              </a:ext>
+            </a:extLst>
+          </p:cNvPr>
+          <p:cNvSpPr/>
+          <p:nvPr/>
+        </p:nvSpPr>
+        <p:spPr>
+          <a:xfrm>
+            <a:off x="257577" y="3476012"/>
+            <a:ext cx="3336106" cy="516467"/>
+          </a:xfrm>
+          <a:custGeom>
+            <a:avLst/>
+            <a:gdLst>
+              <a:gd name="connsiteX0" fmla="*/ 2137893 w 3336106"/>
+              <a:gd name="connsiteY0" fmla="*/ 14163 h 516467"/>
+              <a:gd name="connsiteX1" fmla="*/ 3142446 w 3336106"/>
+              <a:gd name="connsiteY1" fmla="*/ 516439 h 516467"/>
+              <a:gd name="connsiteX2" fmla="*/ 3322750 w 3336106"/>
+              <a:gd name="connsiteY2" fmla="*/ 39920 h 516467"/>
+              <a:gd name="connsiteX3" fmla="*/ 3322750 w 3336106"/>
+              <a:gd name="connsiteY3" fmla="*/ 27042 h 516467"/>
+              <a:gd name="connsiteX4" fmla="*/ 592429 w 3336106"/>
+              <a:gd name="connsiteY4" fmla="*/ 516439 h 516467"/>
+              <a:gd name="connsiteX5" fmla="*/ 0 w 3336106"/>
+              <a:gd name="connsiteY5" fmla="*/ 14163 h 516467"/>
+            </a:gdLst>
+            <a:ahLst/>
+            <a:cxnLst>
+              <a:cxn ang="0">
+                <a:pos x="connsiteX0" y="connsiteY0"/>
+              </a:cxn>
+              <a:cxn ang="0">
+                <a:pos x="connsiteX1" y="connsiteY1"/>
+              </a:cxn>
+              <a:cxn ang="0">
+                <a:pos x="connsiteX2" y="connsiteY2"/>
+              </a:cxn>
+              <a:cxn ang="0">
+                <a:pos x="connsiteX3" y="connsiteY3"/>
+              </a:cxn>
+              <a:cxn ang="0">
+                <a:pos x="connsiteX4" y="connsiteY4"/>
+              </a:cxn>
+              <a:cxn ang="0">
+                <a:pos x="connsiteX5" y="connsiteY5"/>
+              </a:cxn>
+            </a:cxnLst>
+            <a:rect l="l" t="t" r="r" b="b"/>
+            <a:pathLst>
+              <a:path w="3336106" h="516467">
+                <a:moveTo>
+                  <a:pt x="2137893" y="14163"/>
+                </a:moveTo>
+                <a:cubicBezTo>
+                  <a:pt x="2541431" y="263154"/>
+                  <a:pt x="2944970" y="512146"/>
+                  <a:pt x="3142446" y="516439"/>
+                </a:cubicBezTo>
+                <a:cubicBezTo>
+                  <a:pt x="3339922" y="520732"/>
+                  <a:pt x="3322750" y="39920"/>
+                  <a:pt x="3322750" y="39920"/>
+                </a:cubicBezTo>
+                <a:cubicBezTo>
+                  <a:pt x="3352801" y="-41646"/>
+                  <a:pt x="3322750" y="27042"/>
+                  <a:pt x="3322750" y="27042"/>
+                </a:cubicBezTo>
+                <a:cubicBezTo>
+                  <a:pt x="2867697" y="106462"/>
+                  <a:pt x="1146221" y="518585"/>
+                  <a:pt x="592429" y="516439"/>
+                </a:cubicBezTo>
+                <a:cubicBezTo>
+                  <a:pt x="38637" y="514293"/>
+                  <a:pt x="19318" y="264228"/>
+                  <a:pt x="0" y="14163"/>
+                </a:cubicBezTo>
+              </a:path>
+            </a:pathLst>
+          </a:custGeom>
+          <a:noFill/>
+        </p:spPr>
+        <p:style>
+          <a:lnRef idx="2">
+            <a:schemeClr val="accent1">
+              <a:shade val="50000"/>
+            </a:schemeClr>
+          </a:lnRef>
+          <a:fillRef idx="1">
+            <a:schemeClr val="accent1"/>
+          </a:fillRef>
+          <a:effectRef idx="0">
+            <a:schemeClr val="accent1"/>
+          </a:effectRef>
+          <a:fontRef idx="minor">
+            <a:schemeClr val="lt1"/>
+          </a:fontRef>
+        </p:style>
+        <p:txBody>
+          <a:bodyPr rtlCol="0" anchor="ctr"/>
+          <a:lstStyle/>
+          <a:p>
+            <a:pPr algn="ctr"/>
+            <a:endParaRPr lang="en-GB"/>
+          </a:p>
+        </p:txBody>
+      </p:sp>
+      <p:sp>
+        <p:nvSpPr>
+          <p:cNvPr id="227" name="Freeform 226">
+            <a:extLst>
+              <a:ext uri="{FF2B5EF4-FFF2-40B4-BE49-F238E27FC236}">
+                <a16:creationId xmlns:a16="http://schemas.microsoft.com/office/drawing/2014/main" id="{AC3C5B1C-F6A3-998E-5192-65B941000996}"/>
+              </a:ext>
+            </a:extLst>
+          </p:cNvPr>
+          <p:cNvSpPr/>
+          <p:nvPr/>
+        </p:nvSpPr>
+        <p:spPr>
+          <a:xfrm>
+            <a:off x="888642" y="3490175"/>
+            <a:ext cx="1764406" cy="528033"/>
+          </a:xfrm>
+          <a:custGeom>
+            <a:avLst/>
+            <a:gdLst>
+              <a:gd name="connsiteX0" fmla="*/ 1764406 w 1764406"/>
+              <a:gd name="connsiteY0" fmla="*/ 0 h 528033"/>
+              <a:gd name="connsiteX1" fmla="*/ 785612 w 1764406"/>
+              <a:gd name="connsiteY1" fmla="*/ 528033 h 528033"/>
+              <a:gd name="connsiteX2" fmla="*/ 0 w 1764406"/>
+              <a:gd name="connsiteY2" fmla="*/ 0 h 528033"/>
+            </a:gdLst>
+            <a:ahLst/>
+            <a:cxnLst>
+              <a:cxn ang="0">
+                <a:pos x="connsiteX0" y="connsiteY0"/>
+              </a:cxn>
+              <a:cxn ang="0">
+                <a:pos x="connsiteX1" y="connsiteY1"/>
+              </a:cxn>
+              <a:cxn ang="0">
+                <a:pos x="connsiteX2" y="connsiteY2"/>
+              </a:cxn>
+            </a:cxnLst>
+            <a:rect l="l" t="t" r="r" b="b"/>
+            <a:pathLst>
+              <a:path w="1764406" h="528033">
+                <a:moveTo>
+                  <a:pt x="1764406" y="0"/>
+                </a:moveTo>
+                <a:cubicBezTo>
+                  <a:pt x="1422043" y="264016"/>
+                  <a:pt x="1079680" y="528033"/>
+                  <a:pt x="785612" y="528033"/>
+                </a:cubicBezTo>
+                <a:cubicBezTo>
+                  <a:pt x="491544" y="528033"/>
+                  <a:pt x="245772" y="264016"/>
+                  <a:pt x="0" y="0"/>
+                </a:cubicBezTo>
+              </a:path>
+            </a:pathLst>
+          </a:custGeom>
+          <a:noFill/>
+        </p:spPr>
+        <p:style>
+          <a:lnRef idx="2">
+            <a:schemeClr val="accent1">
+              <a:shade val="50000"/>
+            </a:schemeClr>
+          </a:lnRef>
+          <a:fillRef idx="1">
+            <a:schemeClr val="accent1"/>
+          </a:fillRef>
+          <a:effectRef idx="0">
+            <a:schemeClr val="accent1"/>
+          </a:effectRef>
+          <a:fontRef idx="minor">
+            <a:schemeClr val="lt1"/>
+          </a:fontRef>
+        </p:style>
+        <p:txBody>
+          <a:bodyPr rtlCol="0" anchor="ctr"/>
+          <a:lstStyle/>
+          <a:p>
+            <a:pPr algn="ctr"/>
+            <a:endParaRPr lang="en-GB"/>
+          </a:p>
+        </p:txBody>
+      </p:sp>
+      <p:sp>
+        <p:nvSpPr>
+          <p:cNvPr id="228" name="Freeform 227">
+            <a:extLst>
+              <a:ext uri="{FF2B5EF4-FFF2-40B4-BE49-F238E27FC236}">
+                <a16:creationId xmlns:a16="http://schemas.microsoft.com/office/drawing/2014/main" id="{5D4334BA-426A-E3A7-B8A5-CC61CC52A3D6}"/>
+              </a:ext>
+            </a:extLst>
+          </p:cNvPr>
+          <p:cNvSpPr/>
+          <p:nvPr/>
+        </p:nvSpPr>
+        <p:spPr>
+          <a:xfrm>
+            <a:off x="2975020" y="3477296"/>
+            <a:ext cx="1197735" cy="528034"/>
+          </a:xfrm>
+          <a:custGeom>
+            <a:avLst/>
+            <a:gdLst>
+              <a:gd name="connsiteX0" fmla="*/ 1197735 w 1197735"/>
+              <a:gd name="connsiteY0" fmla="*/ 0 h 528034"/>
+              <a:gd name="connsiteX1" fmla="*/ 669701 w 1197735"/>
+              <a:gd name="connsiteY1" fmla="*/ 528034 h 528034"/>
+              <a:gd name="connsiteX2" fmla="*/ 0 w 1197735"/>
+              <a:gd name="connsiteY2" fmla="*/ 0 h 528034"/>
+            </a:gdLst>
+            <a:ahLst/>
+            <a:cxnLst>
+              <a:cxn ang="0">
+                <a:pos x="connsiteX0" y="connsiteY0"/>
+              </a:cxn>
+              <a:cxn ang="0">
+                <a:pos x="connsiteX1" y="connsiteY1"/>
+              </a:cxn>
+              <a:cxn ang="0">
+                <a:pos x="connsiteX2" y="connsiteY2"/>
+              </a:cxn>
+            </a:cxnLst>
+            <a:rect l="l" t="t" r="r" b="b"/>
+            <a:pathLst>
+              <a:path w="1197735" h="528034">
+                <a:moveTo>
+                  <a:pt x="1197735" y="0"/>
+                </a:moveTo>
+                <a:cubicBezTo>
+                  <a:pt x="1033529" y="264017"/>
+                  <a:pt x="869323" y="528034"/>
+                  <a:pt x="669701" y="528034"/>
+                </a:cubicBezTo>
+                <a:cubicBezTo>
+                  <a:pt x="470079" y="528034"/>
+                  <a:pt x="235039" y="264017"/>
+                  <a:pt x="0" y="0"/>
+                </a:cubicBezTo>
+              </a:path>
+            </a:pathLst>
+          </a:custGeom>
+          <a:noFill/>
+        </p:spPr>
+        <p:style>
+          <a:lnRef idx="2">
+            <a:schemeClr val="accent1">
+              <a:shade val="50000"/>
+            </a:schemeClr>
+          </a:lnRef>
+          <a:fillRef idx="1">
+            <a:schemeClr val="accent1"/>
+          </a:fillRef>
+          <a:effectRef idx="0">
+            <a:schemeClr val="accent1"/>
+          </a:effectRef>
+          <a:fontRef idx="minor">
+            <a:schemeClr val="lt1"/>
+          </a:fontRef>
+        </p:style>
+        <p:txBody>
+          <a:bodyPr rtlCol="0" anchor="ctr"/>
+          <a:lstStyle/>
+          <a:p>
+            <a:pPr algn="ctr"/>
+            <a:endParaRPr lang="en-GB"/>
+          </a:p>
+        </p:txBody>
+      </p:sp>
+      <p:sp>
+        <p:nvSpPr>
+          <p:cNvPr id="229" name="Freeform 228">
+            <a:extLst>
+              <a:ext uri="{FF2B5EF4-FFF2-40B4-BE49-F238E27FC236}">
+                <a16:creationId xmlns:a16="http://schemas.microsoft.com/office/drawing/2014/main" id="{18B42747-E8F4-F56D-D220-145FCAC42529}"/>
+              </a:ext>
+            </a:extLst>
+          </p:cNvPr>
+          <p:cNvSpPr/>
+          <p:nvPr/>
+        </p:nvSpPr>
+        <p:spPr>
+          <a:xfrm>
+            <a:off x="2704563" y="3464417"/>
+            <a:ext cx="1790164" cy="502289"/>
+          </a:xfrm>
+          <a:custGeom>
+            <a:avLst/>
+            <a:gdLst>
+              <a:gd name="connsiteX0" fmla="*/ 1790164 w 1790164"/>
+              <a:gd name="connsiteY0" fmla="*/ 0 h 502289"/>
+              <a:gd name="connsiteX1" fmla="*/ 1249251 w 1790164"/>
+              <a:gd name="connsiteY1" fmla="*/ 502276 h 502289"/>
+              <a:gd name="connsiteX2" fmla="*/ 0 w 1790164"/>
+              <a:gd name="connsiteY2" fmla="*/ 12879 h 502289"/>
+            </a:gdLst>
+            <a:ahLst/>
+            <a:cxnLst>
+              <a:cxn ang="0">
+                <a:pos x="connsiteX0" y="connsiteY0"/>
+              </a:cxn>
+              <a:cxn ang="0">
+                <a:pos x="connsiteX1" y="connsiteY1"/>
+              </a:cxn>
+              <a:cxn ang="0">
+                <a:pos x="connsiteX2" y="connsiteY2"/>
+              </a:cxn>
+            </a:cxnLst>
+            <a:rect l="l" t="t" r="r" b="b"/>
+            <a:pathLst>
+              <a:path w="1790164" h="502289">
+                <a:moveTo>
+                  <a:pt x="1790164" y="0"/>
+                </a:moveTo>
+                <a:cubicBezTo>
+                  <a:pt x="1668888" y="250065"/>
+                  <a:pt x="1547612" y="500130"/>
+                  <a:pt x="1249251" y="502276"/>
+                </a:cubicBezTo>
+                <a:cubicBezTo>
+                  <a:pt x="950890" y="504423"/>
+                  <a:pt x="475445" y="258651"/>
+                  <a:pt x="0" y="12879"/>
+                </a:cubicBezTo>
+              </a:path>
+            </a:pathLst>
+          </a:custGeom>
+          <a:noFill/>
+        </p:spPr>
+        <p:style>
+          <a:lnRef idx="2">
+            <a:schemeClr val="accent1">
+              <a:shade val="50000"/>
+            </a:schemeClr>
+          </a:lnRef>
+          <a:fillRef idx="1">
+            <a:schemeClr val="accent1"/>
+          </a:fillRef>
+          <a:effectRef idx="0">
+            <a:schemeClr val="accent1"/>
+          </a:effectRef>
+          <a:fontRef idx="minor">
+            <a:schemeClr val="lt1"/>
+          </a:fontRef>
+        </p:style>
+        <p:txBody>
+          <a:bodyPr rtlCol="0" anchor="ctr"/>
+          <a:lstStyle/>
+          <a:p>
+            <a:pPr algn="ctr"/>
+            <a:endParaRPr lang="en-GB"/>
+          </a:p>
+        </p:txBody>
+      </p:sp>
+      <p:sp>
+        <p:nvSpPr>
+          <p:cNvPr id="230" name="Freeform 229">
+            <a:extLst>
+              <a:ext uri="{FF2B5EF4-FFF2-40B4-BE49-F238E27FC236}">
+                <a16:creationId xmlns:a16="http://schemas.microsoft.com/office/drawing/2014/main" id="{41D8ABA3-E3C2-F99C-68CF-D9A764E6B2F6}"/>
+              </a:ext>
+            </a:extLst>
+          </p:cNvPr>
+          <p:cNvSpPr/>
+          <p:nvPr/>
+        </p:nvSpPr>
+        <p:spPr>
+          <a:xfrm>
+            <a:off x="986495" y="3503054"/>
+            <a:ext cx="520333" cy="489397"/>
+          </a:xfrm>
+          <a:custGeom>
+            <a:avLst/>
+            <a:gdLst>
+              <a:gd name="connsiteX0" fmla="*/ 520333 w 520333"/>
+              <a:gd name="connsiteY0" fmla="*/ 0 h 489397"/>
+              <a:gd name="connsiteX1" fmla="*/ 18057 w 520333"/>
+              <a:gd name="connsiteY1" fmla="*/ 489397 h 489397"/>
+              <a:gd name="connsiteX2" fmla="*/ 159725 w 520333"/>
+              <a:gd name="connsiteY2" fmla="*/ 0 h 489397"/>
+            </a:gdLst>
+            <a:ahLst/>
+            <a:cxnLst>
+              <a:cxn ang="0">
+                <a:pos x="connsiteX0" y="connsiteY0"/>
+              </a:cxn>
+              <a:cxn ang="0">
+                <a:pos x="connsiteX1" y="connsiteY1"/>
+              </a:cxn>
+              <a:cxn ang="0">
+                <a:pos x="connsiteX2" y="connsiteY2"/>
+              </a:cxn>
+            </a:cxnLst>
+            <a:rect l="l" t="t" r="r" b="b"/>
+            <a:pathLst>
+              <a:path w="520333" h="489397">
+                <a:moveTo>
+                  <a:pt x="520333" y="0"/>
+                </a:moveTo>
+                <a:cubicBezTo>
+                  <a:pt x="299245" y="244698"/>
+                  <a:pt x="78158" y="489397"/>
+                  <a:pt x="18057" y="489397"/>
+                </a:cubicBezTo>
+                <a:cubicBezTo>
+                  <a:pt x="-42044" y="489397"/>
+                  <a:pt x="58840" y="244698"/>
+                  <a:pt x="159725" y="0"/>
+                </a:cubicBezTo>
+              </a:path>
+            </a:pathLst>
+          </a:custGeom>
+          <a:noFill/>
+        </p:spPr>
+        <p:style>
+          <a:lnRef idx="2">
+            <a:schemeClr val="accent1">
+              <a:shade val="50000"/>
+            </a:schemeClr>
+          </a:lnRef>
+          <a:fillRef idx="1">
+            <a:schemeClr val="accent1"/>
+          </a:fillRef>
+          <a:effectRef idx="0">
+            <a:schemeClr val="accent1"/>
+          </a:effectRef>
+          <a:fontRef idx="minor">
+            <a:schemeClr val="lt1"/>
+          </a:fontRef>
+        </p:style>
+        <p:txBody>
+          <a:bodyPr rtlCol="0" anchor="ctr"/>
+          <a:lstStyle/>
+          <a:p>
+            <a:pPr algn="ctr"/>
+            <a:endParaRPr lang="en-GB"/>
+          </a:p>
+        </p:txBody>
+      </p:sp>
+    </p:spTree>
+    <p:extLst>
+      <p:ext uri="{BB962C8B-B14F-4D97-AF65-F5344CB8AC3E}">
+        <p14:creationId xmlns:p14="http://schemas.microsoft.com/office/powerpoint/2010/main" val="2866163641"/>
+      </p:ext>
+    </p:extLst>
+  </p:cSld>
+  <p:clrMapOvr>
+    <a:masterClrMapping/>
+  </p:clrMapOvr>
+</p:sld>
+</file>
+
 <file path=ppt/theme/theme1.xml><?xml version="1.0" encoding="utf-8"?>
 <a:theme xmlns:a="http://schemas.openxmlformats.org/drawingml/2006/main" name="Office Theme">
   <a:themeElements>

--- a/img/subnetwork-source.pptx
+++ b/img/subnetwork-source.pptx
@@ -262,7 +262,7 @@
           <a:p>
             <a:fld id="{06D6A9A0-8F7D-904F-8BB3-D7558471D569}" type="datetimeFigureOut">
               <a:rPr lang="en-GB" smtClean="0"/>
-              <a:t>16/05/2022</a:t>
+              <a:t>25/10/2022</a:t>
             </a:fld>
             <a:endParaRPr lang="en-GB"/>
           </a:p>
@@ -460,7 +460,7 @@
           <a:p>
             <a:fld id="{06D6A9A0-8F7D-904F-8BB3-D7558471D569}" type="datetimeFigureOut">
               <a:rPr lang="en-GB" smtClean="0"/>
-              <a:t>16/05/2022</a:t>
+              <a:t>25/10/2022</a:t>
             </a:fld>
             <a:endParaRPr lang="en-GB"/>
           </a:p>
@@ -668,7 +668,7 @@
           <a:p>
             <a:fld id="{06D6A9A0-8F7D-904F-8BB3-D7558471D569}" type="datetimeFigureOut">
               <a:rPr lang="en-GB" smtClean="0"/>
-              <a:t>16/05/2022</a:t>
+              <a:t>25/10/2022</a:t>
             </a:fld>
             <a:endParaRPr lang="en-GB"/>
           </a:p>
@@ -866,7 +866,7 @@
           <a:p>
             <a:fld id="{06D6A9A0-8F7D-904F-8BB3-D7558471D569}" type="datetimeFigureOut">
               <a:rPr lang="en-GB" smtClean="0"/>
-              <a:t>16/05/2022</a:t>
+              <a:t>25/10/2022</a:t>
             </a:fld>
             <a:endParaRPr lang="en-GB"/>
           </a:p>
@@ -1141,7 +1141,7 @@
           <a:p>
             <a:fld id="{06D6A9A0-8F7D-904F-8BB3-D7558471D569}" type="datetimeFigureOut">
               <a:rPr lang="en-GB" smtClean="0"/>
-              <a:t>16/05/2022</a:t>
+              <a:t>25/10/2022</a:t>
             </a:fld>
             <a:endParaRPr lang="en-GB"/>
           </a:p>
@@ -1406,7 +1406,7 @@
           <a:p>
             <a:fld id="{06D6A9A0-8F7D-904F-8BB3-D7558471D569}" type="datetimeFigureOut">
               <a:rPr lang="en-GB" smtClean="0"/>
-              <a:t>16/05/2022</a:t>
+              <a:t>25/10/2022</a:t>
             </a:fld>
             <a:endParaRPr lang="en-GB"/>
           </a:p>
@@ -1818,7 +1818,7 @@
           <a:p>
             <a:fld id="{06D6A9A0-8F7D-904F-8BB3-D7558471D569}" type="datetimeFigureOut">
               <a:rPr lang="en-GB" smtClean="0"/>
-              <a:t>16/05/2022</a:t>
+              <a:t>25/10/2022</a:t>
             </a:fld>
             <a:endParaRPr lang="en-GB"/>
           </a:p>
@@ -1959,7 +1959,7 @@
           <a:p>
             <a:fld id="{06D6A9A0-8F7D-904F-8BB3-D7558471D569}" type="datetimeFigureOut">
               <a:rPr lang="en-GB" smtClean="0"/>
-              <a:t>16/05/2022</a:t>
+              <a:t>25/10/2022</a:t>
             </a:fld>
             <a:endParaRPr lang="en-GB"/>
           </a:p>
@@ -2072,7 +2072,7 @@
           <a:p>
             <a:fld id="{06D6A9A0-8F7D-904F-8BB3-D7558471D569}" type="datetimeFigureOut">
               <a:rPr lang="en-GB" smtClean="0"/>
-              <a:t>16/05/2022</a:t>
+              <a:t>25/10/2022</a:t>
             </a:fld>
             <a:endParaRPr lang="en-GB"/>
           </a:p>
@@ -2383,7 +2383,7 @@
           <a:p>
             <a:fld id="{06D6A9A0-8F7D-904F-8BB3-D7558471D569}" type="datetimeFigureOut">
               <a:rPr lang="en-GB" smtClean="0"/>
-              <a:t>16/05/2022</a:t>
+              <a:t>25/10/2022</a:t>
             </a:fld>
             <a:endParaRPr lang="en-GB"/>
           </a:p>
@@ -2671,7 +2671,7 @@
           <a:p>
             <a:fld id="{06D6A9A0-8F7D-904F-8BB3-D7558471D569}" type="datetimeFigureOut">
               <a:rPr lang="en-GB" smtClean="0"/>
-              <a:t>16/05/2022</a:t>
+              <a:t>25/10/2022</a:t>
             </a:fld>
             <a:endParaRPr lang="en-GB"/>
           </a:p>
@@ -2912,7 +2912,7 @@
           <a:p>
             <a:fld id="{06D6A9A0-8F7D-904F-8BB3-D7558471D569}" type="datetimeFigureOut">
               <a:rPr lang="en-GB" smtClean="0"/>
-              <a:t>16/05/2022</a:t>
+              <a:t>25/10/2022</a:t>
             </a:fld>
             <a:endParaRPr lang="en-GB"/>
           </a:p>
@@ -20356,8 +20356,8 @@
         </p:nvSpPr>
         <p:spPr>
           <a:xfrm>
-            <a:off x="1370058" y="1980851"/>
-            <a:ext cx="2549929" cy="338554"/>
+            <a:off x="1073952" y="1980851"/>
+            <a:ext cx="3142142" cy="400110"/>
           </a:xfrm>
           <a:prstGeom prst="rect">
             <a:avLst/>
@@ -20372,2132 +20372,2090 @@
           <a:p>
             <a:pPr algn="ctr"/>
             <a:r>
-              <a:rPr lang="en-GB" sz="1600" b="1" dirty="0"/>
+              <a:rPr lang="en-GB" sz="2000" b="1" dirty="0"/>
               <a:t> Service  Discovery Network</a:t>
             </a:r>
           </a:p>
         </p:txBody>
       </p:sp>
-      <p:grpSp>
-        <p:nvGrpSpPr>
-          <p:cNvPr id="167" name="Group 166">
+      <p:sp>
+        <p:nvSpPr>
+          <p:cNvPr id="23" name="Oval 22">
             <a:extLst>
               <a:ext uri="{FF2B5EF4-FFF2-40B4-BE49-F238E27FC236}">
-                <a16:creationId xmlns:a16="http://schemas.microsoft.com/office/drawing/2014/main" id="{2AD56E6A-0B0D-52F8-BB65-7ED6442A6359}"/>
+                <a16:creationId xmlns:a16="http://schemas.microsoft.com/office/drawing/2014/main" id="{59A3D88D-0D1D-4237-CDA4-1C8548ACDEFF}"/>
               </a:ext>
             </a:extLst>
           </p:cNvPr>
-          <p:cNvGrpSpPr/>
+          <p:cNvSpPr/>
           <p:nvPr/>
-        </p:nvGrpSpPr>
-        <p:grpSpPr>
+        </p:nvSpPr>
+        <p:spPr>
           <a:xfrm>
-            <a:off x="6005754" y="2392469"/>
-            <a:ext cx="4676079" cy="1654717"/>
-            <a:chOff x="3209250" y="2225547"/>
-            <a:chExt cx="4676079" cy="1654717"/>
+            <a:off x="6989814" y="2753962"/>
+            <a:ext cx="167425" cy="167425"/>
           </a:xfrm>
-        </p:grpSpPr>
-        <p:sp>
-          <p:nvSpPr>
-            <p:cNvPr id="23" name="Oval 22">
-              <a:extLst>
-                <a:ext uri="{FF2B5EF4-FFF2-40B4-BE49-F238E27FC236}">
-                  <a16:creationId xmlns:a16="http://schemas.microsoft.com/office/drawing/2014/main" id="{59A3D88D-0D1D-4237-CDA4-1C8548ACDEFF}"/>
-                </a:ext>
-              </a:extLst>
-            </p:cNvPr>
-            <p:cNvSpPr/>
-            <p:nvPr/>
-          </p:nvSpPr>
-          <p:spPr>
-            <a:xfrm>
-              <a:off x="4249065" y="2587040"/>
-              <a:ext cx="167425" cy="167425"/>
-            </a:xfrm>
-            <a:prstGeom prst="ellipse">
-              <a:avLst/>
-            </a:prstGeom>
+          <a:prstGeom prst="ellipse">
+            <a:avLst/>
+          </a:prstGeom>
+          <a:solidFill>
+            <a:schemeClr val="tx1"/>
+          </a:solidFill>
+        </p:spPr>
+        <p:style>
+          <a:lnRef idx="2">
+            <a:schemeClr val="accent1">
+              <a:shade val="50000"/>
+            </a:schemeClr>
+          </a:lnRef>
+          <a:fillRef idx="1">
+            <a:schemeClr val="accent1"/>
+          </a:fillRef>
+          <a:effectRef idx="0">
+            <a:schemeClr val="accent1"/>
+          </a:effectRef>
+          <a:fontRef idx="minor">
+            <a:schemeClr val="lt1"/>
+          </a:fontRef>
+        </p:style>
+        <p:txBody>
+          <a:bodyPr rtlCol="0" anchor="ctr"/>
+          <a:lstStyle/>
+          <a:p>
+            <a:pPr algn="ctr"/>
+            <a:endParaRPr lang="en-GB"/>
+          </a:p>
+        </p:txBody>
+      </p:sp>
+      <p:sp>
+        <p:nvSpPr>
+          <p:cNvPr id="24" name="Oval 23">
+            <a:extLst>
+              <a:ext uri="{FF2B5EF4-FFF2-40B4-BE49-F238E27FC236}">
+                <a16:creationId xmlns:a16="http://schemas.microsoft.com/office/drawing/2014/main" id="{18E16A3B-DEED-3CAD-AFAF-CE99257461D8}"/>
+              </a:ext>
+            </a:extLst>
+          </p:cNvPr>
+          <p:cNvSpPr/>
+          <p:nvPr/>
+        </p:nvSpPr>
+        <p:spPr>
+          <a:xfrm>
+            <a:off x="7333871" y="3164471"/>
+            <a:ext cx="167425" cy="167425"/>
+          </a:xfrm>
+          <a:prstGeom prst="ellipse">
+            <a:avLst/>
+          </a:prstGeom>
+          <a:solidFill>
+            <a:schemeClr val="tx1"/>
+          </a:solidFill>
+        </p:spPr>
+        <p:style>
+          <a:lnRef idx="2">
+            <a:schemeClr val="accent1">
+              <a:shade val="50000"/>
+            </a:schemeClr>
+          </a:lnRef>
+          <a:fillRef idx="1">
+            <a:schemeClr val="accent1"/>
+          </a:fillRef>
+          <a:effectRef idx="0">
+            <a:schemeClr val="accent1"/>
+          </a:effectRef>
+          <a:fontRef idx="minor">
+            <a:schemeClr val="lt1"/>
+          </a:fontRef>
+        </p:style>
+        <p:txBody>
+          <a:bodyPr rtlCol="0" anchor="ctr"/>
+          <a:lstStyle/>
+          <a:p>
+            <a:pPr algn="ctr"/>
+            <a:endParaRPr lang="en-GB"/>
+          </a:p>
+        </p:txBody>
+      </p:sp>
+      <p:sp>
+        <p:nvSpPr>
+          <p:cNvPr id="25" name="Oval 24">
+            <a:extLst>
+              <a:ext uri="{FF2B5EF4-FFF2-40B4-BE49-F238E27FC236}">
+                <a16:creationId xmlns:a16="http://schemas.microsoft.com/office/drawing/2014/main" id="{06803BDE-6EA7-AC85-A6F6-A62D8D313386}"/>
+              </a:ext>
+            </a:extLst>
+          </p:cNvPr>
+          <p:cNvSpPr/>
+          <p:nvPr/>
+        </p:nvSpPr>
+        <p:spPr>
+          <a:xfrm>
+            <a:off x="6621242" y="3498597"/>
+            <a:ext cx="167425" cy="167425"/>
+          </a:xfrm>
+          <a:prstGeom prst="ellipse">
+            <a:avLst/>
+          </a:prstGeom>
+          <a:solidFill>
+            <a:schemeClr val="tx1"/>
+          </a:solidFill>
+        </p:spPr>
+        <p:style>
+          <a:lnRef idx="2">
+            <a:schemeClr val="accent1">
+              <a:shade val="50000"/>
+            </a:schemeClr>
+          </a:lnRef>
+          <a:fillRef idx="1">
+            <a:schemeClr val="accent1"/>
+          </a:fillRef>
+          <a:effectRef idx="0">
+            <a:schemeClr val="accent1"/>
+          </a:effectRef>
+          <a:fontRef idx="minor">
+            <a:schemeClr val="lt1"/>
+          </a:fontRef>
+        </p:style>
+        <p:txBody>
+          <a:bodyPr rtlCol="0" anchor="ctr"/>
+          <a:lstStyle/>
+          <a:p>
+            <a:pPr algn="ctr"/>
+            <a:endParaRPr lang="en-GB"/>
+          </a:p>
+        </p:txBody>
+      </p:sp>
+      <p:sp>
+        <p:nvSpPr>
+          <p:cNvPr id="26" name="Oval 25">
+            <a:extLst>
+              <a:ext uri="{FF2B5EF4-FFF2-40B4-BE49-F238E27FC236}">
+                <a16:creationId xmlns:a16="http://schemas.microsoft.com/office/drawing/2014/main" id="{B3760D86-B7C8-BE31-2695-E4B8251C52D9}"/>
+              </a:ext>
+            </a:extLst>
+          </p:cNvPr>
+          <p:cNvSpPr/>
+          <p:nvPr/>
+        </p:nvSpPr>
+        <p:spPr>
+          <a:xfrm>
+            <a:off x="6989815" y="3879761"/>
+            <a:ext cx="167425" cy="167425"/>
+          </a:xfrm>
+          <a:prstGeom prst="ellipse">
+            <a:avLst/>
+          </a:prstGeom>
+          <a:solidFill>
+            <a:schemeClr val="tx1"/>
+          </a:solidFill>
+        </p:spPr>
+        <p:style>
+          <a:lnRef idx="2">
+            <a:schemeClr val="accent1">
+              <a:shade val="50000"/>
+            </a:schemeClr>
+          </a:lnRef>
+          <a:fillRef idx="1">
+            <a:schemeClr val="accent1"/>
+          </a:fillRef>
+          <a:effectRef idx="0">
+            <a:schemeClr val="accent1"/>
+          </a:effectRef>
+          <a:fontRef idx="minor">
+            <a:schemeClr val="lt1"/>
+          </a:fontRef>
+        </p:style>
+        <p:txBody>
+          <a:bodyPr rtlCol="0" anchor="ctr"/>
+          <a:lstStyle/>
+          <a:p>
+            <a:pPr algn="ctr"/>
+            <a:endParaRPr lang="en-GB"/>
+          </a:p>
+        </p:txBody>
+      </p:sp>
+      <p:sp>
+        <p:nvSpPr>
+          <p:cNvPr id="27" name="Oval 26">
+            <a:extLst>
+              <a:ext uri="{FF2B5EF4-FFF2-40B4-BE49-F238E27FC236}">
+                <a16:creationId xmlns:a16="http://schemas.microsoft.com/office/drawing/2014/main" id="{4C857D8E-CF1D-4F89-C2C7-36F2A2C5D70F}"/>
+              </a:ext>
+            </a:extLst>
+          </p:cNvPr>
+          <p:cNvSpPr/>
+          <p:nvPr/>
+        </p:nvSpPr>
+        <p:spPr>
+          <a:xfrm>
+            <a:off x="6222454" y="3080758"/>
+            <a:ext cx="167425" cy="167425"/>
+          </a:xfrm>
+          <a:prstGeom prst="ellipse">
+            <a:avLst/>
+          </a:prstGeom>
+          <a:solidFill>
+            <a:schemeClr val="tx1"/>
+          </a:solidFill>
+        </p:spPr>
+        <p:style>
+          <a:lnRef idx="2">
+            <a:schemeClr val="accent1">
+              <a:shade val="50000"/>
+            </a:schemeClr>
+          </a:lnRef>
+          <a:fillRef idx="1">
+            <a:schemeClr val="accent1"/>
+          </a:fillRef>
+          <a:effectRef idx="0">
+            <a:schemeClr val="accent1"/>
+          </a:effectRef>
+          <a:fontRef idx="minor">
+            <a:schemeClr val="lt1"/>
+          </a:fontRef>
+        </p:style>
+        <p:txBody>
+          <a:bodyPr rtlCol="0" anchor="ctr"/>
+          <a:lstStyle/>
+          <a:p>
+            <a:pPr algn="ctr"/>
+            <a:endParaRPr lang="en-GB"/>
+          </a:p>
+        </p:txBody>
+      </p:sp>
+      <p:cxnSp>
+        <p:nvCxnSpPr>
+          <p:cNvPr id="29" name="Straight Connector 28">
+            <a:extLst>
+              <a:ext uri="{FF2B5EF4-FFF2-40B4-BE49-F238E27FC236}">
+                <a16:creationId xmlns:a16="http://schemas.microsoft.com/office/drawing/2014/main" id="{3E414B73-A764-AE94-EB7F-43E50A1896A0}"/>
+              </a:ext>
+            </a:extLst>
+          </p:cNvPr>
+          <p:cNvCxnSpPr>
+            <a:cxnSpLocks/>
+            <a:stCxn id="27" idx="5"/>
+            <a:endCxn id="25" idx="1"/>
+          </p:cNvCxnSpPr>
+          <p:nvPr/>
+        </p:nvCxnSpPr>
+        <p:spPr>
+          <a:xfrm>
+            <a:off x="6365360" y="3223664"/>
+            <a:ext cx="280401" cy="299452"/>
+          </a:xfrm>
+          <a:prstGeom prst="line">
+            <a:avLst/>
+          </a:prstGeom>
+          <a:ln w="12700"/>
+        </p:spPr>
+        <p:style>
+          <a:lnRef idx="1">
+            <a:schemeClr val="accent1"/>
+          </a:lnRef>
+          <a:fillRef idx="0">
+            <a:schemeClr val="accent1"/>
+          </a:fillRef>
+          <a:effectRef idx="0">
+            <a:schemeClr val="accent1"/>
+          </a:effectRef>
+          <a:fontRef idx="minor">
+            <a:schemeClr val="tx1"/>
+          </a:fontRef>
+        </p:style>
+      </p:cxnSp>
+      <p:cxnSp>
+        <p:nvCxnSpPr>
+          <p:cNvPr id="33" name="Straight Connector 32">
+            <a:extLst>
+              <a:ext uri="{FF2B5EF4-FFF2-40B4-BE49-F238E27FC236}">
+                <a16:creationId xmlns:a16="http://schemas.microsoft.com/office/drawing/2014/main" id="{F414F055-3E79-C09D-22D9-F94BFA76AD2C}"/>
+              </a:ext>
+            </a:extLst>
+          </p:cNvPr>
+          <p:cNvCxnSpPr>
+            <a:cxnSpLocks/>
+            <a:stCxn id="24" idx="1"/>
+            <a:endCxn id="23" idx="5"/>
+          </p:cNvCxnSpPr>
+          <p:nvPr/>
+        </p:nvCxnSpPr>
+        <p:spPr>
+          <a:xfrm flipH="1" flipV="1">
+            <a:off x="7132720" y="2896868"/>
+            <a:ext cx="225670" cy="292122"/>
+          </a:xfrm>
+          <a:prstGeom prst="line">
+            <a:avLst/>
+          </a:prstGeom>
+          <a:ln w="12700"/>
+        </p:spPr>
+        <p:style>
+          <a:lnRef idx="1">
+            <a:schemeClr val="accent1"/>
+          </a:lnRef>
+          <a:fillRef idx="0">
+            <a:schemeClr val="accent1"/>
+          </a:fillRef>
+          <a:effectRef idx="0">
+            <a:schemeClr val="accent1"/>
+          </a:effectRef>
+          <a:fontRef idx="minor">
+            <a:schemeClr val="tx1"/>
+          </a:fontRef>
+        </p:style>
+      </p:cxnSp>
+      <p:cxnSp>
+        <p:nvCxnSpPr>
+          <p:cNvPr id="37" name="Straight Connector 36">
+            <a:extLst>
+              <a:ext uri="{FF2B5EF4-FFF2-40B4-BE49-F238E27FC236}">
+                <a16:creationId xmlns:a16="http://schemas.microsoft.com/office/drawing/2014/main" id="{AECD52E1-F626-7286-051F-36DA72F14A48}"/>
+              </a:ext>
+            </a:extLst>
+          </p:cNvPr>
+          <p:cNvCxnSpPr>
+            <a:cxnSpLocks/>
+            <a:stCxn id="26" idx="1"/>
+            <a:endCxn id="25" idx="5"/>
+          </p:cNvCxnSpPr>
+          <p:nvPr/>
+        </p:nvCxnSpPr>
+        <p:spPr>
+          <a:xfrm flipH="1" flipV="1">
+            <a:off x="6764148" y="3641503"/>
+            <a:ext cx="250186" cy="262777"/>
+          </a:xfrm>
+          <a:prstGeom prst="line">
+            <a:avLst/>
+          </a:prstGeom>
+          <a:ln w="12700"/>
+        </p:spPr>
+        <p:style>
+          <a:lnRef idx="1">
+            <a:schemeClr val="accent1"/>
+          </a:lnRef>
+          <a:fillRef idx="0">
+            <a:schemeClr val="accent1"/>
+          </a:fillRef>
+          <a:effectRef idx="0">
+            <a:schemeClr val="accent1"/>
+          </a:effectRef>
+          <a:fontRef idx="minor">
+            <a:schemeClr val="tx1"/>
+          </a:fontRef>
+        </p:style>
+      </p:cxnSp>
+      <p:cxnSp>
+        <p:nvCxnSpPr>
+          <p:cNvPr id="39" name="Straight Connector 38">
+            <a:extLst>
+              <a:ext uri="{FF2B5EF4-FFF2-40B4-BE49-F238E27FC236}">
+                <a16:creationId xmlns:a16="http://schemas.microsoft.com/office/drawing/2014/main" id="{F6A9B73D-87CD-DC7A-1006-C081A7862114}"/>
+              </a:ext>
+            </a:extLst>
+          </p:cNvPr>
+          <p:cNvCxnSpPr>
+            <a:cxnSpLocks/>
+            <a:stCxn id="25" idx="6"/>
+            <a:endCxn id="24" idx="3"/>
+          </p:cNvCxnSpPr>
+          <p:nvPr/>
+        </p:nvCxnSpPr>
+        <p:spPr>
+          <a:xfrm flipV="1">
+            <a:off x="6788667" y="3307377"/>
+            <a:ext cx="569723" cy="274933"/>
+          </a:xfrm>
+          <a:prstGeom prst="line">
+            <a:avLst/>
+          </a:prstGeom>
+          <a:ln w="12700"/>
+        </p:spPr>
+        <p:style>
+          <a:lnRef idx="1">
+            <a:schemeClr val="accent1"/>
+          </a:lnRef>
+          <a:fillRef idx="0">
+            <a:schemeClr val="accent1"/>
+          </a:fillRef>
+          <a:effectRef idx="0">
+            <a:schemeClr val="accent1"/>
+          </a:effectRef>
+          <a:fontRef idx="minor">
+            <a:schemeClr val="tx1"/>
+          </a:fontRef>
+        </p:style>
+      </p:cxnSp>
+      <p:cxnSp>
+        <p:nvCxnSpPr>
+          <p:cNvPr id="63" name="Straight Connector 62">
+            <a:extLst>
+              <a:ext uri="{FF2B5EF4-FFF2-40B4-BE49-F238E27FC236}">
+                <a16:creationId xmlns:a16="http://schemas.microsoft.com/office/drawing/2014/main" id="{C73326AE-2E5E-E2DD-E7EB-E8A419BEE957}"/>
+              </a:ext>
+            </a:extLst>
+          </p:cNvPr>
+          <p:cNvCxnSpPr>
+            <a:cxnSpLocks/>
+            <a:stCxn id="26" idx="7"/>
+            <a:endCxn id="23" idx="4"/>
+          </p:cNvCxnSpPr>
+          <p:nvPr/>
+        </p:nvCxnSpPr>
+        <p:spPr>
+          <a:xfrm flipH="1" flipV="1">
+            <a:off x="7073527" y="2921387"/>
+            <a:ext cx="59194" cy="982893"/>
+          </a:xfrm>
+          <a:prstGeom prst="line">
+            <a:avLst/>
+          </a:prstGeom>
+          <a:ln w="12700"/>
+        </p:spPr>
+        <p:style>
+          <a:lnRef idx="1">
+            <a:schemeClr val="accent1"/>
+          </a:lnRef>
+          <a:fillRef idx="0">
+            <a:schemeClr val="accent1"/>
+          </a:fillRef>
+          <a:effectRef idx="0">
+            <a:schemeClr val="accent1"/>
+          </a:effectRef>
+          <a:fontRef idx="minor">
+            <a:schemeClr val="tx1"/>
+          </a:fontRef>
+        </p:style>
+      </p:cxnSp>
+      <p:cxnSp>
+        <p:nvCxnSpPr>
+          <p:cNvPr id="66" name="Straight Connector 65">
+            <a:extLst>
+              <a:ext uri="{FF2B5EF4-FFF2-40B4-BE49-F238E27FC236}">
+                <a16:creationId xmlns:a16="http://schemas.microsoft.com/office/drawing/2014/main" id="{681FEC13-CF79-BA67-E2C2-179737F0D63C}"/>
+              </a:ext>
+            </a:extLst>
+          </p:cNvPr>
+          <p:cNvCxnSpPr>
+            <a:cxnSpLocks/>
+            <a:stCxn id="27" idx="7"/>
+            <a:endCxn id="24" idx="2"/>
+          </p:cNvCxnSpPr>
+          <p:nvPr/>
+        </p:nvCxnSpPr>
+        <p:spPr>
+          <a:xfrm>
+            <a:off x="6365360" y="3105277"/>
+            <a:ext cx="968511" cy="142907"/>
+          </a:xfrm>
+          <a:prstGeom prst="line">
+            <a:avLst/>
+          </a:prstGeom>
+          <a:ln w="12700"/>
+        </p:spPr>
+        <p:style>
+          <a:lnRef idx="1">
+            <a:schemeClr val="accent1"/>
+          </a:lnRef>
+          <a:fillRef idx="0">
+            <a:schemeClr val="accent1"/>
+          </a:fillRef>
+          <a:effectRef idx="0">
+            <a:schemeClr val="accent1"/>
+          </a:effectRef>
+          <a:fontRef idx="minor">
+            <a:schemeClr val="tx1"/>
+          </a:fontRef>
+        </p:style>
+      </p:cxnSp>
+      <p:sp>
+        <p:nvSpPr>
+          <p:cNvPr id="69" name="TextBox 68">
+            <a:extLst>
+              <a:ext uri="{FF2B5EF4-FFF2-40B4-BE49-F238E27FC236}">
+                <a16:creationId xmlns:a16="http://schemas.microsoft.com/office/drawing/2014/main" id="{D96C88DB-C047-C4CD-D1A3-D9630F51EBD5}"/>
+              </a:ext>
+            </a:extLst>
+          </p:cNvPr>
+          <p:cNvSpPr txBox="1"/>
+          <p:nvPr/>
+        </p:nvSpPr>
+        <p:spPr>
+          <a:xfrm>
+            <a:off x="5964340" y="2390889"/>
+            <a:ext cx="1770549" cy="338554"/>
+          </a:xfrm>
+          <a:prstGeom prst="rect">
+            <a:avLst/>
+          </a:prstGeom>
+          <a:noFill/>
+        </p:spPr>
+        <p:txBody>
+          <a:bodyPr wrap="none" rtlCol="0">
+            <a:spAutoFit/>
+          </a:bodyPr>
+          <a:lstStyle/>
+          <a:p>
+            <a:r>
+              <a:rPr lang="en-GB" sz="1600" i="1" dirty="0"/>
+              <a:t>App-1 sub-network</a:t>
+            </a:r>
+          </a:p>
+        </p:txBody>
+      </p:sp>
+      <p:sp>
+        <p:nvSpPr>
+          <p:cNvPr id="70" name="Oval 69">
+            <a:extLst>
+              <a:ext uri="{FF2B5EF4-FFF2-40B4-BE49-F238E27FC236}">
+                <a16:creationId xmlns:a16="http://schemas.microsoft.com/office/drawing/2014/main" id="{4019D79F-7E38-6FDE-949D-C4103EF0A13C}"/>
+              </a:ext>
+            </a:extLst>
+          </p:cNvPr>
+          <p:cNvSpPr/>
+          <p:nvPr/>
+        </p:nvSpPr>
+        <p:spPr>
+          <a:xfrm>
+            <a:off x="8583828" y="2796838"/>
+            <a:ext cx="167425" cy="167425"/>
+          </a:xfrm>
+          <a:prstGeom prst="ellipse">
+            <a:avLst/>
+          </a:prstGeom>
+          <a:pattFill prst="wdUpDiag">
+            <a:fgClr>
+              <a:srgbClr val="00B050"/>
+            </a:fgClr>
+            <a:bgClr>
+              <a:schemeClr val="bg1"/>
+            </a:bgClr>
+          </a:pattFill>
+        </p:spPr>
+        <p:style>
+          <a:lnRef idx="2">
+            <a:schemeClr val="accent1">
+              <a:shade val="50000"/>
+            </a:schemeClr>
+          </a:lnRef>
+          <a:fillRef idx="1">
+            <a:schemeClr val="accent1"/>
+          </a:fillRef>
+          <a:effectRef idx="0">
+            <a:schemeClr val="accent1"/>
+          </a:effectRef>
+          <a:fontRef idx="minor">
+            <a:schemeClr val="lt1"/>
+          </a:fontRef>
+        </p:style>
+        <p:txBody>
+          <a:bodyPr rtlCol="0" anchor="ctr"/>
+          <a:lstStyle/>
+          <a:p>
+            <a:pPr algn="ctr"/>
+            <a:endParaRPr lang="en-GB"/>
+          </a:p>
+        </p:txBody>
+      </p:sp>
+      <p:sp>
+        <p:nvSpPr>
+          <p:cNvPr id="71" name="Oval 70">
+            <a:extLst>
+              <a:ext uri="{FF2B5EF4-FFF2-40B4-BE49-F238E27FC236}">
+                <a16:creationId xmlns:a16="http://schemas.microsoft.com/office/drawing/2014/main" id="{49CECF9E-916C-7687-55A3-3C447364DE7E}"/>
+              </a:ext>
+            </a:extLst>
+          </p:cNvPr>
+          <p:cNvSpPr/>
+          <p:nvPr/>
+        </p:nvSpPr>
+        <p:spPr>
+          <a:xfrm>
+            <a:off x="9055158" y="3199890"/>
+            <a:ext cx="167425" cy="167425"/>
+          </a:xfrm>
+          <a:prstGeom prst="ellipse">
+            <a:avLst/>
+          </a:prstGeom>
+          <a:pattFill prst="wdUpDiag">
+            <a:fgClr>
+              <a:srgbClr val="00B050"/>
+            </a:fgClr>
+            <a:bgClr>
+              <a:schemeClr val="bg1"/>
+            </a:bgClr>
+          </a:pattFill>
+        </p:spPr>
+        <p:style>
+          <a:lnRef idx="2">
+            <a:schemeClr val="accent1">
+              <a:shade val="50000"/>
+            </a:schemeClr>
+          </a:lnRef>
+          <a:fillRef idx="1">
+            <a:schemeClr val="accent1"/>
+          </a:fillRef>
+          <a:effectRef idx="0">
+            <a:schemeClr val="accent1"/>
+          </a:effectRef>
+          <a:fontRef idx="minor">
+            <a:schemeClr val="lt1"/>
+          </a:fontRef>
+        </p:style>
+        <p:txBody>
+          <a:bodyPr rtlCol="0" anchor="ctr"/>
+          <a:lstStyle/>
+          <a:p>
+            <a:pPr algn="ctr"/>
+            <a:endParaRPr lang="en-GB"/>
+          </a:p>
+        </p:txBody>
+      </p:sp>
+      <p:sp>
+        <p:nvSpPr>
+          <p:cNvPr id="72" name="Oval 71">
+            <a:extLst>
+              <a:ext uri="{FF2B5EF4-FFF2-40B4-BE49-F238E27FC236}">
+                <a16:creationId xmlns:a16="http://schemas.microsoft.com/office/drawing/2014/main" id="{2A85C9B8-FA8B-1776-5DB2-4A810B805AE8}"/>
+              </a:ext>
+            </a:extLst>
+          </p:cNvPr>
+          <p:cNvSpPr/>
+          <p:nvPr/>
+        </p:nvSpPr>
+        <p:spPr>
+          <a:xfrm>
+            <a:off x="8094208" y="3215966"/>
+            <a:ext cx="167425" cy="167425"/>
+          </a:xfrm>
+          <a:prstGeom prst="ellipse">
+            <a:avLst/>
+          </a:prstGeom>
+          <a:pattFill prst="wdUpDiag">
+            <a:fgClr>
+              <a:srgbClr val="00B050"/>
+            </a:fgClr>
+            <a:bgClr>
+              <a:schemeClr val="bg1"/>
+            </a:bgClr>
+          </a:pattFill>
+        </p:spPr>
+        <p:style>
+          <a:lnRef idx="2">
+            <a:schemeClr val="accent1">
+              <a:shade val="50000"/>
+            </a:schemeClr>
+          </a:lnRef>
+          <a:fillRef idx="1">
+            <a:schemeClr val="accent1"/>
+          </a:fillRef>
+          <a:effectRef idx="0">
+            <a:schemeClr val="accent1"/>
+          </a:effectRef>
+          <a:fontRef idx="minor">
+            <a:schemeClr val="lt1"/>
+          </a:fontRef>
+        </p:style>
+        <p:txBody>
+          <a:bodyPr rtlCol="0" anchor="ctr"/>
+          <a:lstStyle/>
+          <a:p>
+            <a:pPr algn="ctr"/>
+            <a:endParaRPr lang="en-GB"/>
+          </a:p>
+        </p:txBody>
+      </p:sp>
+      <p:sp>
+        <p:nvSpPr>
+          <p:cNvPr id="73" name="Oval 72">
+            <a:extLst>
+              <a:ext uri="{FF2B5EF4-FFF2-40B4-BE49-F238E27FC236}">
+                <a16:creationId xmlns:a16="http://schemas.microsoft.com/office/drawing/2014/main" id="{722A0B82-5E22-6816-6476-8BE83CCD6EB5}"/>
+              </a:ext>
+            </a:extLst>
+          </p:cNvPr>
+          <p:cNvSpPr/>
+          <p:nvPr/>
+        </p:nvSpPr>
+        <p:spPr>
+          <a:xfrm>
+            <a:off x="8070304" y="3820567"/>
+            <a:ext cx="167425" cy="167425"/>
+          </a:xfrm>
+          <a:prstGeom prst="ellipse">
+            <a:avLst/>
+          </a:prstGeom>
+          <a:pattFill prst="wdUpDiag">
+            <a:fgClr>
+              <a:srgbClr val="00B050"/>
+            </a:fgClr>
+            <a:bgClr>
+              <a:schemeClr val="bg1"/>
+            </a:bgClr>
+          </a:pattFill>
+        </p:spPr>
+        <p:style>
+          <a:lnRef idx="2">
+            <a:schemeClr val="accent1">
+              <a:shade val="50000"/>
+            </a:schemeClr>
+          </a:lnRef>
+          <a:fillRef idx="1">
+            <a:schemeClr val="accent1"/>
+          </a:fillRef>
+          <a:effectRef idx="0">
+            <a:schemeClr val="accent1"/>
+          </a:effectRef>
+          <a:fontRef idx="minor">
+            <a:schemeClr val="lt1"/>
+          </a:fontRef>
+        </p:style>
+        <p:txBody>
+          <a:bodyPr rtlCol="0" anchor="ctr"/>
+          <a:lstStyle/>
+          <a:p>
+            <a:pPr algn="ctr"/>
+            <a:endParaRPr lang="en-GB"/>
+          </a:p>
+        </p:txBody>
+      </p:sp>
+      <p:sp>
+        <p:nvSpPr>
+          <p:cNvPr id="74" name="Oval 73">
+            <a:extLst>
+              <a:ext uri="{FF2B5EF4-FFF2-40B4-BE49-F238E27FC236}">
+                <a16:creationId xmlns:a16="http://schemas.microsoft.com/office/drawing/2014/main" id="{A050D133-A625-12EF-5D45-90B32726439A}"/>
+              </a:ext>
+            </a:extLst>
+          </p:cNvPr>
+          <p:cNvSpPr/>
+          <p:nvPr/>
+        </p:nvSpPr>
+        <p:spPr>
+          <a:xfrm>
+            <a:off x="8745442" y="3795978"/>
+            <a:ext cx="167425" cy="167425"/>
+          </a:xfrm>
+          <a:prstGeom prst="ellipse">
+            <a:avLst/>
+          </a:prstGeom>
+          <a:pattFill prst="wdUpDiag">
+            <a:fgClr>
+              <a:srgbClr val="00B050"/>
+            </a:fgClr>
+            <a:bgClr>
+              <a:schemeClr val="bg1"/>
+            </a:bgClr>
+          </a:pattFill>
+        </p:spPr>
+        <p:style>
+          <a:lnRef idx="2">
+            <a:schemeClr val="accent1">
+              <a:shade val="50000"/>
+            </a:schemeClr>
+          </a:lnRef>
+          <a:fillRef idx="1">
+            <a:schemeClr val="accent1"/>
+          </a:fillRef>
+          <a:effectRef idx="0">
+            <a:schemeClr val="accent1"/>
+          </a:effectRef>
+          <a:fontRef idx="minor">
+            <a:schemeClr val="lt1"/>
+          </a:fontRef>
+        </p:style>
+        <p:txBody>
+          <a:bodyPr rtlCol="0" anchor="ctr"/>
+          <a:lstStyle/>
+          <a:p>
+            <a:pPr algn="ctr"/>
+            <a:endParaRPr lang="en-GB"/>
+          </a:p>
+        </p:txBody>
+      </p:sp>
+      <p:sp>
+        <p:nvSpPr>
+          <p:cNvPr id="75" name="Oval 74">
+            <a:extLst>
+              <a:ext uri="{FF2B5EF4-FFF2-40B4-BE49-F238E27FC236}">
+                <a16:creationId xmlns:a16="http://schemas.microsoft.com/office/drawing/2014/main" id="{68DD80F4-62BD-8880-0224-A475FE78822A}"/>
+              </a:ext>
+            </a:extLst>
+          </p:cNvPr>
+          <p:cNvSpPr/>
+          <p:nvPr/>
+        </p:nvSpPr>
+        <p:spPr>
+          <a:xfrm>
+            <a:off x="8640424" y="3270717"/>
+            <a:ext cx="167425" cy="167425"/>
+          </a:xfrm>
+          <a:prstGeom prst="ellipse">
+            <a:avLst/>
+          </a:prstGeom>
+          <a:pattFill prst="wdUpDiag">
+            <a:fgClr>
+              <a:srgbClr val="00B050"/>
+            </a:fgClr>
+            <a:bgClr>
+              <a:schemeClr val="bg1"/>
+            </a:bgClr>
+          </a:pattFill>
+        </p:spPr>
+        <p:style>
+          <a:lnRef idx="2">
+            <a:schemeClr val="accent1">
+              <a:shade val="50000"/>
+            </a:schemeClr>
+          </a:lnRef>
+          <a:fillRef idx="1">
+            <a:schemeClr val="accent1"/>
+          </a:fillRef>
+          <a:effectRef idx="0">
+            <a:schemeClr val="accent1"/>
+          </a:effectRef>
+          <a:fontRef idx="minor">
+            <a:schemeClr val="lt1"/>
+          </a:fontRef>
+        </p:style>
+        <p:txBody>
+          <a:bodyPr rtlCol="0" anchor="ctr"/>
+          <a:lstStyle/>
+          <a:p>
+            <a:pPr algn="ctr"/>
+            <a:endParaRPr lang="en-GB"/>
+          </a:p>
+        </p:txBody>
+      </p:sp>
+      <p:cxnSp>
+        <p:nvCxnSpPr>
+          <p:cNvPr id="76" name="Straight Connector 75">
+            <a:extLst>
+              <a:ext uri="{FF2B5EF4-FFF2-40B4-BE49-F238E27FC236}">
+                <a16:creationId xmlns:a16="http://schemas.microsoft.com/office/drawing/2014/main" id="{963906A9-A029-5451-5930-E54D99E4A29F}"/>
+              </a:ext>
+            </a:extLst>
+          </p:cNvPr>
+          <p:cNvCxnSpPr>
+            <a:cxnSpLocks/>
+            <a:stCxn id="74" idx="1"/>
+            <a:endCxn id="72" idx="5"/>
+          </p:cNvCxnSpPr>
+          <p:nvPr/>
+        </p:nvCxnSpPr>
+        <p:spPr>
+          <a:xfrm flipH="1" flipV="1">
+            <a:off x="8237114" y="3358872"/>
+            <a:ext cx="532847" cy="461625"/>
+          </a:xfrm>
+          <a:prstGeom prst="line">
+            <a:avLst/>
+          </a:prstGeom>
+          <a:ln w="12700"/>
+        </p:spPr>
+        <p:style>
+          <a:lnRef idx="1">
+            <a:schemeClr val="accent1"/>
+          </a:lnRef>
+          <a:fillRef idx="0">
+            <a:schemeClr val="accent1"/>
+          </a:fillRef>
+          <a:effectRef idx="0">
+            <a:schemeClr val="accent1"/>
+          </a:effectRef>
+          <a:fontRef idx="minor">
+            <a:schemeClr val="tx1"/>
+          </a:fontRef>
+        </p:style>
+      </p:cxnSp>
+      <p:cxnSp>
+        <p:nvCxnSpPr>
+          <p:cNvPr id="80" name="Straight Connector 79">
+            <a:extLst>
+              <a:ext uri="{FF2B5EF4-FFF2-40B4-BE49-F238E27FC236}">
+                <a16:creationId xmlns:a16="http://schemas.microsoft.com/office/drawing/2014/main" id="{DB0AE73B-D3B9-2E70-E734-69E7ADC29678}"/>
+              </a:ext>
+            </a:extLst>
+          </p:cNvPr>
+          <p:cNvCxnSpPr>
+            <a:cxnSpLocks/>
+            <a:stCxn id="74" idx="7"/>
+            <a:endCxn id="71" idx="3"/>
+          </p:cNvCxnSpPr>
+          <p:nvPr/>
+        </p:nvCxnSpPr>
+        <p:spPr>
+          <a:xfrm flipV="1">
+            <a:off x="8888348" y="3342796"/>
+            <a:ext cx="191329" cy="477701"/>
+          </a:xfrm>
+          <a:prstGeom prst="line">
+            <a:avLst/>
+          </a:prstGeom>
+          <a:ln w="12700"/>
+        </p:spPr>
+        <p:style>
+          <a:lnRef idx="1">
+            <a:schemeClr val="accent1"/>
+          </a:lnRef>
+          <a:fillRef idx="0">
+            <a:schemeClr val="accent1"/>
+          </a:fillRef>
+          <a:effectRef idx="0">
+            <a:schemeClr val="accent1"/>
+          </a:effectRef>
+          <a:fontRef idx="minor">
+            <a:schemeClr val="tx1"/>
+          </a:fontRef>
+        </p:style>
+      </p:cxnSp>
+      <p:cxnSp>
+        <p:nvCxnSpPr>
+          <p:cNvPr id="84" name="Straight Connector 83">
+            <a:extLst>
+              <a:ext uri="{FF2B5EF4-FFF2-40B4-BE49-F238E27FC236}">
+                <a16:creationId xmlns:a16="http://schemas.microsoft.com/office/drawing/2014/main" id="{532ED73C-C468-0DA8-F9D9-5740D6387DAB}"/>
+              </a:ext>
+            </a:extLst>
+          </p:cNvPr>
+          <p:cNvCxnSpPr>
+            <a:cxnSpLocks/>
+            <a:stCxn id="73" idx="7"/>
+            <a:endCxn id="75" idx="3"/>
+          </p:cNvCxnSpPr>
+          <p:nvPr/>
+        </p:nvCxnSpPr>
+        <p:spPr>
+          <a:xfrm flipV="1">
+            <a:off x="8213210" y="3413623"/>
+            <a:ext cx="451733" cy="431463"/>
+          </a:xfrm>
+          <a:prstGeom prst="line">
+            <a:avLst/>
+          </a:prstGeom>
+          <a:ln w="12700"/>
+        </p:spPr>
+        <p:style>
+          <a:lnRef idx="1">
+            <a:schemeClr val="accent1"/>
+          </a:lnRef>
+          <a:fillRef idx="0">
+            <a:schemeClr val="accent1"/>
+          </a:fillRef>
+          <a:effectRef idx="0">
+            <a:schemeClr val="accent1"/>
+          </a:effectRef>
+          <a:fontRef idx="minor">
+            <a:schemeClr val="tx1"/>
+          </a:fontRef>
+        </p:style>
+      </p:cxnSp>
+      <p:cxnSp>
+        <p:nvCxnSpPr>
+          <p:cNvPr id="89" name="Straight Connector 88">
+            <a:extLst>
+              <a:ext uri="{FF2B5EF4-FFF2-40B4-BE49-F238E27FC236}">
+                <a16:creationId xmlns:a16="http://schemas.microsoft.com/office/drawing/2014/main" id="{5C8E3A9D-D693-68BA-8156-A7622C87A629}"/>
+              </a:ext>
+            </a:extLst>
+          </p:cNvPr>
+          <p:cNvCxnSpPr>
+            <a:cxnSpLocks/>
+            <a:stCxn id="71" idx="1"/>
+            <a:endCxn id="70" idx="5"/>
+          </p:cNvCxnSpPr>
+          <p:nvPr/>
+        </p:nvCxnSpPr>
+        <p:spPr>
+          <a:xfrm flipH="1" flipV="1">
+            <a:off x="8726734" y="2939744"/>
+            <a:ext cx="352943" cy="284665"/>
+          </a:xfrm>
+          <a:prstGeom prst="line">
+            <a:avLst/>
+          </a:prstGeom>
+          <a:ln w="12700"/>
+        </p:spPr>
+        <p:style>
+          <a:lnRef idx="1">
+            <a:schemeClr val="accent1"/>
+          </a:lnRef>
+          <a:fillRef idx="0">
+            <a:schemeClr val="accent1"/>
+          </a:fillRef>
+          <a:effectRef idx="0">
+            <a:schemeClr val="accent1"/>
+          </a:effectRef>
+          <a:fontRef idx="minor">
+            <a:schemeClr val="tx1"/>
+          </a:fontRef>
+        </p:style>
+      </p:cxnSp>
+      <p:cxnSp>
+        <p:nvCxnSpPr>
+          <p:cNvPr id="92" name="Straight Connector 91">
+            <a:extLst>
+              <a:ext uri="{FF2B5EF4-FFF2-40B4-BE49-F238E27FC236}">
+                <a16:creationId xmlns:a16="http://schemas.microsoft.com/office/drawing/2014/main" id="{8740CBF6-777F-11C6-3BF5-BB2543D00D0E}"/>
+              </a:ext>
+            </a:extLst>
+          </p:cNvPr>
+          <p:cNvCxnSpPr>
+            <a:cxnSpLocks/>
+            <a:stCxn id="74" idx="0"/>
+            <a:endCxn id="75" idx="4"/>
+          </p:cNvCxnSpPr>
+          <p:nvPr/>
+        </p:nvCxnSpPr>
+        <p:spPr>
+          <a:xfrm flipH="1" flipV="1">
+            <a:off x="8724137" y="3438142"/>
+            <a:ext cx="105018" cy="357836"/>
+          </a:xfrm>
+          <a:prstGeom prst="line">
+            <a:avLst/>
+          </a:prstGeom>
+          <a:ln w="12700"/>
+        </p:spPr>
+        <p:style>
+          <a:lnRef idx="1">
+            <a:schemeClr val="accent1"/>
+          </a:lnRef>
+          <a:fillRef idx="0">
+            <a:schemeClr val="accent1"/>
+          </a:fillRef>
+          <a:effectRef idx="0">
+            <a:schemeClr val="accent1"/>
+          </a:effectRef>
+          <a:fontRef idx="minor">
+            <a:schemeClr val="tx1"/>
+          </a:fontRef>
+        </p:style>
+      </p:cxnSp>
+      <p:cxnSp>
+        <p:nvCxnSpPr>
+          <p:cNvPr id="100" name="Straight Connector 99">
+            <a:extLst>
+              <a:ext uri="{FF2B5EF4-FFF2-40B4-BE49-F238E27FC236}">
+                <a16:creationId xmlns:a16="http://schemas.microsoft.com/office/drawing/2014/main" id="{66C3C10A-15DD-CA08-3BEB-A2791B7AC850}"/>
+              </a:ext>
+            </a:extLst>
+          </p:cNvPr>
+          <p:cNvCxnSpPr>
+            <a:cxnSpLocks/>
+            <a:stCxn id="70" idx="3"/>
+            <a:endCxn id="72" idx="7"/>
+          </p:cNvCxnSpPr>
+          <p:nvPr/>
+        </p:nvCxnSpPr>
+        <p:spPr>
+          <a:xfrm flipH="1">
+            <a:off x="8237114" y="2939744"/>
+            <a:ext cx="371233" cy="300741"/>
+          </a:xfrm>
+          <a:prstGeom prst="line">
+            <a:avLst/>
+          </a:prstGeom>
+          <a:ln w="12700"/>
+        </p:spPr>
+        <p:style>
+          <a:lnRef idx="1">
+            <a:schemeClr val="accent1"/>
+          </a:lnRef>
+          <a:fillRef idx="0">
+            <a:schemeClr val="accent1"/>
+          </a:fillRef>
+          <a:effectRef idx="0">
+            <a:schemeClr val="accent1"/>
+          </a:effectRef>
+          <a:fontRef idx="minor">
+            <a:schemeClr val="tx1"/>
+          </a:fontRef>
+        </p:style>
+      </p:cxnSp>
+      <p:cxnSp>
+        <p:nvCxnSpPr>
+          <p:cNvPr id="106" name="Straight Connector 105">
+            <a:extLst>
+              <a:ext uri="{FF2B5EF4-FFF2-40B4-BE49-F238E27FC236}">
+                <a16:creationId xmlns:a16="http://schemas.microsoft.com/office/drawing/2014/main" id="{DAA3388B-A8D4-7950-D39D-FEE661C7AA26}"/>
+              </a:ext>
+            </a:extLst>
+          </p:cNvPr>
+          <p:cNvCxnSpPr>
+            <a:cxnSpLocks/>
+            <a:stCxn id="73" idx="0"/>
+            <a:endCxn id="72" idx="4"/>
+          </p:cNvCxnSpPr>
+          <p:nvPr/>
+        </p:nvCxnSpPr>
+        <p:spPr>
+          <a:xfrm flipV="1">
+            <a:off x="8154017" y="3383391"/>
+            <a:ext cx="23904" cy="437176"/>
+          </a:xfrm>
+          <a:prstGeom prst="line">
+            <a:avLst/>
+          </a:prstGeom>
+          <a:ln w="12700"/>
+        </p:spPr>
+        <p:style>
+          <a:lnRef idx="1">
+            <a:schemeClr val="accent1"/>
+          </a:lnRef>
+          <a:fillRef idx="0">
+            <a:schemeClr val="accent1"/>
+          </a:fillRef>
+          <a:effectRef idx="0">
+            <a:schemeClr val="accent1"/>
+          </a:effectRef>
+          <a:fontRef idx="minor">
+            <a:schemeClr val="tx1"/>
+          </a:fontRef>
+        </p:style>
+      </p:cxnSp>
+      <p:sp>
+        <p:nvSpPr>
+          <p:cNvPr id="109" name="TextBox 108">
+            <a:extLst>
+              <a:ext uri="{FF2B5EF4-FFF2-40B4-BE49-F238E27FC236}">
+                <a16:creationId xmlns:a16="http://schemas.microsoft.com/office/drawing/2014/main" id="{95E4F4F7-3191-2BB9-3E6F-65412CDD921D}"/>
+              </a:ext>
+            </a:extLst>
+          </p:cNvPr>
+          <p:cNvSpPr txBox="1"/>
+          <p:nvPr/>
+        </p:nvSpPr>
+        <p:spPr>
+          <a:xfrm>
+            <a:off x="7723108" y="2380961"/>
+            <a:ext cx="1770549" cy="338554"/>
+          </a:xfrm>
+          <a:prstGeom prst="rect">
+            <a:avLst/>
+          </a:prstGeom>
+          <a:noFill/>
+        </p:spPr>
+        <p:txBody>
+          <a:bodyPr wrap="none" rtlCol="0">
+            <a:spAutoFit/>
+          </a:bodyPr>
+          <a:lstStyle/>
+          <a:p>
+            <a:r>
+              <a:rPr lang="en-GB" sz="1600" i="1" dirty="0"/>
+              <a:t>App-2 sub-network</a:t>
+            </a:r>
+          </a:p>
+        </p:txBody>
+      </p:sp>
+      <p:sp>
+        <p:nvSpPr>
+          <p:cNvPr id="115" name="Oval 114">
+            <a:extLst>
+              <a:ext uri="{FF2B5EF4-FFF2-40B4-BE49-F238E27FC236}">
+                <a16:creationId xmlns:a16="http://schemas.microsoft.com/office/drawing/2014/main" id="{C3A5310C-33B7-DB57-89B2-48979FF5F7F9}"/>
+              </a:ext>
+            </a:extLst>
+          </p:cNvPr>
+          <p:cNvSpPr/>
+          <p:nvPr/>
+        </p:nvSpPr>
+        <p:spPr>
+          <a:xfrm>
+            <a:off x="9615718" y="3060181"/>
+            <a:ext cx="167425" cy="167425"/>
+          </a:xfrm>
+          <a:prstGeom prst="ellipse">
+            <a:avLst/>
+          </a:prstGeom>
+          <a:pattFill prst="smGrid">
+            <a:fgClr>
+              <a:srgbClr val="FF0000"/>
+            </a:fgClr>
+            <a:bgClr>
+              <a:schemeClr val="bg1"/>
+            </a:bgClr>
+          </a:pattFill>
+        </p:spPr>
+        <p:style>
+          <a:lnRef idx="2">
+            <a:schemeClr val="accent1">
+              <a:shade val="50000"/>
+            </a:schemeClr>
+          </a:lnRef>
+          <a:fillRef idx="1">
+            <a:schemeClr val="accent1"/>
+          </a:fillRef>
+          <a:effectRef idx="0">
+            <a:schemeClr val="accent1"/>
+          </a:effectRef>
+          <a:fontRef idx="minor">
+            <a:schemeClr val="lt1"/>
+          </a:fontRef>
+        </p:style>
+        <p:txBody>
+          <a:bodyPr rtlCol="0" anchor="ctr"/>
+          <a:lstStyle/>
+          <a:p>
+            <a:pPr algn="ctr"/>
+            <a:endParaRPr lang="en-GB" dirty="0"/>
+          </a:p>
+        </p:txBody>
+      </p:sp>
+      <p:sp>
+        <p:nvSpPr>
+          <p:cNvPr id="116" name="Oval 115">
+            <a:extLst>
+              <a:ext uri="{FF2B5EF4-FFF2-40B4-BE49-F238E27FC236}">
+                <a16:creationId xmlns:a16="http://schemas.microsoft.com/office/drawing/2014/main" id="{6DDAF3DE-763C-751C-92CA-38D1B443779B}"/>
+              </a:ext>
+            </a:extLst>
+          </p:cNvPr>
+          <p:cNvSpPr/>
+          <p:nvPr/>
+        </p:nvSpPr>
+        <p:spPr>
+          <a:xfrm>
+            <a:off x="10219510" y="3018269"/>
+            <a:ext cx="167425" cy="167425"/>
+          </a:xfrm>
+          <a:prstGeom prst="ellipse">
+            <a:avLst/>
+          </a:prstGeom>
+          <a:pattFill prst="smGrid">
+            <a:fgClr>
+              <a:srgbClr val="FF0000"/>
+            </a:fgClr>
+            <a:bgClr>
+              <a:schemeClr val="bg1"/>
+            </a:bgClr>
+          </a:pattFill>
+        </p:spPr>
+        <p:style>
+          <a:lnRef idx="2">
+            <a:schemeClr val="accent1">
+              <a:shade val="50000"/>
+            </a:schemeClr>
+          </a:lnRef>
+          <a:fillRef idx="1">
+            <a:schemeClr val="accent1"/>
+          </a:fillRef>
+          <a:effectRef idx="0">
+            <a:schemeClr val="accent1"/>
+          </a:effectRef>
+          <a:fontRef idx="minor">
+            <a:schemeClr val="lt1"/>
+          </a:fontRef>
+        </p:style>
+        <p:txBody>
+          <a:bodyPr rtlCol="0" anchor="ctr"/>
+          <a:lstStyle/>
+          <a:p>
+            <a:pPr algn="ctr"/>
+            <a:endParaRPr lang="en-GB"/>
+          </a:p>
+        </p:txBody>
+      </p:sp>
+      <p:sp>
+        <p:nvSpPr>
+          <p:cNvPr id="117" name="Oval 116">
+            <a:extLst>
+              <a:ext uri="{FF2B5EF4-FFF2-40B4-BE49-F238E27FC236}">
+                <a16:creationId xmlns:a16="http://schemas.microsoft.com/office/drawing/2014/main" id="{AC507E41-FE47-8961-7956-C6C727E8CDFA}"/>
+              </a:ext>
+            </a:extLst>
+          </p:cNvPr>
+          <p:cNvSpPr/>
+          <p:nvPr/>
+        </p:nvSpPr>
+        <p:spPr>
+          <a:xfrm>
+            <a:off x="10792001" y="2886296"/>
+            <a:ext cx="167425" cy="167425"/>
+          </a:xfrm>
+          <a:prstGeom prst="ellipse">
+            <a:avLst/>
+          </a:prstGeom>
+          <a:pattFill prst="smGrid">
+            <a:fgClr>
+              <a:srgbClr val="FF0000"/>
+            </a:fgClr>
+            <a:bgClr>
+              <a:schemeClr val="bg1"/>
+            </a:bgClr>
+          </a:pattFill>
+        </p:spPr>
+        <p:style>
+          <a:lnRef idx="2">
+            <a:schemeClr val="accent1">
+              <a:shade val="50000"/>
+            </a:schemeClr>
+          </a:lnRef>
+          <a:fillRef idx="1">
+            <a:schemeClr val="accent1"/>
+          </a:fillRef>
+          <a:effectRef idx="0">
+            <a:schemeClr val="accent1"/>
+          </a:effectRef>
+          <a:fontRef idx="minor">
+            <a:schemeClr val="lt1"/>
+          </a:fontRef>
+        </p:style>
+        <p:txBody>
+          <a:bodyPr rtlCol="0" anchor="ctr"/>
+          <a:lstStyle/>
+          <a:p>
+            <a:pPr algn="ctr"/>
+            <a:endParaRPr lang="en-GB"/>
+          </a:p>
+        </p:txBody>
+      </p:sp>
+      <p:sp>
+        <p:nvSpPr>
+          <p:cNvPr id="118" name="Oval 117">
+            <a:extLst>
+              <a:ext uri="{FF2B5EF4-FFF2-40B4-BE49-F238E27FC236}">
+                <a16:creationId xmlns:a16="http://schemas.microsoft.com/office/drawing/2014/main" id="{C2CC41F3-B264-0B8A-5E1A-24E320E88CB9}"/>
+              </a:ext>
+            </a:extLst>
+          </p:cNvPr>
+          <p:cNvSpPr/>
+          <p:nvPr/>
+        </p:nvSpPr>
+        <p:spPr>
+          <a:xfrm>
+            <a:off x="10231769" y="3870100"/>
+            <a:ext cx="167425" cy="167425"/>
+          </a:xfrm>
+          <a:prstGeom prst="ellipse">
+            <a:avLst/>
+          </a:prstGeom>
+          <a:pattFill prst="smGrid">
+            <a:fgClr>
+              <a:srgbClr val="FF0000"/>
+            </a:fgClr>
+            <a:bgClr>
+              <a:schemeClr val="bg1"/>
+            </a:bgClr>
+          </a:pattFill>
+        </p:spPr>
+        <p:style>
+          <a:lnRef idx="2">
+            <a:schemeClr val="accent1">
+              <a:shade val="50000"/>
+            </a:schemeClr>
+          </a:lnRef>
+          <a:fillRef idx="1">
+            <a:schemeClr val="accent1"/>
+          </a:fillRef>
+          <a:effectRef idx="0">
+            <a:schemeClr val="accent1"/>
+          </a:effectRef>
+          <a:fontRef idx="minor">
+            <a:schemeClr val="lt1"/>
+          </a:fontRef>
+        </p:style>
+        <p:txBody>
+          <a:bodyPr rtlCol="0" anchor="ctr"/>
+          <a:lstStyle/>
+          <a:p>
+            <a:pPr algn="ctr"/>
+            <a:endParaRPr lang="en-GB"/>
+          </a:p>
+        </p:txBody>
+      </p:sp>
+      <p:sp>
+        <p:nvSpPr>
+          <p:cNvPr id="119" name="Oval 118">
+            <a:extLst>
+              <a:ext uri="{FF2B5EF4-FFF2-40B4-BE49-F238E27FC236}">
+                <a16:creationId xmlns:a16="http://schemas.microsoft.com/office/drawing/2014/main" id="{D42694E2-0EA0-3EB7-6C84-F4E12144A5ED}"/>
+              </a:ext>
+            </a:extLst>
+          </p:cNvPr>
+          <p:cNvSpPr/>
+          <p:nvPr/>
+        </p:nvSpPr>
+        <p:spPr>
+          <a:xfrm>
+            <a:off x="10893542" y="3510237"/>
+            <a:ext cx="167425" cy="167425"/>
+          </a:xfrm>
+          <a:prstGeom prst="ellipse">
+            <a:avLst/>
+          </a:prstGeom>
+          <a:pattFill prst="smGrid">
+            <a:fgClr>
+              <a:srgbClr val="FF0000"/>
+            </a:fgClr>
+            <a:bgClr>
+              <a:schemeClr val="bg1"/>
+            </a:bgClr>
+          </a:pattFill>
+        </p:spPr>
+        <p:style>
+          <a:lnRef idx="2">
+            <a:schemeClr val="accent1">
+              <a:shade val="50000"/>
+            </a:schemeClr>
+          </a:lnRef>
+          <a:fillRef idx="1">
+            <a:schemeClr val="accent1"/>
+          </a:fillRef>
+          <a:effectRef idx="0">
+            <a:schemeClr val="accent1"/>
+          </a:effectRef>
+          <a:fontRef idx="minor">
+            <a:schemeClr val="lt1"/>
+          </a:fontRef>
+        </p:style>
+        <p:txBody>
+          <a:bodyPr rtlCol="0" anchor="ctr"/>
+          <a:lstStyle/>
+          <a:p>
+            <a:pPr algn="ctr"/>
+            <a:endParaRPr lang="en-GB"/>
+          </a:p>
+        </p:txBody>
+      </p:sp>
+      <p:cxnSp>
+        <p:nvCxnSpPr>
+          <p:cNvPr id="122" name="Straight Connector 121">
+            <a:extLst>
+              <a:ext uri="{FF2B5EF4-FFF2-40B4-BE49-F238E27FC236}">
+                <a16:creationId xmlns:a16="http://schemas.microsoft.com/office/drawing/2014/main" id="{6723B20E-FD99-272B-2D68-5B51DC0F9D4C}"/>
+              </a:ext>
+            </a:extLst>
+          </p:cNvPr>
+          <p:cNvCxnSpPr>
+            <a:cxnSpLocks/>
+            <a:stCxn id="118" idx="7"/>
+            <a:endCxn id="117" idx="4"/>
+          </p:cNvCxnSpPr>
+          <p:nvPr/>
+        </p:nvCxnSpPr>
+        <p:spPr>
+          <a:xfrm flipV="1">
+            <a:off x="10374675" y="3053721"/>
+            <a:ext cx="501039" cy="840898"/>
+          </a:xfrm>
+          <a:prstGeom prst="line">
+            <a:avLst/>
+          </a:prstGeom>
+          <a:ln w="12700"/>
+        </p:spPr>
+        <p:style>
+          <a:lnRef idx="1">
+            <a:schemeClr val="accent1"/>
+          </a:lnRef>
+          <a:fillRef idx="0">
+            <a:schemeClr val="accent1"/>
+          </a:fillRef>
+          <a:effectRef idx="0">
+            <a:schemeClr val="accent1"/>
+          </a:effectRef>
+          <a:fontRef idx="minor">
+            <a:schemeClr val="tx1"/>
+          </a:fontRef>
+        </p:style>
+      </p:cxnSp>
+      <p:cxnSp>
+        <p:nvCxnSpPr>
+          <p:cNvPr id="126" name="Straight Connector 125">
+            <a:extLst>
+              <a:ext uri="{FF2B5EF4-FFF2-40B4-BE49-F238E27FC236}">
+                <a16:creationId xmlns:a16="http://schemas.microsoft.com/office/drawing/2014/main" id="{5768E719-F435-9156-D08C-A93F14A27C65}"/>
+              </a:ext>
+            </a:extLst>
+          </p:cNvPr>
+          <p:cNvCxnSpPr>
+            <a:cxnSpLocks/>
+            <a:stCxn id="115" idx="6"/>
+            <a:endCxn id="116" idx="2"/>
+          </p:cNvCxnSpPr>
+          <p:nvPr/>
+        </p:nvCxnSpPr>
+        <p:spPr>
+          <a:xfrm flipV="1">
+            <a:off x="9783143" y="3101982"/>
+            <a:ext cx="436367" cy="41912"/>
+          </a:xfrm>
+          <a:prstGeom prst="line">
+            <a:avLst/>
+          </a:prstGeom>
+          <a:ln w="12700"/>
+        </p:spPr>
+        <p:style>
+          <a:lnRef idx="1">
+            <a:schemeClr val="accent1"/>
+          </a:lnRef>
+          <a:fillRef idx="0">
+            <a:schemeClr val="accent1"/>
+          </a:fillRef>
+          <a:effectRef idx="0">
+            <a:schemeClr val="accent1"/>
+          </a:effectRef>
+          <a:fontRef idx="minor">
+            <a:schemeClr val="tx1"/>
+          </a:fontRef>
+        </p:style>
+      </p:cxnSp>
+      <p:cxnSp>
+        <p:nvCxnSpPr>
+          <p:cNvPr id="129" name="Straight Connector 128">
+            <a:extLst>
+              <a:ext uri="{FF2B5EF4-FFF2-40B4-BE49-F238E27FC236}">
+                <a16:creationId xmlns:a16="http://schemas.microsoft.com/office/drawing/2014/main" id="{4284079C-C30D-223F-76AF-0D1E4246DAD8}"/>
+              </a:ext>
+            </a:extLst>
+          </p:cNvPr>
+          <p:cNvCxnSpPr>
+            <a:cxnSpLocks/>
+            <a:stCxn id="119" idx="3"/>
+          </p:cNvCxnSpPr>
+          <p:nvPr/>
+        </p:nvCxnSpPr>
+        <p:spPr>
+          <a:xfrm flipH="1">
+            <a:off x="10374675" y="3653143"/>
+            <a:ext cx="543386" cy="342581"/>
+          </a:xfrm>
+          <a:prstGeom prst="line">
+            <a:avLst/>
+          </a:prstGeom>
+          <a:ln w="12700"/>
+        </p:spPr>
+        <p:style>
+          <a:lnRef idx="1">
+            <a:schemeClr val="accent1"/>
+          </a:lnRef>
+          <a:fillRef idx="0">
+            <a:schemeClr val="accent1"/>
+          </a:fillRef>
+          <a:effectRef idx="0">
+            <a:schemeClr val="accent1"/>
+          </a:effectRef>
+          <a:fontRef idx="minor">
+            <a:schemeClr val="tx1"/>
+          </a:fontRef>
+        </p:style>
+      </p:cxnSp>
+      <p:cxnSp>
+        <p:nvCxnSpPr>
+          <p:cNvPr id="132" name="Straight Connector 131">
+            <a:extLst>
+              <a:ext uri="{FF2B5EF4-FFF2-40B4-BE49-F238E27FC236}">
+                <a16:creationId xmlns:a16="http://schemas.microsoft.com/office/drawing/2014/main" id="{42426DA9-DDBC-C099-C203-3AFC3BEDC16A}"/>
+              </a:ext>
+            </a:extLst>
+          </p:cNvPr>
+          <p:cNvCxnSpPr>
+            <a:cxnSpLocks/>
+            <a:stCxn id="115" idx="5"/>
+            <a:endCxn id="118" idx="2"/>
+          </p:cNvCxnSpPr>
+          <p:nvPr/>
+        </p:nvCxnSpPr>
+        <p:spPr>
+          <a:xfrm>
+            <a:off x="9758624" y="3203087"/>
+            <a:ext cx="473145" cy="750726"/>
+          </a:xfrm>
+          <a:prstGeom prst="line">
+            <a:avLst/>
+          </a:prstGeom>
+          <a:ln w="12700"/>
+        </p:spPr>
+        <p:style>
+          <a:lnRef idx="1">
+            <a:schemeClr val="accent1"/>
+          </a:lnRef>
+          <a:fillRef idx="0">
+            <a:schemeClr val="accent1"/>
+          </a:fillRef>
+          <a:effectRef idx="0">
+            <a:schemeClr val="accent1"/>
+          </a:effectRef>
+          <a:fontRef idx="minor">
+            <a:schemeClr val="tx1"/>
+          </a:fontRef>
+        </p:style>
+      </p:cxnSp>
+      <p:cxnSp>
+        <p:nvCxnSpPr>
+          <p:cNvPr id="136" name="Straight Connector 135">
+            <a:extLst>
+              <a:ext uri="{FF2B5EF4-FFF2-40B4-BE49-F238E27FC236}">
+                <a16:creationId xmlns:a16="http://schemas.microsoft.com/office/drawing/2014/main" id="{E7EBC8D6-474F-5869-1ABB-A7DA435A4B05}"/>
+              </a:ext>
+            </a:extLst>
+          </p:cNvPr>
+          <p:cNvCxnSpPr>
+            <a:cxnSpLocks/>
+            <a:stCxn id="119" idx="0"/>
+            <a:endCxn id="117" idx="5"/>
+          </p:cNvCxnSpPr>
+          <p:nvPr/>
+        </p:nvCxnSpPr>
+        <p:spPr>
+          <a:xfrm flipH="1" flipV="1">
+            <a:off x="10934907" y="3029202"/>
+            <a:ext cx="42348" cy="481035"/>
+          </a:xfrm>
+          <a:prstGeom prst="line">
+            <a:avLst/>
+          </a:prstGeom>
+          <a:ln w="12700"/>
+        </p:spPr>
+        <p:style>
+          <a:lnRef idx="1">
+            <a:schemeClr val="accent1"/>
+          </a:lnRef>
+          <a:fillRef idx="0">
+            <a:schemeClr val="accent1"/>
+          </a:fillRef>
+          <a:effectRef idx="0">
+            <a:schemeClr val="accent1"/>
+          </a:effectRef>
+          <a:fontRef idx="minor">
+            <a:schemeClr val="tx1"/>
+          </a:fontRef>
+        </p:style>
+      </p:cxnSp>
+      <p:cxnSp>
+        <p:nvCxnSpPr>
+          <p:cNvPr id="148" name="Straight Connector 147">
+            <a:extLst>
+              <a:ext uri="{FF2B5EF4-FFF2-40B4-BE49-F238E27FC236}">
+                <a16:creationId xmlns:a16="http://schemas.microsoft.com/office/drawing/2014/main" id="{3314D38B-17CE-6E10-499B-6E189EB48A61}"/>
+              </a:ext>
+            </a:extLst>
+          </p:cNvPr>
+          <p:cNvCxnSpPr>
+            <a:cxnSpLocks/>
+            <a:stCxn id="119" idx="1"/>
+            <a:endCxn id="116" idx="6"/>
+          </p:cNvCxnSpPr>
+          <p:nvPr/>
+        </p:nvCxnSpPr>
+        <p:spPr>
+          <a:xfrm flipH="1" flipV="1">
+            <a:off x="10386935" y="3101982"/>
+            <a:ext cx="531126" cy="432774"/>
+          </a:xfrm>
+          <a:prstGeom prst="line">
+            <a:avLst/>
+          </a:prstGeom>
+          <a:ln w="12700"/>
+        </p:spPr>
+        <p:style>
+          <a:lnRef idx="1">
+            <a:schemeClr val="accent1"/>
+          </a:lnRef>
+          <a:fillRef idx="0">
+            <a:schemeClr val="accent1"/>
+          </a:fillRef>
+          <a:effectRef idx="0">
+            <a:schemeClr val="accent1"/>
+          </a:effectRef>
+          <a:fontRef idx="minor">
+            <a:schemeClr val="tx1"/>
+          </a:fontRef>
+        </p:style>
+      </p:cxnSp>
+      <p:cxnSp>
+        <p:nvCxnSpPr>
+          <p:cNvPr id="153" name="Straight Connector 152">
+            <a:extLst>
+              <a:ext uri="{FF2B5EF4-FFF2-40B4-BE49-F238E27FC236}">
+                <a16:creationId xmlns:a16="http://schemas.microsoft.com/office/drawing/2014/main" id="{E5AFFFB1-0A28-38A7-BC7A-A1DDA3B73480}"/>
+              </a:ext>
+            </a:extLst>
+          </p:cNvPr>
+          <p:cNvCxnSpPr>
+            <a:cxnSpLocks/>
+            <a:stCxn id="115" idx="5"/>
+            <a:endCxn id="119" idx="2"/>
+          </p:cNvCxnSpPr>
+          <p:nvPr/>
+        </p:nvCxnSpPr>
+        <p:spPr>
+          <a:xfrm>
+            <a:off x="9758624" y="3203087"/>
+            <a:ext cx="1134918" cy="390863"/>
+          </a:xfrm>
+          <a:prstGeom prst="line">
+            <a:avLst/>
+          </a:prstGeom>
+          <a:ln w="12700"/>
+        </p:spPr>
+        <p:style>
+          <a:lnRef idx="1">
+            <a:schemeClr val="accent1"/>
+          </a:lnRef>
+          <a:fillRef idx="0">
+            <a:schemeClr val="accent1"/>
+          </a:fillRef>
+          <a:effectRef idx="0">
+            <a:schemeClr val="accent1"/>
+          </a:effectRef>
+          <a:fontRef idx="minor">
+            <a:schemeClr val="tx1"/>
+          </a:fontRef>
+        </p:style>
+      </p:cxnSp>
+      <p:sp>
+        <p:nvSpPr>
+          <p:cNvPr id="157" name="TextBox 156">
+            <a:extLst>
+              <a:ext uri="{FF2B5EF4-FFF2-40B4-BE49-F238E27FC236}">
+                <a16:creationId xmlns:a16="http://schemas.microsoft.com/office/drawing/2014/main" id="{75523CDC-70B2-29A0-0AA6-CA05E2B156A9}"/>
+              </a:ext>
+            </a:extLst>
+          </p:cNvPr>
+          <p:cNvSpPr txBox="1"/>
+          <p:nvPr/>
+        </p:nvSpPr>
+        <p:spPr>
+          <a:xfrm>
+            <a:off x="9477496" y="2388679"/>
+            <a:ext cx="1770549" cy="338554"/>
+          </a:xfrm>
+          <a:prstGeom prst="rect">
+            <a:avLst/>
+          </a:prstGeom>
+          <a:noFill/>
+        </p:spPr>
+        <p:txBody>
+          <a:bodyPr wrap="none" rtlCol="0">
+            <a:spAutoFit/>
+          </a:bodyPr>
+          <a:lstStyle/>
+          <a:p>
+            <a:r>
+              <a:rPr lang="en-GB" sz="1600" i="1" dirty="0"/>
+              <a:t>App-3 sub-network</a:t>
+            </a:r>
+          </a:p>
+        </p:txBody>
+      </p:sp>
+      <p:sp>
+        <p:nvSpPr>
+          <p:cNvPr id="158" name="Oval 157">
+            <a:extLst>
+              <a:ext uri="{FF2B5EF4-FFF2-40B4-BE49-F238E27FC236}">
+                <a16:creationId xmlns:a16="http://schemas.microsoft.com/office/drawing/2014/main" id="{7178F742-8CD8-E18F-D3CF-6728D6A8ACA4}"/>
+              </a:ext>
+            </a:extLst>
+          </p:cNvPr>
+          <p:cNvSpPr/>
+          <p:nvPr/>
+        </p:nvSpPr>
+        <p:spPr>
+          <a:xfrm>
+            <a:off x="6125438" y="2095959"/>
+            <a:ext cx="167425" cy="167425"/>
+          </a:xfrm>
+          <a:prstGeom prst="ellipse">
+            <a:avLst/>
+          </a:prstGeom>
+          <a:solidFill>
+            <a:schemeClr val="tx1"/>
+          </a:solidFill>
+        </p:spPr>
+        <p:style>
+          <a:lnRef idx="2">
+            <a:schemeClr val="accent1">
+              <a:shade val="50000"/>
+            </a:schemeClr>
+          </a:lnRef>
+          <a:fillRef idx="1">
+            <a:schemeClr val="accent1"/>
+          </a:fillRef>
+          <a:effectRef idx="0">
+            <a:schemeClr val="accent1"/>
+          </a:effectRef>
+          <a:fontRef idx="minor">
+            <a:schemeClr val="lt1"/>
+          </a:fontRef>
+        </p:style>
+        <p:txBody>
+          <a:bodyPr rtlCol="0" anchor="ctr"/>
+          <a:lstStyle/>
+          <a:p>
+            <a:pPr algn="ctr"/>
+            <a:endParaRPr lang="en-GB"/>
+          </a:p>
+        </p:txBody>
+      </p:sp>
+      <p:sp>
+        <p:nvSpPr>
+          <p:cNvPr id="159" name="TextBox 158">
+            <a:extLst>
+              <a:ext uri="{FF2B5EF4-FFF2-40B4-BE49-F238E27FC236}">
+                <a16:creationId xmlns:a16="http://schemas.microsoft.com/office/drawing/2014/main" id="{3185B08B-D863-D258-1A46-4B2772DFEF20}"/>
+              </a:ext>
+            </a:extLst>
+          </p:cNvPr>
+          <p:cNvSpPr txBox="1"/>
+          <p:nvPr/>
+        </p:nvSpPr>
+        <p:spPr>
+          <a:xfrm>
+            <a:off x="6288889" y="2006012"/>
+            <a:ext cx="1192634" cy="338554"/>
+          </a:xfrm>
+          <a:prstGeom prst="rect">
+            <a:avLst/>
+          </a:prstGeom>
+          <a:noFill/>
+        </p:spPr>
+        <p:txBody>
+          <a:bodyPr wrap="none" rtlCol="0">
+            <a:spAutoFit/>
+          </a:bodyPr>
+          <a:lstStyle/>
+          <a:p>
+            <a:r>
+              <a:rPr lang="en-GB" sz="1600" dirty="0"/>
+              <a:t>App-1 peers</a:t>
+            </a:r>
+          </a:p>
+        </p:txBody>
+      </p:sp>
+      <p:sp>
+        <p:nvSpPr>
+          <p:cNvPr id="161" name="TextBox 160">
+            <a:extLst>
+              <a:ext uri="{FF2B5EF4-FFF2-40B4-BE49-F238E27FC236}">
+                <a16:creationId xmlns:a16="http://schemas.microsoft.com/office/drawing/2014/main" id="{F6772C8D-A62A-5973-D459-CC0C25D1801F}"/>
+              </a:ext>
+            </a:extLst>
+          </p:cNvPr>
+          <p:cNvSpPr txBox="1"/>
+          <p:nvPr/>
+        </p:nvSpPr>
+        <p:spPr>
+          <a:xfrm>
+            <a:off x="8229374" y="1997951"/>
+            <a:ext cx="1192634" cy="338554"/>
+          </a:xfrm>
+          <a:prstGeom prst="rect">
+            <a:avLst/>
+          </a:prstGeom>
+          <a:noFill/>
+        </p:spPr>
+        <p:txBody>
+          <a:bodyPr wrap="none" rtlCol="0">
+            <a:spAutoFit/>
+          </a:bodyPr>
+          <a:lstStyle/>
+          <a:p>
+            <a:r>
+              <a:rPr lang="en-GB" sz="1600" dirty="0"/>
+              <a:t>App-2 peers</a:t>
+            </a:r>
+          </a:p>
+        </p:txBody>
+      </p:sp>
+      <p:sp>
+        <p:nvSpPr>
+          <p:cNvPr id="162" name="Oval 161">
+            <a:extLst>
+              <a:ext uri="{FF2B5EF4-FFF2-40B4-BE49-F238E27FC236}">
+                <a16:creationId xmlns:a16="http://schemas.microsoft.com/office/drawing/2014/main" id="{B9A41E6A-3FD1-3474-BC32-33453A3E60E6}"/>
+              </a:ext>
+            </a:extLst>
+          </p:cNvPr>
+          <p:cNvSpPr/>
+          <p:nvPr/>
+        </p:nvSpPr>
+        <p:spPr>
+          <a:xfrm>
+            <a:off x="9908650" y="2097193"/>
+            <a:ext cx="167425" cy="167425"/>
+          </a:xfrm>
+          <a:prstGeom prst="ellipse">
+            <a:avLst/>
+          </a:prstGeom>
+          <a:pattFill prst="smGrid">
+            <a:fgClr>
+              <a:srgbClr val="FF0000"/>
+            </a:fgClr>
+            <a:bgClr>
+              <a:schemeClr val="bg1"/>
+            </a:bgClr>
+          </a:pattFill>
+        </p:spPr>
+        <p:style>
+          <a:lnRef idx="2">
+            <a:schemeClr val="accent1">
+              <a:shade val="50000"/>
+            </a:schemeClr>
+          </a:lnRef>
+          <a:fillRef idx="1">
+            <a:schemeClr val="accent1"/>
+          </a:fillRef>
+          <a:effectRef idx="0">
+            <a:schemeClr val="accent1"/>
+          </a:effectRef>
+          <a:fontRef idx="minor">
+            <a:schemeClr val="lt1"/>
+          </a:fontRef>
+        </p:style>
+        <p:txBody>
+          <a:bodyPr rtlCol="0" anchor="ctr"/>
+          <a:lstStyle/>
+          <a:p>
+            <a:pPr algn="ctr"/>
+            <a:endParaRPr lang="en-GB"/>
+          </a:p>
+        </p:txBody>
+      </p:sp>
+      <p:sp>
+        <p:nvSpPr>
+          <p:cNvPr id="163" name="Oval 162">
+            <a:extLst>
+              <a:ext uri="{FF2B5EF4-FFF2-40B4-BE49-F238E27FC236}">
+                <a16:creationId xmlns:a16="http://schemas.microsoft.com/office/drawing/2014/main" id="{8B018A8A-E44D-6B45-26B8-C9F7151EA6C2}"/>
+              </a:ext>
+            </a:extLst>
+          </p:cNvPr>
+          <p:cNvSpPr/>
+          <p:nvPr/>
+        </p:nvSpPr>
+        <p:spPr>
+          <a:xfrm>
+            <a:off x="8064424" y="2103817"/>
+            <a:ext cx="167425" cy="167425"/>
+          </a:xfrm>
+          <a:prstGeom prst="ellipse">
+            <a:avLst/>
+          </a:prstGeom>
+          <a:pattFill prst="wdUpDiag">
+            <a:fgClr>
+              <a:srgbClr val="00B050"/>
+            </a:fgClr>
+            <a:bgClr>
+              <a:schemeClr val="bg1"/>
+            </a:bgClr>
+          </a:pattFill>
+        </p:spPr>
+        <p:style>
+          <a:lnRef idx="2">
+            <a:schemeClr val="accent1">
+              <a:shade val="50000"/>
+            </a:schemeClr>
+          </a:lnRef>
+          <a:fillRef idx="1">
+            <a:schemeClr val="accent1"/>
+          </a:fillRef>
+          <a:effectRef idx="0">
+            <a:schemeClr val="accent1"/>
+          </a:effectRef>
+          <a:fontRef idx="minor">
+            <a:schemeClr val="lt1"/>
+          </a:fontRef>
+        </p:style>
+        <p:txBody>
+          <a:bodyPr rtlCol="0" anchor="ctr"/>
+          <a:lstStyle/>
+          <a:p>
+            <a:pPr algn="ctr"/>
+            <a:endParaRPr lang="en-GB"/>
+          </a:p>
+        </p:txBody>
+      </p:sp>
+      <p:sp>
+        <p:nvSpPr>
+          <p:cNvPr id="164" name="TextBox 163">
+            <a:extLst>
+              <a:ext uri="{FF2B5EF4-FFF2-40B4-BE49-F238E27FC236}">
+                <a16:creationId xmlns:a16="http://schemas.microsoft.com/office/drawing/2014/main" id="{8AC067FC-4F17-3DA6-7B3F-26D1E7714AAC}"/>
+              </a:ext>
+            </a:extLst>
+          </p:cNvPr>
+          <p:cNvSpPr txBox="1"/>
+          <p:nvPr/>
+        </p:nvSpPr>
+        <p:spPr>
+          <a:xfrm>
+            <a:off x="10050051" y="1998164"/>
+            <a:ext cx="1192634" cy="338554"/>
+          </a:xfrm>
+          <a:prstGeom prst="rect">
+            <a:avLst/>
+          </a:prstGeom>
+          <a:noFill/>
+        </p:spPr>
+        <p:txBody>
+          <a:bodyPr wrap="none" rtlCol="0">
+            <a:spAutoFit/>
+          </a:bodyPr>
+          <a:lstStyle/>
+          <a:p>
+            <a:r>
+              <a:rPr lang="en-GB" sz="1600" dirty="0"/>
+              <a:t>App-3 peers</a:t>
+            </a:r>
+          </a:p>
+        </p:txBody>
+      </p:sp>
+      <p:sp>
+        <p:nvSpPr>
+          <p:cNvPr id="165" name="Rectangle 164">
+            <a:extLst>
+              <a:ext uri="{FF2B5EF4-FFF2-40B4-BE49-F238E27FC236}">
+                <a16:creationId xmlns:a16="http://schemas.microsoft.com/office/drawing/2014/main" id="{E381E640-23ED-E6FA-0216-7D2D86E99FF1}"/>
+              </a:ext>
+            </a:extLst>
+          </p:cNvPr>
+          <p:cNvSpPr/>
+          <p:nvPr/>
+        </p:nvSpPr>
+        <p:spPr>
+          <a:xfrm>
+            <a:off x="6008263" y="1984178"/>
+            <a:ext cx="5195788" cy="379390"/>
+          </a:xfrm>
+          <a:prstGeom prst="rect">
+            <a:avLst/>
+          </a:prstGeom>
+          <a:noFill/>
+          <a:ln>
             <a:solidFill>
               <a:schemeClr val="tx1"/>
             </a:solidFill>
-          </p:spPr>
-          <p:style>
-            <a:lnRef idx="2">
-              <a:schemeClr val="accent1">
-                <a:shade val="50000"/>
-              </a:schemeClr>
-            </a:lnRef>
-            <a:fillRef idx="1">
-              <a:schemeClr val="accent1"/>
-            </a:fillRef>
-            <a:effectRef idx="0">
-              <a:schemeClr val="accent1"/>
-            </a:effectRef>
-            <a:fontRef idx="minor">
-              <a:schemeClr val="lt1"/>
-            </a:fontRef>
-          </p:style>
-          <p:txBody>
-            <a:bodyPr rtlCol="0" anchor="ctr"/>
-            <a:lstStyle/>
-            <a:p>
-              <a:pPr algn="ctr"/>
-              <a:endParaRPr lang="en-GB"/>
-            </a:p>
-          </p:txBody>
-        </p:sp>
-        <p:sp>
-          <p:nvSpPr>
-            <p:cNvPr id="24" name="Oval 23">
-              <a:extLst>
-                <a:ext uri="{FF2B5EF4-FFF2-40B4-BE49-F238E27FC236}">
-                  <a16:creationId xmlns:a16="http://schemas.microsoft.com/office/drawing/2014/main" id="{18E16A3B-DEED-3CAD-AFAF-CE99257461D8}"/>
-                </a:ext>
-              </a:extLst>
-            </p:cNvPr>
-            <p:cNvSpPr/>
-            <p:nvPr/>
-          </p:nvSpPr>
-          <p:spPr>
-            <a:xfrm>
-              <a:off x="4593122" y="2997549"/>
-              <a:ext cx="167425" cy="167425"/>
-            </a:xfrm>
-            <a:prstGeom prst="ellipse">
-              <a:avLst/>
-            </a:prstGeom>
-            <a:solidFill>
-              <a:schemeClr val="tx1"/>
-            </a:solidFill>
-          </p:spPr>
-          <p:style>
-            <a:lnRef idx="2">
-              <a:schemeClr val="accent1">
-                <a:shade val="50000"/>
-              </a:schemeClr>
-            </a:lnRef>
-            <a:fillRef idx="1">
-              <a:schemeClr val="accent1"/>
-            </a:fillRef>
-            <a:effectRef idx="0">
-              <a:schemeClr val="accent1"/>
-            </a:effectRef>
-            <a:fontRef idx="minor">
-              <a:schemeClr val="lt1"/>
-            </a:fontRef>
-          </p:style>
-          <p:txBody>
-            <a:bodyPr rtlCol="0" anchor="ctr"/>
-            <a:lstStyle/>
-            <a:p>
-              <a:pPr algn="ctr"/>
-              <a:endParaRPr lang="en-GB"/>
-            </a:p>
-          </p:txBody>
-        </p:sp>
-        <p:sp>
-          <p:nvSpPr>
-            <p:cNvPr id="25" name="Oval 24">
-              <a:extLst>
-                <a:ext uri="{FF2B5EF4-FFF2-40B4-BE49-F238E27FC236}">
-                  <a16:creationId xmlns:a16="http://schemas.microsoft.com/office/drawing/2014/main" id="{06803BDE-6EA7-AC85-A6F6-A62D8D313386}"/>
-                </a:ext>
-              </a:extLst>
-            </p:cNvPr>
-            <p:cNvSpPr/>
-            <p:nvPr/>
-          </p:nvSpPr>
-          <p:spPr>
-            <a:xfrm>
-              <a:off x="3880493" y="3331675"/>
-              <a:ext cx="167425" cy="167425"/>
-            </a:xfrm>
-            <a:prstGeom prst="ellipse">
-              <a:avLst/>
-            </a:prstGeom>
-            <a:solidFill>
-              <a:schemeClr val="tx1"/>
-            </a:solidFill>
-          </p:spPr>
-          <p:style>
-            <a:lnRef idx="2">
-              <a:schemeClr val="accent1">
-                <a:shade val="50000"/>
-              </a:schemeClr>
-            </a:lnRef>
-            <a:fillRef idx="1">
-              <a:schemeClr val="accent1"/>
-            </a:fillRef>
-            <a:effectRef idx="0">
-              <a:schemeClr val="accent1"/>
-            </a:effectRef>
-            <a:fontRef idx="minor">
-              <a:schemeClr val="lt1"/>
-            </a:fontRef>
-          </p:style>
-          <p:txBody>
-            <a:bodyPr rtlCol="0" anchor="ctr"/>
-            <a:lstStyle/>
-            <a:p>
-              <a:pPr algn="ctr"/>
-              <a:endParaRPr lang="en-GB"/>
-            </a:p>
-          </p:txBody>
-        </p:sp>
-        <p:sp>
-          <p:nvSpPr>
-            <p:cNvPr id="26" name="Oval 25">
-              <a:extLst>
-                <a:ext uri="{FF2B5EF4-FFF2-40B4-BE49-F238E27FC236}">
-                  <a16:creationId xmlns:a16="http://schemas.microsoft.com/office/drawing/2014/main" id="{B3760D86-B7C8-BE31-2695-E4B8251C52D9}"/>
-                </a:ext>
-              </a:extLst>
-            </p:cNvPr>
-            <p:cNvSpPr/>
-            <p:nvPr/>
-          </p:nvSpPr>
-          <p:spPr>
-            <a:xfrm>
-              <a:off x="4249066" y="3712839"/>
-              <a:ext cx="167425" cy="167425"/>
-            </a:xfrm>
-            <a:prstGeom prst="ellipse">
-              <a:avLst/>
-            </a:prstGeom>
-            <a:solidFill>
-              <a:schemeClr val="tx1"/>
-            </a:solidFill>
-          </p:spPr>
-          <p:style>
-            <a:lnRef idx="2">
-              <a:schemeClr val="accent1">
-                <a:shade val="50000"/>
-              </a:schemeClr>
-            </a:lnRef>
-            <a:fillRef idx="1">
-              <a:schemeClr val="accent1"/>
-            </a:fillRef>
-            <a:effectRef idx="0">
-              <a:schemeClr val="accent1"/>
-            </a:effectRef>
-            <a:fontRef idx="minor">
-              <a:schemeClr val="lt1"/>
-            </a:fontRef>
-          </p:style>
-          <p:txBody>
-            <a:bodyPr rtlCol="0" anchor="ctr"/>
-            <a:lstStyle/>
-            <a:p>
-              <a:pPr algn="ctr"/>
-              <a:endParaRPr lang="en-GB"/>
-            </a:p>
-          </p:txBody>
-        </p:sp>
-        <p:sp>
-          <p:nvSpPr>
-            <p:cNvPr id="27" name="Oval 26">
-              <a:extLst>
-                <a:ext uri="{FF2B5EF4-FFF2-40B4-BE49-F238E27FC236}">
-                  <a16:creationId xmlns:a16="http://schemas.microsoft.com/office/drawing/2014/main" id="{4C857D8E-CF1D-4F89-C2C7-36F2A2C5D70F}"/>
-                </a:ext>
-              </a:extLst>
-            </p:cNvPr>
-            <p:cNvSpPr/>
-            <p:nvPr/>
-          </p:nvSpPr>
-          <p:spPr>
-            <a:xfrm>
-              <a:off x="3481705" y="2913836"/>
-              <a:ext cx="167425" cy="167425"/>
-            </a:xfrm>
-            <a:prstGeom prst="ellipse">
-              <a:avLst/>
-            </a:prstGeom>
-            <a:solidFill>
-              <a:schemeClr val="tx1"/>
-            </a:solidFill>
-          </p:spPr>
-          <p:style>
-            <a:lnRef idx="2">
-              <a:schemeClr val="accent1">
-                <a:shade val="50000"/>
-              </a:schemeClr>
-            </a:lnRef>
-            <a:fillRef idx="1">
-              <a:schemeClr val="accent1"/>
-            </a:fillRef>
-            <a:effectRef idx="0">
-              <a:schemeClr val="accent1"/>
-            </a:effectRef>
-            <a:fontRef idx="minor">
-              <a:schemeClr val="lt1"/>
-            </a:fontRef>
-          </p:style>
-          <p:txBody>
-            <a:bodyPr rtlCol="0" anchor="ctr"/>
-            <a:lstStyle/>
-            <a:p>
-              <a:pPr algn="ctr"/>
-              <a:endParaRPr lang="en-GB"/>
-            </a:p>
-          </p:txBody>
-        </p:sp>
-        <p:cxnSp>
-          <p:nvCxnSpPr>
-            <p:cNvPr id="29" name="Straight Connector 28">
-              <a:extLst>
-                <a:ext uri="{FF2B5EF4-FFF2-40B4-BE49-F238E27FC236}">
-                  <a16:creationId xmlns:a16="http://schemas.microsoft.com/office/drawing/2014/main" id="{3E414B73-A764-AE94-EB7F-43E50A1896A0}"/>
-                </a:ext>
-              </a:extLst>
-            </p:cNvPr>
-            <p:cNvCxnSpPr>
-              <a:cxnSpLocks/>
-              <a:stCxn id="27" idx="5"/>
-              <a:endCxn id="25" idx="1"/>
-            </p:cNvCxnSpPr>
-            <p:nvPr/>
-          </p:nvCxnSpPr>
-          <p:spPr>
-            <a:xfrm>
-              <a:off x="3624611" y="3056742"/>
-              <a:ext cx="280401" cy="299452"/>
-            </a:xfrm>
-            <a:prstGeom prst="line">
-              <a:avLst/>
-            </a:prstGeom>
-            <a:ln w="12700"/>
-          </p:spPr>
-          <p:style>
-            <a:lnRef idx="1">
-              <a:schemeClr val="accent1"/>
-            </a:lnRef>
-            <a:fillRef idx="0">
-              <a:schemeClr val="accent1"/>
-            </a:fillRef>
-            <a:effectRef idx="0">
-              <a:schemeClr val="accent1"/>
-            </a:effectRef>
-            <a:fontRef idx="minor">
-              <a:schemeClr val="tx1"/>
-            </a:fontRef>
-          </p:style>
-        </p:cxnSp>
-        <p:cxnSp>
-          <p:nvCxnSpPr>
-            <p:cNvPr id="33" name="Straight Connector 32">
-              <a:extLst>
-                <a:ext uri="{FF2B5EF4-FFF2-40B4-BE49-F238E27FC236}">
-                  <a16:creationId xmlns:a16="http://schemas.microsoft.com/office/drawing/2014/main" id="{F414F055-3E79-C09D-22D9-F94BFA76AD2C}"/>
-                </a:ext>
-              </a:extLst>
-            </p:cNvPr>
-            <p:cNvCxnSpPr>
-              <a:cxnSpLocks/>
-              <a:stCxn id="24" idx="1"/>
-              <a:endCxn id="23" idx="5"/>
-            </p:cNvCxnSpPr>
-            <p:nvPr/>
-          </p:nvCxnSpPr>
-          <p:spPr>
-            <a:xfrm flipH="1" flipV="1">
-              <a:off x="4391971" y="2729946"/>
-              <a:ext cx="225670" cy="292122"/>
-            </a:xfrm>
-            <a:prstGeom prst="line">
-              <a:avLst/>
-            </a:prstGeom>
-            <a:ln w="12700"/>
-          </p:spPr>
-          <p:style>
-            <a:lnRef idx="1">
-              <a:schemeClr val="accent1"/>
-            </a:lnRef>
-            <a:fillRef idx="0">
-              <a:schemeClr val="accent1"/>
-            </a:fillRef>
-            <a:effectRef idx="0">
-              <a:schemeClr val="accent1"/>
-            </a:effectRef>
-            <a:fontRef idx="minor">
-              <a:schemeClr val="tx1"/>
-            </a:fontRef>
-          </p:style>
-        </p:cxnSp>
-        <p:cxnSp>
-          <p:nvCxnSpPr>
-            <p:cNvPr id="37" name="Straight Connector 36">
-              <a:extLst>
-                <a:ext uri="{FF2B5EF4-FFF2-40B4-BE49-F238E27FC236}">
-                  <a16:creationId xmlns:a16="http://schemas.microsoft.com/office/drawing/2014/main" id="{AECD52E1-F626-7286-051F-36DA72F14A48}"/>
-                </a:ext>
-              </a:extLst>
-            </p:cNvPr>
-            <p:cNvCxnSpPr>
-              <a:cxnSpLocks/>
-              <a:stCxn id="26" idx="1"/>
-              <a:endCxn id="25" idx="5"/>
-            </p:cNvCxnSpPr>
-            <p:nvPr/>
-          </p:nvCxnSpPr>
-          <p:spPr>
-            <a:xfrm flipH="1" flipV="1">
-              <a:off x="4023399" y="3474581"/>
-              <a:ext cx="250186" cy="262777"/>
-            </a:xfrm>
-            <a:prstGeom prst="line">
-              <a:avLst/>
-            </a:prstGeom>
-            <a:ln w="12700"/>
-          </p:spPr>
-          <p:style>
-            <a:lnRef idx="1">
-              <a:schemeClr val="accent1"/>
-            </a:lnRef>
-            <a:fillRef idx="0">
-              <a:schemeClr val="accent1"/>
-            </a:fillRef>
-            <a:effectRef idx="0">
-              <a:schemeClr val="accent1"/>
-            </a:effectRef>
-            <a:fontRef idx="minor">
-              <a:schemeClr val="tx1"/>
-            </a:fontRef>
-          </p:style>
-        </p:cxnSp>
-        <p:cxnSp>
-          <p:nvCxnSpPr>
-            <p:cNvPr id="39" name="Straight Connector 38">
-              <a:extLst>
-                <a:ext uri="{FF2B5EF4-FFF2-40B4-BE49-F238E27FC236}">
-                  <a16:creationId xmlns:a16="http://schemas.microsoft.com/office/drawing/2014/main" id="{F6A9B73D-87CD-DC7A-1006-C081A7862114}"/>
-                </a:ext>
-              </a:extLst>
-            </p:cNvPr>
-            <p:cNvCxnSpPr>
-              <a:cxnSpLocks/>
-              <a:stCxn id="25" idx="6"/>
-              <a:endCxn id="24" idx="3"/>
-            </p:cNvCxnSpPr>
-            <p:nvPr/>
-          </p:nvCxnSpPr>
-          <p:spPr>
-            <a:xfrm flipV="1">
-              <a:off x="4047918" y="3140455"/>
-              <a:ext cx="569723" cy="274933"/>
-            </a:xfrm>
-            <a:prstGeom prst="line">
-              <a:avLst/>
-            </a:prstGeom>
-            <a:ln w="12700"/>
-          </p:spPr>
-          <p:style>
-            <a:lnRef idx="1">
-              <a:schemeClr val="accent1"/>
-            </a:lnRef>
-            <a:fillRef idx="0">
-              <a:schemeClr val="accent1"/>
-            </a:fillRef>
-            <a:effectRef idx="0">
-              <a:schemeClr val="accent1"/>
-            </a:effectRef>
-            <a:fontRef idx="minor">
-              <a:schemeClr val="tx1"/>
-            </a:fontRef>
-          </p:style>
-        </p:cxnSp>
-        <p:cxnSp>
-          <p:nvCxnSpPr>
-            <p:cNvPr id="63" name="Straight Connector 62">
-              <a:extLst>
-                <a:ext uri="{FF2B5EF4-FFF2-40B4-BE49-F238E27FC236}">
-                  <a16:creationId xmlns:a16="http://schemas.microsoft.com/office/drawing/2014/main" id="{C73326AE-2E5E-E2DD-E7EB-E8A419BEE957}"/>
-                </a:ext>
-              </a:extLst>
-            </p:cNvPr>
-            <p:cNvCxnSpPr>
-              <a:cxnSpLocks/>
-              <a:stCxn id="26" idx="7"/>
-              <a:endCxn id="23" idx="4"/>
-            </p:cNvCxnSpPr>
-            <p:nvPr/>
-          </p:nvCxnSpPr>
-          <p:spPr>
-            <a:xfrm flipH="1" flipV="1">
-              <a:off x="4332778" y="2754465"/>
-              <a:ext cx="59194" cy="982893"/>
-            </a:xfrm>
-            <a:prstGeom prst="line">
-              <a:avLst/>
-            </a:prstGeom>
-            <a:ln w="12700"/>
-          </p:spPr>
-          <p:style>
-            <a:lnRef idx="1">
-              <a:schemeClr val="accent1"/>
-            </a:lnRef>
-            <a:fillRef idx="0">
-              <a:schemeClr val="accent1"/>
-            </a:fillRef>
-            <a:effectRef idx="0">
-              <a:schemeClr val="accent1"/>
-            </a:effectRef>
-            <a:fontRef idx="minor">
-              <a:schemeClr val="tx1"/>
-            </a:fontRef>
-          </p:style>
-        </p:cxnSp>
-        <p:cxnSp>
-          <p:nvCxnSpPr>
-            <p:cNvPr id="66" name="Straight Connector 65">
-              <a:extLst>
-                <a:ext uri="{FF2B5EF4-FFF2-40B4-BE49-F238E27FC236}">
-                  <a16:creationId xmlns:a16="http://schemas.microsoft.com/office/drawing/2014/main" id="{681FEC13-CF79-BA67-E2C2-179737F0D63C}"/>
-                </a:ext>
-              </a:extLst>
-            </p:cNvPr>
-            <p:cNvCxnSpPr>
-              <a:cxnSpLocks/>
-              <a:stCxn id="27" idx="7"/>
-              <a:endCxn id="24" idx="2"/>
-            </p:cNvCxnSpPr>
-            <p:nvPr/>
-          </p:nvCxnSpPr>
-          <p:spPr>
-            <a:xfrm>
-              <a:off x="3624611" y="2938355"/>
-              <a:ext cx="968511" cy="142907"/>
-            </a:xfrm>
-            <a:prstGeom prst="line">
-              <a:avLst/>
-            </a:prstGeom>
-            <a:ln w="12700"/>
-          </p:spPr>
-          <p:style>
-            <a:lnRef idx="1">
-              <a:schemeClr val="accent1"/>
-            </a:lnRef>
-            <a:fillRef idx="0">
-              <a:schemeClr val="accent1"/>
-            </a:fillRef>
-            <a:effectRef idx="0">
-              <a:schemeClr val="accent1"/>
-            </a:effectRef>
-            <a:fontRef idx="minor">
-              <a:schemeClr val="tx1"/>
-            </a:fontRef>
-          </p:style>
-        </p:cxnSp>
-        <p:sp>
-          <p:nvSpPr>
-            <p:cNvPr id="69" name="TextBox 68">
-              <a:extLst>
-                <a:ext uri="{FF2B5EF4-FFF2-40B4-BE49-F238E27FC236}">
-                  <a16:creationId xmlns:a16="http://schemas.microsoft.com/office/drawing/2014/main" id="{D96C88DB-C047-C4CD-D1A3-D9630F51EBD5}"/>
-                </a:ext>
-              </a:extLst>
-            </p:cNvPr>
-            <p:cNvSpPr txBox="1"/>
-            <p:nvPr/>
-          </p:nvSpPr>
-          <p:spPr>
-            <a:xfrm>
-              <a:off x="3209250" y="2225547"/>
-              <a:ext cx="1587871" cy="307777"/>
-            </a:xfrm>
-            <a:prstGeom prst="rect">
-              <a:avLst/>
-            </a:prstGeom>
-            <a:noFill/>
-          </p:spPr>
-          <p:txBody>
-            <a:bodyPr wrap="none" rtlCol="0">
-              <a:spAutoFit/>
-            </a:bodyPr>
-            <a:lstStyle/>
-            <a:p>
-              <a:r>
-                <a:rPr lang="en-GB" sz="1400" i="1" dirty="0"/>
-                <a:t>App-1 sub-network</a:t>
-              </a:r>
-            </a:p>
-          </p:txBody>
-        </p:sp>
-        <p:sp>
-          <p:nvSpPr>
-            <p:cNvPr id="70" name="Oval 69">
-              <a:extLst>
-                <a:ext uri="{FF2B5EF4-FFF2-40B4-BE49-F238E27FC236}">
-                  <a16:creationId xmlns:a16="http://schemas.microsoft.com/office/drawing/2014/main" id="{4019D79F-7E38-6FDE-949D-C4103EF0A13C}"/>
-                </a:ext>
-              </a:extLst>
-            </p:cNvPr>
-            <p:cNvSpPr/>
-            <p:nvPr/>
-          </p:nvSpPr>
-          <p:spPr>
-            <a:xfrm>
-              <a:off x="5497398" y="2629916"/>
-              <a:ext cx="167425" cy="167425"/>
-            </a:xfrm>
-            <a:prstGeom prst="ellipse">
-              <a:avLst/>
-            </a:prstGeom>
-            <a:pattFill prst="wdUpDiag">
-              <a:fgClr>
-                <a:srgbClr val="00B050"/>
-              </a:fgClr>
-              <a:bgClr>
-                <a:schemeClr val="bg1"/>
-              </a:bgClr>
-            </a:pattFill>
-          </p:spPr>
-          <p:style>
-            <a:lnRef idx="2">
-              <a:schemeClr val="accent1">
-                <a:shade val="50000"/>
-              </a:schemeClr>
-            </a:lnRef>
-            <a:fillRef idx="1">
-              <a:schemeClr val="accent1"/>
-            </a:fillRef>
-            <a:effectRef idx="0">
-              <a:schemeClr val="accent1"/>
-            </a:effectRef>
-            <a:fontRef idx="minor">
-              <a:schemeClr val="lt1"/>
-            </a:fontRef>
-          </p:style>
-          <p:txBody>
-            <a:bodyPr rtlCol="0" anchor="ctr"/>
-            <a:lstStyle/>
-            <a:p>
-              <a:pPr algn="ctr"/>
-              <a:endParaRPr lang="en-GB"/>
-            </a:p>
-          </p:txBody>
-        </p:sp>
-        <p:sp>
-          <p:nvSpPr>
-            <p:cNvPr id="71" name="Oval 70">
-              <a:extLst>
-                <a:ext uri="{FF2B5EF4-FFF2-40B4-BE49-F238E27FC236}">
-                  <a16:creationId xmlns:a16="http://schemas.microsoft.com/office/drawing/2014/main" id="{49CECF9E-916C-7687-55A3-3C447364DE7E}"/>
-                </a:ext>
-              </a:extLst>
-            </p:cNvPr>
-            <p:cNvSpPr/>
-            <p:nvPr/>
-          </p:nvSpPr>
-          <p:spPr>
-            <a:xfrm>
-              <a:off x="5968728" y="3032968"/>
-              <a:ext cx="167425" cy="167425"/>
-            </a:xfrm>
-            <a:prstGeom prst="ellipse">
-              <a:avLst/>
-            </a:prstGeom>
-            <a:pattFill prst="wdUpDiag">
-              <a:fgClr>
-                <a:srgbClr val="00B050"/>
-              </a:fgClr>
-              <a:bgClr>
-                <a:schemeClr val="bg1"/>
-              </a:bgClr>
-            </a:pattFill>
-          </p:spPr>
-          <p:style>
-            <a:lnRef idx="2">
-              <a:schemeClr val="accent1">
-                <a:shade val="50000"/>
-              </a:schemeClr>
-            </a:lnRef>
-            <a:fillRef idx="1">
-              <a:schemeClr val="accent1"/>
-            </a:fillRef>
-            <a:effectRef idx="0">
-              <a:schemeClr val="accent1"/>
-            </a:effectRef>
-            <a:fontRef idx="minor">
-              <a:schemeClr val="lt1"/>
-            </a:fontRef>
-          </p:style>
-          <p:txBody>
-            <a:bodyPr rtlCol="0" anchor="ctr"/>
-            <a:lstStyle/>
-            <a:p>
-              <a:pPr algn="ctr"/>
-              <a:endParaRPr lang="en-GB"/>
-            </a:p>
-          </p:txBody>
-        </p:sp>
-        <p:sp>
-          <p:nvSpPr>
-            <p:cNvPr id="72" name="Oval 71">
-              <a:extLst>
-                <a:ext uri="{FF2B5EF4-FFF2-40B4-BE49-F238E27FC236}">
-                  <a16:creationId xmlns:a16="http://schemas.microsoft.com/office/drawing/2014/main" id="{2A85C9B8-FA8B-1776-5DB2-4A810B805AE8}"/>
-                </a:ext>
-              </a:extLst>
-            </p:cNvPr>
-            <p:cNvSpPr/>
-            <p:nvPr/>
-          </p:nvSpPr>
-          <p:spPr>
-            <a:xfrm>
-              <a:off x="5007778" y="3049044"/>
-              <a:ext cx="167425" cy="167425"/>
-            </a:xfrm>
-            <a:prstGeom prst="ellipse">
-              <a:avLst/>
-            </a:prstGeom>
-            <a:pattFill prst="wdUpDiag">
-              <a:fgClr>
-                <a:srgbClr val="00B050"/>
-              </a:fgClr>
-              <a:bgClr>
-                <a:schemeClr val="bg1"/>
-              </a:bgClr>
-            </a:pattFill>
-          </p:spPr>
-          <p:style>
-            <a:lnRef idx="2">
-              <a:schemeClr val="accent1">
-                <a:shade val="50000"/>
-              </a:schemeClr>
-            </a:lnRef>
-            <a:fillRef idx="1">
-              <a:schemeClr val="accent1"/>
-            </a:fillRef>
-            <a:effectRef idx="0">
-              <a:schemeClr val="accent1"/>
-            </a:effectRef>
-            <a:fontRef idx="minor">
-              <a:schemeClr val="lt1"/>
-            </a:fontRef>
-          </p:style>
-          <p:txBody>
-            <a:bodyPr rtlCol="0" anchor="ctr"/>
-            <a:lstStyle/>
-            <a:p>
-              <a:pPr algn="ctr"/>
-              <a:endParaRPr lang="en-GB"/>
-            </a:p>
-          </p:txBody>
-        </p:sp>
-        <p:sp>
-          <p:nvSpPr>
-            <p:cNvPr id="73" name="Oval 72">
-              <a:extLst>
-                <a:ext uri="{FF2B5EF4-FFF2-40B4-BE49-F238E27FC236}">
-                  <a16:creationId xmlns:a16="http://schemas.microsoft.com/office/drawing/2014/main" id="{722A0B82-5E22-6816-6476-8BE83CCD6EB5}"/>
-                </a:ext>
-              </a:extLst>
-            </p:cNvPr>
-            <p:cNvSpPr/>
-            <p:nvPr/>
-          </p:nvSpPr>
-          <p:spPr>
-            <a:xfrm>
-              <a:off x="4983874" y="3653645"/>
-              <a:ext cx="167425" cy="167425"/>
-            </a:xfrm>
-            <a:prstGeom prst="ellipse">
-              <a:avLst/>
-            </a:prstGeom>
-            <a:pattFill prst="wdUpDiag">
-              <a:fgClr>
-                <a:srgbClr val="00B050"/>
-              </a:fgClr>
-              <a:bgClr>
-                <a:schemeClr val="bg1"/>
-              </a:bgClr>
-            </a:pattFill>
-          </p:spPr>
-          <p:style>
-            <a:lnRef idx="2">
-              <a:schemeClr val="accent1">
-                <a:shade val="50000"/>
-              </a:schemeClr>
-            </a:lnRef>
-            <a:fillRef idx="1">
-              <a:schemeClr val="accent1"/>
-            </a:fillRef>
-            <a:effectRef idx="0">
-              <a:schemeClr val="accent1"/>
-            </a:effectRef>
-            <a:fontRef idx="minor">
-              <a:schemeClr val="lt1"/>
-            </a:fontRef>
-          </p:style>
-          <p:txBody>
-            <a:bodyPr rtlCol="0" anchor="ctr"/>
-            <a:lstStyle/>
-            <a:p>
-              <a:pPr algn="ctr"/>
-              <a:endParaRPr lang="en-GB"/>
-            </a:p>
-          </p:txBody>
-        </p:sp>
-        <p:sp>
-          <p:nvSpPr>
-            <p:cNvPr id="74" name="Oval 73">
-              <a:extLst>
-                <a:ext uri="{FF2B5EF4-FFF2-40B4-BE49-F238E27FC236}">
-                  <a16:creationId xmlns:a16="http://schemas.microsoft.com/office/drawing/2014/main" id="{A050D133-A625-12EF-5D45-90B32726439A}"/>
-                </a:ext>
-              </a:extLst>
-            </p:cNvPr>
-            <p:cNvSpPr/>
-            <p:nvPr/>
-          </p:nvSpPr>
-          <p:spPr>
-            <a:xfrm>
-              <a:off x="5659012" y="3629056"/>
-              <a:ext cx="167425" cy="167425"/>
-            </a:xfrm>
-            <a:prstGeom prst="ellipse">
-              <a:avLst/>
-            </a:prstGeom>
-            <a:pattFill prst="wdUpDiag">
-              <a:fgClr>
-                <a:srgbClr val="00B050"/>
-              </a:fgClr>
-              <a:bgClr>
-                <a:schemeClr val="bg1"/>
-              </a:bgClr>
-            </a:pattFill>
-          </p:spPr>
-          <p:style>
-            <a:lnRef idx="2">
-              <a:schemeClr val="accent1">
-                <a:shade val="50000"/>
-              </a:schemeClr>
-            </a:lnRef>
-            <a:fillRef idx="1">
-              <a:schemeClr val="accent1"/>
-            </a:fillRef>
-            <a:effectRef idx="0">
-              <a:schemeClr val="accent1"/>
-            </a:effectRef>
-            <a:fontRef idx="minor">
-              <a:schemeClr val="lt1"/>
-            </a:fontRef>
-          </p:style>
-          <p:txBody>
-            <a:bodyPr rtlCol="0" anchor="ctr"/>
-            <a:lstStyle/>
-            <a:p>
-              <a:pPr algn="ctr"/>
-              <a:endParaRPr lang="en-GB"/>
-            </a:p>
-          </p:txBody>
-        </p:sp>
-        <p:sp>
-          <p:nvSpPr>
-            <p:cNvPr id="75" name="Oval 74">
-              <a:extLst>
-                <a:ext uri="{FF2B5EF4-FFF2-40B4-BE49-F238E27FC236}">
-                  <a16:creationId xmlns:a16="http://schemas.microsoft.com/office/drawing/2014/main" id="{68DD80F4-62BD-8880-0224-A475FE78822A}"/>
-                </a:ext>
-              </a:extLst>
-            </p:cNvPr>
-            <p:cNvSpPr/>
-            <p:nvPr/>
-          </p:nvSpPr>
-          <p:spPr>
-            <a:xfrm>
-              <a:off x="5553994" y="3103795"/>
-              <a:ext cx="167425" cy="167425"/>
-            </a:xfrm>
-            <a:prstGeom prst="ellipse">
-              <a:avLst/>
-            </a:prstGeom>
-            <a:pattFill prst="wdUpDiag">
-              <a:fgClr>
-                <a:srgbClr val="00B050"/>
-              </a:fgClr>
-              <a:bgClr>
-                <a:schemeClr val="bg1"/>
-              </a:bgClr>
-            </a:pattFill>
-          </p:spPr>
-          <p:style>
-            <a:lnRef idx="2">
-              <a:schemeClr val="accent1">
-                <a:shade val="50000"/>
-              </a:schemeClr>
-            </a:lnRef>
-            <a:fillRef idx="1">
-              <a:schemeClr val="accent1"/>
-            </a:fillRef>
-            <a:effectRef idx="0">
-              <a:schemeClr val="accent1"/>
-            </a:effectRef>
-            <a:fontRef idx="minor">
-              <a:schemeClr val="lt1"/>
-            </a:fontRef>
-          </p:style>
-          <p:txBody>
-            <a:bodyPr rtlCol="0" anchor="ctr"/>
-            <a:lstStyle/>
-            <a:p>
-              <a:pPr algn="ctr"/>
-              <a:endParaRPr lang="en-GB"/>
-            </a:p>
-          </p:txBody>
-        </p:sp>
-        <p:cxnSp>
-          <p:nvCxnSpPr>
-            <p:cNvPr id="76" name="Straight Connector 75">
-              <a:extLst>
-                <a:ext uri="{FF2B5EF4-FFF2-40B4-BE49-F238E27FC236}">
-                  <a16:creationId xmlns:a16="http://schemas.microsoft.com/office/drawing/2014/main" id="{963906A9-A029-5451-5930-E54D99E4A29F}"/>
-                </a:ext>
-              </a:extLst>
-            </p:cNvPr>
-            <p:cNvCxnSpPr>
-              <a:cxnSpLocks/>
-              <a:stCxn id="74" idx="1"/>
-              <a:endCxn id="72" idx="5"/>
-            </p:cNvCxnSpPr>
-            <p:nvPr/>
-          </p:nvCxnSpPr>
-          <p:spPr>
-            <a:xfrm flipH="1" flipV="1">
-              <a:off x="5150684" y="3191950"/>
-              <a:ext cx="532847" cy="461625"/>
-            </a:xfrm>
-            <a:prstGeom prst="line">
-              <a:avLst/>
-            </a:prstGeom>
-            <a:ln w="12700"/>
-          </p:spPr>
-          <p:style>
-            <a:lnRef idx="1">
-              <a:schemeClr val="accent1"/>
-            </a:lnRef>
-            <a:fillRef idx="0">
-              <a:schemeClr val="accent1"/>
-            </a:fillRef>
-            <a:effectRef idx="0">
-              <a:schemeClr val="accent1"/>
-            </a:effectRef>
-            <a:fontRef idx="minor">
-              <a:schemeClr val="tx1"/>
-            </a:fontRef>
-          </p:style>
-        </p:cxnSp>
-        <p:cxnSp>
-          <p:nvCxnSpPr>
-            <p:cNvPr id="80" name="Straight Connector 79">
-              <a:extLst>
-                <a:ext uri="{FF2B5EF4-FFF2-40B4-BE49-F238E27FC236}">
-                  <a16:creationId xmlns:a16="http://schemas.microsoft.com/office/drawing/2014/main" id="{DB0AE73B-D3B9-2E70-E734-69E7ADC29678}"/>
-                </a:ext>
-              </a:extLst>
-            </p:cNvPr>
-            <p:cNvCxnSpPr>
-              <a:cxnSpLocks/>
-              <a:stCxn id="74" idx="7"/>
-              <a:endCxn id="71" idx="3"/>
-            </p:cNvCxnSpPr>
-            <p:nvPr/>
-          </p:nvCxnSpPr>
-          <p:spPr>
-            <a:xfrm flipV="1">
-              <a:off x="5801918" y="3175874"/>
-              <a:ext cx="191329" cy="477701"/>
-            </a:xfrm>
-            <a:prstGeom prst="line">
-              <a:avLst/>
-            </a:prstGeom>
-            <a:ln w="12700"/>
-          </p:spPr>
-          <p:style>
-            <a:lnRef idx="1">
-              <a:schemeClr val="accent1"/>
-            </a:lnRef>
-            <a:fillRef idx="0">
-              <a:schemeClr val="accent1"/>
-            </a:fillRef>
-            <a:effectRef idx="0">
-              <a:schemeClr val="accent1"/>
-            </a:effectRef>
-            <a:fontRef idx="minor">
-              <a:schemeClr val="tx1"/>
-            </a:fontRef>
-          </p:style>
-        </p:cxnSp>
-        <p:cxnSp>
-          <p:nvCxnSpPr>
-            <p:cNvPr id="84" name="Straight Connector 83">
-              <a:extLst>
-                <a:ext uri="{FF2B5EF4-FFF2-40B4-BE49-F238E27FC236}">
-                  <a16:creationId xmlns:a16="http://schemas.microsoft.com/office/drawing/2014/main" id="{532ED73C-C468-0DA8-F9D9-5740D6387DAB}"/>
-                </a:ext>
-              </a:extLst>
-            </p:cNvPr>
-            <p:cNvCxnSpPr>
-              <a:cxnSpLocks/>
-              <a:stCxn id="73" idx="7"/>
-              <a:endCxn id="75" idx="3"/>
-            </p:cNvCxnSpPr>
-            <p:nvPr/>
-          </p:nvCxnSpPr>
-          <p:spPr>
-            <a:xfrm flipV="1">
-              <a:off x="5126780" y="3246701"/>
-              <a:ext cx="451733" cy="431463"/>
-            </a:xfrm>
-            <a:prstGeom prst="line">
-              <a:avLst/>
-            </a:prstGeom>
-            <a:ln w="12700"/>
-          </p:spPr>
-          <p:style>
-            <a:lnRef idx="1">
-              <a:schemeClr val="accent1"/>
-            </a:lnRef>
-            <a:fillRef idx="0">
-              <a:schemeClr val="accent1"/>
-            </a:fillRef>
-            <a:effectRef idx="0">
-              <a:schemeClr val="accent1"/>
-            </a:effectRef>
-            <a:fontRef idx="minor">
-              <a:schemeClr val="tx1"/>
-            </a:fontRef>
-          </p:style>
-        </p:cxnSp>
-        <p:cxnSp>
-          <p:nvCxnSpPr>
-            <p:cNvPr id="89" name="Straight Connector 88">
-              <a:extLst>
-                <a:ext uri="{FF2B5EF4-FFF2-40B4-BE49-F238E27FC236}">
-                  <a16:creationId xmlns:a16="http://schemas.microsoft.com/office/drawing/2014/main" id="{5C8E3A9D-D693-68BA-8156-A7622C87A629}"/>
-                </a:ext>
-              </a:extLst>
-            </p:cNvPr>
-            <p:cNvCxnSpPr>
-              <a:cxnSpLocks/>
-              <a:stCxn id="71" idx="1"/>
-              <a:endCxn id="70" idx="5"/>
-            </p:cNvCxnSpPr>
-            <p:nvPr/>
-          </p:nvCxnSpPr>
-          <p:spPr>
-            <a:xfrm flipH="1" flipV="1">
-              <a:off x="5640304" y="2772822"/>
-              <a:ext cx="352943" cy="284665"/>
-            </a:xfrm>
-            <a:prstGeom prst="line">
-              <a:avLst/>
-            </a:prstGeom>
-            <a:ln w="12700"/>
-          </p:spPr>
-          <p:style>
-            <a:lnRef idx="1">
-              <a:schemeClr val="accent1"/>
-            </a:lnRef>
-            <a:fillRef idx="0">
-              <a:schemeClr val="accent1"/>
-            </a:fillRef>
-            <a:effectRef idx="0">
-              <a:schemeClr val="accent1"/>
-            </a:effectRef>
-            <a:fontRef idx="minor">
-              <a:schemeClr val="tx1"/>
-            </a:fontRef>
-          </p:style>
-        </p:cxnSp>
-        <p:cxnSp>
-          <p:nvCxnSpPr>
-            <p:cNvPr id="92" name="Straight Connector 91">
-              <a:extLst>
-                <a:ext uri="{FF2B5EF4-FFF2-40B4-BE49-F238E27FC236}">
-                  <a16:creationId xmlns:a16="http://schemas.microsoft.com/office/drawing/2014/main" id="{8740CBF6-777F-11C6-3BF5-BB2543D00D0E}"/>
-                </a:ext>
-              </a:extLst>
-            </p:cNvPr>
-            <p:cNvCxnSpPr>
-              <a:cxnSpLocks/>
-              <a:stCxn id="74" idx="0"/>
-              <a:endCxn id="75" idx="4"/>
-            </p:cNvCxnSpPr>
-            <p:nvPr/>
-          </p:nvCxnSpPr>
-          <p:spPr>
-            <a:xfrm flipH="1" flipV="1">
-              <a:off x="5637707" y="3271220"/>
-              <a:ext cx="105018" cy="357836"/>
-            </a:xfrm>
-            <a:prstGeom prst="line">
-              <a:avLst/>
-            </a:prstGeom>
-            <a:ln w="12700"/>
-          </p:spPr>
-          <p:style>
-            <a:lnRef idx="1">
-              <a:schemeClr val="accent1"/>
-            </a:lnRef>
-            <a:fillRef idx="0">
-              <a:schemeClr val="accent1"/>
-            </a:fillRef>
-            <a:effectRef idx="0">
-              <a:schemeClr val="accent1"/>
-            </a:effectRef>
-            <a:fontRef idx="minor">
-              <a:schemeClr val="tx1"/>
-            </a:fontRef>
-          </p:style>
-        </p:cxnSp>
-        <p:cxnSp>
-          <p:nvCxnSpPr>
-            <p:cNvPr id="100" name="Straight Connector 99">
-              <a:extLst>
-                <a:ext uri="{FF2B5EF4-FFF2-40B4-BE49-F238E27FC236}">
-                  <a16:creationId xmlns:a16="http://schemas.microsoft.com/office/drawing/2014/main" id="{66C3C10A-15DD-CA08-3BEB-A2791B7AC850}"/>
-                </a:ext>
-              </a:extLst>
-            </p:cNvPr>
-            <p:cNvCxnSpPr>
-              <a:cxnSpLocks/>
-              <a:stCxn id="70" idx="3"/>
-              <a:endCxn id="72" idx="7"/>
-            </p:cNvCxnSpPr>
-            <p:nvPr/>
-          </p:nvCxnSpPr>
-          <p:spPr>
-            <a:xfrm flipH="1">
-              <a:off x="5150684" y="2772822"/>
-              <a:ext cx="371233" cy="300741"/>
-            </a:xfrm>
-            <a:prstGeom prst="line">
-              <a:avLst/>
-            </a:prstGeom>
-            <a:ln w="12700"/>
-          </p:spPr>
-          <p:style>
-            <a:lnRef idx="1">
-              <a:schemeClr val="accent1"/>
-            </a:lnRef>
-            <a:fillRef idx="0">
-              <a:schemeClr val="accent1"/>
-            </a:fillRef>
-            <a:effectRef idx="0">
-              <a:schemeClr val="accent1"/>
-            </a:effectRef>
-            <a:fontRef idx="minor">
-              <a:schemeClr val="tx1"/>
-            </a:fontRef>
-          </p:style>
-        </p:cxnSp>
-        <p:cxnSp>
-          <p:nvCxnSpPr>
-            <p:cNvPr id="106" name="Straight Connector 105">
-              <a:extLst>
-                <a:ext uri="{FF2B5EF4-FFF2-40B4-BE49-F238E27FC236}">
-                  <a16:creationId xmlns:a16="http://schemas.microsoft.com/office/drawing/2014/main" id="{DAA3388B-A8D4-7950-D39D-FEE661C7AA26}"/>
-                </a:ext>
-              </a:extLst>
-            </p:cNvPr>
-            <p:cNvCxnSpPr>
-              <a:cxnSpLocks/>
-              <a:stCxn id="73" idx="0"/>
-              <a:endCxn id="72" idx="4"/>
-            </p:cNvCxnSpPr>
-            <p:nvPr/>
-          </p:nvCxnSpPr>
-          <p:spPr>
-            <a:xfrm flipV="1">
-              <a:off x="5067587" y="3216469"/>
-              <a:ext cx="23904" cy="437176"/>
-            </a:xfrm>
-            <a:prstGeom prst="line">
-              <a:avLst/>
-            </a:prstGeom>
-            <a:ln w="12700"/>
-          </p:spPr>
-          <p:style>
-            <a:lnRef idx="1">
-              <a:schemeClr val="accent1"/>
-            </a:lnRef>
-            <a:fillRef idx="0">
-              <a:schemeClr val="accent1"/>
-            </a:fillRef>
-            <a:effectRef idx="0">
-              <a:schemeClr val="accent1"/>
-            </a:effectRef>
-            <a:fontRef idx="minor">
-              <a:schemeClr val="tx1"/>
-            </a:fontRef>
-          </p:style>
-        </p:cxnSp>
-        <p:sp>
-          <p:nvSpPr>
-            <p:cNvPr id="109" name="TextBox 108">
-              <a:extLst>
-                <a:ext uri="{FF2B5EF4-FFF2-40B4-BE49-F238E27FC236}">
-                  <a16:creationId xmlns:a16="http://schemas.microsoft.com/office/drawing/2014/main" id="{95E4F4F7-3191-2BB9-3E6F-65412CDD921D}"/>
-                </a:ext>
-              </a:extLst>
-            </p:cNvPr>
-            <p:cNvSpPr txBox="1"/>
-            <p:nvPr/>
-          </p:nvSpPr>
-          <p:spPr>
-            <a:xfrm>
-              <a:off x="4784577" y="2236578"/>
-              <a:ext cx="1587871" cy="307777"/>
-            </a:xfrm>
-            <a:prstGeom prst="rect">
-              <a:avLst/>
-            </a:prstGeom>
-            <a:noFill/>
-          </p:spPr>
-          <p:txBody>
-            <a:bodyPr wrap="none" rtlCol="0">
-              <a:spAutoFit/>
-            </a:bodyPr>
-            <a:lstStyle/>
-            <a:p>
-              <a:r>
-                <a:rPr lang="en-GB" sz="1400" i="1" dirty="0"/>
-                <a:t>App-2 sub-network</a:t>
-              </a:r>
-            </a:p>
-          </p:txBody>
-        </p:sp>
-        <p:sp>
-          <p:nvSpPr>
-            <p:cNvPr id="115" name="Oval 114">
-              <a:extLst>
-                <a:ext uri="{FF2B5EF4-FFF2-40B4-BE49-F238E27FC236}">
-                  <a16:creationId xmlns:a16="http://schemas.microsoft.com/office/drawing/2014/main" id="{C3A5310C-33B7-DB57-89B2-48979FF5F7F9}"/>
-                </a:ext>
-              </a:extLst>
-            </p:cNvPr>
-            <p:cNvSpPr/>
-            <p:nvPr/>
-          </p:nvSpPr>
-          <p:spPr>
-            <a:xfrm>
-              <a:off x="6440080" y="2893259"/>
-              <a:ext cx="167425" cy="167425"/>
-            </a:xfrm>
-            <a:prstGeom prst="ellipse">
-              <a:avLst/>
-            </a:prstGeom>
-            <a:pattFill prst="smGrid">
-              <a:fgClr>
-                <a:srgbClr val="FF0000"/>
-              </a:fgClr>
-              <a:bgClr>
-                <a:schemeClr val="bg1"/>
-              </a:bgClr>
-            </a:pattFill>
-          </p:spPr>
-          <p:style>
-            <a:lnRef idx="2">
-              <a:schemeClr val="accent1">
-                <a:shade val="50000"/>
-              </a:schemeClr>
-            </a:lnRef>
-            <a:fillRef idx="1">
-              <a:schemeClr val="accent1"/>
-            </a:fillRef>
-            <a:effectRef idx="0">
-              <a:schemeClr val="accent1"/>
-            </a:effectRef>
-            <a:fontRef idx="minor">
-              <a:schemeClr val="lt1"/>
-            </a:fontRef>
-          </p:style>
-          <p:txBody>
-            <a:bodyPr rtlCol="0" anchor="ctr"/>
-            <a:lstStyle/>
-            <a:p>
-              <a:pPr algn="ctr"/>
-              <a:endParaRPr lang="en-GB" dirty="0"/>
-            </a:p>
-          </p:txBody>
-        </p:sp>
-        <p:sp>
-          <p:nvSpPr>
-            <p:cNvPr id="116" name="Oval 115">
-              <a:extLst>
-                <a:ext uri="{FF2B5EF4-FFF2-40B4-BE49-F238E27FC236}">
-                  <a16:creationId xmlns:a16="http://schemas.microsoft.com/office/drawing/2014/main" id="{6DDAF3DE-763C-751C-92CA-38D1B443779B}"/>
-                </a:ext>
-              </a:extLst>
-            </p:cNvPr>
-            <p:cNvSpPr/>
-            <p:nvPr/>
-          </p:nvSpPr>
-          <p:spPr>
-            <a:xfrm>
-              <a:off x="7043872" y="2851347"/>
-              <a:ext cx="167425" cy="167425"/>
-            </a:xfrm>
-            <a:prstGeom prst="ellipse">
-              <a:avLst/>
-            </a:prstGeom>
-            <a:pattFill prst="smGrid">
-              <a:fgClr>
-                <a:srgbClr val="FF0000"/>
-              </a:fgClr>
-              <a:bgClr>
-                <a:schemeClr val="bg1"/>
-              </a:bgClr>
-            </a:pattFill>
-          </p:spPr>
-          <p:style>
-            <a:lnRef idx="2">
-              <a:schemeClr val="accent1">
-                <a:shade val="50000"/>
-              </a:schemeClr>
-            </a:lnRef>
-            <a:fillRef idx="1">
-              <a:schemeClr val="accent1"/>
-            </a:fillRef>
-            <a:effectRef idx="0">
-              <a:schemeClr val="accent1"/>
-            </a:effectRef>
-            <a:fontRef idx="minor">
-              <a:schemeClr val="lt1"/>
-            </a:fontRef>
-          </p:style>
-          <p:txBody>
-            <a:bodyPr rtlCol="0" anchor="ctr"/>
-            <a:lstStyle/>
-            <a:p>
-              <a:pPr algn="ctr"/>
-              <a:endParaRPr lang="en-GB"/>
-            </a:p>
-          </p:txBody>
-        </p:sp>
-        <p:sp>
-          <p:nvSpPr>
-            <p:cNvPr id="117" name="Oval 116">
-              <a:extLst>
-                <a:ext uri="{FF2B5EF4-FFF2-40B4-BE49-F238E27FC236}">
-                  <a16:creationId xmlns:a16="http://schemas.microsoft.com/office/drawing/2014/main" id="{AC507E41-FE47-8961-7956-C6C727E8CDFA}"/>
-                </a:ext>
-              </a:extLst>
-            </p:cNvPr>
-            <p:cNvSpPr/>
-            <p:nvPr/>
-          </p:nvSpPr>
-          <p:spPr>
-            <a:xfrm>
-              <a:off x="7616363" y="2719374"/>
-              <a:ext cx="167425" cy="167425"/>
-            </a:xfrm>
-            <a:prstGeom prst="ellipse">
-              <a:avLst/>
-            </a:prstGeom>
-            <a:pattFill prst="smGrid">
-              <a:fgClr>
-                <a:srgbClr val="FF0000"/>
-              </a:fgClr>
-              <a:bgClr>
-                <a:schemeClr val="bg1"/>
-              </a:bgClr>
-            </a:pattFill>
-          </p:spPr>
-          <p:style>
-            <a:lnRef idx="2">
-              <a:schemeClr val="accent1">
-                <a:shade val="50000"/>
-              </a:schemeClr>
-            </a:lnRef>
-            <a:fillRef idx="1">
-              <a:schemeClr val="accent1"/>
-            </a:fillRef>
-            <a:effectRef idx="0">
-              <a:schemeClr val="accent1"/>
-            </a:effectRef>
-            <a:fontRef idx="minor">
-              <a:schemeClr val="lt1"/>
-            </a:fontRef>
-          </p:style>
-          <p:txBody>
-            <a:bodyPr rtlCol="0" anchor="ctr"/>
-            <a:lstStyle/>
-            <a:p>
-              <a:pPr algn="ctr"/>
-              <a:endParaRPr lang="en-GB"/>
-            </a:p>
-          </p:txBody>
-        </p:sp>
-        <p:sp>
-          <p:nvSpPr>
-            <p:cNvPr id="118" name="Oval 117">
-              <a:extLst>
-                <a:ext uri="{FF2B5EF4-FFF2-40B4-BE49-F238E27FC236}">
-                  <a16:creationId xmlns:a16="http://schemas.microsoft.com/office/drawing/2014/main" id="{C2CC41F3-B264-0B8A-5E1A-24E320E88CB9}"/>
-                </a:ext>
-              </a:extLst>
-            </p:cNvPr>
-            <p:cNvSpPr/>
-            <p:nvPr/>
-          </p:nvSpPr>
-          <p:spPr>
-            <a:xfrm>
-              <a:off x="7056131" y="3703178"/>
-              <a:ext cx="167425" cy="167425"/>
-            </a:xfrm>
-            <a:prstGeom prst="ellipse">
-              <a:avLst/>
-            </a:prstGeom>
-            <a:pattFill prst="smGrid">
-              <a:fgClr>
-                <a:srgbClr val="FF0000"/>
-              </a:fgClr>
-              <a:bgClr>
-                <a:schemeClr val="bg1"/>
-              </a:bgClr>
-            </a:pattFill>
-          </p:spPr>
-          <p:style>
-            <a:lnRef idx="2">
-              <a:schemeClr val="accent1">
-                <a:shade val="50000"/>
-              </a:schemeClr>
-            </a:lnRef>
-            <a:fillRef idx="1">
-              <a:schemeClr val="accent1"/>
-            </a:fillRef>
-            <a:effectRef idx="0">
-              <a:schemeClr val="accent1"/>
-            </a:effectRef>
-            <a:fontRef idx="minor">
-              <a:schemeClr val="lt1"/>
-            </a:fontRef>
-          </p:style>
-          <p:txBody>
-            <a:bodyPr rtlCol="0" anchor="ctr"/>
-            <a:lstStyle/>
-            <a:p>
-              <a:pPr algn="ctr"/>
-              <a:endParaRPr lang="en-GB"/>
-            </a:p>
-          </p:txBody>
-        </p:sp>
-        <p:sp>
-          <p:nvSpPr>
-            <p:cNvPr id="119" name="Oval 118">
-              <a:extLst>
-                <a:ext uri="{FF2B5EF4-FFF2-40B4-BE49-F238E27FC236}">
-                  <a16:creationId xmlns:a16="http://schemas.microsoft.com/office/drawing/2014/main" id="{D42694E2-0EA0-3EB7-6C84-F4E12144A5ED}"/>
-                </a:ext>
-              </a:extLst>
-            </p:cNvPr>
-            <p:cNvSpPr/>
-            <p:nvPr/>
-          </p:nvSpPr>
-          <p:spPr>
-            <a:xfrm>
-              <a:off x="7717904" y="3343315"/>
-              <a:ext cx="167425" cy="167425"/>
-            </a:xfrm>
-            <a:prstGeom prst="ellipse">
-              <a:avLst/>
-            </a:prstGeom>
-            <a:pattFill prst="smGrid">
-              <a:fgClr>
-                <a:srgbClr val="FF0000"/>
-              </a:fgClr>
-              <a:bgClr>
-                <a:schemeClr val="bg1"/>
-              </a:bgClr>
-            </a:pattFill>
-          </p:spPr>
-          <p:style>
-            <a:lnRef idx="2">
-              <a:schemeClr val="accent1">
-                <a:shade val="50000"/>
-              </a:schemeClr>
-            </a:lnRef>
-            <a:fillRef idx="1">
-              <a:schemeClr val="accent1"/>
-            </a:fillRef>
-            <a:effectRef idx="0">
-              <a:schemeClr val="accent1"/>
-            </a:effectRef>
-            <a:fontRef idx="minor">
-              <a:schemeClr val="lt1"/>
-            </a:fontRef>
-          </p:style>
-          <p:txBody>
-            <a:bodyPr rtlCol="0" anchor="ctr"/>
-            <a:lstStyle/>
-            <a:p>
-              <a:pPr algn="ctr"/>
-              <a:endParaRPr lang="en-GB"/>
-            </a:p>
-          </p:txBody>
-        </p:sp>
-        <p:cxnSp>
-          <p:nvCxnSpPr>
-            <p:cNvPr id="122" name="Straight Connector 121">
-              <a:extLst>
-                <a:ext uri="{FF2B5EF4-FFF2-40B4-BE49-F238E27FC236}">
-                  <a16:creationId xmlns:a16="http://schemas.microsoft.com/office/drawing/2014/main" id="{6723B20E-FD99-272B-2D68-5B51DC0F9D4C}"/>
-                </a:ext>
-              </a:extLst>
-            </p:cNvPr>
-            <p:cNvCxnSpPr>
-              <a:cxnSpLocks/>
-              <a:stCxn id="118" idx="7"/>
-              <a:endCxn id="117" idx="4"/>
-            </p:cNvCxnSpPr>
-            <p:nvPr/>
-          </p:nvCxnSpPr>
-          <p:spPr>
-            <a:xfrm flipV="1">
-              <a:off x="7199037" y="2886799"/>
-              <a:ext cx="501039" cy="840898"/>
-            </a:xfrm>
-            <a:prstGeom prst="line">
-              <a:avLst/>
-            </a:prstGeom>
-            <a:ln w="12700"/>
-          </p:spPr>
-          <p:style>
-            <a:lnRef idx="1">
-              <a:schemeClr val="accent1"/>
-            </a:lnRef>
-            <a:fillRef idx="0">
-              <a:schemeClr val="accent1"/>
-            </a:fillRef>
-            <a:effectRef idx="0">
-              <a:schemeClr val="accent1"/>
-            </a:effectRef>
-            <a:fontRef idx="minor">
-              <a:schemeClr val="tx1"/>
-            </a:fontRef>
-          </p:style>
-        </p:cxnSp>
-        <p:cxnSp>
-          <p:nvCxnSpPr>
-            <p:cNvPr id="126" name="Straight Connector 125">
-              <a:extLst>
-                <a:ext uri="{FF2B5EF4-FFF2-40B4-BE49-F238E27FC236}">
-                  <a16:creationId xmlns:a16="http://schemas.microsoft.com/office/drawing/2014/main" id="{5768E719-F435-9156-D08C-A93F14A27C65}"/>
-                </a:ext>
-              </a:extLst>
-            </p:cNvPr>
-            <p:cNvCxnSpPr>
-              <a:cxnSpLocks/>
-              <a:stCxn id="115" idx="6"/>
-              <a:endCxn id="116" idx="2"/>
-            </p:cNvCxnSpPr>
-            <p:nvPr/>
-          </p:nvCxnSpPr>
-          <p:spPr>
-            <a:xfrm flipV="1">
-              <a:off x="6607505" y="2935060"/>
-              <a:ext cx="436367" cy="41912"/>
-            </a:xfrm>
-            <a:prstGeom prst="line">
-              <a:avLst/>
-            </a:prstGeom>
-            <a:ln w="12700"/>
-          </p:spPr>
-          <p:style>
-            <a:lnRef idx="1">
-              <a:schemeClr val="accent1"/>
-            </a:lnRef>
-            <a:fillRef idx="0">
-              <a:schemeClr val="accent1"/>
-            </a:fillRef>
-            <a:effectRef idx="0">
-              <a:schemeClr val="accent1"/>
-            </a:effectRef>
-            <a:fontRef idx="minor">
-              <a:schemeClr val="tx1"/>
-            </a:fontRef>
-          </p:style>
-        </p:cxnSp>
-        <p:cxnSp>
-          <p:nvCxnSpPr>
-            <p:cNvPr id="129" name="Straight Connector 128">
-              <a:extLst>
-                <a:ext uri="{FF2B5EF4-FFF2-40B4-BE49-F238E27FC236}">
-                  <a16:creationId xmlns:a16="http://schemas.microsoft.com/office/drawing/2014/main" id="{4284079C-C30D-223F-76AF-0D1E4246DAD8}"/>
-                </a:ext>
-              </a:extLst>
-            </p:cNvPr>
-            <p:cNvCxnSpPr>
-              <a:cxnSpLocks/>
-              <a:stCxn id="119" idx="3"/>
-            </p:cNvCxnSpPr>
-            <p:nvPr/>
-          </p:nvCxnSpPr>
-          <p:spPr>
-            <a:xfrm flipH="1">
-              <a:off x="7199037" y="3486221"/>
-              <a:ext cx="543386" cy="342581"/>
-            </a:xfrm>
-            <a:prstGeom prst="line">
-              <a:avLst/>
-            </a:prstGeom>
-            <a:ln w="12700"/>
-          </p:spPr>
-          <p:style>
-            <a:lnRef idx="1">
-              <a:schemeClr val="accent1"/>
-            </a:lnRef>
-            <a:fillRef idx="0">
-              <a:schemeClr val="accent1"/>
-            </a:fillRef>
-            <a:effectRef idx="0">
-              <a:schemeClr val="accent1"/>
-            </a:effectRef>
-            <a:fontRef idx="minor">
-              <a:schemeClr val="tx1"/>
-            </a:fontRef>
-          </p:style>
-        </p:cxnSp>
-        <p:cxnSp>
-          <p:nvCxnSpPr>
-            <p:cNvPr id="132" name="Straight Connector 131">
-              <a:extLst>
-                <a:ext uri="{FF2B5EF4-FFF2-40B4-BE49-F238E27FC236}">
-                  <a16:creationId xmlns:a16="http://schemas.microsoft.com/office/drawing/2014/main" id="{42426DA9-DDBC-C099-C203-3AFC3BEDC16A}"/>
-                </a:ext>
-              </a:extLst>
-            </p:cNvPr>
-            <p:cNvCxnSpPr>
-              <a:cxnSpLocks/>
-              <a:stCxn id="115" idx="5"/>
-              <a:endCxn id="118" idx="2"/>
-            </p:cNvCxnSpPr>
-            <p:nvPr/>
-          </p:nvCxnSpPr>
-          <p:spPr>
-            <a:xfrm>
-              <a:off x="6582986" y="3036165"/>
-              <a:ext cx="473145" cy="750726"/>
-            </a:xfrm>
-            <a:prstGeom prst="line">
-              <a:avLst/>
-            </a:prstGeom>
-            <a:ln w="12700"/>
-          </p:spPr>
-          <p:style>
-            <a:lnRef idx="1">
-              <a:schemeClr val="accent1"/>
-            </a:lnRef>
-            <a:fillRef idx="0">
-              <a:schemeClr val="accent1"/>
-            </a:fillRef>
-            <a:effectRef idx="0">
-              <a:schemeClr val="accent1"/>
-            </a:effectRef>
-            <a:fontRef idx="minor">
-              <a:schemeClr val="tx1"/>
-            </a:fontRef>
-          </p:style>
-        </p:cxnSp>
-        <p:cxnSp>
-          <p:nvCxnSpPr>
-            <p:cNvPr id="136" name="Straight Connector 135">
-              <a:extLst>
-                <a:ext uri="{FF2B5EF4-FFF2-40B4-BE49-F238E27FC236}">
-                  <a16:creationId xmlns:a16="http://schemas.microsoft.com/office/drawing/2014/main" id="{E7EBC8D6-474F-5869-1ABB-A7DA435A4B05}"/>
-                </a:ext>
-              </a:extLst>
-            </p:cNvPr>
-            <p:cNvCxnSpPr>
-              <a:cxnSpLocks/>
-              <a:stCxn id="119" idx="0"/>
-              <a:endCxn id="117" idx="5"/>
-            </p:cNvCxnSpPr>
-            <p:nvPr/>
-          </p:nvCxnSpPr>
-          <p:spPr>
-            <a:xfrm flipH="1" flipV="1">
-              <a:off x="7759269" y="2862280"/>
-              <a:ext cx="42348" cy="481035"/>
-            </a:xfrm>
-            <a:prstGeom prst="line">
-              <a:avLst/>
-            </a:prstGeom>
-            <a:ln w="12700"/>
-          </p:spPr>
-          <p:style>
-            <a:lnRef idx="1">
-              <a:schemeClr val="accent1"/>
-            </a:lnRef>
-            <a:fillRef idx="0">
-              <a:schemeClr val="accent1"/>
-            </a:fillRef>
-            <a:effectRef idx="0">
-              <a:schemeClr val="accent1"/>
-            </a:effectRef>
-            <a:fontRef idx="minor">
-              <a:schemeClr val="tx1"/>
-            </a:fontRef>
-          </p:style>
-        </p:cxnSp>
-        <p:cxnSp>
-          <p:nvCxnSpPr>
-            <p:cNvPr id="148" name="Straight Connector 147">
-              <a:extLst>
-                <a:ext uri="{FF2B5EF4-FFF2-40B4-BE49-F238E27FC236}">
-                  <a16:creationId xmlns:a16="http://schemas.microsoft.com/office/drawing/2014/main" id="{3314D38B-17CE-6E10-499B-6E189EB48A61}"/>
-                </a:ext>
-              </a:extLst>
-            </p:cNvPr>
-            <p:cNvCxnSpPr>
-              <a:cxnSpLocks/>
-              <a:stCxn id="119" idx="1"/>
-              <a:endCxn id="116" idx="6"/>
-            </p:cNvCxnSpPr>
-            <p:nvPr/>
-          </p:nvCxnSpPr>
-          <p:spPr>
-            <a:xfrm flipH="1" flipV="1">
-              <a:off x="7211297" y="2935060"/>
-              <a:ext cx="531126" cy="432774"/>
-            </a:xfrm>
-            <a:prstGeom prst="line">
-              <a:avLst/>
-            </a:prstGeom>
-            <a:ln w="12700"/>
-          </p:spPr>
-          <p:style>
-            <a:lnRef idx="1">
-              <a:schemeClr val="accent1"/>
-            </a:lnRef>
-            <a:fillRef idx="0">
-              <a:schemeClr val="accent1"/>
-            </a:fillRef>
-            <a:effectRef idx="0">
-              <a:schemeClr val="accent1"/>
-            </a:effectRef>
-            <a:fontRef idx="minor">
-              <a:schemeClr val="tx1"/>
-            </a:fontRef>
-          </p:style>
-        </p:cxnSp>
-        <p:cxnSp>
-          <p:nvCxnSpPr>
-            <p:cNvPr id="153" name="Straight Connector 152">
-              <a:extLst>
-                <a:ext uri="{FF2B5EF4-FFF2-40B4-BE49-F238E27FC236}">
-                  <a16:creationId xmlns:a16="http://schemas.microsoft.com/office/drawing/2014/main" id="{E5AFFFB1-0A28-38A7-BC7A-A1DDA3B73480}"/>
-                </a:ext>
-              </a:extLst>
-            </p:cNvPr>
-            <p:cNvCxnSpPr>
-              <a:cxnSpLocks/>
-              <a:stCxn id="115" idx="5"/>
-              <a:endCxn id="119" idx="2"/>
-            </p:cNvCxnSpPr>
-            <p:nvPr/>
-          </p:nvCxnSpPr>
-          <p:spPr>
-            <a:xfrm>
-              <a:off x="6582986" y="3036165"/>
-              <a:ext cx="1134918" cy="390863"/>
-            </a:xfrm>
-            <a:prstGeom prst="line">
-              <a:avLst/>
-            </a:prstGeom>
-            <a:ln w="12700"/>
-          </p:spPr>
-          <p:style>
-            <a:lnRef idx="1">
-              <a:schemeClr val="accent1"/>
-            </a:lnRef>
-            <a:fillRef idx="0">
-              <a:schemeClr val="accent1"/>
-            </a:fillRef>
-            <a:effectRef idx="0">
-              <a:schemeClr val="accent1"/>
-            </a:effectRef>
-            <a:fontRef idx="minor">
-              <a:schemeClr val="tx1"/>
-            </a:fontRef>
-          </p:style>
-        </p:cxnSp>
-        <p:sp>
-          <p:nvSpPr>
-            <p:cNvPr id="157" name="TextBox 156">
-              <a:extLst>
-                <a:ext uri="{FF2B5EF4-FFF2-40B4-BE49-F238E27FC236}">
-                  <a16:creationId xmlns:a16="http://schemas.microsoft.com/office/drawing/2014/main" id="{75523CDC-70B2-29A0-0AA6-CA05E2B156A9}"/>
-                </a:ext>
-              </a:extLst>
-            </p:cNvPr>
-            <p:cNvSpPr txBox="1"/>
-            <p:nvPr/>
-          </p:nvSpPr>
-          <p:spPr>
-            <a:xfrm>
-              <a:off x="6297458" y="2233003"/>
-              <a:ext cx="1587871" cy="307777"/>
-            </a:xfrm>
-            <a:prstGeom prst="rect">
-              <a:avLst/>
-            </a:prstGeom>
-            <a:noFill/>
-          </p:spPr>
-          <p:txBody>
-            <a:bodyPr wrap="none" rtlCol="0">
-              <a:spAutoFit/>
-            </a:bodyPr>
-            <a:lstStyle/>
-            <a:p>
-              <a:r>
-                <a:rPr lang="en-GB" sz="1400" i="1" dirty="0"/>
-                <a:t>App-3 sub-network</a:t>
-              </a:r>
-            </a:p>
-          </p:txBody>
-        </p:sp>
-      </p:grpSp>
-      <p:grpSp>
-        <p:nvGrpSpPr>
-          <p:cNvPr id="2" name="Group 1">
-            <a:extLst>
-              <a:ext uri="{FF2B5EF4-FFF2-40B4-BE49-F238E27FC236}">
-                <a16:creationId xmlns:a16="http://schemas.microsoft.com/office/drawing/2014/main" id="{928677AA-61A3-40B4-437A-A676B61F8585}"/>
-              </a:ext>
-            </a:extLst>
-          </p:cNvPr>
-          <p:cNvGrpSpPr/>
-          <p:nvPr/>
-        </p:nvGrpSpPr>
-        <p:grpSpPr>
-          <a:xfrm>
-            <a:off x="4457737" y="1910443"/>
-            <a:ext cx="3589428" cy="385745"/>
-            <a:chOff x="3420586" y="1637713"/>
-            <a:chExt cx="3589428" cy="385745"/>
-          </a:xfrm>
-        </p:grpSpPr>
-        <p:sp>
-          <p:nvSpPr>
-            <p:cNvPr id="158" name="Oval 157">
-              <a:extLst>
-                <a:ext uri="{FF2B5EF4-FFF2-40B4-BE49-F238E27FC236}">
-                  <a16:creationId xmlns:a16="http://schemas.microsoft.com/office/drawing/2014/main" id="{7178F742-8CD8-E18F-D3CF-6728D6A8ACA4}"/>
-                </a:ext>
-              </a:extLst>
-            </p:cNvPr>
-            <p:cNvSpPr/>
-            <p:nvPr/>
-          </p:nvSpPr>
-          <p:spPr>
-            <a:xfrm>
-              <a:off x="3516768" y="1730711"/>
-              <a:ext cx="167425" cy="167425"/>
-            </a:xfrm>
-            <a:prstGeom prst="ellipse">
-              <a:avLst/>
-            </a:prstGeom>
-            <a:solidFill>
-              <a:schemeClr val="tx1"/>
-            </a:solidFill>
-          </p:spPr>
-          <p:style>
-            <a:lnRef idx="2">
-              <a:schemeClr val="accent1">
-                <a:shade val="50000"/>
-              </a:schemeClr>
-            </a:lnRef>
-            <a:fillRef idx="1">
-              <a:schemeClr val="accent1"/>
-            </a:fillRef>
-            <a:effectRef idx="0">
-              <a:schemeClr val="accent1"/>
-            </a:effectRef>
-            <a:fontRef idx="minor">
-              <a:schemeClr val="lt1"/>
-            </a:fontRef>
-          </p:style>
-          <p:txBody>
-            <a:bodyPr rtlCol="0" anchor="ctr"/>
-            <a:lstStyle/>
-            <a:p>
-              <a:pPr algn="ctr"/>
-              <a:endParaRPr lang="en-GB"/>
-            </a:p>
-          </p:txBody>
-        </p:sp>
-        <p:sp>
-          <p:nvSpPr>
-            <p:cNvPr id="159" name="TextBox 158">
-              <a:extLst>
-                <a:ext uri="{FF2B5EF4-FFF2-40B4-BE49-F238E27FC236}">
-                  <a16:creationId xmlns:a16="http://schemas.microsoft.com/office/drawing/2014/main" id="{3185B08B-D863-D258-1A46-4B2772DFEF20}"/>
-                </a:ext>
-              </a:extLst>
-            </p:cNvPr>
-            <p:cNvSpPr txBox="1"/>
-            <p:nvPr/>
-          </p:nvSpPr>
-          <p:spPr>
-            <a:xfrm>
-              <a:off x="3689685" y="1679804"/>
-              <a:ext cx="940257" cy="276999"/>
-            </a:xfrm>
-            <a:prstGeom prst="rect">
-              <a:avLst/>
-            </a:prstGeom>
-            <a:noFill/>
-          </p:spPr>
-          <p:txBody>
-            <a:bodyPr wrap="none" rtlCol="0">
-              <a:spAutoFit/>
-            </a:bodyPr>
-            <a:lstStyle/>
-            <a:p>
-              <a:r>
-                <a:rPr lang="en-GB" sz="1200" dirty="0"/>
-                <a:t>App-1 peers</a:t>
-              </a:r>
-            </a:p>
-          </p:txBody>
-        </p:sp>
-        <p:sp>
-          <p:nvSpPr>
-            <p:cNvPr id="161" name="TextBox 160">
-              <a:extLst>
-                <a:ext uri="{FF2B5EF4-FFF2-40B4-BE49-F238E27FC236}">
-                  <a16:creationId xmlns:a16="http://schemas.microsoft.com/office/drawing/2014/main" id="{F6772C8D-A62A-5973-D459-CC0C25D1801F}"/>
-                </a:ext>
-              </a:extLst>
-            </p:cNvPr>
-            <p:cNvSpPr txBox="1"/>
-            <p:nvPr/>
-          </p:nvSpPr>
-          <p:spPr>
-            <a:xfrm>
-              <a:off x="4899041" y="1668223"/>
-              <a:ext cx="940257" cy="276999"/>
-            </a:xfrm>
-            <a:prstGeom prst="rect">
-              <a:avLst/>
-            </a:prstGeom>
-            <a:noFill/>
-          </p:spPr>
-          <p:txBody>
-            <a:bodyPr wrap="none" rtlCol="0">
-              <a:spAutoFit/>
-            </a:bodyPr>
-            <a:lstStyle/>
-            <a:p>
-              <a:r>
-                <a:rPr lang="en-GB" sz="1200" dirty="0"/>
-                <a:t>App-2 peers</a:t>
-              </a:r>
-            </a:p>
-          </p:txBody>
-        </p:sp>
-        <p:sp>
-          <p:nvSpPr>
-            <p:cNvPr id="162" name="Oval 161">
-              <a:extLst>
-                <a:ext uri="{FF2B5EF4-FFF2-40B4-BE49-F238E27FC236}">
-                  <a16:creationId xmlns:a16="http://schemas.microsoft.com/office/drawing/2014/main" id="{B9A41E6A-3FD1-3474-BC32-33453A3E60E6}"/>
-                </a:ext>
-              </a:extLst>
-            </p:cNvPr>
-            <p:cNvSpPr/>
-            <p:nvPr/>
-          </p:nvSpPr>
-          <p:spPr>
-            <a:xfrm>
-              <a:off x="5894718" y="1699306"/>
-              <a:ext cx="167425" cy="167425"/>
-            </a:xfrm>
-            <a:prstGeom prst="ellipse">
-              <a:avLst/>
-            </a:prstGeom>
-            <a:pattFill prst="smGrid">
-              <a:fgClr>
-                <a:srgbClr val="FF0000"/>
-              </a:fgClr>
-              <a:bgClr>
-                <a:schemeClr val="bg1"/>
-              </a:bgClr>
-            </a:pattFill>
-          </p:spPr>
-          <p:style>
-            <a:lnRef idx="2">
-              <a:schemeClr val="accent1">
-                <a:shade val="50000"/>
-              </a:schemeClr>
-            </a:lnRef>
-            <a:fillRef idx="1">
-              <a:schemeClr val="accent1"/>
-            </a:fillRef>
-            <a:effectRef idx="0">
-              <a:schemeClr val="accent1"/>
-            </a:effectRef>
-            <a:fontRef idx="minor">
-              <a:schemeClr val="lt1"/>
-            </a:fontRef>
-          </p:style>
-          <p:txBody>
-            <a:bodyPr rtlCol="0" anchor="ctr"/>
-            <a:lstStyle/>
-            <a:p>
-              <a:pPr algn="ctr"/>
-              <a:endParaRPr lang="en-GB"/>
-            </a:p>
-          </p:txBody>
-        </p:sp>
-        <p:sp>
-          <p:nvSpPr>
-            <p:cNvPr id="163" name="Oval 162">
-              <a:extLst>
-                <a:ext uri="{FF2B5EF4-FFF2-40B4-BE49-F238E27FC236}">
-                  <a16:creationId xmlns:a16="http://schemas.microsoft.com/office/drawing/2014/main" id="{8B018A8A-E44D-6B45-26B8-C9F7151EA6C2}"/>
-                </a:ext>
-              </a:extLst>
-            </p:cNvPr>
-            <p:cNvSpPr/>
-            <p:nvPr/>
-          </p:nvSpPr>
-          <p:spPr>
-            <a:xfrm>
-              <a:off x="4728593" y="1716340"/>
-              <a:ext cx="167425" cy="167425"/>
-            </a:xfrm>
-            <a:prstGeom prst="ellipse">
-              <a:avLst/>
-            </a:prstGeom>
-            <a:pattFill prst="wdUpDiag">
-              <a:fgClr>
-                <a:srgbClr val="00B050"/>
-              </a:fgClr>
-              <a:bgClr>
-                <a:schemeClr val="bg1"/>
-              </a:bgClr>
-            </a:pattFill>
-          </p:spPr>
-          <p:style>
-            <a:lnRef idx="2">
-              <a:schemeClr val="accent1">
-                <a:shade val="50000"/>
-              </a:schemeClr>
-            </a:lnRef>
-            <a:fillRef idx="1">
-              <a:schemeClr val="accent1"/>
-            </a:fillRef>
-            <a:effectRef idx="0">
-              <a:schemeClr val="accent1"/>
-            </a:effectRef>
-            <a:fontRef idx="minor">
-              <a:schemeClr val="lt1"/>
-            </a:fontRef>
-          </p:style>
-          <p:txBody>
-            <a:bodyPr rtlCol="0" anchor="ctr"/>
-            <a:lstStyle/>
-            <a:p>
-              <a:pPr algn="ctr"/>
-              <a:endParaRPr lang="en-GB"/>
-            </a:p>
-          </p:txBody>
-        </p:sp>
-        <p:sp>
-          <p:nvSpPr>
-            <p:cNvPr id="164" name="TextBox 163">
-              <a:extLst>
-                <a:ext uri="{FF2B5EF4-FFF2-40B4-BE49-F238E27FC236}">
-                  <a16:creationId xmlns:a16="http://schemas.microsoft.com/office/drawing/2014/main" id="{8AC067FC-4F17-3DA6-7B3F-26D1E7714AAC}"/>
-                </a:ext>
-              </a:extLst>
-            </p:cNvPr>
-            <p:cNvSpPr txBox="1"/>
-            <p:nvPr/>
-          </p:nvSpPr>
-          <p:spPr>
-            <a:xfrm>
-              <a:off x="6069757" y="1637713"/>
-              <a:ext cx="940257" cy="276999"/>
-            </a:xfrm>
-            <a:prstGeom prst="rect">
-              <a:avLst/>
-            </a:prstGeom>
-            <a:noFill/>
-          </p:spPr>
-          <p:txBody>
-            <a:bodyPr wrap="none" rtlCol="0">
-              <a:spAutoFit/>
-            </a:bodyPr>
-            <a:lstStyle/>
-            <a:p>
-              <a:r>
-                <a:rPr lang="en-GB" sz="1200" dirty="0"/>
-                <a:t>App-3 peers</a:t>
-              </a:r>
-            </a:p>
-          </p:txBody>
-        </p:sp>
-        <p:sp>
-          <p:nvSpPr>
-            <p:cNvPr id="165" name="Rectangle 164">
-              <a:extLst>
-                <a:ext uri="{FF2B5EF4-FFF2-40B4-BE49-F238E27FC236}">
-                  <a16:creationId xmlns:a16="http://schemas.microsoft.com/office/drawing/2014/main" id="{E381E640-23ED-E6FA-0216-7D2D86E99FF1}"/>
-                </a:ext>
-              </a:extLst>
-            </p:cNvPr>
-            <p:cNvSpPr/>
-            <p:nvPr/>
-          </p:nvSpPr>
-          <p:spPr>
-            <a:xfrm>
-              <a:off x="3420586" y="1644068"/>
-              <a:ext cx="3589428" cy="379390"/>
-            </a:xfrm>
-            <a:prstGeom prst="rect">
-              <a:avLst/>
-            </a:prstGeom>
-            <a:noFill/>
-            <a:ln>
-              <a:solidFill>
-                <a:schemeClr val="tx1"/>
-              </a:solidFill>
-              <a:prstDash val="sysDot"/>
-            </a:ln>
-          </p:spPr>
-          <p:style>
-            <a:lnRef idx="2">
-              <a:schemeClr val="accent1">
-                <a:shade val="50000"/>
-              </a:schemeClr>
-            </a:lnRef>
-            <a:fillRef idx="1">
-              <a:schemeClr val="accent1"/>
-            </a:fillRef>
-            <a:effectRef idx="0">
-              <a:schemeClr val="accent1"/>
-            </a:effectRef>
-            <a:fontRef idx="minor">
-              <a:schemeClr val="lt1"/>
-            </a:fontRef>
-          </p:style>
-          <p:txBody>
-            <a:bodyPr rtlCol="0" anchor="ctr"/>
-            <a:lstStyle/>
-            <a:p>
-              <a:pPr algn="ctr"/>
-              <a:endParaRPr lang="en-GB"/>
-            </a:p>
-          </p:txBody>
-        </p:sp>
-      </p:grpSp>
+            <a:prstDash val="sysDot"/>
+          </a:ln>
+        </p:spPr>
+        <p:style>
+          <a:lnRef idx="2">
+            <a:schemeClr val="accent1">
+              <a:shade val="50000"/>
+            </a:schemeClr>
+          </a:lnRef>
+          <a:fillRef idx="1">
+            <a:schemeClr val="accent1"/>
+          </a:fillRef>
+          <a:effectRef idx="0">
+            <a:schemeClr val="accent1"/>
+          </a:effectRef>
+          <a:fontRef idx="minor">
+            <a:schemeClr val="lt1"/>
+          </a:fontRef>
+        </p:style>
+        <p:txBody>
+          <a:bodyPr rtlCol="0" anchor="ctr"/>
+          <a:lstStyle/>
+          <a:p>
+            <a:pPr algn="ctr"/>
+            <a:endParaRPr lang="en-GB"/>
+          </a:p>
+        </p:txBody>
+      </p:sp>
       <p:cxnSp>
         <p:nvCxnSpPr>
           <p:cNvPr id="68" name="Straight Connector 67">
@@ -22516,7 +22474,7 @@
         </p:nvCxnSpPr>
         <p:spPr>
           <a:xfrm flipH="1" flipV="1">
-            <a:off x="7971707" y="3299679"/>
+            <a:off x="8261633" y="3299679"/>
             <a:ext cx="378791" cy="54751"/>
           </a:xfrm>
           <a:prstGeom prst="line">
@@ -22557,7 +22515,7 @@
         </p:nvCxnSpPr>
         <p:spPr>
           <a:xfrm flipV="1">
-            <a:off x="6760710" y="2896868"/>
+            <a:off x="6704955" y="2896868"/>
             <a:ext cx="309378" cy="601729"/>
           </a:xfrm>
           <a:prstGeom prst="line">
@@ -22594,10 +22552,10 @@
         </p:nvGrpSpPr>
         <p:grpSpPr>
           <a:xfrm>
-            <a:off x="149670" y="2302235"/>
-            <a:ext cx="5229613" cy="1210919"/>
-            <a:chOff x="175516" y="3241794"/>
-            <a:chExt cx="4744849" cy="1162779"/>
+            <a:off x="149670" y="2235323"/>
+            <a:ext cx="5229613" cy="1277825"/>
+            <a:chOff x="175516" y="3177546"/>
+            <a:chExt cx="4744849" cy="1227027"/>
           </a:xfrm>
         </p:grpSpPr>
         <p:sp>
@@ -24999,8 +24957,8 @@
           </p:nvSpPr>
           <p:spPr>
             <a:xfrm>
-              <a:off x="1861265" y="3243913"/>
-              <a:ext cx="250390" cy="246221"/>
+              <a:off x="1881499" y="3179672"/>
+              <a:ext cx="262086" cy="325095"/>
             </a:xfrm>
             <a:prstGeom prst="rect">
               <a:avLst/>
@@ -25014,7 +24972,7 @@
             <a:lstStyle/>
             <a:p>
               <a:r>
-                <a:rPr lang="en-GB" sz="1000" dirty="0"/>
+                <a:rPr lang="en-GB" sz="1600" dirty="0"/>
                 <a:t>0</a:t>
               </a:r>
             </a:p>
@@ -25034,8 +24992,8 @@
           </p:nvSpPr>
           <p:spPr>
             <a:xfrm>
-              <a:off x="3107796" y="3241794"/>
-              <a:ext cx="250390" cy="246221"/>
+              <a:off x="3128030" y="3177546"/>
+              <a:ext cx="262086" cy="325095"/>
             </a:xfrm>
             <a:prstGeom prst="rect">
               <a:avLst/>
@@ -25049,7 +25007,7 @@
             <a:lstStyle/>
             <a:p>
               <a:r>
-                <a:rPr lang="en-GB" sz="1000" dirty="0"/>
+                <a:rPr lang="en-GB" sz="1600" dirty="0"/>
                 <a:t>1</a:t>
               </a:r>
             </a:p>
@@ -25069,8 +25027,8 @@
           </p:nvSpPr>
           <p:spPr>
             <a:xfrm>
-              <a:off x="877750" y="3600968"/>
-              <a:ext cx="250390" cy="246221"/>
+              <a:off x="897985" y="3536726"/>
+              <a:ext cx="262086" cy="325095"/>
             </a:xfrm>
             <a:prstGeom prst="rect">
               <a:avLst/>
@@ -25084,7 +25042,7 @@
             <a:lstStyle/>
             <a:p>
               <a:r>
-                <a:rPr lang="en-GB" sz="1000" dirty="0"/>
+                <a:rPr lang="en-GB" sz="1600" dirty="0"/>
                 <a:t>0</a:t>
               </a:r>
             </a:p>
@@ -25104,8 +25062,8 @@
           </p:nvSpPr>
           <p:spPr>
             <a:xfrm>
-              <a:off x="1649176" y="3598866"/>
-              <a:ext cx="250390" cy="246221"/>
+              <a:off x="1669410" y="3534624"/>
+              <a:ext cx="262086" cy="325095"/>
             </a:xfrm>
             <a:prstGeom prst="rect">
               <a:avLst/>
@@ -25119,7 +25077,7 @@
             <a:lstStyle/>
             <a:p>
               <a:r>
-                <a:rPr lang="en-GB" sz="1000" dirty="0"/>
+                <a:rPr lang="en-GB" sz="1600" dirty="0"/>
                 <a:t>1</a:t>
               </a:r>
             </a:p>
@@ -25139,8 +25097,8 @@
           </p:nvSpPr>
           <p:spPr>
             <a:xfrm>
-              <a:off x="3269924" y="3597087"/>
-              <a:ext cx="250390" cy="246221"/>
+              <a:off x="3290158" y="3532845"/>
+              <a:ext cx="262086" cy="325095"/>
             </a:xfrm>
             <a:prstGeom prst="rect">
               <a:avLst/>
@@ -25154,7 +25112,7 @@
             <a:lstStyle/>
             <a:p>
               <a:r>
-                <a:rPr lang="en-GB" sz="1000" dirty="0"/>
+                <a:rPr lang="en-GB" sz="1600" dirty="0"/>
                 <a:t>0</a:t>
               </a:r>
             </a:p>
@@ -25174,8 +25132,8 @@
           </p:nvSpPr>
           <p:spPr>
             <a:xfrm>
-              <a:off x="4127844" y="3595130"/>
-              <a:ext cx="250390" cy="246221"/>
+              <a:off x="4148079" y="3530882"/>
+              <a:ext cx="262086" cy="325095"/>
             </a:xfrm>
             <a:prstGeom prst="rect">
               <a:avLst/>
@@ -25189,7 +25147,7 @@
             <a:lstStyle/>
             <a:p>
               <a:r>
-                <a:rPr lang="en-GB" sz="1000" dirty="0"/>
+                <a:rPr lang="en-GB" sz="1600" dirty="0"/>
                 <a:t>1</a:t>
               </a:r>
             </a:p>
@@ -25209,8 +25167,8 @@
           </p:nvSpPr>
           <p:spPr>
             <a:xfrm>
-              <a:off x="379191" y="3834895"/>
-              <a:ext cx="250390" cy="246221"/>
+              <a:off x="399426" y="3770654"/>
+              <a:ext cx="262086" cy="325095"/>
             </a:xfrm>
             <a:prstGeom prst="rect">
               <a:avLst/>
@@ -25224,7 +25182,7 @@
             <a:lstStyle/>
             <a:p>
               <a:r>
-                <a:rPr lang="en-GB" sz="1000" dirty="0"/>
+                <a:rPr lang="en-GB" sz="1600" dirty="0"/>
                 <a:t>0</a:t>
               </a:r>
             </a:p>
@@ -25244,8 +25202,8 @@
           </p:nvSpPr>
           <p:spPr>
             <a:xfrm>
-              <a:off x="892526" y="3833092"/>
-              <a:ext cx="250390" cy="246221"/>
+              <a:off x="912760" y="3768850"/>
+              <a:ext cx="262086" cy="325095"/>
             </a:xfrm>
             <a:prstGeom prst="rect">
               <a:avLst/>
@@ -25259,7 +25217,7 @@
             <a:lstStyle/>
             <a:p>
               <a:r>
-                <a:rPr lang="en-GB" sz="1000" dirty="0"/>
+                <a:rPr lang="en-GB" sz="1600" dirty="0"/>
                 <a:t>1</a:t>
               </a:r>
             </a:p>
@@ -25279,8 +25237,8 @@
           </p:nvSpPr>
           <p:spPr>
             <a:xfrm>
-              <a:off x="1649901" y="3830390"/>
-              <a:ext cx="250390" cy="246221"/>
+              <a:off x="1670136" y="3766148"/>
+              <a:ext cx="262086" cy="325095"/>
             </a:xfrm>
             <a:prstGeom prst="rect">
               <a:avLst/>
@@ -25294,7 +25252,7 @@
             <a:lstStyle/>
             <a:p>
               <a:r>
-                <a:rPr lang="en-GB" sz="1000" dirty="0"/>
+                <a:rPr lang="en-GB" sz="1600" dirty="0"/>
                 <a:t>0</a:t>
               </a:r>
             </a:p>
@@ -25314,8 +25272,8 @@
           </p:nvSpPr>
           <p:spPr>
             <a:xfrm>
-              <a:off x="2098776" y="3850564"/>
-              <a:ext cx="250390" cy="246221"/>
+              <a:off x="2119010" y="3786323"/>
+              <a:ext cx="262086" cy="325095"/>
             </a:xfrm>
             <a:prstGeom prst="rect">
               <a:avLst/>
@@ -25329,7 +25287,7 @@
             <a:lstStyle/>
             <a:p>
               <a:r>
-                <a:rPr lang="en-GB" sz="1000" dirty="0"/>
+                <a:rPr lang="en-GB" sz="1600" dirty="0"/>
                 <a:t>1</a:t>
               </a:r>
             </a:p>
@@ -25349,8 +25307,8 @@
           </p:nvSpPr>
           <p:spPr>
             <a:xfrm>
-              <a:off x="2792243" y="3833662"/>
-              <a:ext cx="250390" cy="246221"/>
+              <a:off x="2812477" y="3769422"/>
+              <a:ext cx="262086" cy="325095"/>
             </a:xfrm>
             <a:prstGeom prst="rect">
               <a:avLst/>
@@ -25364,7 +25322,7 @@
             <a:lstStyle/>
             <a:p>
               <a:r>
-                <a:rPr lang="en-GB" sz="1000" dirty="0"/>
+                <a:rPr lang="en-GB" sz="1600" dirty="0"/>
                 <a:t>0</a:t>
               </a:r>
             </a:p>
@@ -25384,8 +25342,8 @@
           </p:nvSpPr>
           <p:spPr>
             <a:xfrm>
-              <a:off x="3319920" y="3830390"/>
-              <a:ext cx="250390" cy="246221"/>
+              <a:off x="3340154" y="3766148"/>
+              <a:ext cx="262086" cy="325095"/>
             </a:xfrm>
             <a:prstGeom prst="rect">
               <a:avLst/>
@@ -25399,7 +25357,7 @@
             <a:lstStyle/>
             <a:p>
               <a:r>
-                <a:rPr lang="en-GB" sz="1000" dirty="0"/>
+                <a:rPr lang="en-GB" sz="1600" dirty="0"/>
                 <a:t>1</a:t>
               </a:r>
             </a:p>
@@ -25419,8 +25377,8 @@
           </p:nvSpPr>
           <p:spPr>
             <a:xfrm>
-              <a:off x="3999550" y="3837885"/>
-              <a:ext cx="250390" cy="246221"/>
+              <a:off x="4019785" y="3773644"/>
+              <a:ext cx="262086" cy="325095"/>
             </a:xfrm>
             <a:prstGeom prst="rect">
               <a:avLst/>
@@ -25434,7 +25392,7 @@
             <a:lstStyle/>
             <a:p>
               <a:r>
-                <a:rPr lang="en-GB" sz="1000" dirty="0"/>
+                <a:rPr lang="en-GB" sz="1600" dirty="0"/>
                 <a:t>0</a:t>
               </a:r>
             </a:p>
@@ -25454,8 +25412,8 @@
           </p:nvSpPr>
           <p:spPr>
             <a:xfrm>
-              <a:off x="4523538" y="3837885"/>
-              <a:ext cx="250390" cy="246221"/>
+              <a:off x="4543773" y="3773644"/>
+              <a:ext cx="262086" cy="325095"/>
             </a:xfrm>
             <a:prstGeom prst="rect">
               <a:avLst/>
@@ -25469,7 +25427,7 @@
             <a:lstStyle/>
             <a:p>
               <a:r>
-                <a:rPr lang="en-GB" sz="1000" dirty="0"/>
+                <a:rPr lang="en-GB" sz="1600" dirty="0"/>
                 <a:t>1</a:t>
               </a:r>
             </a:p>
@@ -26714,7 +26672,7 @@
         </p:nvSpPr>
         <p:spPr>
           <a:xfrm>
-            <a:off x="5550618" y="2981269"/>
+            <a:off x="5418389" y="3197396"/>
             <a:ext cx="545382" cy="375659"/>
           </a:xfrm>
           <a:prstGeom prst="notchedRightArrow">
@@ -26760,8 +26718,8 @@
         </p:nvSpPr>
         <p:spPr>
           <a:xfrm>
-            <a:off x="2218997" y="4110322"/>
-            <a:ext cx="1244571" cy="276999"/>
+            <a:off x="2218997" y="4121473"/>
+            <a:ext cx="1595180" cy="338554"/>
           </a:xfrm>
           <a:prstGeom prst="rect">
             <a:avLst/>
@@ -26775,9 +26733,168 @@
           <a:lstStyle/>
           <a:p>
             <a:r>
-              <a:rPr lang="en-GB" sz="1200" dirty="0"/>
+              <a:rPr lang="en-GB" sz="1600" dirty="0"/>
               <a:t>DHT connections</a:t>
             </a:r>
+          </a:p>
+        </p:txBody>
+      </p:sp>
+      <p:sp>
+        <p:nvSpPr>
+          <p:cNvPr id="28" name="Rectangle 27">
+            <a:extLst>
+              <a:ext uri="{FF2B5EF4-FFF2-40B4-BE49-F238E27FC236}">
+                <a16:creationId xmlns:a16="http://schemas.microsoft.com/office/drawing/2014/main" id="{46AC0AE9-FB80-75DC-D49E-3F2F4193D463}"/>
+              </a:ext>
+            </a:extLst>
+          </p:cNvPr>
+          <p:cNvSpPr/>
+          <p:nvPr/>
+        </p:nvSpPr>
+        <p:spPr>
+          <a:xfrm>
+            <a:off x="6004080" y="2438920"/>
+            <a:ext cx="1675495" cy="1720941"/>
+          </a:xfrm>
+          <a:prstGeom prst="rect">
+            <a:avLst/>
+          </a:prstGeom>
+          <a:noFill/>
+          <a:ln>
+            <a:solidFill>
+              <a:schemeClr val="tx1"/>
+            </a:solidFill>
+            <a:prstDash val="sysDot"/>
+          </a:ln>
+        </p:spPr>
+        <p:style>
+          <a:lnRef idx="2">
+            <a:schemeClr val="accent1">
+              <a:shade val="50000"/>
+            </a:schemeClr>
+          </a:lnRef>
+          <a:fillRef idx="1">
+            <a:schemeClr val="accent1"/>
+          </a:fillRef>
+          <a:effectRef idx="0">
+            <a:schemeClr val="accent1"/>
+          </a:effectRef>
+          <a:fontRef idx="minor">
+            <a:schemeClr val="lt1"/>
+          </a:fontRef>
+        </p:style>
+        <p:txBody>
+          <a:bodyPr rtlCol="0" anchor="ctr"/>
+          <a:lstStyle/>
+          <a:p>
+            <a:pPr algn="ctr"/>
+            <a:endParaRPr lang="en-GB"/>
+          </a:p>
+        </p:txBody>
+      </p:sp>
+      <p:sp>
+        <p:nvSpPr>
+          <p:cNvPr id="30" name="Rectangle 29">
+            <a:extLst>
+              <a:ext uri="{FF2B5EF4-FFF2-40B4-BE49-F238E27FC236}">
+                <a16:creationId xmlns:a16="http://schemas.microsoft.com/office/drawing/2014/main" id="{C08AC86C-D15C-73D7-8CD5-B19A39CE24EC}"/>
+              </a:ext>
+            </a:extLst>
+          </p:cNvPr>
+          <p:cNvSpPr/>
+          <p:nvPr/>
+        </p:nvSpPr>
+        <p:spPr>
+          <a:xfrm>
+            <a:off x="7761837" y="2435755"/>
+            <a:ext cx="1675495" cy="1720941"/>
+          </a:xfrm>
+          <a:prstGeom prst="rect">
+            <a:avLst/>
+          </a:prstGeom>
+          <a:noFill/>
+          <a:ln>
+            <a:solidFill>
+              <a:schemeClr val="tx1"/>
+            </a:solidFill>
+            <a:prstDash val="sysDot"/>
+          </a:ln>
+        </p:spPr>
+        <p:style>
+          <a:lnRef idx="2">
+            <a:schemeClr val="accent1">
+              <a:shade val="50000"/>
+            </a:schemeClr>
+          </a:lnRef>
+          <a:fillRef idx="1">
+            <a:schemeClr val="accent1"/>
+          </a:fillRef>
+          <a:effectRef idx="0">
+            <a:schemeClr val="accent1"/>
+          </a:effectRef>
+          <a:fontRef idx="minor">
+            <a:schemeClr val="lt1"/>
+          </a:fontRef>
+        </p:style>
+        <p:txBody>
+          <a:bodyPr rtlCol="0" anchor="ctr"/>
+          <a:lstStyle/>
+          <a:p>
+            <a:pPr algn="ctr"/>
+            <a:endParaRPr lang="en-GB"/>
+          </a:p>
+        </p:txBody>
+      </p:sp>
+      <p:sp>
+        <p:nvSpPr>
+          <p:cNvPr id="31" name="Rectangle 30">
+            <a:extLst>
+              <a:ext uri="{FF2B5EF4-FFF2-40B4-BE49-F238E27FC236}">
+                <a16:creationId xmlns:a16="http://schemas.microsoft.com/office/drawing/2014/main" id="{4AD8274A-71C6-6C6F-C329-43EE6EF9ADE9}"/>
+              </a:ext>
+            </a:extLst>
+          </p:cNvPr>
+          <p:cNvSpPr/>
+          <p:nvPr/>
+        </p:nvSpPr>
+        <p:spPr>
+          <a:xfrm>
+            <a:off x="9528556" y="2435754"/>
+            <a:ext cx="1675495" cy="1720941"/>
+          </a:xfrm>
+          <a:prstGeom prst="rect">
+            <a:avLst/>
+          </a:prstGeom>
+          <a:noFill/>
+          <a:ln>
+            <a:solidFill>
+              <a:schemeClr val="tx1"/>
+            </a:solidFill>
+            <a:prstDash val="sysDot"/>
+          </a:ln>
+        </p:spPr>
+        <p:style>
+          <a:lnRef idx="2">
+            <a:schemeClr val="accent1">
+              <a:shade val="50000"/>
+            </a:schemeClr>
+          </a:lnRef>
+          <a:fillRef idx="1">
+            <a:schemeClr val="accent1"/>
+          </a:fillRef>
+          <a:effectRef idx="0">
+            <a:schemeClr val="accent1"/>
+          </a:effectRef>
+          <a:fontRef idx="minor">
+            <a:schemeClr val="lt1"/>
+          </a:fontRef>
+        </p:style>
+        <p:txBody>
+          <a:bodyPr rtlCol="0" anchor="ctr"/>
+          <a:lstStyle/>
+          <a:p>
+            <a:pPr algn="ctr"/>
+            <a:endParaRPr lang="en-GB"/>
           </a:p>
         </p:txBody>
       </p:sp>

--- a/img/subnetwork-source.pptx
+++ b/img/subnetwork-source.pptx
@@ -262,7 +262,7 @@
           <a:p>
             <a:fld id="{06D6A9A0-8F7D-904F-8BB3-D7558471D569}" type="datetimeFigureOut">
               <a:rPr lang="en-GB" smtClean="0"/>
-              <a:t>25/10/2022</a:t>
+              <a:t>27/10/2022</a:t>
             </a:fld>
             <a:endParaRPr lang="en-GB"/>
           </a:p>
@@ -460,7 +460,7 @@
           <a:p>
             <a:fld id="{06D6A9A0-8F7D-904F-8BB3-D7558471D569}" type="datetimeFigureOut">
               <a:rPr lang="en-GB" smtClean="0"/>
-              <a:t>25/10/2022</a:t>
+              <a:t>27/10/2022</a:t>
             </a:fld>
             <a:endParaRPr lang="en-GB"/>
           </a:p>
@@ -668,7 +668,7 @@
           <a:p>
             <a:fld id="{06D6A9A0-8F7D-904F-8BB3-D7558471D569}" type="datetimeFigureOut">
               <a:rPr lang="en-GB" smtClean="0"/>
-              <a:t>25/10/2022</a:t>
+              <a:t>27/10/2022</a:t>
             </a:fld>
             <a:endParaRPr lang="en-GB"/>
           </a:p>
@@ -866,7 +866,7 @@
           <a:p>
             <a:fld id="{06D6A9A0-8F7D-904F-8BB3-D7558471D569}" type="datetimeFigureOut">
               <a:rPr lang="en-GB" smtClean="0"/>
-              <a:t>25/10/2022</a:t>
+              <a:t>27/10/2022</a:t>
             </a:fld>
             <a:endParaRPr lang="en-GB"/>
           </a:p>
@@ -1141,7 +1141,7 @@
           <a:p>
             <a:fld id="{06D6A9A0-8F7D-904F-8BB3-D7558471D569}" type="datetimeFigureOut">
               <a:rPr lang="en-GB" smtClean="0"/>
-              <a:t>25/10/2022</a:t>
+              <a:t>27/10/2022</a:t>
             </a:fld>
             <a:endParaRPr lang="en-GB"/>
           </a:p>
@@ -1406,7 +1406,7 @@
           <a:p>
             <a:fld id="{06D6A9A0-8F7D-904F-8BB3-D7558471D569}" type="datetimeFigureOut">
               <a:rPr lang="en-GB" smtClean="0"/>
-              <a:t>25/10/2022</a:t>
+              <a:t>27/10/2022</a:t>
             </a:fld>
             <a:endParaRPr lang="en-GB"/>
           </a:p>
@@ -1818,7 +1818,7 @@
           <a:p>
             <a:fld id="{06D6A9A0-8F7D-904F-8BB3-D7558471D569}" type="datetimeFigureOut">
               <a:rPr lang="en-GB" smtClean="0"/>
-              <a:t>25/10/2022</a:t>
+              <a:t>27/10/2022</a:t>
             </a:fld>
             <a:endParaRPr lang="en-GB"/>
           </a:p>
@@ -1959,7 +1959,7 @@
           <a:p>
             <a:fld id="{06D6A9A0-8F7D-904F-8BB3-D7558471D569}" type="datetimeFigureOut">
               <a:rPr lang="en-GB" smtClean="0"/>
-              <a:t>25/10/2022</a:t>
+              <a:t>27/10/2022</a:t>
             </a:fld>
             <a:endParaRPr lang="en-GB"/>
           </a:p>
@@ -2072,7 +2072,7 @@
           <a:p>
             <a:fld id="{06D6A9A0-8F7D-904F-8BB3-D7558471D569}" type="datetimeFigureOut">
               <a:rPr lang="en-GB" smtClean="0"/>
-              <a:t>25/10/2022</a:t>
+              <a:t>27/10/2022</a:t>
             </a:fld>
             <a:endParaRPr lang="en-GB"/>
           </a:p>
@@ -2383,7 +2383,7 @@
           <a:p>
             <a:fld id="{06D6A9A0-8F7D-904F-8BB3-D7558471D569}" type="datetimeFigureOut">
               <a:rPr lang="en-GB" smtClean="0"/>
-              <a:t>25/10/2022</a:t>
+              <a:t>27/10/2022</a:t>
             </a:fld>
             <a:endParaRPr lang="en-GB"/>
           </a:p>
@@ -2671,7 +2671,7 @@
           <a:p>
             <a:fld id="{06D6A9A0-8F7D-904F-8BB3-D7558471D569}" type="datetimeFigureOut">
               <a:rPr lang="en-GB" smtClean="0"/>
-              <a:t>25/10/2022</a:t>
+              <a:t>27/10/2022</a:t>
             </a:fld>
             <a:endParaRPr lang="en-GB"/>
           </a:p>
@@ -2912,7 +2912,7 @@
           <a:p>
             <a:fld id="{06D6A9A0-8F7D-904F-8BB3-D7558471D569}" type="datetimeFigureOut">
               <a:rPr lang="en-GB" smtClean="0"/>
-              <a:t>25/10/2022</a:t>
+              <a:t>27/10/2022</a:t>
             </a:fld>
             <a:endParaRPr lang="en-GB"/>
           </a:p>
@@ -22239,7 +22239,7 @@
         </p:nvSpPr>
         <p:spPr>
           <a:xfrm>
-            <a:off x="8229374" y="1997951"/>
+            <a:off x="7929332" y="2011542"/>
             <a:ext cx="1192634" cy="338554"/>
           </a:xfrm>
           <a:prstGeom prst="rect">
@@ -22274,7 +22274,7 @@
         </p:nvSpPr>
         <p:spPr>
           <a:xfrm>
-            <a:off x="9908650" y="2097193"/>
+            <a:off x="9569775" y="2097106"/>
             <a:ext cx="167425" cy="167425"/>
           </a:xfrm>
           <a:prstGeom prst="ellipse">
@@ -22328,7 +22328,7 @@
         </p:nvSpPr>
         <p:spPr>
           <a:xfrm>
-            <a:off x="8064424" y="2103817"/>
+            <a:off x="7794373" y="2102427"/>
             <a:ext cx="167425" cy="167425"/>
           </a:xfrm>
           <a:prstGeom prst="ellipse">
@@ -22382,7 +22382,7 @@
         </p:nvSpPr>
         <p:spPr>
           <a:xfrm>
-            <a:off x="10050051" y="1998164"/>
+            <a:off x="9763447" y="2010085"/>
             <a:ext cx="1192634" cy="338554"/>
           </a:xfrm>
           <a:prstGeom prst="rect">
@@ -22424,11 +22424,11 @@
             <a:avLst/>
           </a:prstGeom>
           <a:noFill/>
-          <a:ln>
+          <a:ln w="19050">
             <a:solidFill>
               <a:schemeClr val="tx1"/>
             </a:solidFill>
-            <a:prstDash val="sysDot"/>
+            <a:prstDash val="solid"/>
           </a:ln>
         </p:spPr>
         <p:style>
@@ -26718,8 +26718,8 @@
         </p:nvSpPr>
         <p:spPr>
           <a:xfrm>
-            <a:off x="2218997" y="4121473"/>
-            <a:ext cx="1595180" cy="338554"/>
+            <a:off x="1960143" y="4110320"/>
+            <a:ext cx="1774525" cy="369332"/>
           </a:xfrm>
           <a:prstGeom prst="rect">
             <a:avLst/>
@@ -26733,7 +26733,7 @@
           <a:lstStyle/>
           <a:p>
             <a:r>
-              <a:rPr lang="en-GB" sz="1600" dirty="0"/>
+              <a:rPr lang="en-GB" dirty="0"/>
               <a:t>DHT connections</a:t>
             </a:r>
           </a:p>
